--- a/doc/I2C_BACKPLANE_SPEC.pptx
+++ b/doc/I2C_BACKPLANE_SPEC.pptx
@@ -111,7 +111,16 @@
       </a:defRPr>
     </a:lvl9pPr>
   </p:defaultTextStyle>
+  <p:extLst>
+    <p:ext uri="{EFAFB233-063F-42B5-8137-9DF3F51BA10A}">
+      <p15:sldGuideLst xmlns:p15="http://schemas.microsoft.com/office/powerpoint/2012/main"/>
+    </p:ext>
+  </p:extLst>
 </p:presentation>
+</file>
+
+<file path=ppt/revisionInfo.xml><?xml version="1.0" encoding="utf-8"?>
+<p1510:revInfo xmlns:a="http://schemas.openxmlformats.org/drawingml/2006/main" xmlns:r="http://schemas.openxmlformats.org/officeDocument/2006/relationships" xmlns:p1510="http://schemas.microsoft.com/office/powerpoint/2015/10/main"/>
 </file>
 
 <file path=ppt/slideLayouts/slideLayout1.xml><?xml version="1.0" encoding="utf-8"?>
@@ -5295,14 +5304,19 @@
             <p:ph type="title"/>
           </p:nvPr>
         </p:nvSpPr>
-        <p:spPr/>
+        <p:spPr>
+          <a:xfrm>
+            <a:off x="838200" y="365125"/>
+            <a:ext cx="10515600" cy="1325563"/>
+          </a:xfrm>
+        </p:spPr>
         <p:txBody>
           <a:bodyPr/>
           <a:lstStyle/>
           <a:p>
             <a:r>
               <a:rPr kumimoji="1" lang="en-US" altLang="ja-JP" dirty="0"/>
-              <a:t>Scheduler and 100msec time slot</a:t>
+              <a:t>Scheduler and 50msec time slot</a:t>
             </a:r>
             <a:endParaRPr kumimoji="1" lang="ja-JP" altLang="en-US" dirty="0"/>
           </a:p>
@@ -5317,14 +5331,14 @@
           <p:nvPr>
             <p:extLst>
               <p:ext uri="{D42A27DB-BD31-4B8C-83A1-F6EECF244321}">
-                <p14:modId xmlns:p14="http://schemas.microsoft.com/office/powerpoint/2010/main" val="3556886060"/>
+                <p14:modId xmlns:p14="http://schemas.microsoft.com/office/powerpoint/2010/main" val="2932535357"/>
               </p:ext>
             </p:extLst>
           </p:nvPr>
         </p:nvGraphicFramePr>
         <p:xfrm>
-          <a:off x="7169608" y="1866508"/>
-          <a:ext cx="2059234" cy="4644880"/>
+          <a:off x="7080409" y="1461157"/>
+          <a:ext cx="2002450" cy="5196840"/>
         </p:xfrm>
         <a:graphic>
           <a:graphicData uri="http://schemas.openxmlformats.org/drawingml/2006/table">
@@ -5333,14 +5347,14 @@
                 <a:tableStyleId>{5940675A-B579-460E-94D1-54222C63F5DA}</a:tableStyleId>
               </a:tblPr>
               <a:tblGrid>
-                <a:gridCol w="550944">
+                <a:gridCol w="535752">
                   <a:extLst>
                     <a:ext uri="{9D8B030D-6E8A-4147-A177-3AD203B41FA5}">
                       <a16:colId xmlns:a16="http://schemas.microsoft.com/office/drawing/2014/main" val="3149032176"/>
                     </a:ext>
                   </a:extLst>
                 </a:gridCol>
-                <a:gridCol w="1508290">
+                <a:gridCol w="1466698">
                   <a:extLst>
                     <a:ext uri="{9D8B030D-6E8A-4147-A177-3AD203B41FA5}">
                       <a16:colId xmlns:a16="http://schemas.microsoft.com/office/drawing/2014/main" val="3436855959"/>
@@ -5348,17 +5362,17 @@
                   </a:extLst>
                 </a:gridCol>
               </a:tblGrid>
-              <a:tr h="464488">
+              <a:tr h="259080">
                 <a:tc>
                   <a:txBody>
                     <a:bodyPr/>
                     <a:lstStyle/>
                     <a:p>
                       <a:r>
-                        <a:rPr kumimoji="1" lang="en-US" altLang="ja-JP" sz="2400" dirty="0"/>
+                        <a:rPr kumimoji="1" lang="en-US" altLang="ja-JP" sz="1100" dirty="0"/>
                         <a:t>#0</a:t>
                       </a:r>
-                      <a:endParaRPr kumimoji="1" lang="ja-JP" altLang="en-US" sz="2400" dirty="0"/>
+                      <a:endParaRPr kumimoji="1" lang="ja-JP" altLang="en-US" sz="1100" dirty="0"/>
                     </a:p>
                   </a:txBody>
                   <a:tcPr/>
@@ -5369,13 +5383,17 @@
                     <a:lstStyle/>
                     <a:p>
                       <a:r>
-                        <a:rPr kumimoji="1" lang="en-US" altLang="ja-JP" sz="2400" dirty="0"/>
+                        <a:rPr kumimoji="1" lang="en-US" altLang="ja-JP" sz="1100" dirty="0"/>
                         <a:t>PLG</a:t>
                       </a:r>
-                      <a:endParaRPr kumimoji="1" lang="ja-JP" altLang="en-US" sz="2400" dirty="0"/>
+                      <a:endParaRPr kumimoji="1" lang="ja-JP" altLang="en-US" sz="1100" dirty="0"/>
                     </a:p>
                   </a:txBody>
-                  <a:tcPr/>
+                  <a:tcPr>
+                    <a:solidFill>
+                      <a:srgbClr val="00B0F0"/>
+                    </a:solidFill>
+                  </a:tcPr>
                 </a:tc>
                 <a:extLst>
                   <a:ext uri="{0D108BD9-81ED-4DB2-BD59-A6C34878D82A}">
@@ -5383,17 +5401,17 @@
                   </a:ext>
                 </a:extLst>
               </a:tr>
-              <a:tr h="464488">
+              <a:tr h="129540">
                 <a:tc>
                   <a:txBody>
                     <a:bodyPr/>
                     <a:lstStyle/>
                     <a:p>
                       <a:r>
-                        <a:rPr kumimoji="1" lang="en-US" altLang="ja-JP" sz="2400" dirty="0"/>
+                        <a:rPr kumimoji="1" lang="en-US" altLang="ja-JP" sz="1100" dirty="0"/>
                         <a:t>#1</a:t>
                       </a:r>
-                      <a:endParaRPr kumimoji="1" lang="ja-JP" altLang="en-US" sz="2400" dirty="0"/>
+                      <a:endParaRPr kumimoji="1" lang="ja-JP" altLang="en-US" sz="1100" dirty="0"/>
                     </a:p>
                   </a:txBody>
                   <a:tcPr/>
@@ -5404,13 +5422,20 @@
                     <a:lstStyle/>
                     <a:p>
                       <a:r>
-                        <a:rPr kumimoji="1" lang="en-US" altLang="ja-JP" sz="2400" dirty="0"/>
-                        <a:t>CMD</a:t>
+                        <a:rPr kumimoji="1" lang="en-US" altLang="ja-JP" sz="1100" dirty="0"/>
+                        <a:t>ADT</a:t>
                       </a:r>
-                      <a:endParaRPr kumimoji="1" lang="ja-JP" altLang="en-US" sz="2400" dirty="0"/>
+                      <a:endParaRPr kumimoji="1" lang="ja-JP" altLang="en-US" sz="1100" dirty="0"/>
                     </a:p>
                   </a:txBody>
-                  <a:tcPr/>
+                  <a:tcPr>
+                    <a:solidFill>
+                      <a:schemeClr val="tx2">
+                        <a:lumMod val="40000"/>
+                        <a:lumOff val="60000"/>
+                      </a:schemeClr>
+                    </a:solidFill>
+                  </a:tcPr>
                 </a:tc>
                 <a:extLst>
                   <a:ext uri="{0D108BD9-81ED-4DB2-BD59-A6C34878D82A}">
@@ -5418,17 +5443,17 @@
                   </a:ext>
                 </a:extLst>
               </a:tr>
-              <a:tr h="464488">
+              <a:tr h="129540">
                 <a:tc>
                   <a:txBody>
                     <a:bodyPr/>
                     <a:lstStyle/>
                     <a:p>
                       <a:r>
-                        <a:rPr kumimoji="1" lang="en-US" altLang="ja-JP" sz="2400" dirty="0"/>
+                        <a:rPr kumimoji="1" lang="en-US" altLang="ja-JP" sz="1100" dirty="0"/>
                         <a:t>#2</a:t>
                       </a:r>
-                      <a:endParaRPr kumimoji="1" lang="ja-JP" altLang="en-US" sz="2400" dirty="0"/>
+                      <a:endParaRPr kumimoji="1" lang="ja-JP" altLang="en-US" sz="1100" dirty="0"/>
                     </a:p>
                   </a:txBody>
                   <a:tcPr/>
@@ -5439,31 +5464,38 @@
                     <a:lstStyle/>
                     <a:p>
                       <a:r>
-                        <a:rPr kumimoji="1" lang="en-US" altLang="ja-JP" sz="2400" dirty="0"/>
-                        <a:t>(SEN)</a:t>
+                        <a:rPr kumimoji="1" lang="en-US" altLang="ja-JP" sz="1100" dirty="0"/>
+                        <a:t>CMD</a:t>
                       </a:r>
-                      <a:endParaRPr kumimoji="1" lang="ja-JP" altLang="en-US" sz="2400" dirty="0"/>
+                      <a:endParaRPr kumimoji="1" lang="ja-JP" altLang="en-US" sz="1100" dirty="0"/>
                     </a:p>
                   </a:txBody>
-                  <a:tcPr/>
+                  <a:tcPr>
+                    <a:solidFill>
+                      <a:schemeClr val="accent6">
+                        <a:lumMod val="60000"/>
+                        <a:lumOff val="40000"/>
+                      </a:schemeClr>
+                    </a:solidFill>
+                  </a:tcPr>
                 </a:tc>
                 <a:extLst>
                   <a:ext uri="{0D108BD9-81ED-4DB2-BD59-A6C34878D82A}">
-                    <a16:rowId xmlns:a16="http://schemas.microsoft.com/office/drawing/2014/main" val="68926861"/>
+                    <a16:rowId xmlns:a16="http://schemas.microsoft.com/office/drawing/2014/main" val="2132888530"/>
                   </a:ext>
                 </a:extLst>
               </a:tr>
-              <a:tr h="464488">
+              <a:tr h="230014">
                 <a:tc>
                   <a:txBody>
                     <a:bodyPr/>
                     <a:lstStyle/>
                     <a:p>
                       <a:r>
-                        <a:rPr kumimoji="1" lang="en-US" altLang="ja-JP" sz="2400" dirty="0"/>
-                        <a:t>#3</a:t>
+                        <a:rPr kumimoji="1" lang="en-US" altLang="ja-JP" sz="1100" dirty="0"/>
+                        <a:t>#3a</a:t>
                       </a:r>
-                      <a:endParaRPr kumimoji="1" lang="ja-JP" altLang="en-US" sz="2400" dirty="0"/>
+                      <a:endParaRPr kumimoji="1" lang="ja-JP" altLang="en-US" sz="1100" dirty="0"/>
                     </a:p>
                   </a:txBody>
                   <a:tcPr/>
@@ -5474,31 +5506,38 @@
                     <a:lstStyle/>
                     <a:p>
                       <a:r>
-                        <a:rPr kumimoji="1" lang="en-US" altLang="ja-JP" sz="2400" dirty="0"/>
-                        <a:t>(SEN)</a:t>
+                        <a:rPr kumimoji="1" lang="en-US" altLang="ja-JP" sz="1100" dirty="0"/>
+                        <a:t>INV</a:t>
                       </a:r>
-                      <a:endParaRPr kumimoji="1" lang="ja-JP" altLang="en-US" sz="2400" dirty="0"/>
+                      <a:endParaRPr kumimoji="1" lang="ja-JP" altLang="en-US" sz="1100" dirty="0"/>
                     </a:p>
                   </a:txBody>
-                  <a:tcPr/>
+                  <a:tcPr>
+                    <a:solidFill>
+                      <a:schemeClr val="accent4">
+                        <a:lumMod val="40000"/>
+                        <a:lumOff val="60000"/>
+                      </a:schemeClr>
+                    </a:solidFill>
+                  </a:tcPr>
                 </a:tc>
                 <a:extLst>
                   <a:ext uri="{0D108BD9-81ED-4DB2-BD59-A6C34878D82A}">
-                    <a16:rowId xmlns:a16="http://schemas.microsoft.com/office/drawing/2014/main" val="3168637519"/>
+                    <a16:rowId xmlns:a16="http://schemas.microsoft.com/office/drawing/2014/main" val="68926861"/>
                   </a:ext>
                 </a:extLst>
               </a:tr>
-              <a:tr h="464488">
+              <a:tr h="230014">
                 <a:tc>
                   <a:txBody>
                     <a:bodyPr/>
                     <a:lstStyle/>
                     <a:p>
                       <a:r>
-                        <a:rPr kumimoji="1" lang="en-US" altLang="ja-JP" sz="2400" dirty="0"/>
-                        <a:t>#4</a:t>
+                        <a:rPr kumimoji="1" lang="en-US" altLang="ja-JP" sz="1100" dirty="0"/>
+                        <a:t>#3b</a:t>
                       </a:r>
-                      <a:endParaRPr kumimoji="1" lang="ja-JP" altLang="en-US" sz="2400" dirty="0"/>
+                      <a:endParaRPr kumimoji="1" lang="ja-JP" altLang="en-US" sz="1100" dirty="0"/>
                     </a:p>
                   </a:txBody>
                   <a:tcPr/>
@@ -5509,31 +5548,38 @@
                     <a:lstStyle/>
                     <a:p>
                       <a:r>
-                        <a:rPr kumimoji="1" lang="en-US" altLang="ja-JP" sz="2400" dirty="0"/>
-                        <a:t>(SEN)</a:t>
+                        <a:rPr kumimoji="1" lang="en-US" altLang="ja-JP" sz="1100" dirty="0"/>
+                        <a:t>SEN</a:t>
                       </a:r>
-                      <a:endParaRPr kumimoji="1" lang="ja-JP" altLang="en-US" sz="2400" dirty="0"/>
+                      <a:endParaRPr kumimoji="1" lang="ja-JP" altLang="en-US" sz="1100" dirty="0"/>
                     </a:p>
                   </a:txBody>
-                  <a:tcPr/>
+                  <a:tcPr>
+                    <a:solidFill>
+                      <a:schemeClr val="accent4">
+                        <a:lumMod val="40000"/>
+                        <a:lumOff val="60000"/>
+                      </a:schemeClr>
+                    </a:solidFill>
+                  </a:tcPr>
                 </a:tc>
                 <a:extLst>
                   <a:ext uri="{0D108BD9-81ED-4DB2-BD59-A6C34878D82A}">
-                    <a16:rowId xmlns:a16="http://schemas.microsoft.com/office/drawing/2014/main" val="3135119115"/>
+                    <a16:rowId xmlns:a16="http://schemas.microsoft.com/office/drawing/2014/main" val="3168637519"/>
                   </a:ext>
                 </a:extLst>
               </a:tr>
-              <a:tr h="464488">
+              <a:tr h="230014">
                 <a:tc>
                   <a:txBody>
                     <a:bodyPr/>
                     <a:lstStyle/>
                     <a:p>
                       <a:r>
-                        <a:rPr kumimoji="1" lang="en-US" altLang="ja-JP" sz="2400" dirty="0"/>
-                        <a:t>#5</a:t>
+                        <a:rPr kumimoji="1" lang="en-US" altLang="ja-JP" sz="1100" dirty="0"/>
+                        <a:t>#4a</a:t>
                       </a:r>
-                      <a:endParaRPr kumimoji="1" lang="ja-JP" altLang="en-US" sz="2400" dirty="0"/>
+                      <a:endParaRPr kumimoji="1" lang="ja-JP" altLang="en-US" sz="1100" dirty="0"/>
                     </a:p>
                   </a:txBody>
                   <a:tcPr/>
@@ -5544,31 +5590,38 @@
                     <a:lstStyle/>
                     <a:p>
                       <a:r>
-                        <a:rPr kumimoji="1" lang="en-US" altLang="ja-JP" sz="2400" dirty="0"/>
-                        <a:t>(SEN)</a:t>
+                        <a:rPr kumimoji="1" lang="en-US" altLang="ja-JP" sz="1100" dirty="0"/>
+                        <a:t>INV</a:t>
                       </a:r>
-                      <a:endParaRPr kumimoji="1" lang="ja-JP" altLang="en-US" sz="2400" dirty="0"/>
+                      <a:endParaRPr kumimoji="1" lang="ja-JP" altLang="en-US" sz="1100" dirty="0"/>
                     </a:p>
                   </a:txBody>
-                  <a:tcPr/>
+                  <a:tcPr>
+                    <a:solidFill>
+                      <a:schemeClr val="accent4">
+                        <a:lumMod val="40000"/>
+                        <a:lumOff val="60000"/>
+                      </a:schemeClr>
+                    </a:solidFill>
+                  </a:tcPr>
                 </a:tc>
                 <a:extLst>
                   <a:ext uri="{0D108BD9-81ED-4DB2-BD59-A6C34878D82A}">
-                    <a16:rowId xmlns:a16="http://schemas.microsoft.com/office/drawing/2014/main" val="1491773428"/>
+                    <a16:rowId xmlns:a16="http://schemas.microsoft.com/office/drawing/2014/main" val="3135119115"/>
                   </a:ext>
                 </a:extLst>
               </a:tr>
-              <a:tr h="464488">
+              <a:tr h="230014">
                 <a:tc>
                   <a:txBody>
                     <a:bodyPr/>
                     <a:lstStyle/>
                     <a:p>
                       <a:r>
-                        <a:rPr kumimoji="1" lang="en-US" altLang="ja-JP" sz="2400" dirty="0"/>
-                        <a:t>#6</a:t>
+                        <a:rPr kumimoji="1" lang="en-US" altLang="ja-JP" sz="1100" dirty="0"/>
+                        <a:t>#4b</a:t>
                       </a:r>
-                      <a:endParaRPr kumimoji="1" lang="ja-JP" altLang="en-US" sz="2400" dirty="0"/>
+                      <a:endParaRPr kumimoji="1" lang="ja-JP" altLang="en-US" sz="1100" dirty="0"/>
                     </a:p>
                   </a:txBody>
                   <a:tcPr/>
@@ -5579,31 +5632,38 @@
                     <a:lstStyle/>
                     <a:p>
                       <a:r>
-                        <a:rPr kumimoji="1" lang="en-US" altLang="ja-JP" sz="2400" dirty="0"/>
-                        <a:t>CMD</a:t>
+                        <a:rPr kumimoji="1" lang="en-US" altLang="ja-JP" sz="1100" dirty="0"/>
+                        <a:t>SEN</a:t>
                       </a:r>
-                      <a:endParaRPr kumimoji="1" lang="ja-JP" altLang="en-US" sz="2400" dirty="0"/>
+                      <a:endParaRPr kumimoji="1" lang="ja-JP" altLang="en-US" sz="1100" dirty="0"/>
                     </a:p>
                   </a:txBody>
-                  <a:tcPr/>
+                  <a:tcPr>
+                    <a:solidFill>
+                      <a:schemeClr val="accent4">
+                        <a:lumMod val="40000"/>
+                        <a:lumOff val="60000"/>
+                      </a:schemeClr>
+                    </a:solidFill>
+                  </a:tcPr>
                 </a:tc>
                 <a:extLst>
                   <a:ext uri="{0D108BD9-81ED-4DB2-BD59-A6C34878D82A}">
-                    <a16:rowId xmlns:a16="http://schemas.microsoft.com/office/drawing/2014/main" val="1253745580"/>
+                    <a16:rowId xmlns:a16="http://schemas.microsoft.com/office/drawing/2014/main" val="1491773428"/>
                   </a:ext>
                 </a:extLst>
               </a:tr>
-              <a:tr h="464488">
+              <a:tr h="230014">
                 <a:tc>
                   <a:txBody>
                     <a:bodyPr/>
                     <a:lstStyle/>
                     <a:p>
                       <a:r>
-                        <a:rPr kumimoji="1" lang="en-US" altLang="ja-JP" sz="2400" dirty="0"/>
-                        <a:t>#7</a:t>
+                        <a:rPr kumimoji="1" lang="en-US" altLang="ja-JP" sz="1100" dirty="0"/>
+                        <a:t>#5a</a:t>
                       </a:r>
-                      <a:endParaRPr kumimoji="1" lang="ja-JP" altLang="en-US" sz="2400" dirty="0"/>
+                      <a:endParaRPr kumimoji="1" lang="ja-JP" altLang="en-US" sz="1100" dirty="0"/>
                     </a:p>
                   </a:txBody>
                   <a:tcPr/>
@@ -5614,31 +5674,38 @@
                     <a:lstStyle/>
                     <a:p>
                       <a:r>
-                        <a:rPr kumimoji="1" lang="en-US" altLang="ja-JP" sz="2400" dirty="0"/>
-                        <a:t>(SEN)</a:t>
+                        <a:rPr kumimoji="1" lang="en-US" altLang="ja-JP" sz="1100" dirty="0"/>
+                        <a:t>INV</a:t>
                       </a:r>
-                      <a:endParaRPr kumimoji="1" lang="ja-JP" altLang="en-US" sz="2400" dirty="0"/>
+                      <a:endParaRPr kumimoji="1" lang="ja-JP" altLang="en-US" sz="1100" dirty="0"/>
                     </a:p>
                   </a:txBody>
-                  <a:tcPr/>
+                  <a:tcPr>
+                    <a:solidFill>
+                      <a:schemeClr val="accent4">
+                        <a:lumMod val="40000"/>
+                        <a:lumOff val="60000"/>
+                      </a:schemeClr>
+                    </a:solidFill>
+                  </a:tcPr>
                 </a:tc>
                 <a:extLst>
                   <a:ext uri="{0D108BD9-81ED-4DB2-BD59-A6C34878D82A}">
-                    <a16:rowId xmlns:a16="http://schemas.microsoft.com/office/drawing/2014/main" val="442241241"/>
+                    <a16:rowId xmlns:a16="http://schemas.microsoft.com/office/drawing/2014/main" val="1253745580"/>
                   </a:ext>
                 </a:extLst>
               </a:tr>
-              <a:tr h="464488">
+              <a:tr h="230014">
                 <a:tc>
                   <a:txBody>
                     <a:bodyPr/>
                     <a:lstStyle/>
                     <a:p>
                       <a:r>
-                        <a:rPr kumimoji="1" lang="en-US" altLang="ja-JP" sz="2400" dirty="0"/>
-                        <a:t>#8</a:t>
+                        <a:rPr kumimoji="1" lang="en-US" altLang="ja-JP" sz="1100" dirty="0"/>
+                        <a:t>#5b</a:t>
                       </a:r>
-                      <a:endParaRPr kumimoji="1" lang="ja-JP" altLang="en-US" sz="2400" dirty="0"/>
+                      <a:endParaRPr kumimoji="1" lang="ja-JP" altLang="en-US" sz="1100" dirty="0"/>
                     </a:p>
                   </a:txBody>
                   <a:tcPr/>
@@ -5649,31 +5716,38 @@
                     <a:lstStyle/>
                     <a:p>
                       <a:r>
-                        <a:rPr kumimoji="1" lang="en-US" altLang="ja-JP" sz="2400" dirty="0"/>
-                        <a:t>(SEN)</a:t>
+                        <a:rPr kumimoji="1" lang="en-US" altLang="ja-JP" sz="1100" dirty="0"/>
+                        <a:t>SEN</a:t>
                       </a:r>
-                      <a:endParaRPr kumimoji="1" lang="ja-JP" altLang="en-US" sz="2400" dirty="0"/>
+                      <a:endParaRPr kumimoji="1" lang="ja-JP" altLang="en-US" sz="1100" dirty="0"/>
                     </a:p>
                   </a:txBody>
-                  <a:tcPr/>
+                  <a:tcPr>
+                    <a:solidFill>
+                      <a:schemeClr val="accent4">
+                        <a:lumMod val="40000"/>
+                        <a:lumOff val="60000"/>
+                      </a:schemeClr>
+                    </a:solidFill>
+                  </a:tcPr>
                 </a:tc>
                 <a:extLst>
                   <a:ext uri="{0D108BD9-81ED-4DB2-BD59-A6C34878D82A}">
-                    <a16:rowId xmlns:a16="http://schemas.microsoft.com/office/drawing/2014/main" val="3944609109"/>
+                    <a16:rowId xmlns:a16="http://schemas.microsoft.com/office/drawing/2014/main" val="442241241"/>
                   </a:ext>
                 </a:extLst>
               </a:tr>
-              <a:tr h="464488">
+              <a:tr h="274320">
                 <a:tc>
                   <a:txBody>
                     <a:bodyPr/>
                     <a:lstStyle/>
                     <a:p>
                       <a:r>
-                        <a:rPr kumimoji="1" lang="en-US" altLang="ja-JP" sz="2400" dirty="0"/>
-                        <a:t>#9</a:t>
+                        <a:rPr kumimoji="1" lang="en-US" altLang="ja-JP" sz="1100" dirty="0"/>
+                        <a:t>#6a</a:t>
                       </a:r>
-                      <a:endParaRPr kumimoji="1" lang="ja-JP" altLang="en-US" sz="2400" dirty="0"/>
+                      <a:endParaRPr kumimoji="1" lang="ja-JP" altLang="en-US" sz="1100" dirty="0"/>
                     </a:p>
                   </a:txBody>
                   <a:tcPr/>
@@ -5684,13 +5758,62 @@
                     <a:lstStyle/>
                     <a:p>
                       <a:r>
-                        <a:rPr kumimoji="1" lang="en-US" altLang="ja-JP" sz="2400" dirty="0"/>
-                        <a:t>(SEN)</a:t>
+                        <a:rPr kumimoji="1" lang="en-US" altLang="ja-JP" sz="1100" dirty="0"/>
+                        <a:t>INV</a:t>
                       </a:r>
-                      <a:endParaRPr kumimoji="1" lang="ja-JP" altLang="en-US" sz="2400" dirty="0"/>
+                      <a:endParaRPr kumimoji="1" lang="ja-JP" altLang="en-US" sz="1100" dirty="0"/>
+                    </a:p>
+                  </a:txBody>
+                  <a:tcPr>
+                    <a:solidFill>
+                      <a:schemeClr val="accent4">
+                        <a:lumMod val="40000"/>
+                        <a:lumOff val="60000"/>
+                      </a:schemeClr>
+                    </a:solidFill>
+                  </a:tcPr>
+                </a:tc>
+                <a:extLst>
+                  <a:ext uri="{0D108BD9-81ED-4DB2-BD59-A6C34878D82A}">
+                    <a16:rowId xmlns:a16="http://schemas.microsoft.com/office/drawing/2014/main" val="3944609109"/>
+                  </a:ext>
+                </a:extLst>
+              </a:tr>
+              <a:tr h="230014">
+                <a:tc>
+                  <a:txBody>
+                    <a:bodyPr/>
+                    <a:lstStyle/>
+                    <a:p>
+                      <a:r>
+                        <a:rPr kumimoji="1" lang="en-US" altLang="ja-JP" sz="1100" dirty="0"/>
+                        <a:t>#6b</a:t>
+                      </a:r>
+                      <a:endParaRPr kumimoji="1" lang="ja-JP" altLang="en-US" sz="1100" dirty="0"/>
                     </a:p>
                   </a:txBody>
                   <a:tcPr/>
+                </a:tc>
+                <a:tc>
+                  <a:txBody>
+                    <a:bodyPr/>
+                    <a:lstStyle/>
+                    <a:p>
+                      <a:r>
+                        <a:rPr kumimoji="1" lang="en-US" altLang="ja-JP" sz="1100" dirty="0"/>
+                        <a:t>SEN</a:t>
+                      </a:r>
+                      <a:endParaRPr kumimoji="1" lang="ja-JP" altLang="en-US" sz="1100" dirty="0"/>
+                    </a:p>
+                  </a:txBody>
+                  <a:tcPr>
+                    <a:solidFill>
+                      <a:schemeClr val="accent4">
+                        <a:lumMod val="40000"/>
+                        <a:lumOff val="60000"/>
+                      </a:schemeClr>
+                    </a:solidFill>
+                  </a:tcPr>
                 </a:tc>
                 <a:extLst>
                   <a:ext uri="{0D108BD9-81ED-4DB2-BD59-A6C34878D82A}">
@@ -5698,77 +5821,388 @@
                   </a:ext>
                 </a:extLst>
               </a:tr>
+              <a:tr h="230014">
+                <a:tc>
+                  <a:txBody>
+                    <a:bodyPr/>
+                    <a:lstStyle/>
+                    <a:p>
+                      <a:r>
+                        <a:rPr kumimoji="1" lang="en-US" altLang="ja-JP" sz="1100" dirty="0"/>
+                        <a:t>#7</a:t>
+                      </a:r>
+                      <a:endParaRPr kumimoji="1" lang="ja-JP" altLang="en-US" sz="1100" dirty="0"/>
+                    </a:p>
+                  </a:txBody>
+                  <a:tcPr/>
+                </a:tc>
+                <a:tc>
+                  <a:txBody>
+                    <a:bodyPr/>
+                    <a:lstStyle/>
+                    <a:p>
+                      <a:r>
+                        <a:rPr kumimoji="1" lang="en-US" altLang="ja-JP" sz="1100" dirty="0"/>
+                        <a:t>CMD</a:t>
+                      </a:r>
+                      <a:endParaRPr kumimoji="1" lang="ja-JP" altLang="en-US" sz="1100" dirty="0"/>
+                    </a:p>
+                  </a:txBody>
+                  <a:tcPr>
+                    <a:solidFill>
+                      <a:schemeClr val="accent6">
+                        <a:lumMod val="60000"/>
+                        <a:lumOff val="40000"/>
+                      </a:schemeClr>
+                    </a:solidFill>
+                  </a:tcPr>
+                </a:tc>
+                <a:extLst>
+                  <a:ext uri="{0D108BD9-81ED-4DB2-BD59-A6C34878D82A}">
+                    <a16:rowId xmlns:a16="http://schemas.microsoft.com/office/drawing/2014/main" val="3385670619"/>
+                  </a:ext>
+                </a:extLst>
+              </a:tr>
+              <a:tr h="230014">
+                <a:tc>
+                  <a:txBody>
+                    <a:bodyPr/>
+                    <a:lstStyle/>
+                    <a:p>
+                      <a:r>
+                        <a:rPr kumimoji="1" lang="en-US" altLang="ja-JP" sz="1100" dirty="0"/>
+                        <a:t>#8a</a:t>
+                      </a:r>
+                      <a:endParaRPr kumimoji="1" lang="ja-JP" altLang="en-US" sz="1100" dirty="0"/>
+                    </a:p>
+                  </a:txBody>
+                  <a:tcPr/>
+                </a:tc>
+                <a:tc>
+                  <a:txBody>
+                    <a:bodyPr/>
+                    <a:lstStyle/>
+                    <a:p>
+                      <a:r>
+                        <a:rPr kumimoji="1" lang="en-US" altLang="ja-JP" sz="1100" dirty="0"/>
+                        <a:t>INV</a:t>
+                      </a:r>
+                      <a:endParaRPr kumimoji="1" lang="ja-JP" altLang="en-US" sz="1100" dirty="0"/>
+                    </a:p>
+                  </a:txBody>
+                  <a:tcPr>
+                    <a:solidFill>
+                      <a:schemeClr val="accent4">
+                        <a:lumMod val="40000"/>
+                        <a:lumOff val="60000"/>
+                      </a:schemeClr>
+                    </a:solidFill>
+                  </a:tcPr>
+                </a:tc>
+                <a:extLst>
+                  <a:ext uri="{0D108BD9-81ED-4DB2-BD59-A6C34878D82A}">
+                    <a16:rowId xmlns:a16="http://schemas.microsoft.com/office/drawing/2014/main" val="1388251568"/>
+                  </a:ext>
+                </a:extLst>
+              </a:tr>
+              <a:tr h="230014">
+                <a:tc>
+                  <a:txBody>
+                    <a:bodyPr/>
+                    <a:lstStyle/>
+                    <a:p>
+                      <a:r>
+                        <a:rPr kumimoji="1" lang="en-US" altLang="ja-JP" sz="1100" dirty="0"/>
+                        <a:t>#8b</a:t>
+                      </a:r>
+                      <a:endParaRPr kumimoji="1" lang="ja-JP" altLang="en-US" sz="1100" dirty="0"/>
+                    </a:p>
+                  </a:txBody>
+                  <a:tcPr/>
+                </a:tc>
+                <a:tc>
+                  <a:txBody>
+                    <a:bodyPr/>
+                    <a:lstStyle/>
+                    <a:p>
+                      <a:r>
+                        <a:rPr kumimoji="1" lang="en-US" altLang="ja-JP" sz="1100" dirty="0"/>
+                        <a:t>SEN</a:t>
+                      </a:r>
+                      <a:endParaRPr kumimoji="1" lang="ja-JP" altLang="en-US" sz="1100" dirty="0"/>
+                    </a:p>
+                  </a:txBody>
+                  <a:tcPr>
+                    <a:solidFill>
+                      <a:schemeClr val="accent4">
+                        <a:lumMod val="40000"/>
+                        <a:lumOff val="60000"/>
+                      </a:schemeClr>
+                    </a:solidFill>
+                  </a:tcPr>
+                </a:tc>
+                <a:extLst>
+                  <a:ext uri="{0D108BD9-81ED-4DB2-BD59-A6C34878D82A}">
+                    <a16:rowId xmlns:a16="http://schemas.microsoft.com/office/drawing/2014/main" val="1702314910"/>
+                  </a:ext>
+                </a:extLst>
+              </a:tr>
+              <a:tr h="230014">
+                <a:tc>
+                  <a:txBody>
+                    <a:bodyPr/>
+                    <a:lstStyle/>
+                    <a:p>
+                      <a:r>
+                        <a:rPr kumimoji="1" lang="en-US" altLang="ja-JP" sz="1100" dirty="0"/>
+                        <a:t>#9a</a:t>
+                      </a:r>
+                      <a:endParaRPr kumimoji="1" lang="ja-JP" altLang="en-US" sz="1100" dirty="0"/>
+                    </a:p>
+                  </a:txBody>
+                  <a:tcPr/>
+                </a:tc>
+                <a:tc>
+                  <a:txBody>
+                    <a:bodyPr/>
+                    <a:lstStyle/>
+                    <a:p>
+                      <a:r>
+                        <a:rPr kumimoji="1" lang="en-US" altLang="ja-JP" sz="1100" dirty="0"/>
+                        <a:t>INV</a:t>
+                      </a:r>
+                      <a:endParaRPr kumimoji="1" lang="ja-JP" altLang="en-US" sz="1100" dirty="0"/>
+                    </a:p>
+                  </a:txBody>
+                  <a:tcPr>
+                    <a:solidFill>
+                      <a:schemeClr val="accent4">
+                        <a:lumMod val="40000"/>
+                        <a:lumOff val="60000"/>
+                      </a:schemeClr>
+                    </a:solidFill>
+                  </a:tcPr>
+                </a:tc>
+                <a:extLst>
+                  <a:ext uri="{0D108BD9-81ED-4DB2-BD59-A6C34878D82A}">
+                    <a16:rowId xmlns:a16="http://schemas.microsoft.com/office/drawing/2014/main" val="3783207842"/>
+                  </a:ext>
+                </a:extLst>
+              </a:tr>
+              <a:tr h="230014">
+                <a:tc>
+                  <a:txBody>
+                    <a:bodyPr/>
+                    <a:lstStyle/>
+                    <a:p>
+                      <a:r>
+                        <a:rPr kumimoji="1" lang="en-US" altLang="ja-JP" sz="1100" dirty="0"/>
+                        <a:t>#9b</a:t>
+                      </a:r>
+                      <a:endParaRPr kumimoji="1" lang="ja-JP" altLang="en-US" sz="1100" dirty="0"/>
+                    </a:p>
+                  </a:txBody>
+                  <a:tcPr/>
+                </a:tc>
+                <a:tc>
+                  <a:txBody>
+                    <a:bodyPr/>
+                    <a:lstStyle/>
+                    <a:p>
+                      <a:r>
+                        <a:rPr kumimoji="1" lang="en-US" altLang="ja-JP" sz="1100" dirty="0"/>
+                        <a:t>SEN</a:t>
+                      </a:r>
+                      <a:endParaRPr kumimoji="1" lang="ja-JP" altLang="en-US" sz="1100" dirty="0"/>
+                    </a:p>
+                  </a:txBody>
+                  <a:tcPr>
+                    <a:solidFill>
+                      <a:schemeClr val="accent4">
+                        <a:lumMod val="40000"/>
+                        <a:lumOff val="60000"/>
+                      </a:schemeClr>
+                    </a:solidFill>
+                  </a:tcPr>
+                </a:tc>
+                <a:extLst>
+                  <a:ext uri="{0D108BD9-81ED-4DB2-BD59-A6C34878D82A}">
+                    <a16:rowId xmlns:a16="http://schemas.microsoft.com/office/drawing/2014/main" val="3335066887"/>
+                  </a:ext>
+                </a:extLst>
+              </a:tr>
+              <a:tr h="230014">
+                <a:tc>
+                  <a:txBody>
+                    <a:bodyPr/>
+                    <a:lstStyle/>
+                    <a:p>
+                      <a:r>
+                        <a:rPr kumimoji="1" lang="en-US" altLang="ja-JP" sz="1100" dirty="0"/>
+                        <a:t>#10a</a:t>
+                      </a:r>
+                      <a:endParaRPr kumimoji="1" lang="ja-JP" altLang="en-US" sz="1100" dirty="0"/>
+                    </a:p>
+                  </a:txBody>
+                  <a:tcPr/>
+                </a:tc>
+                <a:tc>
+                  <a:txBody>
+                    <a:bodyPr/>
+                    <a:lstStyle/>
+                    <a:p>
+                      <a:r>
+                        <a:rPr kumimoji="1" lang="en-US" altLang="ja-JP" sz="1100" dirty="0"/>
+                        <a:t>INV</a:t>
+                      </a:r>
+                      <a:endParaRPr kumimoji="1" lang="ja-JP" altLang="en-US" sz="1100" dirty="0"/>
+                    </a:p>
+                  </a:txBody>
+                  <a:tcPr>
+                    <a:solidFill>
+                      <a:schemeClr val="accent4">
+                        <a:lumMod val="40000"/>
+                        <a:lumOff val="60000"/>
+                      </a:schemeClr>
+                    </a:solidFill>
+                  </a:tcPr>
+                </a:tc>
+                <a:extLst>
+                  <a:ext uri="{0D108BD9-81ED-4DB2-BD59-A6C34878D82A}">
+                    <a16:rowId xmlns:a16="http://schemas.microsoft.com/office/drawing/2014/main" val="2227420667"/>
+                  </a:ext>
+                </a:extLst>
+              </a:tr>
+              <a:tr h="230014">
+                <a:tc>
+                  <a:txBody>
+                    <a:bodyPr/>
+                    <a:lstStyle/>
+                    <a:p>
+                      <a:r>
+                        <a:rPr kumimoji="1" lang="en-US" altLang="ja-JP" sz="1100" dirty="0"/>
+                        <a:t>#10b</a:t>
+                      </a:r>
+                      <a:endParaRPr kumimoji="1" lang="ja-JP" altLang="en-US" sz="1100" dirty="0"/>
+                    </a:p>
+                  </a:txBody>
+                  <a:tcPr/>
+                </a:tc>
+                <a:tc>
+                  <a:txBody>
+                    <a:bodyPr/>
+                    <a:lstStyle/>
+                    <a:p>
+                      <a:r>
+                        <a:rPr kumimoji="1" lang="en-US" altLang="ja-JP" sz="1100" dirty="0"/>
+                        <a:t>SEN</a:t>
+                      </a:r>
+                      <a:endParaRPr kumimoji="1" lang="ja-JP" altLang="en-US" sz="1100" dirty="0"/>
+                    </a:p>
+                  </a:txBody>
+                  <a:tcPr>
+                    <a:solidFill>
+                      <a:schemeClr val="accent4">
+                        <a:lumMod val="40000"/>
+                        <a:lumOff val="60000"/>
+                      </a:schemeClr>
+                    </a:solidFill>
+                  </a:tcPr>
+                </a:tc>
+                <a:extLst>
+                  <a:ext uri="{0D108BD9-81ED-4DB2-BD59-A6C34878D82A}">
+                    <a16:rowId xmlns:a16="http://schemas.microsoft.com/office/drawing/2014/main" val="2783473488"/>
+                  </a:ext>
+                </a:extLst>
+              </a:tr>
+              <a:tr h="230014">
+                <a:tc>
+                  <a:txBody>
+                    <a:bodyPr/>
+                    <a:lstStyle/>
+                    <a:p>
+                      <a:r>
+                        <a:rPr kumimoji="1" lang="en-US" altLang="ja-JP" sz="1100" dirty="0"/>
+                        <a:t>#11a</a:t>
+                      </a:r>
+                      <a:endParaRPr kumimoji="1" lang="ja-JP" altLang="en-US" sz="1100" dirty="0"/>
+                    </a:p>
+                  </a:txBody>
+                  <a:tcPr/>
+                </a:tc>
+                <a:tc>
+                  <a:txBody>
+                    <a:bodyPr/>
+                    <a:lstStyle/>
+                    <a:p>
+                      <a:r>
+                        <a:rPr kumimoji="1" lang="en-US" altLang="ja-JP" sz="1100" dirty="0"/>
+                        <a:t>INV</a:t>
+                      </a:r>
+                      <a:endParaRPr kumimoji="1" lang="ja-JP" altLang="en-US" sz="1100" dirty="0"/>
+                    </a:p>
+                  </a:txBody>
+                  <a:tcPr>
+                    <a:solidFill>
+                      <a:schemeClr val="accent4">
+                        <a:lumMod val="40000"/>
+                        <a:lumOff val="60000"/>
+                      </a:schemeClr>
+                    </a:solidFill>
+                  </a:tcPr>
+                </a:tc>
+                <a:extLst>
+                  <a:ext uri="{0D108BD9-81ED-4DB2-BD59-A6C34878D82A}">
+                    <a16:rowId xmlns:a16="http://schemas.microsoft.com/office/drawing/2014/main" val="383030976"/>
+                  </a:ext>
+                </a:extLst>
+              </a:tr>
+              <a:tr h="259080">
+                <a:tc>
+                  <a:txBody>
+                    <a:bodyPr/>
+                    <a:lstStyle/>
+                    <a:p>
+                      <a:r>
+                        <a:rPr kumimoji="1" lang="en-US" altLang="ja-JP" sz="1100" dirty="0"/>
+                        <a:t>#11b</a:t>
+                      </a:r>
+                      <a:endParaRPr kumimoji="1" lang="ja-JP" altLang="en-US" sz="1100" dirty="0"/>
+                    </a:p>
+                  </a:txBody>
+                  <a:tcPr/>
+                </a:tc>
+                <a:tc>
+                  <a:txBody>
+                    <a:bodyPr/>
+                    <a:lstStyle/>
+                    <a:p>
+                      <a:r>
+                        <a:rPr kumimoji="1" lang="en-US" altLang="ja-JP" sz="1100" dirty="0"/>
+                        <a:t>SEN</a:t>
+                      </a:r>
+                      <a:endParaRPr kumimoji="1" lang="ja-JP" altLang="en-US" sz="1100" dirty="0"/>
+                    </a:p>
+                  </a:txBody>
+                  <a:tcPr>
+                    <a:solidFill>
+                      <a:schemeClr val="accent4">
+                        <a:lumMod val="40000"/>
+                        <a:lumOff val="60000"/>
+                      </a:schemeClr>
+                    </a:solidFill>
+                  </a:tcPr>
+                </a:tc>
+                <a:extLst>
+                  <a:ext uri="{0D108BD9-81ED-4DB2-BD59-A6C34878D82A}">
+                    <a16:rowId xmlns:a16="http://schemas.microsoft.com/office/drawing/2014/main" val="2462296404"/>
+                  </a:ext>
+                </a:extLst>
+              </a:tr>
             </a:tbl>
           </a:graphicData>
         </a:graphic>
       </p:graphicFrame>
-      <p:cxnSp>
-        <p:nvCxnSpPr>
-          <p:cNvPr id="6" name="直線矢印コネクタ 5"/>
-          <p:cNvCxnSpPr/>
-          <p:nvPr/>
-        </p:nvCxnSpPr>
-        <p:spPr>
-          <a:xfrm>
-            <a:off x="11345138" y="1866508"/>
-            <a:ext cx="0" cy="2121031"/>
-          </a:xfrm>
-          <a:prstGeom prst="straightConnector1">
-            <a:avLst/>
-          </a:prstGeom>
-          <a:ln>
-            <a:tailEnd type="triangle"/>
-          </a:ln>
-        </p:spPr>
-        <p:style>
-          <a:lnRef idx="1">
-            <a:schemeClr val="accent1"/>
-          </a:lnRef>
-          <a:fillRef idx="0">
-            <a:schemeClr val="accent1"/>
-          </a:fillRef>
-          <a:effectRef idx="0">
-            <a:schemeClr val="accent1"/>
-          </a:effectRef>
-          <a:fontRef idx="minor">
-            <a:schemeClr val="tx1"/>
-          </a:fontRef>
-        </p:style>
-      </p:cxnSp>
-      <p:sp>
-        <p:nvSpPr>
-          <p:cNvPr id="8" name="テキスト ボックス 7"/>
-          <p:cNvSpPr txBox="1"/>
-          <p:nvPr/>
-        </p:nvSpPr>
-        <p:spPr>
-          <a:xfrm>
-            <a:off x="10567450" y="1497176"/>
-            <a:ext cx="1404552" cy="369332"/>
-          </a:xfrm>
-          <a:prstGeom prst="rect">
-            <a:avLst/>
-          </a:prstGeom>
-          <a:noFill/>
-        </p:spPr>
-        <p:txBody>
-          <a:bodyPr wrap="none" rtlCol="0">
-            <a:spAutoFit/>
-          </a:bodyPr>
-          <a:lstStyle/>
-          <a:p>
-            <a:r>
-              <a:rPr lang="en-US" altLang="ja-JP" dirty="0"/>
-              <a:t>c</a:t>
-            </a:r>
-            <a:r>
-              <a:rPr kumimoji="1" lang="en-US" altLang="ja-JP" dirty="0"/>
-              <a:t>urrent slot</a:t>
-            </a:r>
-            <a:endParaRPr kumimoji="1" lang="ja-JP" altLang="en-US" dirty="0"/>
-          </a:p>
-        </p:txBody>
-      </p:sp>
       <p:cxnSp>
         <p:nvCxnSpPr>
           <p:cNvPr id="14" name="直線コネクタ 13"/>
@@ -6307,8 +6741,8 @@
         </p:nvSpPr>
         <p:spPr>
           <a:xfrm>
-            <a:off x="9379670" y="1866508"/>
-            <a:ext cx="169683" cy="405352"/>
+            <a:off x="9175150" y="1461157"/>
+            <a:ext cx="172472" cy="197962"/>
           </a:xfrm>
           <a:prstGeom prst="rightBrace">
             <a:avLst/>
@@ -6345,8 +6779,8 @@
         </p:nvSpPr>
         <p:spPr>
           <a:xfrm>
-            <a:off x="9549353" y="1904290"/>
-            <a:ext cx="1197764" cy="369332"/>
+            <a:off x="9439913" y="1373464"/>
+            <a:ext cx="1069524" cy="369332"/>
           </a:xfrm>
           <a:prstGeom prst="rect">
             <a:avLst/>
@@ -6360,8 +6794,12 @@
           <a:lstStyle/>
           <a:p>
             <a:r>
+              <a:rPr lang="en-US" altLang="ja-JP" dirty="0"/>
+              <a:t>50</a:t>
+            </a:r>
+            <a:r>
               <a:rPr kumimoji="1" lang="en-US" altLang="ja-JP" dirty="0"/>
-              <a:t>100 </a:t>
+              <a:t> </a:t>
             </a:r>
             <a:r>
               <a:rPr kumimoji="1" lang="en-US" altLang="ja-JP" dirty="0" err="1"/>
@@ -6492,7 +6930,7 @@
         </p:nvCxnSpPr>
         <p:spPr>
           <a:xfrm>
-            <a:off x="8229599" y="1866508"/>
+            <a:off x="9502216" y="1866508"/>
             <a:ext cx="0" cy="4644880"/>
           </a:xfrm>
           <a:prstGeom prst="line">
@@ -6522,7 +6960,7 @@
         </p:nvCxnSpPr>
         <p:spPr>
           <a:xfrm>
-            <a:off x="4509154" y="1805964"/>
+            <a:off x="5781771" y="1805964"/>
             <a:ext cx="0" cy="4644880"/>
           </a:xfrm>
           <a:prstGeom prst="line">
@@ -6552,7 +6990,7 @@
         </p:nvSpPr>
         <p:spPr>
           <a:xfrm>
-            <a:off x="4189823" y="1462917"/>
+            <a:off x="5462440" y="1462917"/>
             <a:ext cx="633507" cy="307777"/>
           </a:xfrm>
           <a:prstGeom prst="rect">
@@ -6584,7 +7022,7 @@
         </p:nvCxnSpPr>
         <p:spPr>
           <a:xfrm flipH="1">
-            <a:off x="4509154" y="2923884"/>
+            <a:off x="5781771" y="2923884"/>
             <a:ext cx="3722016" cy="0"/>
           </a:xfrm>
           <a:prstGeom prst="straightConnector1">
@@ -6609,42 +7047,6 @@
           </a:fontRef>
         </p:style>
       </p:cxnSp>
-      <p:cxnSp>
-        <p:nvCxnSpPr>
-          <p:cNvPr id="15" name="直線矢印コネクタ 14"/>
-          <p:cNvCxnSpPr>
-            <a:cxnSpLocks/>
-          </p:cNvCxnSpPr>
-          <p:nvPr/>
-        </p:nvCxnSpPr>
-        <p:spPr>
-          <a:xfrm flipH="1">
-            <a:off x="4501297" y="4075523"/>
-            <a:ext cx="3722016" cy="0"/>
-          </a:xfrm>
-          <a:prstGeom prst="straightConnector1">
-            <a:avLst/>
-          </a:prstGeom>
-          <a:ln>
-            <a:headEnd type="triangle" w="med" len="med"/>
-            <a:tailEnd type="none" w="med" len="med"/>
-          </a:ln>
-        </p:spPr>
-        <p:style>
-          <a:lnRef idx="1">
-            <a:schemeClr val="accent1"/>
-          </a:lnRef>
-          <a:fillRef idx="0">
-            <a:schemeClr val="accent1"/>
-          </a:fillRef>
-          <a:effectRef idx="0">
-            <a:schemeClr val="accent1"/>
-          </a:effectRef>
-          <a:fontRef idx="minor">
-            <a:schemeClr val="tx1"/>
-          </a:fontRef>
-        </p:style>
-      </p:cxnSp>
       <p:sp>
         <p:nvSpPr>
           <p:cNvPr id="20" name="テキスト ボックス 19"/>
@@ -6653,8 +7055,8 @@
         </p:nvSpPr>
         <p:spPr>
           <a:xfrm>
-            <a:off x="5443964" y="2553777"/>
-            <a:ext cx="1854995" cy="369332"/>
+            <a:off x="6716581" y="2553777"/>
+            <a:ext cx="1787669" cy="369332"/>
           </a:xfrm>
           <a:prstGeom prst="rect">
             <a:avLst/>
@@ -6669,7 +7071,15 @@
           <a:p>
             <a:r>
               <a:rPr kumimoji="1" lang="en-US" altLang="ja-JP" dirty="0"/>
-              <a:t>I2C write “SEN”</a:t>
+              <a:t>I2C write “</a:t>
+            </a:r>
+            <a:r>
+              <a:rPr lang="en-US" altLang="ja-JP" dirty="0"/>
+              <a:t>INV</a:t>
+            </a:r>
+            <a:r>
+              <a:rPr kumimoji="1" lang="en-US" altLang="ja-JP" dirty="0"/>
+              <a:t>”</a:t>
             </a:r>
             <a:endParaRPr kumimoji="1" lang="ja-JP" altLang="en-US" dirty="0"/>
           </a:p>
@@ -6683,7 +7093,7 @@
         </p:nvSpPr>
         <p:spPr>
           <a:xfrm>
-            <a:off x="7858199" y="1498187"/>
+            <a:off x="9130816" y="1498187"/>
             <a:ext cx="771365" cy="307777"/>
           </a:xfrm>
           <a:prstGeom prst="rect">
@@ -6713,7 +7123,7 @@
         </p:nvCxnSpPr>
         <p:spPr>
           <a:xfrm>
-            <a:off x="2154025" y="1788678"/>
+            <a:off x="3426642" y="1788678"/>
             <a:ext cx="0" cy="4644880"/>
           </a:xfrm>
           <a:prstGeom prst="line">
@@ -6745,7 +7155,7 @@
         </p:nvCxnSpPr>
         <p:spPr>
           <a:xfrm flipH="1">
-            <a:off x="2154025" y="3081145"/>
+            <a:off x="3426642" y="3071720"/>
             <a:ext cx="2347272" cy="0"/>
           </a:xfrm>
           <a:prstGeom prst="straightConnector1">
@@ -6780,7 +7190,7 @@
         </p:nvCxnSpPr>
         <p:spPr>
           <a:xfrm flipH="1">
-            <a:off x="2155593" y="3233545"/>
+            <a:off x="3428210" y="3224120"/>
             <a:ext cx="2347272" cy="0"/>
           </a:xfrm>
           <a:prstGeom prst="straightConnector1">
@@ -6816,7 +7226,7 @@
         </p:nvCxnSpPr>
         <p:spPr>
           <a:xfrm flipH="1">
-            <a:off x="2146170" y="3412652"/>
+            <a:off x="3418787" y="3403227"/>
             <a:ext cx="2347272" cy="0"/>
           </a:xfrm>
           <a:prstGeom prst="straightConnector1">
@@ -6851,7 +7261,7 @@
         </p:nvCxnSpPr>
         <p:spPr>
           <a:xfrm flipH="1">
-            <a:off x="2157165" y="3565052"/>
+            <a:off x="3429782" y="3555627"/>
             <a:ext cx="2347272" cy="0"/>
           </a:xfrm>
           <a:prstGeom prst="straightConnector1">
@@ -6887,7 +7297,7 @@
         </p:nvCxnSpPr>
         <p:spPr>
           <a:xfrm flipH="1">
-            <a:off x="2147742" y="3725309"/>
+            <a:off x="3420359" y="3715884"/>
             <a:ext cx="2347272" cy="0"/>
           </a:xfrm>
           <a:prstGeom prst="straightConnector1">
@@ -6922,7 +7332,7 @@
         </p:nvCxnSpPr>
         <p:spPr>
           <a:xfrm flipH="1">
-            <a:off x="2158737" y="3877709"/>
+            <a:off x="3431354" y="3868284"/>
             <a:ext cx="2347272" cy="0"/>
           </a:xfrm>
           <a:prstGeom prst="straightConnector1">
@@ -6950,14 +7360,14 @@
       </p:cxnSp>
       <p:sp>
         <p:nvSpPr>
-          <p:cNvPr id="30" name="テキスト ボックス 29"/>
+          <p:cNvPr id="31" name="テキスト ボックス 30"/>
           <p:cNvSpPr txBox="1"/>
           <p:nvPr/>
         </p:nvSpPr>
         <p:spPr>
           <a:xfrm>
-            <a:off x="5716828" y="3693043"/>
-            <a:ext cx="1075936" cy="369332"/>
+            <a:off x="2672353" y="1498186"/>
+            <a:ext cx="1750800" cy="307777"/>
           </a:xfrm>
           <a:prstGeom prst="rect">
             <a:avLst/>
@@ -6971,23 +7381,23 @@
           <a:lstStyle/>
           <a:p>
             <a:r>
-              <a:rPr kumimoji="1" lang="en-US" altLang="ja-JP" dirty="0"/>
-              <a:t>I2C read</a:t>
-            </a:r>
-            <a:endParaRPr kumimoji="1" lang="ja-JP" altLang="en-US" dirty="0"/>
-          </a:p>
-        </p:txBody>
-      </p:sp>
-      <p:sp>
-        <p:nvSpPr>
-          <p:cNvPr id="31" name="テキスト ボックス 30"/>
+              <a:rPr lang="en-US" altLang="ja-JP" sz="1400" dirty="0"/>
+              <a:t>Another I2C device</a:t>
+            </a:r>
+            <a:endParaRPr kumimoji="1" lang="ja-JP" altLang="en-US" sz="1400" dirty="0"/>
+          </a:p>
+        </p:txBody>
+      </p:sp>
+      <p:sp>
+        <p:nvSpPr>
+          <p:cNvPr id="32" name="テキスト ボックス 31"/>
           <p:cNvSpPr txBox="1"/>
           <p:nvPr/>
         </p:nvSpPr>
         <p:spPr>
           <a:xfrm>
-            <a:off x="1399736" y="1498186"/>
-            <a:ext cx="1750800" cy="307777"/>
+            <a:off x="4328883" y="2762055"/>
+            <a:ext cx="537327" cy="369332"/>
           </a:xfrm>
           <a:prstGeom prst="rect">
             <a:avLst/>
@@ -7001,23 +7411,23 @@
           <a:lstStyle/>
           <a:p>
             <a:r>
-              <a:rPr lang="en-US" altLang="ja-JP" sz="1400" dirty="0"/>
-              <a:t>Another I2C device</a:t>
-            </a:r>
-            <a:endParaRPr kumimoji="1" lang="ja-JP" altLang="en-US" sz="1400" dirty="0"/>
-          </a:p>
-        </p:txBody>
-      </p:sp>
-      <p:sp>
-        <p:nvSpPr>
-          <p:cNvPr id="32" name="テキスト ボックス 31"/>
+              <a:rPr lang="en-US" altLang="ja-JP"/>
+              <a:t>I2C</a:t>
+            </a:r>
+            <a:endParaRPr kumimoji="1" lang="ja-JP" altLang="en-US" dirty="0"/>
+          </a:p>
+        </p:txBody>
+      </p:sp>
+      <p:sp>
+        <p:nvSpPr>
+          <p:cNvPr id="33" name="テキスト ボックス 32"/>
           <p:cNvSpPr txBox="1"/>
           <p:nvPr/>
         </p:nvSpPr>
         <p:spPr>
           <a:xfrm>
-            <a:off x="3056266" y="2771480"/>
-            <a:ext cx="537327" cy="369332"/>
+            <a:off x="4596723" y="1818678"/>
+            <a:ext cx="1223412" cy="523220"/>
           </a:xfrm>
           <a:prstGeom prst="rect">
             <a:avLst/>
@@ -7031,23 +7441,29 @@
           <a:lstStyle/>
           <a:p>
             <a:r>
-              <a:rPr lang="en-US" altLang="ja-JP"/>
-              <a:t>I2C</a:t>
-            </a:r>
-            <a:endParaRPr kumimoji="1" lang="ja-JP" altLang="en-US" dirty="0"/>
-          </a:p>
-        </p:txBody>
-      </p:sp>
-      <p:sp>
-        <p:nvSpPr>
-          <p:cNvPr id="33" name="テキスト ボックス 32"/>
+              <a:rPr kumimoji="1" lang="en-US" altLang="ja-JP" sz="1400" dirty="0"/>
+              <a:t>MSSP2</a:t>
+            </a:r>
+          </a:p>
+          <a:p>
+            <a:r>
+              <a:rPr lang="en-US" altLang="ja-JP" sz="1400" dirty="0"/>
+              <a:t>(I2C master)</a:t>
+            </a:r>
+            <a:endParaRPr kumimoji="1" lang="ja-JP" altLang="en-US" sz="1400" dirty="0"/>
+          </a:p>
+        </p:txBody>
+      </p:sp>
+      <p:sp>
+        <p:nvSpPr>
+          <p:cNvPr id="35" name="テキスト ボックス 34"/>
           <p:cNvSpPr txBox="1"/>
           <p:nvPr/>
         </p:nvSpPr>
         <p:spPr>
           <a:xfrm>
-            <a:off x="3324106" y="1818678"/>
-            <a:ext cx="1223412" cy="523220"/>
+            <a:off x="5784845" y="1809504"/>
+            <a:ext cx="1075936" cy="523220"/>
           </a:xfrm>
           <a:prstGeom prst="rect">
             <a:avLst/>
@@ -7062,28 +7478,63 @@
           <a:p>
             <a:r>
               <a:rPr kumimoji="1" lang="en-US" altLang="ja-JP" sz="1400" dirty="0"/>
-              <a:t>MSSP2</a:t>
+              <a:t>MSSP1</a:t>
             </a:r>
           </a:p>
           <a:p>
             <a:r>
               <a:rPr lang="en-US" altLang="ja-JP" sz="1400" dirty="0"/>
-              <a:t>(I2C master)</a:t>
+              <a:t>(I2C slave)</a:t>
             </a:r>
             <a:endParaRPr kumimoji="1" lang="ja-JP" altLang="en-US" sz="1400" dirty="0"/>
           </a:p>
         </p:txBody>
       </p:sp>
-      <p:sp>
-        <p:nvSpPr>
-          <p:cNvPr id="35" name="テキスト ボックス 34"/>
+      <p:cxnSp>
+        <p:nvCxnSpPr>
+          <p:cNvPr id="24" name="直線矢印コネクタ 23"/>
+          <p:cNvCxnSpPr>
+            <a:cxnSpLocks/>
+          </p:cNvCxnSpPr>
+          <p:nvPr/>
+        </p:nvCxnSpPr>
+        <p:spPr>
+          <a:xfrm flipH="1">
+            <a:off x="5781771" y="4348904"/>
+            <a:ext cx="3722016" cy="0"/>
+          </a:xfrm>
+          <a:prstGeom prst="straightConnector1">
+            <a:avLst/>
+          </a:prstGeom>
+          <a:ln>
+            <a:tailEnd type="triangle"/>
+          </a:ln>
+        </p:spPr>
+        <p:style>
+          <a:lnRef idx="1">
+            <a:schemeClr val="accent1"/>
+          </a:lnRef>
+          <a:fillRef idx="0">
+            <a:schemeClr val="accent1"/>
+          </a:fillRef>
+          <a:effectRef idx="0">
+            <a:schemeClr val="accent1"/>
+          </a:effectRef>
+          <a:fontRef idx="minor">
+            <a:schemeClr val="tx1"/>
+          </a:fontRef>
+        </p:style>
+      </p:cxnSp>
+      <p:sp>
+        <p:nvSpPr>
+          <p:cNvPr id="34" name="テキスト ボックス 33"/>
           <p:cNvSpPr txBox="1"/>
           <p:nvPr/>
         </p:nvSpPr>
         <p:spPr>
           <a:xfrm>
-            <a:off x="4512228" y="1809504"/>
-            <a:ext cx="1075936" cy="523220"/>
+            <a:off x="6697333" y="3983449"/>
+            <a:ext cx="1858201" cy="369332"/>
           </a:xfrm>
           <a:prstGeom prst="rect">
             <a:avLst/>
@@ -7097,16 +7548,524 @@
           <a:lstStyle/>
           <a:p>
             <a:r>
-              <a:rPr kumimoji="1" lang="en-US" altLang="ja-JP" sz="1400" dirty="0"/>
-              <a:t>MSSP1</a:t>
-            </a:r>
-          </a:p>
-          <a:p>
-            <a:r>
-              <a:rPr lang="en-US" altLang="ja-JP" sz="1400" dirty="0"/>
-              <a:t>(I2C slave)</a:t>
-            </a:r>
-            <a:endParaRPr kumimoji="1" lang="ja-JP" altLang="en-US" sz="1400" dirty="0"/>
+              <a:rPr kumimoji="1" lang="en-US" altLang="ja-JP" dirty="0"/>
+              <a:t>I2C write “SEN”</a:t>
+            </a:r>
+            <a:endParaRPr kumimoji="1" lang="ja-JP" altLang="en-US" dirty="0"/>
+          </a:p>
+        </p:txBody>
+      </p:sp>
+      <p:cxnSp>
+        <p:nvCxnSpPr>
+          <p:cNvPr id="36" name="直線矢印コネクタ 35"/>
+          <p:cNvCxnSpPr>
+            <a:cxnSpLocks/>
+          </p:cNvCxnSpPr>
+          <p:nvPr/>
+        </p:nvCxnSpPr>
+        <p:spPr>
+          <a:xfrm flipH="1">
+            <a:off x="5792766" y="4708696"/>
+            <a:ext cx="3722016" cy="0"/>
+          </a:xfrm>
+          <a:prstGeom prst="straightConnector1">
+            <a:avLst/>
+          </a:prstGeom>
+          <a:ln>
+            <a:headEnd type="triangle" w="med" len="med"/>
+            <a:tailEnd type="triangle" w="med" len="med"/>
+          </a:ln>
+        </p:spPr>
+        <p:style>
+          <a:lnRef idx="1">
+            <a:schemeClr val="accent1"/>
+          </a:lnRef>
+          <a:fillRef idx="0">
+            <a:schemeClr val="accent1"/>
+          </a:fillRef>
+          <a:effectRef idx="0">
+            <a:schemeClr val="accent1"/>
+          </a:effectRef>
+          <a:fontRef idx="minor">
+            <a:schemeClr val="tx1"/>
+          </a:fontRef>
+        </p:style>
+      </p:cxnSp>
+      <p:sp>
+        <p:nvSpPr>
+          <p:cNvPr id="37" name="テキスト ボックス 36"/>
+          <p:cNvSpPr txBox="1"/>
+          <p:nvPr/>
+        </p:nvSpPr>
+        <p:spPr>
+          <a:xfrm>
+            <a:off x="6700168" y="4383309"/>
+            <a:ext cx="1843774" cy="369332"/>
+          </a:xfrm>
+          <a:prstGeom prst="rect">
+            <a:avLst/>
+          </a:prstGeom>
+          <a:noFill/>
+        </p:spPr>
+        <p:txBody>
+          <a:bodyPr wrap="none" rtlCol="0">
+            <a:spAutoFit/>
+          </a:bodyPr>
+          <a:lstStyle/>
+          <a:p>
+            <a:r>
+              <a:rPr kumimoji="1" lang="en-US" altLang="ja-JP" dirty="0"/>
+              <a:t>I2C </a:t>
+            </a:r>
+            <a:r>
+              <a:rPr lang="en-US" altLang="ja-JP" dirty="0"/>
+              <a:t>read (Type)</a:t>
+            </a:r>
+            <a:endParaRPr kumimoji="1" lang="ja-JP" altLang="en-US" dirty="0"/>
+          </a:p>
+        </p:txBody>
+      </p:sp>
+      <p:cxnSp>
+        <p:nvCxnSpPr>
+          <p:cNvPr id="38" name="直線矢印コネクタ 37"/>
+          <p:cNvCxnSpPr>
+            <a:cxnSpLocks/>
+          </p:cNvCxnSpPr>
+          <p:nvPr/>
+        </p:nvCxnSpPr>
+        <p:spPr>
+          <a:xfrm flipH="1">
+            <a:off x="5784907" y="5049634"/>
+            <a:ext cx="3722016" cy="0"/>
+          </a:xfrm>
+          <a:prstGeom prst="straightConnector1">
+            <a:avLst/>
+          </a:prstGeom>
+          <a:ln>
+            <a:headEnd type="triangle" w="med" len="med"/>
+            <a:tailEnd type="triangle" w="med" len="med"/>
+          </a:ln>
+        </p:spPr>
+        <p:style>
+          <a:lnRef idx="1">
+            <a:schemeClr val="accent1"/>
+          </a:lnRef>
+          <a:fillRef idx="0">
+            <a:schemeClr val="accent1"/>
+          </a:fillRef>
+          <a:effectRef idx="0">
+            <a:schemeClr val="accent1"/>
+          </a:effectRef>
+          <a:fontRef idx="minor">
+            <a:schemeClr val="tx1"/>
+          </a:fontRef>
+        </p:style>
+      </p:cxnSp>
+      <p:sp>
+        <p:nvSpPr>
+          <p:cNvPr id="39" name="テキスト ボックス 38"/>
+          <p:cNvSpPr txBox="1"/>
+          <p:nvPr/>
+        </p:nvSpPr>
+        <p:spPr>
+          <a:xfrm>
+            <a:off x="6701736" y="4724247"/>
+            <a:ext cx="2064989" cy="369332"/>
+          </a:xfrm>
+          <a:prstGeom prst="rect">
+            <a:avLst/>
+          </a:prstGeom>
+          <a:noFill/>
+        </p:spPr>
+        <p:txBody>
+          <a:bodyPr wrap="none" rtlCol="0">
+            <a:spAutoFit/>
+          </a:bodyPr>
+          <a:lstStyle/>
+          <a:p>
+            <a:r>
+              <a:rPr kumimoji="1" lang="en-US" altLang="ja-JP" dirty="0"/>
+              <a:t>I2C </a:t>
+            </a:r>
+            <a:r>
+              <a:rPr lang="en-US" altLang="ja-JP" dirty="0"/>
+              <a:t>read (Length)</a:t>
+            </a:r>
+            <a:endParaRPr kumimoji="1" lang="ja-JP" altLang="en-US" dirty="0"/>
+          </a:p>
+        </p:txBody>
+      </p:sp>
+      <p:cxnSp>
+        <p:nvCxnSpPr>
+          <p:cNvPr id="40" name="直線矢印コネクタ 39"/>
+          <p:cNvCxnSpPr>
+            <a:cxnSpLocks/>
+          </p:cNvCxnSpPr>
+          <p:nvPr/>
+        </p:nvCxnSpPr>
+        <p:spPr>
+          <a:xfrm flipH="1">
+            <a:off x="5795902" y="5418851"/>
+            <a:ext cx="3722016" cy="0"/>
+          </a:xfrm>
+          <a:prstGeom prst="straightConnector1">
+            <a:avLst/>
+          </a:prstGeom>
+          <a:ln>
+            <a:headEnd type="triangle" w="med" len="med"/>
+            <a:tailEnd type="triangle" w="med" len="med"/>
+          </a:ln>
+        </p:spPr>
+        <p:style>
+          <a:lnRef idx="1">
+            <a:schemeClr val="accent1"/>
+          </a:lnRef>
+          <a:fillRef idx="0">
+            <a:schemeClr val="accent1"/>
+          </a:fillRef>
+          <a:effectRef idx="0">
+            <a:schemeClr val="accent1"/>
+          </a:effectRef>
+          <a:fontRef idx="minor">
+            <a:schemeClr val="tx1"/>
+          </a:fontRef>
+        </p:style>
+      </p:cxnSp>
+      <p:sp>
+        <p:nvSpPr>
+          <p:cNvPr id="41" name="テキスト ボックス 40"/>
+          <p:cNvSpPr txBox="1"/>
+          <p:nvPr/>
+        </p:nvSpPr>
+        <p:spPr>
+          <a:xfrm>
+            <a:off x="6697333" y="5121671"/>
+            <a:ext cx="2250937" cy="369332"/>
+          </a:xfrm>
+          <a:prstGeom prst="rect">
+            <a:avLst/>
+          </a:prstGeom>
+          <a:noFill/>
+        </p:spPr>
+        <p:txBody>
+          <a:bodyPr wrap="none" rtlCol="0">
+            <a:spAutoFit/>
+          </a:bodyPr>
+          <a:lstStyle/>
+          <a:p>
+            <a:r>
+              <a:rPr kumimoji="1" lang="en-US" altLang="ja-JP" dirty="0"/>
+              <a:t>I2C </a:t>
+            </a:r>
+            <a:r>
+              <a:rPr lang="en-US" altLang="ja-JP" dirty="0"/>
+              <a:t>read (Value #0)</a:t>
+            </a:r>
+            <a:endParaRPr kumimoji="1" lang="ja-JP" altLang="en-US" dirty="0"/>
+          </a:p>
+        </p:txBody>
+      </p:sp>
+      <p:cxnSp>
+        <p:nvCxnSpPr>
+          <p:cNvPr id="42" name="直線矢印コネクタ 41"/>
+          <p:cNvCxnSpPr>
+            <a:cxnSpLocks/>
+          </p:cNvCxnSpPr>
+          <p:nvPr/>
+        </p:nvCxnSpPr>
+        <p:spPr>
+          <a:xfrm flipH="1">
+            <a:off x="5783339" y="6353676"/>
+            <a:ext cx="3722016" cy="0"/>
+          </a:xfrm>
+          <a:prstGeom prst="straightConnector1">
+            <a:avLst/>
+          </a:prstGeom>
+          <a:ln>
+            <a:headEnd type="triangle" w="med" len="med"/>
+            <a:tailEnd type="triangle" w="med" len="med"/>
+          </a:ln>
+        </p:spPr>
+        <p:style>
+          <a:lnRef idx="1">
+            <a:schemeClr val="accent1"/>
+          </a:lnRef>
+          <a:fillRef idx="0">
+            <a:schemeClr val="accent1"/>
+          </a:fillRef>
+          <a:effectRef idx="0">
+            <a:schemeClr val="accent1"/>
+          </a:effectRef>
+          <a:fontRef idx="minor">
+            <a:schemeClr val="tx1"/>
+          </a:fontRef>
+        </p:style>
+      </p:cxnSp>
+      <p:sp>
+        <p:nvSpPr>
+          <p:cNvPr id="43" name="テキスト ボックス 42"/>
+          <p:cNvSpPr txBox="1"/>
+          <p:nvPr/>
+        </p:nvSpPr>
+        <p:spPr>
+          <a:xfrm>
+            <a:off x="6697332" y="6016491"/>
+            <a:ext cx="2257349" cy="369332"/>
+          </a:xfrm>
+          <a:prstGeom prst="rect">
+            <a:avLst/>
+          </a:prstGeom>
+          <a:noFill/>
+        </p:spPr>
+        <p:txBody>
+          <a:bodyPr wrap="none" rtlCol="0">
+            <a:spAutoFit/>
+          </a:bodyPr>
+          <a:lstStyle/>
+          <a:p>
+            <a:r>
+              <a:rPr kumimoji="1" lang="en-US" altLang="ja-JP" dirty="0"/>
+              <a:t>I2C </a:t>
+            </a:r>
+            <a:r>
+              <a:rPr lang="en-US" altLang="ja-JP" dirty="0"/>
+              <a:t>read (Value #n)</a:t>
+            </a:r>
+            <a:endParaRPr kumimoji="1" lang="ja-JP" altLang="en-US" dirty="0"/>
+          </a:p>
+        </p:txBody>
+      </p:sp>
+      <p:sp>
+        <p:nvSpPr>
+          <p:cNvPr id="3" name="テキスト ボックス 2"/>
+          <p:cNvSpPr txBox="1"/>
+          <p:nvPr/>
+        </p:nvSpPr>
+        <p:spPr>
+          <a:xfrm>
+            <a:off x="7484881" y="5552390"/>
+            <a:ext cx="250390" cy="369332"/>
+          </a:xfrm>
+          <a:prstGeom prst="rect">
+            <a:avLst/>
+          </a:prstGeom>
+          <a:noFill/>
+        </p:spPr>
+        <p:txBody>
+          <a:bodyPr wrap="none" rtlCol="0">
+            <a:spAutoFit/>
+          </a:bodyPr>
+          <a:lstStyle/>
+          <a:p>
+            <a:r>
+              <a:rPr kumimoji="1" lang="en-US" altLang="ja-JP" dirty="0"/>
+              <a:t>:</a:t>
+            </a:r>
+            <a:endParaRPr kumimoji="1" lang="ja-JP" altLang="en-US" dirty="0"/>
+          </a:p>
+        </p:txBody>
+      </p:sp>
+      <p:sp>
+        <p:nvSpPr>
+          <p:cNvPr id="5" name="右中かっこ 4"/>
+          <p:cNvSpPr/>
+          <p:nvPr/>
+        </p:nvSpPr>
+        <p:spPr>
+          <a:xfrm>
+            <a:off x="9553500" y="2923108"/>
+            <a:ext cx="523752" cy="1158697"/>
+          </a:xfrm>
+          <a:prstGeom prst="rightBrace">
+            <a:avLst/>
+          </a:prstGeom>
+        </p:spPr>
+        <p:style>
+          <a:lnRef idx="1">
+            <a:schemeClr val="accent1"/>
+          </a:lnRef>
+          <a:fillRef idx="0">
+            <a:schemeClr val="accent1"/>
+          </a:fillRef>
+          <a:effectRef idx="0">
+            <a:schemeClr val="accent1"/>
+          </a:effectRef>
+          <a:fontRef idx="minor">
+            <a:schemeClr val="tx1"/>
+          </a:fontRef>
+        </p:style>
+        <p:txBody>
+          <a:bodyPr rtlCol="0" anchor="ctr"/>
+          <a:lstStyle/>
+          <a:p>
+            <a:pPr algn="ctr"/>
+            <a:endParaRPr kumimoji="1" lang="ja-JP" altLang="en-US" dirty="0"/>
+          </a:p>
+        </p:txBody>
+      </p:sp>
+      <p:sp>
+        <p:nvSpPr>
+          <p:cNvPr id="45" name="右中かっこ 44"/>
+          <p:cNvSpPr/>
+          <p:nvPr/>
+        </p:nvSpPr>
+        <p:spPr>
+          <a:xfrm>
+            <a:off x="9555073" y="4348124"/>
+            <a:ext cx="523752" cy="2316627"/>
+          </a:xfrm>
+          <a:prstGeom prst="rightBrace">
+            <a:avLst/>
+          </a:prstGeom>
+        </p:spPr>
+        <p:style>
+          <a:lnRef idx="1">
+            <a:schemeClr val="accent1"/>
+          </a:lnRef>
+          <a:fillRef idx="0">
+            <a:schemeClr val="accent1"/>
+          </a:fillRef>
+          <a:effectRef idx="0">
+            <a:schemeClr val="accent1"/>
+          </a:effectRef>
+          <a:fontRef idx="minor">
+            <a:schemeClr val="tx1"/>
+          </a:fontRef>
+        </p:style>
+        <p:txBody>
+          <a:bodyPr rtlCol="0" anchor="ctr"/>
+          <a:lstStyle/>
+          <a:p>
+            <a:pPr algn="ctr"/>
+            <a:endParaRPr kumimoji="1" lang="ja-JP" altLang="en-US"/>
+          </a:p>
+        </p:txBody>
+      </p:sp>
+      <p:sp>
+        <p:nvSpPr>
+          <p:cNvPr id="6" name="テキスト ボックス 5"/>
+          <p:cNvSpPr txBox="1"/>
+          <p:nvPr/>
+        </p:nvSpPr>
+        <p:spPr>
+          <a:xfrm>
+            <a:off x="10237708" y="3317790"/>
+            <a:ext cx="1994457" cy="369332"/>
+          </a:xfrm>
+          <a:prstGeom prst="rect">
+            <a:avLst/>
+          </a:prstGeom>
+          <a:noFill/>
+        </p:spPr>
+        <p:txBody>
+          <a:bodyPr wrap="none" rtlCol="0">
+            <a:spAutoFit/>
+          </a:bodyPr>
+          <a:lstStyle/>
+          <a:p>
+            <a:r>
+              <a:rPr kumimoji="1" lang="en-US" altLang="ja-JP" dirty="0"/>
+              <a:t>50msec time slot</a:t>
+            </a:r>
+            <a:endParaRPr kumimoji="1" lang="ja-JP" altLang="en-US" dirty="0"/>
+          </a:p>
+        </p:txBody>
+      </p:sp>
+      <p:sp>
+        <p:nvSpPr>
+          <p:cNvPr id="46" name="テキスト ボックス 45"/>
+          <p:cNvSpPr txBox="1"/>
+          <p:nvPr/>
+        </p:nvSpPr>
+        <p:spPr>
+          <a:xfrm>
+            <a:off x="10164896" y="5321771"/>
+            <a:ext cx="1994457" cy="369332"/>
+          </a:xfrm>
+          <a:prstGeom prst="rect">
+            <a:avLst/>
+          </a:prstGeom>
+          <a:noFill/>
+        </p:spPr>
+        <p:txBody>
+          <a:bodyPr wrap="none" rtlCol="0">
+            <a:spAutoFit/>
+          </a:bodyPr>
+          <a:lstStyle/>
+          <a:p>
+            <a:r>
+              <a:rPr kumimoji="1" lang="en-US" altLang="ja-JP" dirty="0"/>
+              <a:t>50msec time slot</a:t>
+            </a:r>
+            <a:endParaRPr kumimoji="1" lang="ja-JP" altLang="en-US" dirty="0"/>
+          </a:p>
+        </p:txBody>
+      </p:sp>
+      <p:sp>
+        <p:nvSpPr>
+          <p:cNvPr id="8" name="テキスト ボックス 7"/>
+          <p:cNvSpPr txBox="1"/>
+          <p:nvPr/>
+        </p:nvSpPr>
+        <p:spPr>
+          <a:xfrm>
+            <a:off x="0" y="3085512"/>
+            <a:ext cx="2977097" cy="369332"/>
+          </a:xfrm>
+          <a:prstGeom prst="rect">
+            <a:avLst/>
+          </a:prstGeom>
+          <a:noFill/>
+        </p:spPr>
+        <p:txBody>
+          <a:bodyPr wrap="none" rtlCol="0">
+            <a:spAutoFit/>
+          </a:bodyPr>
+          <a:lstStyle/>
+          <a:p>
+            <a:r>
+              <a:rPr kumimoji="1" lang="en-US" altLang="ja-JP" dirty="0"/>
+              <a:t>Must be less than 50msec</a:t>
+            </a:r>
+            <a:endParaRPr kumimoji="1" lang="ja-JP" altLang="en-US" dirty="0"/>
+          </a:p>
+        </p:txBody>
+      </p:sp>
+      <p:sp>
+        <p:nvSpPr>
+          <p:cNvPr id="47" name="右中かっこ 46"/>
+          <p:cNvSpPr/>
+          <p:nvPr/>
+        </p:nvSpPr>
+        <p:spPr>
+          <a:xfrm flipH="1">
+            <a:off x="2842391" y="3013122"/>
+            <a:ext cx="523752" cy="883444"/>
+          </a:xfrm>
+          <a:prstGeom prst="rightBrace">
+            <a:avLst/>
+          </a:prstGeom>
+        </p:spPr>
+        <p:style>
+          <a:lnRef idx="1">
+            <a:schemeClr val="accent1"/>
+          </a:lnRef>
+          <a:fillRef idx="0">
+            <a:schemeClr val="accent1"/>
+          </a:fillRef>
+          <a:effectRef idx="0">
+            <a:schemeClr val="accent1"/>
+          </a:effectRef>
+          <a:fontRef idx="minor">
+            <a:schemeClr val="tx1"/>
+          </a:fontRef>
+        </p:style>
+        <p:txBody>
+          <a:bodyPr rtlCol="0" anchor="ctr"/>
+          <a:lstStyle/>
+          <a:p>
+            <a:pPr algn="ctr"/>
+            <a:endParaRPr kumimoji="1" lang="ja-JP" altLang="en-US" dirty="0"/>
           </a:p>
         </p:txBody>
       </p:sp>
@@ -7150,7 +8109,12 @@
             <p:ph type="title"/>
           </p:nvPr>
         </p:nvSpPr>
-        <p:spPr/>
+        <p:spPr>
+          <a:xfrm>
+            <a:off x="841342" y="355698"/>
+            <a:ext cx="10515600" cy="1325563"/>
+          </a:xfrm>
+        </p:spPr>
         <p:txBody>
           <a:bodyPr/>
           <a:lstStyle/>
@@ -7163,23 +8127,470 @@
           </a:p>
         </p:txBody>
       </p:sp>
+      <p:cxnSp>
+        <p:nvCxnSpPr>
+          <p:cNvPr id="10" name="直線コネクタ 9"/>
+          <p:cNvCxnSpPr/>
+          <p:nvPr/>
+        </p:nvCxnSpPr>
+        <p:spPr>
+          <a:xfrm>
+            <a:off x="7420226" y="2637017"/>
+            <a:ext cx="2243579" cy="0"/>
+          </a:xfrm>
+          <a:prstGeom prst="line">
+            <a:avLst/>
+          </a:prstGeom>
+        </p:spPr>
+        <p:style>
+          <a:lnRef idx="1">
+            <a:schemeClr val="accent1"/>
+          </a:lnRef>
+          <a:fillRef idx="0">
+            <a:schemeClr val="accent1"/>
+          </a:fillRef>
+          <a:effectRef idx="0">
+            <a:schemeClr val="accent1"/>
+          </a:effectRef>
+          <a:fontRef idx="minor">
+            <a:schemeClr val="tx1"/>
+          </a:fontRef>
+        </p:style>
+      </p:cxnSp>
+      <p:cxnSp>
+        <p:nvCxnSpPr>
+          <p:cNvPr id="11" name="直線コネクタ 10"/>
+          <p:cNvCxnSpPr/>
+          <p:nvPr/>
+        </p:nvCxnSpPr>
+        <p:spPr>
+          <a:xfrm>
+            <a:off x="7431218" y="3279611"/>
+            <a:ext cx="2243579" cy="0"/>
+          </a:xfrm>
+          <a:prstGeom prst="line">
+            <a:avLst/>
+          </a:prstGeom>
+        </p:spPr>
+        <p:style>
+          <a:lnRef idx="1">
+            <a:schemeClr val="accent1"/>
+          </a:lnRef>
+          <a:fillRef idx="0">
+            <a:schemeClr val="accent1"/>
+          </a:fillRef>
+          <a:effectRef idx="0">
+            <a:schemeClr val="accent1"/>
+          </a:effectRef>
+          <a:fontRef idx="minor">
+            <a:schemeClr val="tx1"/>
+          </a:fontRef>
+        </p:style>
+      </p:cxnSp>
+      <p:sp>
+        <p:nvSpPr>
+          <p:cNvPr id="12" name="楕円 11"/>
+          <p:cNvSpPr/>
+          <p:nvPr/>
+        </p:nvSpPr>
+        <p:spPr>
+          <a:xfrm>
+            <a:off x="7439075" y="2637017"/>
+            <a:ext cx="707011" cy="642594"/>
+          </a:xfrm>
+          <a:prstGeom prst="ellipse">
+            <a:avLst/>
+          </a:prstGeom>
+        </p:spPr>
+        <p:style>
+          <a:lnRef idx="2">
+            <a:schemeClr val="accent1">
+              <a:shade val="50000"/>
+            </a:schemeClr>
+          </a:lnRef>
+          <a:fillRef idx="1">
+            <a:schemeClr val="accent1"/>
+          </a:fillRef>
+          <a:effectRef idx="0">
+            <a:schemeClr val="accent1"/>
+          </a:effectRef>
+          <a:fontRef idx="minor">
+            <a:schemeClr val="lt1"/>
+          </a:fontRef>
+        </p:style>
+        <p:txBody>
+          <a:bodyPr rtlCol="0" anchor="ctr"/>
+          <a:lstStyle/>
+          <a:p>
+            <a:pPr algn="ctr"/>
+            <a:endParaRPr kumimoji="1" lang="ja-JP" altLang="en-US"/>
+          </a:p>
+        </p:txBody>
+      </p:sp>
+      <p:sp>
+        <p:nvSpPr>
+          <p:cNvPr id="13" name="楕円 12"/>
+          <p:cNvSpPr/>
+          <p:nvPr/>
+        </p:nvSpPr>
+        <p:spPr>
+          <a:xfrm>
+            <a:off x="8223071" y="2657442"/>
+            <a:ext cx="707011" cy="642594"/>
+          </a:xfrm>
+          <a:prstGeom prst="ellipse">
+            <a:avLst/>
+          </a:prstGeom>
+        </p:spPr>
+        <p:style>
+          <a:lnRef idx="2">
+            <a:schemeClr val="accent1">
+              <a:shade val="50000"/>
+            </a:schemeClr>
+          </a:lnRef>
+          <a:fillRef idx="1">
+            <a:schemeClr val="accent1"/>
+          </a:fillRef>
+          <a:effectRef idx="0">
+            <a:schemeClr val="accent1"/>
+          </a:effectRef>
+          <a:fontRef idx="minor">
+            <a:schemeClr val="lt1"/>
+          </a:fontRef>
+        </p:style>
+        <p:txBody>
+          <a:bodyPr rtlCol="0" anchor="ctr"/>
+          <a:lstStyle/>
+          <a:p>
+            <a:pPr algn="ctr"/>
+            <a:endParaRPr kumimoji="1" lang="ja-JP" altLang="en-US"/>
+          </a:p>
+        </p:txBody>
+      </p:sp>
+      <p:sp>
+        <p:nvSpPr>
+          <p:cNvPr id="14" name="楕円 13"/>
+          <p:cNvSpPr/>
+          <p:nvPr/>
+        </p:nvSpPr>
+        <p:spPr>
+          <a:xfrm>
+            <a:off x="8994497" y="2637017"/>
+            <a:ext cx="707011" cy="642594"/>
+          </a:xfrm>
+          <a:prstGeom prst="ellipse">
+            <a:avLst/>
+          </a:prstGeom>
+        </p:spPr>
+        <p:style>
+          <a:lnRef idx="2">
+            <a:schemeClr val="accent1">
+              <a:shade val="50000"/>
+            </a:schemeClr>
+          </a:lnRef>
+          <a:fillRef idx="1">
+            <a:schemeClr val="accent1"/>
+          </a:fillRef>
+          <a:effectRef idx="0">
+            <a:schemeClr val="accent1"/>
+          </a:effectRef>
+          <a:fontRef idx="minor">
+            <a:schemeClr val="lt1"/>
+          </a:fontRef>
+        </p:style>
+        <p:txBody>
+          <a:bodyPr rtlCol="0" anchor="ctr"/>
+          <a:lstStyle/>
+          <a:p>
+            <a:pPr algn="ctr"/>
+            <a:endParaRPr kumimoji="1" lang="ja-JP" altLang="en-US"/>
+          </a:p>
+        </p:txBody>
+      </p:sp>
+      <p:sp>
+        <p:nvSpPr>
+          <p:cNvPr id="17" name="テキスト ボックス 16"/>
+          <p:cNvSpPr txBox="1"/>
+          <p:nvPr/>
+        </p:nvSpPr>
+        <p:spPr>
+          <a:xfrm>
+            <a:off x="7547191" y="2161692"/>
+            <a:ext cx="1989647" cy="369332"/>
+          </a:xfrm>
+          <a:prstGeom prst="rect">
+            <a:avLst/>
+          </a:prstGeom>
+          <a:noFill/>
+        </p:spPr>
+        <p:txBody>
+          <a:bodyPr wrap="none" rtlCol="0">
+            <a:spAutoFit/>
+          </a:bodyPr>
+          <a:lstStyle/>
+          <a:p>
+            <a:r>
+              <a:rPr kumimoji="1" lang="en-US" altLang="ja-JP" dirty="0"/>
+              <a:t>Command queue</a:t>
+            </a:r>
+            <a:endParaRPr kumimoji="1" lang="ja-JP" altLang="en-US" dirty="0"/>
+          </a:p>
+        </p:txBody>
+      </p:sp>
+      <p:sp>
+        <p:nvSpPr>
+          <p:cNvPr id="18" name="矢印: 左 17"/>
+          <p:cNvSpPr/>
+          <p:nvPr/>
+        </p:nvSpPr>
+        <p:spPr>
+          <a:xfrm>
+            <a:off x="10083313" y="2861394"/>
+            <a:ext cx="871960" cy="192683"/>
+          </a:xfrm>
+          <a:prstGeom prst="leftArrow">
+            <a:avLst/>
+          </a:prstGeom>
+        </p:spPr>
+        <p:style>
+          <a:lnRef idx="2">
+            <a:schemeClr val="accent1">
+              <a:shade val="50000"/>
+            </a:schemeClr>
+          </a:lnRef>
+          <a:fillRef idx="1">
+            <a:schemeClr val="accent1"/>
+          </a:fillRef>
+          <a:effectRef idx="0">
+            <a:schemeClr val="accent1"/>
+          </a:effectRef>
+          <a:fontRef idx="minor">
+            <a:schemeClr val="lt1"/>
+          </a:fontRef>
+        </p:style>
+        <p:txBody>
+          <a:bodyPr rtlCol="0" anchor="ctr"/>
+          <a:lstStyle/>
+          <a:p>
+            <a:pPr algn="ctr"/>
+            <a:endParaRPr kumimoji="1" lang="ja-JP" altLang="en-US"/>
+          </a:p>
+        </p:txBody>
+      </p:sp>
+      <p:sp>
+        <p:nvSpPr>
+          <p:cNvPr id="19" name="テキスト ボックス 18"/>
+          <p:cNvSpPr txBox="1"/>
+          <p:nvPr/>
+        </p:nvSpPr>
+        <p:spPr>
+          <a:xfrm>
+            <a:off x="10955273" y="2773069"/>
+            <a:ext cx="803425" cy="369332"/>
+          </a:xfrm>
+          <a:prstGeom prst="rect">
+            <a:avLst/>
+          </a:prstGeom>
+          <a:noFill/>
+        </p:spPr>
+        <p:txBody>
+          <a:bodyPr wrap="none" rtlCol="0">
+            <a:spAutoFit/>
+          </a:bodyPr>
+          <a:lstStyle/>
+          <a:p>
+            <a:r>
+              <a:rPr lang="en-US" altLang="ja-JP" dirty="0"/>
+              <a:t>UART</a:t>
+            </a:r>
+            <a:endParaRPr kumimoji="1" lang="ja-JP" altLang="en-US" dirty="0"/>
+          </a:p>
+        </p:txBody>
+      </p:sp>
+      <p:cxnSp>
+        <p:nvCxnSpPr>
+          <p:cNvPr id="15" name="直線矢印コネクタ 14"/>
+          <p:cNvCxnSpPr>
+            <a:cxnSpLocks/>
+          </p:cNvCxnSpPr>
+          <p:nvPr/>
+        </p:nvCxnSpPr>
+        <p:spPr>
+          <a:xfrm>
+            <a:off x="3465306" y="1436321"/>
+            <a:ext cx="0" cy="2925215"/>
+          </a:xfrm>
+          <a:prstGeom prst="straightConnector1">
+            <a:avLst/>
+          </a:prstGeom>
+          <a:ln>
+            <a:tailEnd type="triangle"/>
+          </a:ln>
+        </p:spPr>
+        <p:style>
+          <a:lnRef idx="1">
+            <a:schemeClr val="accent1"/>
+          </a:lnRef>
+          <a:fillRef idx="0">
+            <a:schemeClr val="accent1"/>
+          </a:fillRef>
+          <a:effectRef idx="0">
+            <a:schemeClr val="accent1"/>
+          </a:effectRef>
+          <a:fontRef idx="minor">
+            <a:schemeClr val="tx1"/>
+          </a:fontRef>
+        </p:style>
+      </p:cxnSp>
+      <p:sp>
+        <p:nvSpPr>
+          <p:cNvPr id="22" name="テキスト ボックス 21"/>
+          <p:cNvSpPr txBox="1"/>
+          <p:nvPr/>
+        </p:nvSpPr>
+        <p:spPr>
+          <a:xfrm>
+            <a:off x="3465306" y="2957735"/>
+            <a:ext cx="1443024" cy="369332"/>
+          </a:xfrm>
+          <a:prstGeom prst="rect">
+            <a:avLst/>
+          </a:prstGeom>
+          <a:noFill/>
+        </p:spPr>
+        <p:txBody>
+          <a:bodyPr wrap="none" rtlCol="0">
+            <a:spAutoFit/>
+          </a:bodyPr>
+          <a:lstStyle/>
+          <a:p>
+            <a:r>
+              <a:rPr kumimoji="1" lang="en-US" altLang="ja-JP" dirty="0"/>
+              <a:t>Current slot</a:t>
+            </a:r>
+            <a:endParaRPr kumimoji="1" lang="ja-JP" altLang="en-US" dirty="0"/>
+          </a:p>
+        </p:txBody>
+      </p:sp>
+      <p:cxnSp>
+        <p:nvCxnSpPr>
+          <p:cNvPr id="24" name="直線コネクタ 23"/>
+          <p:cNvCxnSpPr/>
+          <p:nvPr/>
+        </p:nvCxnSpPr>
+        <p:spPr>
+          <a:xfrm>
+            <a:off x="3065038" y="1436321"/>
+            <a:ext cx="1491433" cy="0"/>
+          </a:xfrm>
+          <a:prstGeom prst="line">
+            <a:avLst/>
+          </a:prstGeom>
+        </p:spPr>
+        <p:style>
+          <a:lnRef idx="1">
+            <a:schemeClr val="accent1"/>
+          </a:lnRef>
+          <a:fillRef idx="0">
+            <a:schemeClr val="accent1"/>
+          </a:fillRef>
+          <a:effectRef idx="0">
+            <a:schemeClr val="accent1"/>
+          </a:effectRef>
+          <a:fontRef idx="minor">
+            <a:schemeClr val="tx1"/>
+          </a:fontRef>
+        </p:style>
+      </p:cxnSp>
+      <p:cxnSp>
+        <p:nvCxnSpPr>
+          <p:cNvPr id="26" name="コネクタ: カギ線 25"/>
+          <p:cNvCxnSpPr>
+            <a:stCxn id="12" idx="2"/>
+          </p:cNvCxnSpPr>
+          <p:nvPr/>
+        </p:nvCxnSpPr>
+        <p:spPr>
+          <a:xfrm rot="10800000" flipV="1">
+            <a:off x="2933053" y="2958313"/>
+            <a:ext cx="4506022" cy="1509991"/>
+          </a:xfrm>
+          <a:prstGeom prst="bentConnector3">
+            <a:avLst/>
+          </a:prstGeom>
+          <a:ln>
+            <a:tailEnd type="triangle"/>
+          </a:ln>
+        </p:spPr>
+        <p:style>
+          <a:lnRef idx="1">
+            <a:schemeClr val="accent1"/>
+          </a:lnRef>
+          <a:fillRef idx="0">
+            <a:schemeClr val="accent1"/>
+          </a:fillRef>
+          <a:effectRef idx="0">
+            <a:schemeClr val="accent1"/>
+          </a:effectRef>
+          <a:fontRef idx="minor">
+            <a:schemeClr val="tx1"/>
+          </a:fontRef>
+        </p:style>
+      </p:cxnSp>
+      <p:cxnSp>
+        <p:nvCxnSpPr>
+          <p:cNvPr id="27" name="コネクタ: カギ線 26"/>
+          <p:cNvCxnSpPr>
+            <a:cxnSpLocks/>
+            <a:stCxn id="12" idx="2"/>
+          </p:cNvCxnSpPr>
+          <p:nvPr/>
+        </p:nvCxnSpPr>
+        <p:spPr>
+          <a:xfrm rot="10800000">
+            <a:off x="2951907" y="2097328"/>
+            <a:ext cx="4487169" cy="860987"/>
+          </a:xfrm>
+          <a:prstGeom prst="bentConnector3">
+            <a:avLst/>
+          </a:prstGeom>
+          <a:ln>
+            <a:prstDash val="dash"/>
+            <a:tailEnd type="triangle"/>
+          </a:ln>
+        </p:spPr>
+        <p:style>
+          <a:lnRef idx="1">
+            <a:schemeClr val="accent1"/>
+          </a:lnRef>
+          <a:fillRef idx="0">
+            <a:schemeClr val="accent1"/>
+          </a:fillRef>
+          <a:effectRef idx="0">
+            <a:schemeClr val="accent1"/>
+          </a:effectRef>
+          <a:fontRef idx="minor">
+            <a:schemeClr val="tx1"/>
+          </a:fontRef>
+        </p:style>
+      </p:cxnSp>
       <p:graphicFrame>
         <p:nvGraphicFramePr>
-          <p:cNvPr id="4" name="表 3"/>
+          <p:cNvPr id="30" name="表 29"/>
           <p:cNvGraphicFramePr>
             <a:graphicFrameLocks noGrp="1"/>
           </p:cNvGraphicFramePr>
           <p:nvPr>
             <p:extLst>
               <p:ext uri="{D42A27DB-BD31-4B8C-83A1-F6EECF244321}">
-                <p14:modId xmlns:p14="http://schemas.microsoft.com/office/powerpoint/2010/main" val="2939052693"/>
+                <p14:modId xmlns:p14="http://schemas.microsoft.com/office/powerpoint/2010/main" val="205637426"/>
               </p:ext>
             </p:extLst>
           </p:nvPr>
         </p:nvGraphicFramePr>
         <p:xfrm>
-          <a:off x="1381550" y="1951349"/>
-          <a:ext cx="2059234" cy="4644880"/>
+          <a:off x="841342" y="1461158"/>
+          <a:ext cx="2002450" cy="5196840"/>
         </p:xfrm>
         <a:graphic>
           <a:graphicData uri="http://schemas.openxmlformats.org/drawingml/2006/table">
@@ -7188,14 +8599,14 @@
                 <a:tableStyleId>{5940675A-B579-460E-94D1-54222C63F5DA}</a:tableStyleId>
               </a:tblPr>
               <a:tblGrid>
-                <a:gridCol w="550944">
+                <a:gridCol w="535752">
                   <a:extLst>
                     <a:ext uri="{9D8B030D-6E8A-4147-A177-3AD203B41FA5}">
                       <a16:colId xmlns:a16="http://schemas.microsoft.com/office/drawing/2014/main" val="3149032176"/>
                     </a:ext>
                   </a:extLst>
                 </a:gridCol>
-                <a:gridCol w="1508290">
+                <a:gridCol w="1466698">
                   <a:extLst>
                     <a:ext uri="{9D8B030D-6E8A-4147-A177-3AD203B41FA5}">
                       <a16:colId xmlns:a16="http://schemas.microsoft.com/office/drawing/2014/main" val="3436855959"/>
@@ -7203,17 +8614,17 @@
                   </a:extLst>
                 </a:gridCol>
               </a:tblGrid>
-              <a:tr h="464488">
+              <a:tr h="259080">
                 <a:tc>
                   <a:txBody>
                     <a:bodyPr/>
                     <a:lstStyle/>
                     <a:p>
                       <a:r>
-                        <a:rPr kumimoji="1" lang="en-US" altLang="ja-JP" sz="2400" dirty="0"/>
+                        <a:rPr kumimoji="1" lang="en-US" altLang="ja-JP" sz="1100" dirty="0"/>
                         <a:t>#0</a:t>
                       </a:r>
-                      <a:endParaRPr kumimoji="1" lang="ja-JP" altLang="en-US" sz="2400" dirty="0"/>
+                      <a:endParaRPr kumimoji="1" lang="ja-JP" altLang="en-US" sz="1100" dirty="0"/>
                     </a:p>
                   </a:txBody>
                   <a:tcPr/>
@@ -7224,13 +8635,17 @@
                     <a:lstStyle/>
                     <a:p>
                       <a:r>
-                        <a:rPr kumimoji="1" lang="en-US" altLang="ja-JP" sz="2400" dirty="0"/>
+                        <a:rPr kumimoji="1" lang="en-US" altLang="ja-JP" sz="1100" dirty="0"/>
                         <a:t>PLG</a:t>
                       </a:r>
-                      <a:endParaRPr kumimoji="1" lang="ja-JP" altLang="en-US" sz="2400" dirty="0"/>
+                      <a:endParaRPr kumimoji="1" lang="ja-JP" altLang="en-US" sz="1100" dirty="0"/>
                     </a:p>
                   </a:txBody>
-                  <a:tcPr/>
+                  <a:tcPr>
+                    <a:solidFill>
+                      <a:srgbClr val="00B0F0"/>
+                    </a:solidFill>
+                  </a:tcPr>
                 </a:tc>
                 <a:extLst>
                   <a:ext uri="{0D108BD9-81ED-4DB2-BD59-A6C34878D82A}">
@@ -7238,17 +8653,17 @@
                   </a:ext>
                 </a:extLst>
               </a:tr>
-              <a:tr h="464488">
+              <a:tr h="129540">
                 <a:tc>
                   <a:txBody>
                     <a:bodyPr/>
                     <a:lstStyle/>
                     <a:p>
                       <a:r>
-                        <a:rPr kumimoji="1" lang="en-US" altLang="ja-JP" sz="2400" dirty="0"/>
+                        <a:rPr kumimoji="1" lang="en-US" altLang="ja-JP" sz="1100" dirty="0"/>
                         <a:t>#1</a:t>
                       </a:r>
-                      <a:endParaRPr kumimoji="1" lang="ja-JP" altLang="en-US" sz="2400" dirty="0"/>
+                      <a:endParaRPr kumimoji="1" lang="ja-JP" altLang="en-US" sz="1100" dirty="0"/>
                     </a:p>
                   </a:txBody>
                   <a:tcPr/>
@@ -7259,13 +8674,20 @@
                     <a:lstStyle/>
                     <a:p>
                       <a:r>
-                        <a:rPr kumimoji="1" lang="en-US" altLang="ja-JP" sz="2400" dirty="0"/>
-                        <a:t>CMD</a:t>
+                        <a:rPr kumimoji="1" lang="en-US" altLang="ja-JP" sz="1100" dirty="0"/>
+                        <a:t>ADT</a:t>
                       </a:r>
-                      <a:endParaRPr kumimoji="1" lang="ja-JP" altLang="en-US" sz="2400" dirty="0"/>
+                      <a:endParaRPr kumimoji="1" lang="ja-JP" altLang="en-US" sz="1100" dirty="0"/>
                     </a:p>
                   </a:txBody>
-                  <a:tcPr/>
+                  <a:tcPr>
+                    <a:solidFill>
+                      <a:schemeClr val="tx2">
+                        <a:lumMod val="40000"/>
+                        <a:lumOff val="60000"/>
+                      </a:schemeClr>
+                    </a:solidFill>
+                  </a:tcPr>
                 </a:tc>
                 <a:extLst>
                   <a:ext uri="{0D108BD9-81ED-4DB2-BD59-A6C34878D82A}">
@@ -7273,17 +8695,17 @@
                   </a:ext>
                 </a:extLst>
               </a:tr>
-              <a:tr h="464488">
+              <a:tr h="129540">
                 <a:tc>
                   <a:txBody>
                     <a:bodyPr/>
                     <a:lstStyle/>
                     <a:p>
                       <a:r>
-                        <a:rPr kumimoji="1" lang="en-US" altLang="ja-JP" sz="2400" dirty="0"/>
+                        <a:rPr kumimoji="1" lang="en-US" altLang="ja-JP" sz="1100" dirty="0"/>
                         <a:t>#2</a:t>
                       </a:r>
-                      <a:endParaRPr kumimoji="1" lang="ja-JP" altLang="en-US" sz="2400" dirty="0"/>
+                      <a:endParaRPr kumimoji="1" lang="ja-JP" altLang="en-US" sz="1100" dirty="0"/>
                     </a:p>
                   </a:txBody>
                   <a:tcPr/>
@@ -7294,31 +8716,38 @@
                     <a:lstStyle/>
                     <a:p>
                       <a:r>
-                        <a:rPr kumimoji="1" lang="en-US" altLang="ja-JP" sz="2400" dirty="0"/>
-                        <a:t>(SEN)</a:t>
+                        <a:rPr kumimoji="1" lang="en-US" altLang="ja-JP" sz="1100" dirty="0"/>
+                        <a:t>CMD</a:t>
                       </a:r>
-                      <a:endParaRPr kumimoji="1" lang="ja-JP" altLang="en-US" sz="2400" dirty="0"/>
+                      <a:endParaRPr kumimoji="1" lang="ja-JP" altLang="en-US" sz="1100" dirty="0"/>
                     </a:p>
                   </a:txBody>
-                  <a:tcPr/>
+                  <a:tcPr>
+                    <a:solidFill>
+                      <a:schemeClr val="accent6">
+                        <a:lumMod val="60000"/>
+                        <a:lumOff val="40000"/>
+                      </a:schemeClr>
+                    </a:solidFill>
+                  </a:tcPr>
                 </a:tc>
                 <a:extLst>
                   <a:ext uri="{0D108BD9-81ED-4DB2-BD59-A6C34878D82A}">
-                    <a16:rowId xmlns:a16="http://schemas.microsoft.com/office/drawing/2014/main" val="68926861"/>
+                    <a16:rowId xmlns:a16="http://schemas.microsoft.com/office/drawing/2014/main" val="2132888530"/>
                   </a:ext>
                 </a:extLst>
               </a:tr>
-              <a:tr h="464488">
+              <a:tr h="230014">
                 <a:tc>
                   <a:txBody>
                     <a:bodyPr/>
                     <a:lstStyle/>
                     <a:p>
                       <a:r>
-                        <a:rPr kumimoji="1" lang="en-US" altLang="ja-JP" sz="2400" dirty="0"/>
-                        <a:t>#3</a:t>
+                        <a:rPr kumimoji="1" lang="en-US" altLang="ja-JP" sz="1100" dirty="0"/>
+                        <a:t>#3a</a:t>
                       </a:r>
-                      <a:endParaRPr kumimoji="1" lang="ja-JP" altLang="en-US" sz="2400" dirty="0"/>
+                      <a:endParaRPr kumimoji="1" lang="ja-JP" altLang="en-US" sz="1100" dirty="0"/>
                     </a:p>
                   </a:txBody>
                   <a:tcPr/>
@@ -7329,31 +8758,38 @@
                     <a:lstStyle/>
                     <a:p>
                       <a:r>
-                        <a:rPr kumimoji="1" lang="en-US" altLang="ja-JP" sz="2400" dirty="0"/>
-                        <a:t>(SEN)</a:t>
+                        <a:rPr kumimoji="1" lang="en-US" altLang="ja-JP" sz="1100" dirty="0"/>
+                        <a:t>INV</a:t>
                       </a:r>
-                      <a:endParaRPr kumimoji="1" lang="ja-JP" altLang="en-US" sz="2400" dirty="0"/>
+                      <a:endParaRPr kumimoji="1" lang="ja-JP" altLang="en-US" sz="1100" dirty="0"/>
                     </a:p>
                   </a:txBody>
-                  <a:tcPr/>
+                  <a:tcPr>
+                    <a:solidFill>
+                      <a:schemeClr val="accent4">
+                        <a:lumMod val="40000"/>
+                        <a:lumOff val="60000"/>
+                      </a:schemeClr>
+                    </a:solidFill>
+                  </a:tcPr>
                 </a:tc>
                 <a:extLst>
                   <a:ext uri="{0D108BD9-81ED-4DB2-BD59-A6C34878D82A}">
-                    <a16:rowId xmlns:a16="http://schemas.microsoft.com/office/drawing/2014/main" val="3168637519"/>
+                    <a16:rowId xmlns:a16="http://schemas.microsoft.com/office/drawing/2014/main" val="68926861"/>
                   </a:ext>
                 </a:extLst>
               </a:tr>
-              <a:tr h="464488">
+              <a:tr h="230014">
                 <a:tc>
                   <a:txBody>
                     <a:bodyPr/>
                     <a:lstStyle/>
                     <a:p>
                       <a:r>
-                        <a:rPr kumimoji="1" lang="en-US" altLang="ja-JP" sz="2400" dirty="0"/>
-                        <a:t>#4</a:t>
+                        <a:rPr kumimoji="1" lang="en-US" altLang="ja-JP" sz="1100" dirty="0"/>
+                        <a:t>#3b</a:t>
                       </a:r>
-                      <a:endParaRPr kumimoji="1" lang="ja-JP" altLang="en-US" sz="2400" dirty="0"/>
+                      <a:endParaRPr kumimoji="1" lang="ja-JP" altLang="en-US" sz="1100" dirty="0"/>
                     </a:p>
                   </a:txBody>
                   <a:tcPr/>
@@ -7364,31 +8800,38 @@
                     <a:lstStyle/>
                     <a:p>
                       <a:r>
-                        <a:rPr kumimoji="1" lang="en-US" altLang="ja-JP" sz="2400" dirty="0"/>
-                        <a:t>(SEN)</a:t>
+                        <a:rPr kumimoji="1" lang="en-US" altLang="ja-JP" sz="1100" dirty="0"/>
+                        <a:t>SEN</a:t>
                       </a:r>
-                      <a:endParaRPr kumimoji="1" lang="ja-JP" altLang="en-US" sz="2400" dirty="0"/>
+                      <a:endParaRPr kumimoji="1" lang="ja-JP" altLang="en-US" sz="1100" dirty="0"/>
                     </a:p>
                   </a:txBody>
-                  <a:tcPr/>
+                  <a:tcPr>
+                    <a:solidFill>
+                      <a:schemeClr val="accent4">
+                        <a:lumMod val="40000"/>
+                        <a:lumOff val="60000"/>
+                      </a:schemeClr>
+                    </a:solidFill>
+                  </a:tcPr>
                 </a:tc>
                 <a:extLst>
                   <a:ext uri="{0D108BD9-81ED-4DB2-BD59-A6C34878D82A}">
-                    <a16:rowId xmlns:a16="http://schemas.microsoft.com/office/drawing/2014/main" val="3135119115"/>
+                    <a16:rowId xmlns:a16="http://schemas.microsoft.com/office/drawing/2014/main" val="3168637519"/>
                   </a:ext>
                 </a:extLst>
               </a:tr>
-              <a:tr h="464488">
+              <a:tr h="230014">
                 <a:tc>
                   <a:txBody>
                     <a:bodyPr/>
                     <a:lstStyle/>
                     <a:p>
                       <a:r>
-                        <a:rPr kumimoji="1" lang="en-US" altLang="ja-JP" sz="2400" dirty="0"/>
-                        <a:t>#5</a:t>
+                        <a:rPr kumimoji="1" lang="en-US" altLang="ja-JP" sz="1100" dirty="0"/>
+                        <a:t>#4a</a:t>
                       </a:r>
-                      <a:endParaRPr kumimoji="1" lang="ja-JP" altLang="en-US" sz="2400" dirty="0"/>
+                      <a:endParaRPr kumimoji="1" lang="ja-JP" altLang="en-US" sz="1100" dirty="0"/>
                     </a:p>
                   </a:txBody>
                   <a:tcPr/>
@@ -7399,31 +8842,38 @@
                     <a:lstStyle/>
                     <a:p>
                       <a:r>
-                        <a:rPr kumimoji="1" lang="en-US" altLang="ja-JP" sz="2400" dirty="0"/>
-                        <a:t>(SEN)</a:t>
+                        <a:rPr kumimoji="1" lang="en-US" altLang="ja-JP" sz="1100" dirty="0"/>
+                        <a:t>INV</a:t>
                       </a:r>
-                      <a:endParaRPr kumimoji="1" lang="ja-JP" altLang="en-US" sz="2400" dirty="0"/>
+                      <a:endParaRPr kumimoji="1" lang="ja-JP" altLang="en-US" sz="1100" dirty="0"/>
                     </a:p>
                   </a:txBody>
-                  <a:tcPr/>
+                  <a:tcPr>
+                    <a:solidFill>
+                      <a:schemeClr val="accent4">
+                        <a:lumMod val="40000"/>
+                        <a:lumOff val="60000"/>
+                      </a:schemeClr>
+                    </a:solidFill>
+                  </a:tcPr>
                 </a:tc>
                 <a:extLst>
                   <a:ext uri="{0D108BD9-81ED-4DB2-BD59-A6C34878D82A}">
-                    <a16:rowId xmlns:a16="http://schemas.microsoft.com/office/drawing/2014/main" val="1491773428"/>
+                    <a16:rowId xmlns:a16="http://schemas.microsoft.com/office/drawing/2014/main" val="3135119115"/>
                   </a:ext>
                 </a:extLst>
               </a:tr>
-              <a:tr h="464488">
+              <a:tr h="230014">
                 <a:tc>
                   <a:txBody>
                     <a:bodyPr/>
                     <a:lstStyle/>
                     <a:p>
                       <a:r>
-                        <a:rPr kumimoji="1" lang="en-US" altLang="ja-JP" sz="2400" dirty="0"/>
-                        <a:t>#6</a:t>
+                        <a:rPr kumimoji="1" lang="en-US" altLang="ja-JP" sz="1100" dirty="0"/>
+                        <a:t>#4b</a:t>
                       </a:r>
-                      <a:endParaRPr kumimoji="1" lang="ja-JP" altLang="en-US" sz="2400" dirty="0"/>
+                      <a:endParaRPr kumimoji="1" lang="ja-JP" altLang="en-US" sz="1100" dirty="0"/>
                     </a:p>
                   </a:txBody>
                   <a:tcPr/>
@@ -7434,31 +8884,38 @@
                     <a:lstStyle/>
                     <a:p>
                       <a:r>
-                        <a:rPr kumimoji="1" lang="en-US" altLang="ja-JP" sz="2400" dirty="0"/>
-                        <a:t>CMD</a:t>
+                        <a:rPr kumimoji="1" lang="en-US" altLang="ja-JP" sz="1100" dirty="0"/>
+                        <a:t>SEN</a:t>
                       </a:r>
-                      <a:endParaRPr kumimoji="1" lang="ja-JP" altLang="en-US" sz="2400" dirty="0"/>
+                      <a:endParaRPr kumimoji="1" lang="ja-JP" altLang="en-US" sz="1100" dirty="0"/>
                     </a:p>
                   </a:txBody>
-                  <a:tcPr/>
+                  <a:tcPr>
+                    <a:solidFill>
+                      <a:schemeClr val="accent4">
+                        <a:lumMod val="40000"/>
+                        <a:lumOff val="60000"/>
+                      </a:schemeClr>
+                    </a:solidFill>
+                  </a:tcPr>
                 </a:tc>
                 <a:extLst>
                   <a:ext uri="{0D108BD9-81ED-4DB2-BD59-A6C34878D82A}">
-                    <a16:rowId xmlns:a16="http://schemas.microsoft.com/office/drawing/2014/main" val="1253745580"/>
+                    <a16:rowId xmlns:a16="http://schemas.microsoft.com/office/drawing/2014/main" val="1491773428"/>
                   </a:ext>
                 </a:extLst>
               </a:tr>
-              <a:tr h="464488">
+              <a:tr h="230014">
                 <a:tc>
                   <a:txBody>
                     <a:bodyPr/>
                     <a:lstStyle/>
                     <a:p>
                       <a:r>
-                        <a:rPr kumimoji="1" lang="en-US" altLang="ja-JP" sz="2400" dirty="0"/>
-                        <a:t>#7</a:t>
+                        <a:rPr kumimoji="1" lang="en-US" altLang="ja-JP" sz="1100" dirty="0"/>
+                        <a:t>#5a</a:t>
                       </a:r>
-                      <a:endParaRPr kumimoji="1" lang="ja-JP" altLang="en-US" sz="2400" dirty="0"/>
+                      <a:endParaRPr kumimoji="1" lang="ja-JP" altLang="en-US" sz="1100" dirty="0"/>
                     </a:p>
                   </a:txBody>
                   <a:tcPr/>
@@ -7469,31 +8926,38 @@
                     <a:lstStyle/>
                     <a:p>
                       <a:r>
-                        <a:rPr kumimoji="1" lang="en-US" altLang="ja-JP" sz="2400" dirty="0"/>
-                        <a:t>(SEN)</a:t>
+                        <a:rPr kumimoji="1" lang="en-US" altLang="ja-JP" sz="1100" dirty="0"/>
+                        <a:t>INV</a:t>
                       </a:r>
-                      <a:endParaRPr kumimoji="1" lang="ja-JP" altLang="en-US" sz="2400" dirty="0"/>
+                      <a:endParaRPr kumimoji="1" lang="ja-JP" altLang="en-US" sz="1100" dirty="0"/>
                     </a:p>
                   </a:txBody>
-                  <a:tcPr/>
+                  <a:tcPr>
+                    <a:solidFill>
+                      <a:schemeClr val="accent4">
+                        <a:lumMod val="40000"/>
+                        <a:lumOff val="60000"/>
+                      </a:schemeClr>
+                    </a:solidFill>
+                  </a:tcPr>
                 </a:tc>
                 <a:extLst>
                   <a:ext uri="{0D108BD9-81ED-4DB2-BD59-A6C34878D82A}">
-                    <a16:rowId xmlns:a16="http://schemas.microsoft.com/office/drawing/2014/main" val="442241241"/>
+                    <a16:rowId xmlns:a16="http://schemas.microsoft.com/office/drawing/2014/main" val="1253745580"/>
                   </a:ext>
                 </a:extLst>
               </a:tr>
-              <a:tr h="464488">
+              <a:tr h="230014">
                 <a:tc>
                   <a:txBody>
                     <a:bodyPr/>
                     <a:lstStyle/>
                     <a:p>
                       <a:r>
-                        <a:rPr kumimoji="1" lang="en-US" altLang="ja-JP" sz="2400" dirty="0"/>
-                        <a:t>#8</a:t>
+                        <a:rPr kumimoji="1" lang="en-US" altLang="ja-JP" sz="1100" dirty="0"/>
+                        <a:t>#5b</a:t>
                       </a:r>
-                      <a:endParaRPr kumimoji="1" lang="ja-JP" altLang="en-US" sz="2400" dirty="0"/>
+                      <a:endParaRPr kumimoji="1" lang="ja-JP" altLang="en-US" sz="1100" dirty="0"/>
                     </a:p>
                   </a:txBody>
                   <a:tcPr/>
@@ -7504,31 +8968,38 @@
                     <a:lstStyle/>
                     <a:p>
                       <a:r>
-                        <a:rPr kumimoji="1" lang="en-US" altLang="ja-JP" sz="2400" dirty="0"/>
-                        <a:t>(SEN)</a:t>
+                        <a:rPr kumimoji="1" lang="en-US" altLang="ja-JP" sz="1100" dirty="0"/>
+                        <a:t>SEN</a:t>
                       </a:r>
-                      <a:endParaRPr kumimoji="1" lang="ja-JP" altLang="en-US" sz="2400" dirty="0"/>
+                      <a:endParaRPr kumimoji="1" lang="ja-JP" altLang="en-US" sz="1100" dirty="0"/>
                     </a:p>
                   </a:txBody>
-                  <a:tcPr/>
+                  <a:tcPr>
+                    <a:solidFill>
+                      <a:schemeClr val="accent4">
+                        <a:lumMod val="40000"/>
+                        <a:lumOff val="60000"/>
+                      </a:schemeClr>
+                    </a:solidFill>
+                  </a:tcPr>
                 </a:tc>
                 <a:extLst>
                   <a:ext uri="{0D108BD9-81ED-4DB2-BD59-A6C34878D82A}">
-                    <a16:rowId xmlns:a16="http://schemas.microsoft.com/office/drawing/2014/main" val="3944609109"/>
+                    <a16:rowId xmlns:a16="http://schemas.microsoft.com/office/drawing/2014/main" val="442241241"/>
                   </a:ext>
                 </a:extLst>
               </a:tr>
-              <a:tr h="464488">
+              <a:tr h="274320">
                 <a:tc>
                   <a:txBody>
                     <a:bodyPr/>
                     <a:lstStyle/>
                     <a:p>
                       <a:r>
-                        <a:rPr kumimoji="1" lang="en-US" altLang="ja-JP" sz="2400" dirty="0"/>
-                        <a:t>#9</a:t>
+                        <a:rPr kumimoji="1" lang="en-US" altLang="ja-JP" sz="1100" dirty="0"/>
+                        <a:t>#6a</a:t>
                       </a:r>
-                      <a:endParaRPr kumimoji="1" lang="ja-JP" altLang="en-US" sz="2400" dirty="0"/>
+                      <a:endParaRPr kumimoji="1" lang="ja-JP" altLang="en-US" sz="1100" dirty="0"/>
                     </a:p>
                   </a:txBody>
                   <a:tcPr/>
@@ -7539,13 +9010,62 @@
                     <a:lstStyle/>
                     <a:p>
                       <a:r>
-                        <a:rPr kumimoji="1" lang="en-US" altLang="ja-JP" sz="2400" dirty="0"/>
-                        <a:t>(SEN)</a:t>
+                        <a:rPr kumimoji="1" lang="en-US" altLang="ja-JP" sz="1100" dirty="0"/>
+                        <a:t>INV</a:t>
                       </a:r>
-                      <a:endParaRPr kumimoji="1" lang="ja-JP" altLang="en-US" sz="2400" dirty="0"/>
+                      <a:endParaRPr kumimoji="1" lang="ja-JP" altLang="en-US" sz="1100" dirty="0"/>
+                    </a:p>
+                  </a:txBody>
+                  <a:tcPr>
+                    <a:solidFill>
+                      <a:schemeClr val="accent4">
+                        <a:lumMod val="40000"/>
+                        <a:lumOff val="60000"/>
+                      </a:schemeClr>
+                    </a:solidFill>
+                  </a:tcPr>
+                </a:tc>
+                <a:extLst>
+                  <a:ext uri="{0D108BD9-81ED-4DB2-BD59-A6C34878D82A}">
+                    <a16:rowId xmlns:a16="http://schemas.microsoft.com/office/drawing/2014/main" val="3944609109"/>
+                  </a:ext>
+                </a:extLst>
+              </a:tr>
+              <a:tr h="230014">
+                <a:tc>
+                  <a:txBody>
+                    <a:bodyPr/>
+                    <a:lstStyle/>
+                    <a:p>
+                      <a:r>
+                        <a:rPr kumimoji="1" lang="en-US" altLang="ja-JP" sz="1100" dirty="0"/>
+                        <a:t>#6b</a:t>
+                      </a:r>
+                      <a:endParaRPr kumimoji="1" lang="ja-JP" altLang="en-US" sz="1100" dirty="0"/>
                     </a:p>
                   </a:txBody>
                   <a:tcPr/>
+                </a:tc>
+                <a:tc>
+                  <a:txBody>
+                    <a:bodyPr/>
+                    <a:lstStyle/>
+                    <a:p>
+                      <a:r>
+                        <a:rPr kumimoji="1" lang="en-US" altLang="ja-JP" sz="1100" dirty="0"/>
+                        <a:t>SEN</a:t>
+                      </a:r>
+                      <a:endParaRPr kumimoji="1" lang="ja-JP" altLang="en-US" sz="1100" dirty="0"/>
+                    </a:p>
+                  </a:txBody>
+                  <a:tcPr>
+                    <a:solidFill>
+                      <a:schemeClr val="accent4">
+                        <a:lumMod val="40000"/>
+                        <a:lumOff val="60000"/>
+                      </a:schemeClr>
+                    </a:solidFill>
+                  </a:tcPr>
                 </a:tc>
                 <a:extLst>
                   <a:ext uri="{0D108BD9-81ED-4DB2-BD59-A6C34878D82A}">
@@ -7553,471 +9073,388 @@
                   </a:ext>
                 </a:extLst>
               </a:tr>
+              <a:tr h="230014">
+                <a:tc>
+                  <a:txBody>
+                    <a:bodyPr/>
+                    <a:lstStyle/>
+                    <a:p>
+                      <a:r>
+                        <a:rPr kumimoji="1" lang="en-US" altLang="ja-JP" sz="1100" dirty="0"/>
+                        <a:t>#7</a:t>
+                      </a:r>
+                      <a:endParaRPr kumimoji="1" lang="ja-JP" altLang="en-US" sz="1100" dirty="0"/>
+                    </a:p>
+                  </a:txBody>
+                  <a:tcPr/>
+                </a:tc>
+                <a:tc>
+                  <a:txBody>
+                    <a:bodyPr/>
+                    <a:lstStyle/>
+                    <a:p>
+                      <a:r>
+                        <a:rPr kumimoji="1" lang="en-US" altLang="ja-JP" sz="1100" dirty="0"/>
+                        <a:t>CMD</a:t>
+                      </a:r>
+                      <a:endParaRPr kumimoji="1" lang="ja-JP" altLang="en-US" sz="1100" dirty="0"/>
+                    </a:p>
+                  </a:txBody>
+                  <a:tcPr>
+                    <a:solidFill>
+                      <a:schemeClr val="accent6">
+                        <a:lumMod val="60000"/>
+                        <a:lumOff val="40000"/>
+                      </a:schemeClr>
+                    </a:solidFill>
+                  </a:tcPr>
+                </a:tc>
+                <a:extLst>
+                  <a:ext uri="{0D108BD9-81ED-4DB2-BD59-A6C34878D82A}">
+                    <a16:rowId xmlns:a16="http://schemas.microsoft.com/office/drawing/2014/main" val="3385670619"/>
+                  </a:ext>
+                </a:extLst>
+              </a:tr>
+              <a:tr h="230014">
+                <a:tc>
+                  <a:txBody>
+                    <a:bodyPr/>
+                    <a:lstStyle/>
+                    <a:p>
+                      <a:r>
+                        <a:rPr kumimoji="1" lang="en-US" altLang="ja-JP" sz="1100" dirty="0"/>
+                        <a:t>#8a</a:t>
+                      </a:r>
+                      <a:endParaRPr kumimoji="1" lang="ja-JP" altLang="en-US" sz="1100" dirty="0"/>
+                    </a:p>
+                  </a:txBody>
+                  <a:tcPr/>
+                </a:tc>
+                <a:tc>
+                  <a:txBody>
+                    <a:bodyPr/>
+                    <a:lstStyle/>
+                    <a:p>
+                      <a:r>
+                        <a:rPr kumimoji="1" lang="en-US" altLang="ja-JP" sz="1100" dirty="0"/>
+                        <a:t>INV</a:t>
+                      </a:r>
+                      <a:endParaRPr kumimoji="1" lang="ja-JP" altLang="en-US" sz="1100" dirty="0"/>
+                    </a:p>
+                  </a:txBody>
+                  <a:tcPr>
+                    <a:solidFill>
+                      <a:schemeClr val="accent4">
+                        <a:lumMod val="40000"/>
+                        <a:lumOff val="60000"/>
+                      </a:schemeClr>
+                    </a:solidFill>
+                  </a:tcPr>
+                </a:tc>
+                <a:extLst>
+                  <a:ext uri="{0D108BD9-81ED-4DB2-BD59-A6C34878D82A}">
+                    <a16:rowId xmlns:a16="http://schemas.microsoft.com/office/drawing/2014/main" val="1388251568"/>
+                  </a:ext>
+                </a:extLst>
+              </a:tr>
+              <a:tr h="230014">
+                <a:tc>
+                  <a:txBody>
+                    <a:bodyPr/>
+                    <a:lstStyle/>
+                    <a:p>
+                      <a:r>
+                        <a:rPr kumimoji="1" lang="en-US" altLang="ja-JP" sz="1100" dirty="0"/>
+                        <a:t>#8b</a:t>
+                      </a:r>
+                      <a:endParaRPr kumimoji="1" lang="ja-JP" altLang="en-US" sz="1100" dirty="0"/>
+                    </a:p>
+                  </a:txBody>
+                  <a:tcPr/>
+                </a:tc>
+                <a:tc>
+                  <a:txBody>
+                    <a:bodyPr/>
+                    <a:lstStyle/>
+                    <a:p>
+                      <a:r>
+                        <a:rPr kumimoji="1" lang="en-US" altLang="ja-JP" sz="1100" dirty="0"/>
+                        <a:t>SEN</a:t>
+                      </a:r>
+                      <a:endParaRPr kumimoji="1" lang="ja-JP" altLang="en-US" sz="1100" dirty="0"/>
+                    </a:p>
+                  </a:txBody>
+                  <a:tcPr>
+                    <a:solidFill>
+                      <a:schemeClr val="accent4">
+                        <a:lumMod val="40000"/>
+                        <a:lumOff val="60000"/>
+                      </a:schemeClr>
+                    </a:solidFill>
+                  </a:tcPr>
+                </a:tc>
+                <a:extLst>
+                  <a:ext uri="{0D108BD9-81ED-4DB2-BD59-A6C34878D82A}">
+                    <a16:rowId xmlns:a16="http://schemas.microsoft.com/office/drawing/2014/main" val="1702314910"/>
+                  </a:ext>
+                </a:extLst>
+              </a:tr>
+              <a:tr h="230014">
+                <a:tc>
+                  <a:txBody>
+                    <a:bodyPr/>
+                    <a:lstStyle/>
+                    <a:p>
+                      <a:r>
+                        <a:rPr kumimoji="1" lang="en-US" altLang="ja-JP" sz="1100" dirty="0"/>
+                        <a:t>#9a</a:t>
+                      </a:r>
+                      <a:endParaRPr kumimoji="1" lang="ja-JP" altLang="en-US" sz="1100" dirty="0"/>
+                    </a:p>
+                  </a:txBody>
+                  <a:tcPr/>
+                </a:tc>
+                <a:tc>
+                  <a:txBody>
+                    <a:bodyPr/>
+                    <a:lstStyle/>
+                    <a:p>
+                      <a:r>
+                        <a:rPr kumimoji="1" lang="en-US" altLang="ja-JP" sz="1100" dirty="0"/>
+                        <a:t>INV</a:t>
+                      </a:r>
+                      <a:endParaRPr kumimoji="1" lang="ja-JP" altLang="en-US" sz="1100" dirty="0"/>
+                    </a:p>
+                  </a:txBody>
+                  <a:tcPr>
+                    <a:solidFill>
+                      <a:schemeClr val="accent4">
+                        <a:lumMod val="40000"/>
+                        <a:lumOff val="60000"/>
+                      </a:schemeClr>
+                    </a:solidFill>
+                  </a:tcPr>
+                </a:tc>
+                <a:extLst>
+                  <a:ext uri="{0D108BD9-81ED-4DB2-BD59-A6C34878D82A}">
+                    <a16:rowId xmlns:a16="http://schemas.microsoft.com/office/drawing/2014/main" val="3783207842"/>
+                  </a:ext>
+                </a:extLst>
+              </a:tr>
+              <a:tr h="230014">
+                <a:tc>
+                  <a:txBody>
+                    <a:bodyPr/>
+                    <a:lstStyle/>
+                    <a:p>
+                      <a:r>
+                        <a:rPr kumimoji="1" lang="en-US" altLang="ja-JP" sz="1100" dirty="0"/>
+                        <a:t>#9b</a:t>
+                      </a:r>
+                      <a:endParaRPr kumimoji="1" lang="ja-JP" altLang="en-US" sz="1100" dirty="0"/>
+                    </a:p>
+                  </a:txBody>
+                  <a:tcPr/>
+                </a:tc>
+                <a:tc>
+                  <a:txBody>
+                    <a:bodyPr/>
+                    <a:lstStyle/>
+                    <a:p>
+                      <a:r>
+                        <a:rPr kumimoji="1" lang="en-US" altLang="ja-JP" sz="1100" dirty="0"/>
+                        <a:t>SEN</a:t>
+                      </a:r>
+                      <a:endParaRPr kumimoji="1" lang="ja-JP" altLang="en-US" sz="1100" dirty="0"/>
+                    </a:p>
+                  </a:txBody>
+                  <a:tcPr>
+                    <a:solidFill>
+                      <a:schemeClr val="accent4">
+                        <a:lumMod val="40000"/>
+                        <a:lumOff val="60000"/>
+                      </a:schemeClr>
+                    </a:solidFill>
+                  </a:tcPr>
+                </a:tc>
+                <a:extLst>
+                  <a:ext uri="{0D108BD9-81ED-4DB2-BD59-A6C34878D82A}">
+                    <a16:rowId xmlns:a16="http://schemas.microsoft.com/office/drawing/2014/main" val="3335066887"/>
+                  </a:ext>
+                </a:extLst>
+              </a:tr>
+              <a:tr h="230014">
+                <a:tc>
+                  <a:txBody>
+                    <a:bodyPr/>
+                    <a:lstStyle/>
+                    <a:p>
+                      <a:r>
+                        <a:rPr kumimoji="1" lang="en-US" altLang="ja-JP" sz="1100" dirty="0"/>
+                        <a:t>#10a</a:t>
+                      </a:r>
+                      <a:endParaRPr kumimoji="1" lang="ja-JP" altLang="en-US" sz="1100" dirty="0"/>
+                    </a:p>
+                  </a:txBody>
+                  <a:tcPr/>
+                </a:tc>
+                <a:tc>
+                  <a:txBody>
+                    <a:bodyPr/>
+                    <a:lstStyle/>
+                    <a:p>
+                      <a:r>
+                        <a:rPr kumimoji="1" lang="en-US" altLang="ja-JP" sz="1100" dirty="0"/>
+                        <a:t>INV</a:t>
+                      </a:r>
+                      <a:endParaRPr kumimoji="1" lang="ja-JP" altLang="en-US" sz="1100" dirty="0"/>
+                    </a:p>
+                  </a:txBody>
+                  <a:tcPr>
+                    <a:solidFill>
+                      <a:schemeClr val="accent4">
+                        <a:lumMod val="40000"/>
+                        <a:lumOff val="60000"/>
+                      </a:schemeClr>
+                    </a:solidFill>
+                  </a:tcPr>
+                </a:tc>
+                <a:extLst>
+                  <a:ext uri="{0D108BD9-81ED-4DB2-BD59-A6C34878D82A}">
+                    <a16:rowId xmlns:a16="http://schemas.microsoft.com/office/drawing/2014/main" val="2227420667"/>
+                  </a:ext>
+                </a:extLst>
+              </a:tr>
+              <a:tr h="230014">
+                <a:tc>
+                  <a:txBody>
+                    <a:bodyPr/>
+                    <a:lstStyle/>
+                    <a:p>
+                      <a:r>
+                        <a:rPr kumimoji="1" lang="en-US" altLang="ja-JP" sz="1100" dirty="0"/>
+                        <a:t>#10b</a:t>
+                      </a:r>
+                      <a:endParaRPr kumimoji="1" lang="ja-JP" altLang="en-US" sz="1100" dirty="0"/>
+                    </a:p>
+                  </a:txBody>
+                  <a:tcPr/>
+                </a:tc>
+                <a:tc>
+                  <a:txBody>
+                    <a:bodyPr/>
+                    <a:lstStyle/>
+                    <a:p>
+                      <a:r>
+                        <a:rPr kumimoji="1" lang="en-US" altLang="ja-JP" sz="1100" dirty="0"/>
+                        <a:t>SEN</a:t>
+                      </a:r>
+                      <a:endParaRPr kumimoji="1" lang="ja-JP" altLang="en-US" sz="1100" dirty="0"/>
+                    </a:p>
+                  </a:txBody>
+                  <a:tcPr>
+                    <a:solidFill>
+                      <a:schemeClr val="accent4">
+                        <a:lumMod val="40000"/>
+                        <a:lumOff val="60000"/>
+                      </a:schemeClr>
+                    </a:solidFill>
+                  </a:tcPr>
+                </a:tc>
+                <a:extLst>
+                  <a:ext uri="{0D108BD9-81ED-4DB2-BD59-A6C34878D82A}">
+                    <a16:rowId xmlns:a16="http://schemas.microsoft.com/office/drawing/2014/main" val="2783473488"/>
+                  </a:ext>
+                </a:extLst>
+              </a:tr>
+              <a:tr h="230014">
+                <a:tc>
+                  <a:txBody>
+                    <a:bodyPr/>
+                    <a:lstStyle/>
+                    <a:p>
+                      <a:r>
+                        <a:rPr kumimoji="1" lang="en-US" altLang="ja-JP" sz="1100" dirty="0"/>
+                        <a:t>#11a</a:t>
+                      </a:r>
+                      <a:endParaRPr kumimoji="1" lang="ja-JP" altLang="en-US" sz="1100" dirty="0"/>
+                    </a:p>
+                  </a:txBody>
+                  <a:tcPr/>
+                </a:tc>
+                <a:tc>
+                  <a:txBody>
+                    <a:bodyPr/>
+                    <a:lstStyle/>
+                    <a:p>
+                      <a:r>
+                        <a:rPr kumimoji="1" lang="en-US" altLang="ja-JP" sz="1100" dirty="0"/>
+                        <a:t>INV</a:t>
+                      </a:r>
+                      <a:endParaRPr kumimoji="1" lang="ja-JP" altLang="en-US" sz="1100" dirty="0"/>
+                    </a:p>
+                  </a:txBody>
+                  <a:tcPr>
+                    <a:solidFill>
+                      <a:schemeClr val="accent4">
+                        <a:lumMod val="40000"/>
+                        <a:lumOff val="60000"/>
+                      </a:schemeClr>
+                    </a:solidFill>
+                  </a:tcPr>
+                </a:tc>
+                <a:extLst>
+                  <a:ext uri="{0D108BD9-81ED-4DB2-BD59-A6C34878D82A}">
+                    <a16:rowId xmlns:a16="http://schemas.microsoft.com/office/drawing/2014/main" val="383030976"/>
+                  </a:ext>
+                </a:extLst>
+              </a:tr>
+              <a:tr h="259080">
+                <a:tc>
+                  <a:txBody>
+                    <a:bodyPr/>
+                    <a:lstStyle/>
+                    <a:p>
+                      <a:r>
+                        <a:rPr kumimoji="1" lang="en-US" altLang="ja-JP" sz="1100" dirty="0"/>
+                        <a:t>#11b</a:t>
+                      </a:r>
+                      <a:endParaRPr kumimoji="1" lang="ja-JP" altLang="en-US" sz="1100" dirty="0"/>
+                    </a:p>
+                  </a:txBody>
+                  <a:tcPr/>
+                </a:tc>
+                <a:tc>
+                  <a:txBody>
+                    <a:bodyPr/>
+                    <a:lstStyle/>
+                    <a:p>
+                      <a:r>
+                        <a:rPr kumimoji="1" lang="en-US" altLang="ja-JP" sz="1100" dirty="0"/>
+                        <a:t>SEN</a:t>
+                      </a:r>
+                      <a:endParaRPr kumimoji="1" lang="ja-JP" altLang="en-US" sz="1100" dirty="0"/>
+                    </a:p>
+                  </a:txBody>
+                  <a:tcPr>
+                    <a:solidFill>
+                      <a:schemeClr val="accent4">
+                        <a:lumMod val="40000"/>
+                        <a:lumOff val="60000"/>
+                      </a:schemeClr>
+                    </a:solidFill>
+                  </a:tcPr>
+                </a:tc>
+                <a:extLst>
+                  <a:ext uri="{0D108BD9-81ED-4DB2-BD59-A6C34878D82A}">
+                    <a16:rowId xmlns:a16="http://schemas.microsoft.com/office/drawing/2014/main" val="2462296404"/>
+                  </a:ext>
+                </a:extLst>
+              </a:tr>
             </a:tbl>
           </a:graphicData>
         </a:graphic>
       </p:graphicFrame>
-      <p:cxnSp>
-        <p:nvCxnSpPr>
-          <p:cNvPr id="5" name="直線矢印コネクタ 4"/>
-          <p:cNvCxnSpPr>
-            <a:cxnSpLocks/>
-          </p:cNvCxnSpPr>
-          <p:nvPr/>
-        </p:nvCxnSpPr>
-        <p:spPr>
-          <a:xfrm>
-            <a:off x="5557080" y="1951349"/>
-            <a:ext cx="0" cy="2677212"/>
-          </a:xfrm>
-          <a:prstGeom prst="straightConnector1">
-            <a:avLst/>
-          </a:prstGeom>
-          <a:ln>
-            <a:tailEnd type="triangle"/>
-          </a:ln>
-        </p:spPr>
-        <p:style>
-          <a:lnRef idx="1">
-            <a:schemeClr val="accent1"/>
-          </a:lnRef>
-          <a:fillRef idx="0">
-            <a:schemeClr val="accent1"/>
-          </a:fillRef>
-          <a:effectRef idx="0">
-            <a:schemeClr val="accent1"/>
-          </a:effectRef>
-          <a:fontRef idx="minor">
-            <a:schemeClr val="tx1"/>
-          </a:fontRef>
-        </p:style>
-      </p:cxnSp>
-      <p:sp>
-        <p:nvSpPr>
-          <p:cNvPr id="6" name="テキスト ボックス 5"/>
-          <p:cNvSpPr txBox="1"/>
-          <p:nvPr/>
-        </p:nvSpPr>
-        <p:spPr>
-          <a:xfrm>
-            <a:off x="4779392" y="1582017"/>
-            <a:ext cx="1404552" cy="369332"/>
-          </a:xfrm>
-          <a:prstGeom prst="rect">
-            <a:avLst/>
-          </a:prstGeom>
-          <a:noFill/>
-        </p:spPr>
-        <p:txBody>
-          <a:bodyPr wrap="none" rtlCol="0">
-            <a:spAutoFit/>
-          </a:bodyPr>
-          <a:lstStyle/>
-          <a:p>
-            <a:r>
-              <a:rPr lang="en-US" altLang="ja-JP" dirty="0"/>
-              <a:t>c</a:t>
-            </a:r>
-            <a:r>
-              <a:rPr kumimoji="1" lang="en-US" altLang="ja-JP" dirty="0"/>
-              <a:t>urrent slot</a:t>
-            </a:r>
-            <a:endParaRPr kumimoji="1" lang="ja-JP" altLang="en-US" dirty="0"/>
-          </a:p>
-        </p:txBody>
-      </p:sp>
-      <p:sp>
-        <p:nvSpPr>
-          <p:cNvPr id="7" name="右中かっこ 6"/>
-          <p:cNvSpPr/>
-          <p:nvPr/>
-        </p:nvSpPr>
-        <p:spPr>
-          <a:xfrm>
-            <a:off x="3591612" y="1951349"/>
-            <a:ext cx="169683" cy="405352"/>
-          </a:xfrm>
-          <a:prstGeom prst="rightBrace">
-            <a:avLst/>
-          </a:prstGeom>
-        </p:spPr>
-        <p:style>
-          <a:lnRef idx="1">
-            <a:schemeClr val="accent1"/>
-          </a:lnRef>
-          <a:fillRef idx="0">
-            <a:schemeClr val="accent1"/>
-          </a:fillRef>
-          <a:effectRef idx="0">
-            <a:schemeClr val="accent1"/>
-          </a:effectRef>
-          <a:fontRef idx="minor">
-            <a:schemeClr val="tx1"/>
-          </a:fontRef>
-        </p:style>
-        <p:txBody>
-          <a:bodyPr rtlCol="0" anchor="ctr"/>
-          <a:lstStyle/>
-          <a:p>
-            <a:pPr algn="ctr"/>
-            <a:endParaRPr kumimoji="1" lang="ja-JP" altLang="en-US"/>
-          </a:p>
-        </p:txBody>
-      </p:sp>
-      <p:sp>
-        <p:nvSpPr>
-          <p:cNvPr id="8" name="テキスト ボックス 7"/>
-          <p:cNvSpPr txBox="1"/>
-          <p:nvPr/>
-        </p:nvSpPr>
-        <p:spPr>
-          <a:xfrm>
-            <a:off x="3761295" y="1989131"/>
-            <a:ext cx="1197764" cy="369332"/>
-          </a:xfrm>
-          <a:prstGeom prst="rect">
-            <a:avLst/>
-          </a:prstGeom>
-          <a:noFill/>
-        </p:spPr>
-        <p:txBody>
-          <a:bodyPr wrap="none" rtlCol="0">
-            <a:spAutoFit/>
-          </a:bodyPr>
-          <a:lstStyle/>
-          <a:p>
-            <a:r>
-              <a:rPr kumimoji="1" lang="en-US" altLang="ja-JP" dirty="0"/>
-              <a:t>100 </a:t>
-            </a:r>
-            <a:r>
-              <a:rPr kumimoji="1" lang="en-US" altLang="ja-JP" dirty="0" err="1"/>
-              <a:t>msec</a:t>
-            </a:r>
-            <a:endParaRPr kumimoji="1" lang="ja-JP" altLang="en-US" dirty="0"/>
-          </a:p>
-        </p:txBody>
-      </p:sp>
-      <p:cxnSp>
-        <p:nvCxnSpPr>
-          <p:cNvPr id="10" name="直線コネクタ 9"/>
-          <p:cNvCxnSpPr/>
-          <p:nvPr/>
-        </p:nvCxnSpPr>
-        <p:spPr>
-          <a:xfrm>
-            <a:off x="6655328" y="4600283"/>
-            <a:ext cx="2243579" cy="0"/>
-          </a:xfrm>
-          <a:prstGeom prst="line">
-            <a:avLst/>
-          </a:prstGeom>
-        </p:spPr>
-        <p:style>
-          <a:lnRef idx="1">
-            <a:schemeClr val="accent1"/>
-          </a:lnRef>
-          <a:fillRef idx="0">
-            <a:schemeClr val="accent1"/>
-          </a:fillRef>
-          <a:effectRef idx="0">
-            <a:schemeClr val="accent1"/>
-          </a:effectRef>
-          <a:fontRef idx="minor">
-            <a:schemeClr val="tx1"/>
-          </a:fontRef>
-        </p:style>
-      </p:cxnSp>
-      <p:cxnSp>
-        <p:nvCxnSpPr>
-          <p:cNvPr id="11" name="直線コネクタ 10"/>
-          <p:cNvCxnSpPr/>
-          <p:nvPr/>
-        </p:nvCxnSpPr>
-        <p:spPr>
-          <a:xfrm>
-            <a:off x="6666320" y="5242877"/>
-            <a:ext cx="2243579" cy="0"/>
-          </a:xfrm>
-          <a:prstGeom prst="line">
-            <a:avLst/>
-          </a:prstGeom>
-        </p:spPr>
-        <p:style>
-          <a:lnRef idx="1">
-            <a:schemeClr val="accent1"/>
-          </a:lnRef>
-          <a:fillRef idx="0">
-            <a:schemeClr val="accent1"/>
-          </a:fillRef>
-          <a:effectRef idx="0">
-            <a:schemeClr val="accent1"/>
-          </a:effectRef>
-          <a:fontRef idx="minor">
-            <a:schemeClr val="tx1"/>
-          </a:fontRef>
-        </p:style>
-      </p:cxnSp>
-      <p:sp>
-        <p:nvSpPr>
-          <p:cNvPr id="12" name="楕円 11"/>
-          <p:cNvSpPr/>
-          <p:nvPr/>
-        </p:nvSpPr>
-        <p:spPr>
-          <a:xfrm>
-            <a:off x="6674177" y="4600283"/>
-            <a:ext cx="707011" cy="642594"/>
-          </a:xfrm>
-          <a:prstGeom prst="ellipse">
-            <a:avLst/>
-          </a:prstGeom>
-        </p:spPr>
-        <p:style>
-          <a:lnRef idx="2">
-            <a:schemeClr val="accent1">
-              <a:shade val="50000"/>
-            </a:schemeClr>
-          </a:lnRef>
-          <a:fillRef idx="1">
-            <a:schemeClr val="accent1"/>
-          </a:fillRef>
-          <a:effectRef idx="0">
-            <a:schemeClr val="accent1"/>
-          </a:effectRef>
-          <a:fontRef idx="minor">
-            <a:schemeClr val="lt1"/>
-          </a:fontRef>
-        </p:style>
-        <p:txBody>
-          <a:bodyPr rtlCol="0" anchor="ctr"/>
-          <a:lstStyle/>
-          <a:p>
-            <a:pPr algn="ctr"/>
-            <a:endParaRPr kumimoji="1" lang="ja-JP" altLang="en-US"/>
-          </a:p>
-        </p:txBody>
-      </p:sp>
-      <p:sp>
-        <p:nvSpPr>
-          <p:cNvPr id="13" name="楕円 12"/>
-          <p:cNvSpPr/>
-          <p:nvPr/>
-        </p:nvSpPr>
-        <p:spPr>
-          <a:xfrm>
-            <a:off x="7458173" y="4620708"/>
-            <a:ext cx="707011" cy="642594"/>
-          </a:xfrm>
-          <a:prstGeom prst="ellipse">
-            <a:avLst/>
-          </a:prstGeom>
-        </p:spPr>
-        <p:style>
-          <a:lnRef idx="2">
-            <a:schemeClr val="accent1">
-              <a:shade val="50000"/>
-            </a:schemeClr>
-          </a:lnRef>
-          <a:fillRef idx="1">
-            <a:schemeClr val="accent1"/>
-          </a:fillRef>
-          <a:effectRef idx="0">
-            <a:schemeClr val="accent1"/>
-          </a:effectRef>
-          <a:fontRef idx="minor">
-            <a:schemeClr val="lt1"/>
-          </a:fontRef>
-        </p:style>
-        <p:txBody>
-          <a:bodyPr rtlCol="0" anchor="ctr"/>
-          <a:lstStyle/>
-          <a:p>
-            <a:pPr algn="ctr"/>
-            <a:endParaRPr kumimoji="1" lang="ja-JP" altLang="en-US"/>
-          </a:p>
-        </p:txBody>
-      </p:sp>
-      <p:sp>
-        <p:nvSpPr>
-          <p:cNvPr id="14" name="楕円 13"/>
-          <p:cNvSpPr/>
-          <p:nvPr/>
-        </p:nvSpPr>
-        <p:spPr>
-          <a:xfrm>
-            <a:off x="8229599" y="4600283"/>
-            <a:ext cx="707011" cy="642594"/>
-          </a:xfrm>
-          <a:prstGeom prst="ellipse">
-            <a:avLst/>
-          </a:prstGeom>
-        </p:spPr>
-        <p:style>
-          <a:lnRef idx="2">
-            <a:schemeClr val="accent1">
-              <a:shade val="50000"/>
-            </a:schemeClr>
-          </a:lnRef>
-          <a:fillRef idx="1">
-            <a:schemeClr val="accent1"/>
-          </a:fillRef>
-          <a:effectRef idx="0">
-            <a:schemeClr val="accent1"/>
-          </a:effectRef>
-          <a:fontRef idx="minor">
-            <a:schemeClr val="lt1"/>
-          </a:fontRef>
-        </p:style>
-        <p:txBody>
-          <a:bodyPr rtlCol="0" anchor="ctr"/>
-          <a:lstStyle/>
-          <a:p>
-            <a:pPr algn="ctr"/>
-            <a:endParaRPr kumimoji="1" lang="ja-JP" altLang="en-US"/>
-          </a:p>
-        </p:txBody>
-      </p:sp>
-      <p:sp>
-        <p:nvSpPr>
-          <p:cNvPr id="16" name="矢印: 左 15"/>
-          <p:cNvSpPr/>
-          <p:nvPr/>
-        </p:nvSpPr>
-        <p:spPr>
-          <a:xfrm>
-            <a:off x="3757386" y="4836664"/>
-            <a:ext cx="2592332" cy="180680"/>
-          </a:xfrm>
-          <a:prstGeom prst="leftArrow">
-            <a:avLst/>
-          </a:prstGeom>
-        </p:spPr>
-        <p:style>
-          <a:lnRef idx="2">
-            <a:schemeClr val="accent1">
-              <a:shade val="50000"/>
-            </a:schemeClr>
-          </a:lnRef>
-          <a:fillRef idx="1">
-            <a:schemeClr val="accent1"/>
-          </a:fillRef>
-          <a:effectRef idx="0">
-            <a:schemeClr val="accent1"/>
-          </a:effectRef>
-          <a:fontRef idx="minor">
-            <a:schemeClr val="lt1"/>
-          </a:fontRef>
-        </p:style>
-        <p:txBody>
-          <a:bodyPr rtlCol="0" anchor="ctr"/>
-          <a:lstStyle/>
-          <a:p>
-            <a:pPr algn="ctr"/>
-            <a:endParaRPr kumimoji="1" lang="ja-JP" altLang="en-US"/>
-          </a:p>
-        </p:txBody>
-      </p:sp>
-      <p:sp>
-        <p:nvSpPr>
-          <p:cNvPr id="17" name="テキスト ボックス 16"/>
-          <p:cNvSpPr txBox="1"/>
-          <p:nvPr/>
-        </p:nvSpPr>
-        <p:spPr>
-          <a:xfrm>
-            <a:off x="6782293" y="4124958"/>
-            <a:ext cx="1989647" cy="369332"/>
-          </a:xfrm>
-          <a:prstGeom prst="rect">
-            <a:avLst/>
-          </a:prstGeom>
-          <a:noFill/>
-        </p:spPr>
-        <p:txBody>
-          <a:bodyPr wrap="none" rtlCol="0">
-            <a:spAutoFit/>
-          </a:bodyPr>
-          <a:lstStyle/>
-          <a:p>
-            <a:r>
-              <a:rPr kumimoji="1" lang="en-US" altLang="ja-JP" dirty="0"/>
-              <a:t>Command queue</a:t>
-            </a:r>
-            <a:endParaRPr kumimoji="1" lang="ja-JP" altLang="en-US" dirty="0"/>
-          </a:p>
-        </p:txBody>
-      </p:sp>
-      <p:sp>
-        <p:nvSpPr>
-          <p:cNvPr id="18" name="矢印: 左 17"/>
-          <p:cNvSpPr/>
-          <p:nvPr/>
-        </p:nvSpPr>
-        <p:spPr>
-          <a:xfrm>
-            <a:off x="9318415" y="4824660"/>
-            <a:ext cx="871960" cy="192683"/>
-          </a:xfrm>
-          <a:prstGeom prst="leftArrow">
-            <a:avLst/>
-          </a:prstGeom>
-        </p:spPr>
-        <p:style>
-          <a:lnRef idx="2">
-            <a:schemeClr val="accent1">
-              <a:shade val="50000"/>
-            </a:schemeClr>
-          </a:lnRef>
-          <a:fillRef idx="1">
-            <a:schemeClr val="accent1"/>
-          </a:fillRef>
-          <a:effectRef idx="0">
-            <a:schemeClr val="accent1"/>
-          </a:effectRef>
-          <a:fontRef idx="minor">
-            <a:schemeClr val="lt1"/>
-          </a:fontRef>
-        </p:style>
-        <p:txBody>
-          <a:bodyPr rtlCol="0" anchor="ctr"/>
-          <a:lstStyle/>
-          <a:p>
-            <a:pPr algn="ctr"/>
-            <a:endParaRPr kumimoji="1" lang="ja-JP" altLang="en-US"/>
-          </a:p>
-        </p:txBody>
-      </p:sp>
-      <p:sp>
-        <p:nvSpPr>
-          <p:cNvPr id="19" name="テキスト ボックス 18"/>
-          <p:cNvSpPr txBox="1"/>
-          <p:nvPr/>
-        </p:nvSpPr>
-        <p:spPr>
-          <a:xfrm>
-            <a:off x="10190375" y="4736335"/>
-            <a:ext cx="803425" cy="369332"/>
-          </a:xfrm>
-          <a:prstGeom prst="rect">
-            <a:avLst/>
-          </a:prstGeom>
-          <a:noFill/>
-        </p:spPr>
-        <p:txBody>
-          <a:bodyPr wrap="none" rtlCol="0">
-            <a:spAutoFit/>
-          </a:bodyPr>
-          <a:lstStyle/>
-          <a:p>
-            <a:r>
-              <a:rPr lang="en-US" altLang="ja-JP" dirty="0"/>
-              <a:t>UART</a:t>
-            </a:r>
-            <a:endParaRPr kumimoji="1" lang="ja-JP" altLang="en-US" dirty="0"/>
-          </a:p>
-        </p:txBody>
-      </p:sp>
     </p:spTree>
     <p:extLst>
       <p:ext uri="{BB962C8B-B14F-4D97-AF65-F5344CB8AC3E}">

--- a/doc/I2C_BACKPLANE_SPEC.pptx
+++ b/doc/I2C_BACKPLANE_SPEC.pptx
@@ -6273,7 +6273,7 @@
         </p:nvCxnSpPr>
         <p:spPr>
           <a:xfrm flipH="1">
-            <a:off x="1104507" y="1970202"/>
+            <a:off x="1104507" y="2432116"/>
             <a:ext cx="4900367" cy="0"/>
           </a:xfrm>
           <a:prstGeom prst="straightConnector1">
@@ -6368,7 +6368,7 @@
         </p:nvCxnSpPr>
         <p:spPr>
           <a:xfrm flipH="1">
-            <a:off x="1096651" y="2047186"/>
+            <a:off x="1096651" y="2509100"/>
             <a:ext cx="4900367" cy="0"/>
           </a:xfrm>
           <a:prstGeom prst="straightConnector1">
@@ -6495,7 +6495,7 @@
         </p:nvCxnSpPr>
         <p:spPr>
           <a:xfrm flipH="1">
-            <a:off x="3351231" y="2366125"/>
+            <a:off x="3351231" y="3110844"/>
             <a:ext cx="2653643" cy="0"/>
           </a:xfrm>
           <a:prstGeom prst="straightConnector1">
@@ -6530,7 +6530,7 @@
         </p:nvCxnSpPr>
         <p:spPr>
           <a:xfrm flipH="1">
-            <a:off x="2284429" y="2923884"/>
+            <a:off x="2284429" y="3668603"/>
             <a:ext cx="3722016" cy="0"/>
           </a:xfrm>
           <a:prstGeom prst="straightConnector1">
@@ -6565,7 +6565,7 @@
         </p:nvCxnSpPr>
         <p:spPr>
           <a:xfrm flipH="1">
-            <a:off x="2276572" y="3095138"/>
+            <a:off x="2276572" y="3839857"/>
             <a:ext cx="3722016" cy="0"/>
           </a:xfrm>
           <a:prstGeom prst="straightConnector1">
@@ -6601,7 +6601,7 @@
         </p:nvCxnSpPr>
         <p:spPr>
           <a:xfrm flipH="1">
-            <a:off x="2284429" y="4714969"/>
+            <a:off x="2284429" y="5459688"/>
             <a:ext cx="3722016" cy="0"/>
           </a:xfrm>
           <a:prstGeom prst="straightConnector1">
@@ -6636,7 +6636,7 @@
         </p:nvCxnSpPr>
         <p:spPr>
           <a:xfrm flipH="1">
-            <a:off x="3351231" y="3425076"/>
+            <a:off x="3351231" y="4169795"/>
             <a:ext cx="2666210" cy="0"/>
           </a:xfrm>
           <a:prstGeom prst="straightConnector1">
@@ -6671,7 +6671,7 @@
         </p:nvCxnSpPr>
         <p:spPr>
           <a:xfrm flipH="1">
-            <a:off x="3351231" y="3596330"/>
+            <a:off x="3351231" y="4341049"/>
             <a:ext cx="2658353" cy="0"/>
           </a:xfrm>
           <a:prstGeom prst="straightConnector1">
@@ -6707,7 +6707,7 @@
         </p:nvCxnSpPr>
         <p:spPr>
           <a:xfrm flipH="1">
-            <a:off x="2278151" y="4898799"/>
+            <a:off x="2278151" y="5643518"/>
             <a:ext cx="3726723" cy="0"/>
           </a:xfrm>
           <a:prstGeom prst="straightConnector1">
@@ -6817,8 +6817,8 @@
         </p:nvSpPr>
         <p:spPr>
           <a:xfrm>
-            <a:off x="4221207" y="1766685"/>
-            <a:ext cx="1032655" cy="276999"/>
+            <a:off x="3806429" y="2228599"/>
+            <a:ext cx="1380506" cy="276999"/>
           </a:xfrm>
           <a:prstGeom prst="rect">
             <a:avLst/>
@@ -6833,6 +6833,14 @@
           <a:p>
             <a:r>
               <a:rPr kumimoji="1" lang="en-US" altLang="ja-JP" sz="1200" dirty="0"/>
+              <a:t>PLG</a:t>
+            </a:r>
+            <a:r>
+              <a:rPr kumimoji="1" lang="ja-JP" altLang="en-US" sz="1200" dirty="0"/>
+              <a:t> </a:t>
+            </a:r>
+            <a:r>
+              <a:rPr kumimoji="1" lang="en-US" altLang="ja-JP" sz="1200" dirty="0"/>
               <a:t>General call</a:t>
             </a:r>
             <a:endParaRPr kumimoji="1" lang="ja-JP" altLang="en-US" sz="1200" dirty="0"/>
@@ -6866,6 +6874,216 @@
               <a:t>Master</a:t>
             </a:r>
             <a:endParaRPr kumimoji="1" lang="ja-JP" altLang="en-US" sz="1400" dirty="0"/>
+          </a:p>
+        </p:txBody>
+      </p:sp>
+      <p:sp>
+        <p:nvSpPr>
+          <p:cNvPr id="24" name="テキスト ボックス 23"/>
+          <p:cNvSpPr txBox="1"/>
+          <p:nvPr/>
+        </p:nvSpPr>
+        <p:spPr>
+          <a:xfrm>
+            <a:off x="4232207" y="2894030"/>
+            <a:ext cx="764000" cy="276999"/>
+          </a:xfrm>
+          <a:prstGeom prst="rect">
+            <a:avLst/>
+          </a:prstGeom>
+          <a:noFill/>
+        </p:spPr>
+        <p:txBody>
+          <a:bodyPr wrap="square" rtlCol="0">
+            <a:spAutoFit/>
+          </a:bodyPr>
+          <a:lstStyle/>
+          <a:p>
+            <a:r>
+              <a:rPr kumimoji="1" lang="en-US" altLang="ja-JP" sz="1200" dirty="0"/>
+              <a:t>CMD</a:t>
+            </a:r>
+            <a:endParaRPr kumimoji="1" lang="ja-JP" altLang="en-US" sz="1200" dirty="0"/>
+          </a:p>
+        </p:txBody>
+      </p:sp>
+      <p:sp>
+        <p:nvSpPr>
+          <p:cNvPr id="25" name="テキスト ボックス 24"/>
+          <p:cNvSpPr txBox="1"/>
+          <p:nvPr/>
+        </p:nvSpPr>
+        <p:spPr>
+          <a:xfrm>
+            <a:off x="4318618" y="3461209"/>
+            <a:ext cx="764000" cy="276999"/>
+          </a:xfrm>
+          <a:prstGeom prst="rect">
+            <a:avLst/>
+          </a:prstGeom>
+          <a:noFill/>
+        </p:spPr>
+        <p:txBody>
+          <a:bodyPr wrap="square" rtlCol="0">
+            <a:spAutoFit/>
+          </a:bodyPr>
+          <a:lstStyle/>
+          <a:p>
+            <a:r>
+              <a:rPr lang="en-US" altLang="ja-JP" sz="1200" dirty="0"/>
+              <a:t>INV</a:t>
+            </a:r>
+            <a:endParaRPr kumimoji="1" lang="ja-JP" altLang="en-US" sz="1200" dirty="0"/>
+          </a:p>
+        </p:txBody>
+      </p:sp>
+      <p:sp>
+        <p:nvSpPr>
+          <p:cNvPr id="31" name="テキスト ボックス 30"/>
+          <p:cNvSpPr txBox="1"/>
+          <p:nvPr/>
+        </p:nvSpPr>
+        <p:spPr>
+          <a:xfrm>
+            <a:off x="4291907" y="3632463"/>
+            <a:ext cx="764000" cy="276999"/>
+          </a:xfrm>
+          <a:prstGeom prst="rect">
+            <a:avLst/>
+          </a:prstGeom>
+          <a:noFill/>
+        </p:spPr>
+        <p:txBody>
+          <a:bodyPr wrap="square" rtlCol="0">
+            <a:spAutoFit/>
+          </a:bodyPr>
+          <a:lstStyle/>
+          <a:p>
+            <a:r>
+              <a:rPr kumimoji="1" lang="en-US" altLang="ja-JP" sz="1200" dirty="0"/>
+              <a:t>SEN</a:t>
+            </a:r>
+            <a:endParaRPr kumimoji="1" lang="ja-JP" altLang="en-US" sz="1200" dirty="0"/>
+          </a:p>
+        </p:txBody>
+      </p:sp>
+      <p:sp>
+        <p:nvSpPr>
+          <p:cNvPr id="32" name="テキスト ボックス 31"/>
+          <p:cNvSpPr txBox="1"/>
+          <p:nvPr/>
+        </p:nvSpPr>
+        <p:spPr>
+          <a:xfrm>
+            <a:off x="4320188" y="3971828"/>
+            <a:ext cx="764000" cy="276999"/>
+          </a:xfrm>
+          <a:prstGeom prst="rect">
+            <a:avLst/>
+          </a:prstGeom>
+          <a:noFill/>
+        </p:spPr>
+        <p:txBody>
+          <a:bodyPr wrap="square" rtlCol="0">
+            <a:spAutoFit/>
+          </a:bodyPr>
+          <a:lstStyle/>
+          <a:p>
+            <a:r>
+              <a:rPr lang="en-US" altLang="ja-JP" sz="1200" dirty="0"/>
+              <a:t>INV</a:t>
+            </a:r>
+            <a:endParaRPr kumimoji="1" lang="ja-JP" altLang="en-US" sz="1200" dirty="0"/>
+          </a:p>
+        </p:txBody>
+      </p:sp>
+      <p:sp>
+        <p:nvSpPr>
+          <p:cNvPr id="34" name="テキスト ボックス 33"/>
+          <p:cNvSpPr txBox="1"/>
+          <p:nvPr/>
+        </p:nvSpPr>
+        <p:spPr>
+          <a:xfrm>
+            <a:off x="4293477" y="4143082"/>
+            <a:ext cx="764000" cy="276999"/>
+          </a:xfrm>
+          <a:prstGeom prst="rect">
+            <a:avLst/>
+          </a:prstGeom>
+          <a:noFill/>
+        </p:spPr>
+        <p:txBody>
+          <a:bodyPr wrap="square" rtlCol="0">
+            <a:spAutoFit/>
+          </a:bodyPr>
+          <a:lstStyle/>
+          <a:p>
+            <a:r>
+              <a:rPr kumimoji="1" lang="en-US" altLang="ja-JP" sz="1200" dirty="0"/>
+              <a:t>SEN</a:t>
+            </a:r>
+            <a:endParaRPr kumimoji="1" lang="ja-JP" altLang="en-US" sz="1200" dirty="0"/>
+          </a:p>
+        </p:txBody>
+      </p:sp>
+      <p:sp>
+        <p:nvSpPr>
+          <p:cNvPr id="36" name="テキスト ボックス 35"/>
+          <p:cNvSpPr txBox="1"/>
+          <p:nvPr/>
+        </p:nvSpPr>
+        <p:spPr>
+          <a:xfrm>
+            <a:off x="4340615" y="5264871"/>
+            <a:ext cx="764000" cy="276999"/>
+          </a:xfrm>
+          <a:prstGeom prst="rect">
+            <a:avLst/>
+          </a:prstGeom>
+          <a:noFill/>
+        </p:spPr>
+        <p:txBody>
+          <a:bodyPr wrap="square" rtlCol="0">
+            <a:spAutoFit/>
+          </a:bodyPr>
+          <a:lstStyle/>
+          <a:p>
+            <a:r>
+              <a:rPr lang="en-US" altLang="ja-JP" sz="1200" dirty="0"/>
+              <a:t>INV</a:t>
+            </a:r>
+            <a:endParaRPr kumimoji="1" lang="ja-JP" altLang="en-US" sz="1200" dirty="0"/>
+          </a:p>
+        </p:txBody>
+      </p:sp>
+      <p:sp>
+        <p:nvSpPr>
+          <p:cNvPr id="38" name="テキスト ボックス 37"/>
+          <p:cNvSpPr txBox="1"/>
+          <p:nvPr/>
+        </p:nvSpPr>
+        <p:spPr>
+          <a:xfrm>
+            <a:off x="4313904" y="5436125"/>
+            <a:ext cx="764000" cy="276999"/>
+          </a:xfrm>
+          <a:prstGeom prst="rect">
+            <a:avLst/>
+          </a:prstGeom>
+          <a:noFill/>
+        </p:spPr>
+        <p:txBody>
+          <a:bodyPr wrap="square" rtlCol="0">
+            <a:spAutoFit/>
+          </a:bodyPr>
+          <a:lstStyle/>
+          <a:p>
+            <a:r>
+              <a:rPr kumimoji="1" lang="en-US" altLang="ja-JP" sz="1200" dirty="0"/>
+              <a:t>SEN</a:t>
+            </a:r>
+            <a:endParaRPr kumimoji="1" lang="ja-JP" altLang="en-US" sz="1200" dirty="0"/>
           </a:p>
         </p:txBody>
       </p:sp>
@@ -7949,8 +8167,8 @@
         </p:nvSpPr>
         <p:spPr>
           <a:xfrm>
-            <a:off x="10237708" y="3317790"/>
-            <a:ext cx="1994457" cy="369332"/>
+            <a:off x="10126965" y="3348567"/>
+            <a:ext cx="1590500" cy="307777"/>
           </a:xfrm>
           <a:prstGeom prst="rect">
             <a:avLst/>
@@ -7964,10 +8182,10 @@
           <a:lstStyle/>
           <a:p>
             <a:r>
-              <a:rPr kumimoji="1" lang="en-US" altLang="ja-JP" dirty="0"/>
+              <a:rPr kumimoji="1" lang="en-US" altLang="ja-JP" sz="1400" dirty="0"/>
               <a:t>50msec time slot</a:t>
             </a:r>
-            <a:endParaRPr kumimoji="1" lang="ja-JP" altLang="en-US" dirty="0"/>
+            <a:endParaRPr kumimoji="1" lang="ja-JP" altLang="en-US" sz="1400" dirty="0"/>
           </a:p>
         </p:txBody>
       </p:sp>
@@ -7979,8 +8197,8 @@
         </p:nvSpPr>
         <p:spPr>
           <a:xfrm>
-            <a:off x="10164896" y="5321771"/>
-            <a:ext cx="1994457" cy="369332"/>
+            <a:off x="10159408" y="5352548"/>
+            <a:ext cx="1590500" cy="307777"/>
           </a:xfrm>
           <a:prstGeom prst="rect">
             <a:avLst/>
@@ -7994,10 +8212,10 @@
           <a:lstStyle/>
           <a:p>
             <a:r>
-              <a:rPr kumimoji="1" lang="en-US" altLang="ja-JP" dirty="0"/>
+              <a:rPr kumimoji="1" lang="en-US" altLang="ja-JP" sz="1400" dirty="0"/>
               <a:t>50msec time slot</a:t>
             </a:r>
-            <a:endParaRPr kumimoji="1" lang="ja-JP" altLang="en-US" dirty="0"/>
+            <a:endParaRPr kumimoji="1" lang="ja-JP" altLang="en-US" sz="1400" dirty="0"/>
           </a:p>
         </p:txBody>
       </p:sp>
@@ -8009,8 +8227,8 @@
         </p:nvSpPr>
         <p:spPr>
           <a:xfrm>
-            <a:off x="0" y="3085512"/>
-            <a:ext cx="2977097" cy="369332"/>
+            <a:off x="479336" y="3300955"/>
+            <a:ext cx="2358338" cy="307777"/>
           </a:xfrm>
           <a:prstGeom prst="rect">
             <a:avLst/>
@@ -8024,10 +8242,10 @@
           <a:lstStyle/>
           <a:p>
             <a:r>
-              <a:rPr kumimoji="1" lang="en-US" altLang="ja-JP" dirty="0"/>
+              <a:rPr kumimoji="1" lang="en-US" altLang="ja-JP" sz="1400" dirty="0"/>
               <a:t>Must be less than 50msec</a:t>
             </a:r>
-            <a:endParaRPr kumimoji="1" lang="ja-JP" altLang="en-US" dirty="0"/>
+            <a:endParaRPr kumimoji="1" lang="ja-JP" altLang="en-US" sz="1400" dirty="0"/>
           </a:p>
         </p:txBody>
       </p:sp>

--- a/doc/I2C_BACKPLANE_SPEC.pptx
+++ b/doc/I2C_BACKPLANE_SPEC.pptx
@@ -8,11 +8,10 @@
     <p:sldId id="256" r:id="rId2"/>
     <p:sldId id="259" r:id="rId3"/>
     <p:sldId id="260" r:id="rId4"/>
-    <p:sldId id="257" r:id="rId5"/>
-    <p:sldId id="258" r:id="rId6"/>
-    <p:sldId id="261" r:id="rId7"/>
-    <p:sldId id="263" r:id="rId8"/>
-    <p:sldId id="262" r:id="rId9"/>
+    <p:sldId id="258" r:id="rId5"/>
+    <p:sldId id="261" r:id="rId6"/>
+    <p:sldId id="263" r:id="rId7"/>
+    <p:sldId id="262" r:id="rId8"/>
   </p:sldIdLst>
   <p:sldSz cx="12192000" cy="6858000"/>
   <p:notesSz cx="6858000" cy="9144000"/>
@@ -252,7 +251,7 @@
           <a:p>
             <a:fld id="{89DDC5F7-2580-4636-96AE-BDAAE81E0478}" type="datetimeFigureOut">
               <a:rPr kumimoji="1" lang="ja-JP" altLang="en-US" smtClean="0"/>
-              <a:t>2017/5/13</a:t>
+              <a:t>2017/5/14</a:t>
             </a:fld>
             <a:endParaRPr kumimoji="1" lang="ja-JP" altLang="en-US"/>
           </a:p>
@@ -452,7 +451,7 @@
           <a:p>
             <a:fld id="{89DDC5F7-2580-4636-96AE-BDAAE81E0478}" type="datetimeFigureOut">
               <a:rPr kumimoji="1" lang="ja-JP" altLang="en-US" smtClean="0"/>
-              <a:t>2017/5/13</a:t>
+              <a:t>2017/5/14</a:t>
             </a:fld>
             <a:endParaRPr kumimoji="1" lang="ja-JP" altLang="en-US"/>
           </a:p>
@@ -662,7 +661,7 @@
           <a:p>
             <a:fld id="{89DDC5F7-2580-4636-96AE-BDAAE81E0478}" type="datetimeFigureOut">
               <a:rPr kumimoji="1" lang="ja-JP" altLang="en-US" smtClean="0"/>
-              <a:t>2017/5/13</a:t>
+              <a:t>2017/5/14</a:t>
             </a:fld>
             <a:endParaRPr kumimoji="1" lang="ja-JP" altLang="en-US"/>
           </a:p>
@@ -862,7 +861,7 @@
           <a:p>
             <a:fld id="{89DDC5F7-2580-4636-96AE-BDAAE81E0478}" type="datetimeFigureOut">
               <a:rPr kumimoji="1" lang="ja-JP" altLang="en-US" smtClean="0"/>
-              <a:t>2017/5/13</a:t>
+              <a:t>2017/5/14</a:t>
             </a:fld>
             <a:endParaRPr kumimoji="1" lang="ja-JP" altLang="en-US"/>
           </a:p>
@@ -1107,7 +1106,7 @@
           <a:p>
             <a:fld id="{89DDC5F7-2580-4636-96AE-BDAAE81E0478}" type="datetimeFigureOut">
               <a:rPr kumimoji="1" lang="ja-JP" altLang="en-US" smtClean="0"/>
-              <a:t>2017/5/13</a:t>
+              <a:t>2017/5/14</a:t>
             </a:fld>
             <a:endParaRPr kumimoji="1" lang="ja-JP" altLang="en-US"/>
           </a:p>
@@ -1400,7 +1399,7 @@
           <a:p>
             <a:fld id="{89DDC5F7-2580-4636-96AE-BDAAE81E0478}" type="datetimeFigureOut">
               <a:rPr kumimoji="1" lang="ja-JP" altLang="en-US" smtClean="0"/>
-              <a:t>2017/5/13</a:t>
+              <a:t>2017/5/14</a:t>
             </a:fld>
             <a:endParaRPr kumimoji="1" lang="ja-JP" altLang="en-US"/>
           </a:p>
@@ -1828,7 +1827,7 @@
           <a:p>
             <a:fld id="{89DDC5F7-2580-4636-96AE-BDAAE81E0478}" type="datetimeFigureOut">
               <a:rPr kumimoji="1" lang="ja-JP" altLang="en-US" smtClean="0"/>
-              <a:t>2017/5/13</a:t>
+              <a:t>2017/5/14</a:t>
             </a:fld>
             <a:endParaRPr kumimoji="1" lang="ja-JP" altLang="en-US"/>
           </a:p>
@@ -1945,7 +1944,7 @@
           <a:p>
             <a:fld id="{89DDC5F7-2580-4636-96AE-BDAAE81E0478}" type="datetimeFigureOut">
               <a:rPr kumimoji="1" lang="ja-JP" altLang="en-US" smtClean="0"/>
-              <a:t>2017/5/13</a:t>
+              <a:t>2017/5/14</a:t>
             </a:fld>
             <a:endParaRPr kumimoji="1" lang="ja-JP" altLang="en-US"/>
           </a:p>
@@ -2040,7 +2039,7 @@
           <a:p>
             <a:fld id="{89DDC5F7-2580-4636-96AE-BDAAE81E0478}" type="datetimeFigureOut">
               <a:rPr kumimoji="1" lang="ja-JP" altLang="en-US" smtClean="0"/>
-              <a:t>2017/5/13</a:t>
+              <a:t>2017/5/14</a:t>
             </a:fld>
             <a:endParaRPr kumimoji="1" lang="ja-JP" altLang="en-US"/>
           </a:p>
@@ -2347,7 +2346,7 @@
           <a:p>
             <a:fld id="{89DDC5F7-2580-4636-96AE-BDAAE81E0478}" type="datetimeFigureOut">
               <a:rPr kumimoji="1" lang="ja-JP" altLang="en-US" smtClean="0"/>
-              <a:t>2017/5/13</a:t>
+              <a:t>2017/5/14</a:t>
             </a:fld>
             <a:endParaRPr kumimoji="1" lang="ja-JP" altLang="en-US"/>
           </a:p>
@@ -2599,7 +2598,7 @@
           <a:p>
             <a:fld id="{89DDC5F7-2580-4636-96AE-BDAAE81E0478}" type="datetimeFigureOut">
               <a:rPr kumimoji="1" lang="ja-JP" altLang="en-US" smtClean="0"/>
-              <a:t>2017/5/13</a:t>
+              <a:t>2017/5/14</a:t>
             </a:fld>
             <a:endParaRPr kumimoji="1" lang="ja-JP" altLang="en-US"/>
           </a:p>
@@ -2842,7 +2841,7 @@
           <a:p>
             <a:fld id="{89DDC5F7-2580-4636-96AE-BDAAE81E0478}" type="datetimeFigureOut">
               <a:rPr kumimoji="1" lang="ja-JP" altLang="en-US" smtClean="0"/>
-              <a:t>2017/5/13</a:t>
+              <a:t>2017/5/14</a:t>
             </a:fld>
             <a:endParaRPr kumimoji="1" lang="ja-JP" altLang="en-US"/>
           </a:p>
@@ -4619,6 +4618,172 @@
           </a:p>
         </p:txBody>
       </p:sp>
+      <p:sp>
+        <p:nvSpPr>
+          <p:cNvPr id="39" name="テキスト ボックス 38"/>
+          <p:cNvSpPr txBox="1"/>
+          <p:nvPr/>
+        </p:nvSpPr>
+        <p:spPr>
+          <a:xfrm>
+            <a:off x="8051777" y="3768133"/>
+            <a:ext cx="1790875" cy="430887"/>
+          </a:xfrm>
+          <a:prstGeom prst="rect">
+            <a:avLst/>
+          </a:prstGeom>
+          <a:noFill/>
+        </p:spPr>
+        <p:txBody>
+          <a:bodyPr wrap="none" rtlCol="0">
+            <a:spAutoFit/>
+          </a:bodyPr>
+          <a:lstStyle/>
+          <a:p>
+            <a:r>
+              <a:rPr lang="en-US" altLang="ja-JP" sz="1100" dirty="0"/>
+              <a:t>Interval: 50msec * scaler</a:t>
+            </a:r>
+          </a:p>
+          <a:p>
+            <a:r>
+              <a:rPr kumimoji="1" lang="en-US" altLang="ja-JP" sz="1100" dirty="0"/>
+              <a:t>(default scaler value: 1)</a:t>
+            </a:r>
+            <a:endParaRPr kumimoji="1" lang="ja-JP" altLang="en-US" sz="1100" dirty="0"/>
+          </a:p>
+        </p:txBody>
+      </p:sp>
+      <p:grpSp>
+        <p:nvGrpSpPr>
+          <p:cNvPr id="37" name="グループ化 36"/>
+          <p:cNvGrpSpPr/>
+          <p:nvPr/>
+        </p:nvGrpSpPr>
+        <p:grpSpPr>
+          <a:xfrm>
+            <a:off x="8811705" y="3339972"/>
+            <a:ext cx="452489" cy="393811"/>
+            <a:chOff x="8811705" y="3358826"/>
+            <a:chExt cx="452489" cy="393811"/>
+          </a:xfrm>
+        </p:grpSpPr>
+        <p:sp>
+          <p:nvSpPr>
+            <p:cNvPr id="3" name="楕円 2"/>
+            <p:cNvSpPr/>
+            <p:nvPr/>
+          </p:nvSpPr>
+          <p:spPr>
+            <a:xfrm>
+              <a:off x="8811705" y="3358826"/>
+              <a:ext cx="452489" cy="393811"/>
+            </a:xfrm>
+            <a:prstGeom prst="ellipse">
+              <a:avLst/>
+            </a:prstGeom>
+          </p:spPr>
+          <p:style>
+            <a:lnRef idx="2">
+              <a:schemeClr val="accent1">
+                <a:shade val="50000"/>
+              </a:schemeClr>
+            </a:lnRef>
+            <a:fillRef idx="1">
+              <a:schemeClr val="accent1"/>
+            </a:fillRef>
+            <a:effectRef idx="0">
+              <a:schemeClr val="accent1"/>
+            </a:effectRef>
+            <a:fontRef idx="minor">
+              <a:schemeClr val="lt1"/>
+            </a:fontRef>
+          </p:style>
+          <p:txBody>
+            <a:bodyPr rtlCol="0" anchor="ctr"/>
+            <a:lstStyle/>
+            <a:p>
+              <a:pPr algn="ctr"/>
+              <a:endParaRPr kumimoji="1" lang="ja-JP" altLang="en-US"/>
+            </a:p>
+          </p:txBody>
+        </p:sp>
+        <p:cxnSp>
+          <p:nvCxnSpPr>
+            <p:cNvPr id="15" name="直線矢印コネクタ 14"/>
+            <p:cNvCxnSpPr>
+              <a:cxnSpLocks/>
+            </p:cNvCxnSpPr>
+            <p:nvPr/>
+          </p:nvCxnSpPr>
+          <p:spPr>
+            <a:xfrm flipV="1">
+              <a:off x="8947215" y="3449623"/>
+              <a:ext cx="196392" cy="195951"/>
+            </a:xfrm>
+            <a:prstGeom prst="straightConnector1">
+              <a:avLst/>
+            </a:prstGeom>
+            <a:ln>
+              <a:solidFill>
+                <a:schemeClr val="bg1"/>
+              </a:solidFill>
+              <a:tailEnd type="triangle"/>
+            </a:ln>
+          </p:spPr>
+          <p:style>
+            <a:lnRef idx="1">
+              <a:schemeClr val="accent1"/>
+            </a:lnRef>
+            <a:fillRef idx="0">
+              <a:schemeClr val="accent1"/>
+            </a:fillRef>
+            <a:effectRef idx="0">
+              <a:schemeClr val="accent1"/>
+            </a:effectRef>
+            <a:fontRef idx="minor">
+              <a:schemeClr val="tx1"/>
+            </a:fontRef>
+          </p:style>
+        </p:cxnSp>
+      </p:grpSp>
+      <p:cxnSp>
+        <p:nvCxnSpPr>
+          <p:cNvPr id="36" name="直線矢印コネクタ 35"/>
+          <p:cNvCxnSpPr>
+            <a:stCxn id="3" idx="6"/>
+            <a:endCxn id="7" idx="1"/>
+          </p:cNvCxnSpPr>
+          <p:nvPr/>
+        </p:nvCxnSpPr>
+        <p:spPr>
+          <a:xfrm flipV="1">
+            <a:off x="9264194" y="3534260"/>
+            <a:ext cx="549111" cy="2618"/>
+          </a:xfrm>
+          <a:prstGeom prst="straightConnector1">
+            <a:avLst/>
+          </a:prstGeom>
+          <a:ln>
+            <a:prstDash val="dash"/>
+            <a:tailEnd type="triangle"/>
+          </a:ln>
+        </p:spPr>
+        <p:style>
+          <a:lnRef idx="1">
+            <a:schemeClr val="accent1"/>
+          </a:lnRef>
+          <a:fillRef idx="0">
+            <a:schemeClr val="accent1"/>
+          </a:fillRef>
+          <a:effectRef idx="0">
+            <a:schemeClr val="accent1"/>
+          </a:effectRef>
+          <a:fontRef idx="minor">
+            <a:schemeClr val="tx1"/>
+          </a:fontRef>
+        </p:style>
+      </p:cxnSp>
     </p:spTree>
     <p:extLst>
       <p:ext uri="{BB962C8B-B14F-4D97-AF65-F5344CB8AC3E}">
@@ -4633,651 +4798,6 @@
 </file>
 
 <file path=ppt/slides/slide4.xml><?xml version="1.0" encoding="utf-8"?>
-<p:sld xmlns:a="http://schemas.openxmlformats.org/drawingml/2006/main" xmlns:r="http://schemas.openxmlformats.org/officeDocument/2006/relationships" xmlns:p="http://schemas.openxmlformats.org/presentationml/2006/main">
-  <p:cSld>
-    <p:spTree>
-      <p:nvGrpSpPr>
-        <p:cNvPr id="1" name=""/>
-        <p:cNvGrpSpPr/>
-        <p:nvPr/>
-      </p:nvGrpSpPr>
-      <p:grpSpPr>
-        <a:xfrm>
-          <a:off x="0" y="0"/>
-          <a:ext cx="0" cy="0"/>
-          <a:chOff x="0" y="0"/>
-          <a:chExt cx="0" cy="0"/>
-        </a:xfrm>
-      </p:grpSpPr>
-      <p:sp>
-        <p:nvSpPr>
-          <p:cNvPr id="2" name="タイトル 1"/>
-          <p:cNvSpPr>
-            <a:spLocks noGrp="1"/>
-          </p:cNvSpPr>
-          <p:nvPr>
-            <p:ph type="title"/>
-          </p:nvPr>
-        </p:nvSpPr>
-        <p:spPr/>
-        <p:txBody>
-          <a:bodyPr/>
-          <a:lstStyle/>
-          <a:p>
-            <a:r>
-              <a:rPr lang="en-US" altLang="ja-JP" dirty="0"/>
-              <a:t>Slave s</a:t>
-            </a:r>
-            <a:r>
-              <a:rPr kumimoji="1" lang="en-US" altLang="ja-JP" dirty="0"/>
-              <a:t>tart sequence</a:t>
-            </a:r>
-            <a:endParaRPr kumimoji="1" lang="ja-JP" altLang="en-US" dirty="0"/>
-          </a:p>
-        </p:txBody>
-      </p:sp>
-      <p:sp>
-        <p:nvSpPr>
-          <p:cNvPr id="4" name="フローチャート: 代替処理 3"/>
-          <p:cNvSpPr/>
-          <p:nvPr/>
-        </p:nvSpPr>
-        <p:spPr>
-          <a:xfrm>
-            <a:off x="6707171" y="1465869"/>
-            <a:ext cx="1828800" cy="480767"/>
-          </a:xfrm>
-          <a:prstGeom prst="flowChartAlternateProcess">
-            <a:avLst/>
-          </a:prstGeom>
-        </p:spPr>
-        <p:style>
-          <a:lnRef idx="2">
-            <a:schemeClr val="accent1">
-              <a:shade val="50000"/>
-            </a:schemeClr>
-          </a:lnRef>
-          <a:fillRef idx="1">
-            <a:schemeClr val="accent1"/>
-          </a:fillRef>
-          <a:effectRef idx="0">
-            <a:schemeClr val="accent1"/>
-          </a:effectRef>
-          <a:fontRef idx="minor">
-            <a:schemeClr val="lt1"/>
-          </a:fontRef>
-        </p:style>
-        <p:txBody>
-          <a:bodyPr rtlCol="0" anchor="ctr"/>
-          <a:lstStyle/>
-          <a:p>
-            <a:pPr algn="ctr"/>
-            <a:r>
-              <a:rPr kumimoji="1" lang="en-US" altLang="ja-JP" dirty="0"/>
-              <a:t>Start</a:t>
-            </a:r>
-            <a:endParaRPr kumimoji="1" lang="ja-JP" altLang="en-US" dirty="0"/>
-          </a:p>
-        </p:txBody>
-      </p:sp>
-      <p:sp>
-        <p:nvSpPr>
-          <p:cNvPr id="5" name="フローチャート: 処理 4"/>
-          <p:cNvSpPr/>
-          <p:nvPr/>
-        </p:nvSpPr>
-        <p:spPr>
-          <a:xfrm>
-            <a:off x="6674177" y="2262432"/>
-            <a:ext cx="1894788" cy="565609"/>
-          </a:xfrm>
-          <a:prstGeom prst="flowChartProcess">
-            <a:avLst/>
-          </a:prstGeom>
-        </p:spPr>
-        <p:style>
-          <a:lnRef idx="2">
-            <a:schemeClr val="accent1">
-              <a:shade val="50000"/>
-            </a:schemeClr>
-          </a:lnRef>
-          <a:fillRef idx="1">
-            <a:schemeClr val="accent1"/>
-          </a:fillRef>
-          <a:effectRef idx="0">
-            <a:schemeClr val="accent1"/>
-          </a:effectRef>
-          <a:fontRef idx="minor">
-            <a:schemeClr val="lt1"/>
-          </a:fontRef>
-        </p:style>
-        <p:txBody>
-          <a:bodyPr rtlCol="0" anchor="ctr"/>
-          <a:lstStyle/>
-          <a:p>
-            <a:pPr algn="ctr"/>
-            <a:r>
-              <a:rPr kumimoji="1" lang="en-US" altLang="ja-JP" dirty="0"/>
-              <a:t>Initialize device</a:t>
-            </a:r>
-            <a:endParaRPr kumimoji="1" lang="ja-JP" altLang="en-US" dirty="0"/>
-          </a:p>
-        </p:txBody>
-      </p:sp>
-      <p:cxnSp>
-        <p:nvCxnSpPr>
-          <p:cNvPr id="7" name="直線コネクタ 6"/>
-          <p:cNvCxnSpPr>
-            <a:stCxn id="5" idx="0"/>
-            <a:endCxn id="4" idx="2"/>
-          </p:cNvCxnSpPr>
-          <p:nvPr/>
-        </p:nvCxnSpPr>
-        <p:spPr>
-          <a:xfrm flipV="1">
-            <a:off x="7621571" y="1946636"/>
-            <a:ext cx="0" cy="315796"/>
-          </a:xfrm>
-          <a:prstGeom prst="line">
-            <a:avLst/>
-          </a:prstGeom>
-        </p:spPr>
-        <p:style>
-          <a:lnRef idx="1">
-            <a:schemeClr val="accent1"/>
-          </a:lnRef>
-          <a:fillRef idx="0">
-            <a:schemeClr val="accent1"/>
-          </a:fillRef>
-          <a:effectRef idx="0">
-            <a:schemeClr val="accent1"/>
-          </a:effectRef>
-          <a:fontRef idx="minor">
-            <a:schemeClr val="tx1"/>
-          </a:fontRef>
-        </p:style>
-      </p:cxnSp>
-      <p:sp>
-        <p:nvSpPr>
-          <p:cNvPr id="8" name="フローチャート: 処理 7"/>
-          <p:cNvSpPr/>
-          <p:nvPr/>
-        </p:nvSpPr>
-        <p:spPr>
-          <a:xfrm>
-            <a:off x="6674177" y="4003102"/>
-            <a:ext cx="1894788" cy="565609"/>
-          </a:xfrm>
-          <a:prstGeom prst="flowChartProcess">
-            <a:avLst/>
-          </a:prstGeom>
-        </p:spPr>
-        <p:style>
-          <a:lnRef idx="2">
-            <a:schemeClr val="accent1">
-              <a:shade val="50000"/>
-            </a:schemeClr>
-          </a:lnRef>
-          <a:fillRef idx="1">
-            <a:schemeClr val="accent1"/>
-          </a:fillRef>
-          <a:effectRef idx="0">
-            <a:schemeClr val="accent1"/>
-          </a:effectRef>
-          <a:fontRef idx="minor">
-            <a:schemeClr val="lt1"/>
-          </a:fontRef>
-        </p:style>
-        <p:txBody>
-          <a:bodyPr rtlCol="0" anchor="ctr"/>
-          <a:lstStyle/>
-          <a:p>
-            <a:pPr algn="ctr"/>
-            <a:r>
-              <a:rPr kumimoji="1" lang="en-US" altLang="ja-JP" dirty="0"/>
-              <a:t>Wait PLG</a:t>
-            </a:r>
-            <a:endParaRPr kumimoji="1" lang="ja-JP" altLang="en-US" dirty="0"/>
-          </a:p>
-        </p:txBody>
-      </p:sp>
-      <p:sp>
-        <p:nvSpPr>
-          <p:cNvPr id="9" name="フローチャート: 判断 8"/>
-          <p:cNvSpPr/>
-          <p:nvPr/>
-        </p:nvSpPr>
-        <p:spPr>
-          <a:xfrm>
-            <a:off x="6480927" y="4874634"/>
-            <a:ext cx="2281287" cy="744717"/>
-          </a:xfrm>
-          <a:prstGeom prst="flowChartDecision">
-            <a:avLst/>
-          </a:prstGeom>
-        </p:spPr>
-        <p:style>
-          <a:lnRef idx="2">
-            <a:schemeClr val="accent1">
-              <a:shade val="50000"/>
-            </a:schemeClr>
-          </a:lnRef>
-          <a:fillRef idx="1">
-            <a:schemeClr val="accent1"/>
-          </a:fillRef>
-          <a:effectRef idx="0">
-            <a:schemeClr val="accent1"/>
-          </a:effectRef>
-          <a:fontRef idx="minor">
-            <a:schemeClr val="lt1"/>
-          </a:fontRef>
-        </p:style>
-        <p:txBody>
-          <a:bodyPr rtlCol="0" anchor="ctr"/>
-          <a:lstStyle/>
-          <a:p>
-            <a:pPr algn="ctr"/>
-            <a:r>
-              <a:rPr kumimoji="1" lang="en-US" altLang="ja-JP" dirty="0"/>
-              <a:t>Mode?</a:t>
-            </a:r>
-            <a:endParaRPr kumimoji="1" lang="ja-JP" altLang="en-US" dirty="0"/>
-          </a:p>
-        </p:txBody>
-      </p:sp>
-      <p:cxnSp>
-        <p:nvCxnSpPr>
-          <p:cNvPr id="10" name="直線コネクタ 9"/>
-          <p:cNvCxnSpPr>
-            <a:cxnSpLocks/>
-            <a:stCxn id="8" idx="0"/>
-          </p:cNvCxnSpPr>
-          <p:nvPr/>
-        </p:nvCxnSpPr>
-        <p:spPr>
-          <a:xfrm flipV="1">
-            <a:off x="7621571" y="3667029"/>
-            <a:ext cx="0" cy="336073"/>
-          </a:xfrm>
-          <a:prstGeom prst="line">
-            <a:avLst/>
-          </a:prstGeom>
-        </p:spPr>
-        <p:style>
-          <a:lnRef idx="1">
-            <a:schemeClr val="accent1"/>
-          </a:lnRef>
-          <a:fillRef idx="0">
-            <a:schemeClr val="accent1"/>
-          </a:fillRef>
-          <a:effectRef idx="0">
-            <a:schemeClr val="accent1"/>
-          </a:effectRef>
-          <a:fontRef idx="minor">
-            <a:schemeClr val="tx1"/>
-          </a:fontRef>
-        </p:style>
-      </p:cxnSp>
-      <p:cxnSp>
-        <p:nvCxnSpPr>
-          <p:cNvPr id="13" name="直線コネクタ 12"/>
-          <p:cNvCxnSpPr>
-            <a:cxnSpLocks/>
-            <a:stCxn id="9" idx="0"/>
-            <a:endCxn id="8" idx="2"/>
-          </p:cNvCxnSpPr>
-          <p:nvPr/>
-        </p:nvCxnSpPr>
-        <p:spPr>
-          <a:xfrm flipV="1">
-            <a:off x="7621571" y="4568711"/>
-            <a:ext cx="0" cy="305923"/>
-          </a:xfrm>
-          <a:prstGeom prst="line">
-            <a:avLst/>
-          </a:prstGeom>
-        </p:spPr>
-        <p:style>
-          <a:lnRef idx="1">
-            <a:schemeClr val="accent1"/>
-          </a:lnRef>
-          <a:fillRef idx="0">
-            <a:schemeClr val="accent1"/>
-          </a:fillRef>
-          <a:effectRef idx="0">
-            <a:schemeClr val="accent1"/>
-          </a:effectRef>
-          <a:fontRef idx="minor">
-            <a:schemeClr val="tx1"/>
-          </a:fontRef>
-        </p:style>
-      </p:cxnSp>
-      <p:sp>
-        <p:nvSpPr>
-          <p:cNvPr id="21" name="フローチャート: 処理 20"/>
-          <p:cNvSpPr/>
-          <p:nvPr/>
-        </p:nvSpPr>
-        <p:spPr>
-          <a:xfrm>
-            <a:off x="8441703" y="5999761"/>
-            <a:ext cx="1894788" cy="565609"/>
-          </a:xfrm>
-          <a:prstGeom prst="flowChartProcess">
-            <a:avLst/>
-          </a:prstGeom>
-        </p:spPr>
-        <p:style>
-          <a:lnRef idx="2">
-            <a:schemeClr val="accent1">
-              <a:shade val="50000"/>
-            </a:schemeClr>
-          </a:lnRef>
-          <a:fillRef idx="1">
-            <a:schemeClr val="accent1"/>
-          </a:fillRef>
-          <a:effectRef idx="0">
-            <a:schemeClr val="accent1"/>
-          </a:effectRef>
-          <a:fontRef idx="minor">
-            <a:schemeClr val="lt1"/>
-          </a:fontRef>
-        </p:style>
-        <p:txBody>
-          <a:bodyPr rtlCol="0" anchor="ctr"/>
-          <a:lstStyle/>
-          <a:p>
-            <a:pPr algn="ctr"/>
-            <a:r>
-              <a:rPr lang="en-US" altLang="ja-JP" dirty="0"/>
-              <a:t>I2C mode</a:t>
-            </a:r>
-          </a:p>
-          <a:p>
-            <a:pPr algn="ctr"/>
-            <a:r>
-              <a:rPr kumimoji="1" lang="en-US" altLang="ja-JP" dirty="0"/>
-              <a:t>setup</a:t>
-            </a:r>
-            <a:endParaRPr kumimoji="1" lang="ja-JP" altLang="en-US" dirty="0"/>
-          </a:p>
-        </p:txBody>
-      </p:sp>
-      <p:sp>
-        <p:nvSpPr>
-          <p:cNvPr id="22" name="フローチャート: 処理 21"/>
-          <p:cNvSpPr/>
-          <p:nvPr/>
-        </p:nvSpPr>
-        <p:spPr>
-          <a:xfrm>
-            <a:off x="4944360" y="5991262"/>
-            <a:ext cx="1894788" cy="565609"/>
-          </a:xfrm>
-          <a:prstGeom prst="flowChartProcess">
-            <a:avLst/>
-          </a:prstGeom>
-        </p:spPr>
-        <p:style>
-          <a:lnRef idx="2">
-            <a:schemeClr val="accent1">
-              <a:shade val="50000"/>
-            </a:schemeClr>
-          </a:lnRef>
-          <a:fillRef idx="1">
-            <a:schemeClr val="accent1"/>
-          </a:fillRef>
-          <a:effectRef idx="0">
-            <a:schemeClr val="accent1"/>
-          </a:effectRef>
-          <a:fontRef idx="minor">
-            <a:schemeClr val="lt1"/>
-          </a:fontRef>
-        </p:style>
-        <p:txBody>
-          <a:bodyPr rtlCol="0" anchor="ctr"/>
-          <a:lstStyle/>
-          <a:p>
-            <a:pPr algn="ctr"/>
-            <a:r>
-              <a:rPr kumimoji="1" lang="en-US" altLang="ja-JP" dirty="0"/>
-              <a:t>UART mode</a:t>
-            </a:r>
-          </a:p>
-          <a:p>
-            <a:pPr algn="ctr"/>
-            <a:r>
-              <a:rPr lang="en-US" altLang="ja-JP" dirty="0"/>
-              <a:t>setup</a:t>
-            </a:r>
-            <a:endParaRPr kumimoji="1" lang="ja-JP" altLang="en-US" dirty="0"/>
-          </a:p>
-        </p:txBody>
-      </p:sp>
-      <p:cxnSp>
-        <p:nvCxnSpPr>
-          <p:cNvPr id="24" name="コネクタ: カギ線 23"/>
-          <p:cNvCxnSpPr>
-            <a:stCxn id="9" idx="2"/>
-            <a:endCxn id="22" idx="0"/>
-          </p:cNvCxnSpPr>
-          <p:nvPr/>
-        </p:nvCxnSpPr>
-        <p:spPr>
-          <a:xfrm rot="5400000">
-            <a:off x="6570708" y="4940398"/>
-            <a:ext cx="371911" cy="1729817"/>
-          </a:xfrm>
-          <a:prstGeom prst="bentConnector3">
-            <a:avLst/>
-          </a:prstGeom>
-        </p:spPr>
-        <p:style>
-          <a:lnRef idx="1">
-            <a:schemeClr val="accent1"/>
-          </a:lnRef>
-          <a:fillRef idx="0">
-            <a:schemeClr val="accent1"/>
-          </a:fillRef>
-          <a:effectRef idx="0">
-            <a:schemeClr val="accent1"/>
-          </a:effectRef>
-          <a:fontRef idx="minor">
-            <a:schemeClr val="tx1"/>
-          </a:fontRef>
-        </p:style>
-      </p:cxnSp>
-      <p:sp>
-        <p:nvSpPr>
-          <p:cNvPr id="27" name="フローチャート: 処理 26"/>
-          <p:cNvSpPr/>
-          <p:nvPr/>
-        </p:nvSpPr>
-        <p:spPr>
-          <a:xfrm>
-            <a:off x="6675745" y="3131271"/>
-            <a:ext cx="1894788" cy="565609"/>
-          </a:xfrm>
-          <a:prstGeom prst="flowChartProcess">
-            <a:avLst/>
-          </a:prstGeom>
-        </p:spPr>
-        <p:style>
-          <a:lnRef idx="2">
-            <a:schemeClr val="accent1">
-              <a:shade val="50000"/>
-            </a:schemeClr>
-          </a:lnRef>
-          <a:fillRef idx="1">
-            <a:schemeClr val="accent1"/>
-          </a:fillRef>
-          <a:effectRef idx="0">
-            <a:schemeClr val="accent1"/>
-          </a:effectRef>
-          <a:fontRef idx="minor">
-            <a:schemeClr val="lt1"/>
-          </a:fontRef>
-        </p:style>
-        <p:txBody>
-          <a:bodyPr rtlCol="0" anchor="ctr"/>
-          <a:lstStyle/>
-          <a:p>
-            <a:pPr algn="ctr"/>
-            <a:r>
-              <a:rPr lang="en-US" altLang="ja-JP" dirty="0"/>
-              <a:t>Enable PLG general call</a:t>
-            </a:r>
-            <a:endParaRPr kumimoji="1" lang="ja-JP" altLang="en-US" dirty="0"/>
-          </a:p>
-        </p:txBody>
-      </p:sp>
-      <p:cxnSp>
-        <p:nvCxnSpPr>
-          <p:cNvPr id="29" name="直線コネクタ 28"/>
-          <p:cNvCxnSpPr>
-            <a:stCxn id="5" idx="2"/>
-            <a:endCxn id="27" idx="0"/>
-          </p:cNvCxnSpPr>
-          <p:nvPr/>
-        </p:nvCxnSpPr>
-        <p:spPr>
-          <a:xfrm>
-            <a:off x="7621571" y="2828041"/>
-            <a:ext cx="1568" cy="303230"/>
-          </a:xfrm>
-          <a:prstGeom prst="line">
-            <a:avLst/>
-          </a:prstGeom>
-        </p:spPr>
-        <p:style>
-          <a:lnRef idx="1">
-            <a:schemeClr val="accent1"/>
-          </a:lnRef>
-          <a:fillRef idx="0">
-            <a:schemeClr val="accent1"/>
-          </a:fillRef>
-          <a:effectRef idx="0">
-            <a:schemeClr val="accent1"/>
-          </a:effectRef>
-          <a:fontRef idx="minor">
-            <a:schemeClr val="tx1"/>
-          </a:fontRef>
-        </p:style>
-      </p:cxnSp>
-      <p:sp>
-        <p:nvSpPr>
-          <p:cNvPr id="30" name="テキスト ボックス 29"/>
-          <p:cNvSpPr txBox="1"/>
-          <p:nvPr/>
-        </p:nvSpPr>
-        <p:spPr>
-          <a:xfrm>
-            <a:off x="7932717" y="5474356"/>
-            <a:ext cx="3071675" cy="369332"/>
-          </a:xfrm>
-          <a:prstGeom prst="rect">
-            <a:avLst/>
-          </a:prstGeom>
-          <a:noFill/>
-        </p:spPr>
-        <p:txBody>
-          <a:bodyPr wrap="none" rtlCol="0">
-            <a:spAutoFit/>
-          </a:bodyPr>
-          <a:lstStyle/>
-          <a:p>
-            <a:r>
-              <a:rPr lang="en-US" altLang="ja-JP" dirty="0"/>
-              <a:t>PLG (general call) received</a:t>
-            </a:r>
-            <a:endParaRPr kumimoji="1" lang="ja-JP" altLang="en-US" dirty="0"/>
-          </a:p>
-        </p:txBody>
-      </p:sp>
-      <p:sp>
-        <p:nvSpPr>
-          <p:cNvPr id="31" name="テキスト ボックス 30"/>
-          <p:cNvSpPr txBox="1"/>
-          <p:nvPr/>
-        </p:nvSpPr>
-        <p:spPr>
-          <a:xfrm>
-            <a:off x="5070174" y="5512064"/>
-            <a:ext cx="1558440" cy="369332"/>
-          </a:xfrm>
-          <a:prstGeom prst="rect">
-            <a:avLst/>
-          </a:prstGeom>
-          <a:noFill/>
-        </p:spPr>
-        <p:txBody>
-          <a:bodyPr wrap="none" rtlCol="0">
-            <a:spAutoFit/>
-          </a:bodyPr>
-          <a:lstStyle/>
-          <a:p>
-            <a:r>
-              <a:rPr lang="en-US" altLang="ja-JP" dirty="0"/>
-              <a:t>2</a:t>
-            </a:r>
-            <a:r>
-              <a:rPr kumimoji="1" lang="en-US" altLang="ja-JP" dirty="0"/>
-              <a:t>sec timeout</a:t>
-            </a:r>
-            <a:endParaRPr kumimoji="1" lang="ja-JP" altLang="en-US" dirty="0"/>
-          </a:p>
-        </p:txBody>
-      </p:sp>
-      <p:cxnSp>
-        <p:nvCxnSpPr>
-          <p:cNvPr id="33" name="コネクタ: カギ線 32"/>
-          <p:cNvCxnSpPr>
-            <a:cxnSpLocks/>
-            <a:stCxn id="9" idx="2"/>
-            <a:endCxn id="21" idx="0"/>
-          </p:cNvCxnSpPr>
-          <p:nvPr/>
-        </p:nvCxnSpPr>
-        <p:spPr>
-          <a:xfrm rot="16200000" flipH="1">
-            <a:off x="8315129" y="4925793"/>
-            <a:ext cx="380410" cy="1767526"/>
-          </a:xfrm>
-          <a:prstGeom prst="bentConnector3">
-            <a:avLst>
-              <a:gd name="adj1" fmla="val 50000"/>
-            </a:avLst>
-          </a:prstGeom>
-        </p:spPr>
-        <p:style>
-          <a:lnRef idx="1">
-            <a:schemeClr val="accent1"/>
-          </a:lnRef>
-          <a:fillRef idx="0">
-            <a:schemeClr val="accent1"/>
-          </a:fillRef>
-          <a:effectRef idx="0">
-            <a:schemeClr val="accent1"/>
-          </a:effectRef>
-          <a:fontRef idx="minor">
-            <a:schemeClr val="tx1"/>
-          </a:fontRef>
-        </p:style>
-      </p:cxnSp>
-    </p:spTree>
-    <p:extLst>
-      <p:ext uri="{BB962C8B-B14F-4D97-AF65-F5344CB8AC3E}">
-        <p14:creationId xmlns:p14="http://schemas.microsoft.com/office/powerpoint/2010/main" val="3736132728"/>
-      </p:ext>
-    </p:extLst>
-  </p:cSld>
-  <p:clrMapOvr>
-    <a:masterClrMapping/>
-  </p:clrMapOvr>
-</p:sld>
-</file>
-
-<file path=ppt/slides/slide5.xml><?xml version="1.0" encoding="utf-8"?>
 <p:sld xmlns:a="http://schemas.openxmlformats.org/drawingml/2006/main" xmlns:r="http://schemas.openxmlformats.org/officeDocument/2006/relationships" xmlns:p="http://schemas.openxmlformats.org/presentationml/2006/main">
   <p:cSld>
     <p:spTree>
@@ -7100,7 +6620,7 @@
 </p:sld>
 </file>
 
-<file path=ppt/slides/slide6.xml><?xml version="1.0" encoding="utf-8"?>
+<file path=ppt/slides/slide5.xml><?xml version="1.0" encoding="utf-8"?>
 <p:sld xmlns:a="http://schemas.openxmlformats.org/drawingml/2006/main" xmlns:r="http://schemas.openxmlformats.org/officeDocument/2006/relationships" xmlns:p="http://schemas.openxmlformats.org/presentationml/2006/main">
   <p:cSld>
     <p:spTree>
@@ -8300,7 +7820,7 @@
 </p:sld>
 </file>
 
-<file path=ppt/slides/slide7.xml><?xml version="1.0" encoding="utf-8"?>
+<file path=ppt/slides/slide6.xml><?xml version="1.0" encoding="utf-8"?>
 <p:sld xmlns:a="http://schemas.openxmlformats.org/drawingml/2006/main" xmlns:r="http://schemas.openxmlformats.org/officeDocument/2006/relationships" xmlns:p="http://schemas.openxmlformats.org/presentationml/2006/main">
   <p:cSld>
     <p:spTree>
@@ -9686,7 +9206,7 @@
 </p:sld>
 </file>
 
-<file path=ppt/slides/slide8.xml><?xml version="1.0" encoding="utf-8"?>
+<file path=ppt/slides/slide7.xml><?xml version="1.0" encoding="utf-8"?>
 <p:sld xmlns:a="http://schemas.openxmlformats.org/drawingml/2006/main" xmlns:r="http://schemas.openxmlformats.org/officeDocument/2006/relationships" xmlns:p="http://schemas.openxmlformats.org/presentationml/2006/main">
   <p:cSld>
     <p:spTree>

--- a/doc/I2C_BACKPLANE_SPEC.pptx
+++ b/doc/I2C_BACKPLANE_SPEC.pptx
@@ -8,10 +8,11 @@
     <p:sldId id="256" r:id="rId2"/>
     <p:sldId id="259" r:id="rId3"/>
     <p:sldId id="260" r:id="rId4"/>
-    <p:sldId id="258" r:id="rId5"/>
-    <p:sldId id="261" r:id="rId6"/>
-    <p:sldId id="263" r:id="rId7"/>
-    <p:sldId id="262" r:id="rId8"/>
+    <p:sldId id="264" r:id="rId5"/>
+    <p:sldId id="258" r:id="rId6"/>
+    <p:sldId id="261" r:id="rId7"/>
+    <p:sldId id="263" r:id="rId8"/>
+    <p:sldId id="262" r:id="rId9"/>
   </p:sldIdLst>
   <p:sldSz cx="12192000" cy="6858000"/>
   <p:notesSz cx="6858000" cy="9144000"/>
@@ -4824,6 +4825,97 @@
             <p:ph type="title"/>
           </p:nvPr>
         </p:nvSpPr>
+        <p:spPr/>
+        <p:txBody>
+          <a:bodyPr/>
+          <a:lstStyle/>
+          <a:p>
+            <a:r>
+              <a:rPr kumimoji="1" lang="en-US" altLang="ja-JP" dirty="0"/>
+              <a:t>Scheduler</a:t>
+            </a:r>
+            <a:endParaRPr kumimoji="1" lang="ja-JP" altLang="en-US" dirty="0"/>
+          </a:p>
+        </p:txBody>
+      </p:sp>
+      <p:sp>
+        <p:nvSpPr>
+          <p:cNvPr id="3" name="コンテンツ プレースホルダー 2"/>
+          <p:cNvSpPr>
+            <a:spLocks noGrp="1"/>
+          </p:cNvSpPr>
+          <p:nvPr>
+            <p:ph idx="1"/>
+          </p:nvPr>
+        </p:nvSpPr>
+        <p:spPr/>
+        <p:txBody>
+          <a:bodyPr/>
+          <a:lstStyle/>
+          <a:p>
+            <a:r>
+              <a:rPr kumimoji="1" lang="en-US" altLang="ja-JP" dirty="0"/>
+              <a:t>Time-slot-based</a:t>
+            </a:r>
+          </a:p>
+          <a:p>
+            <a:r>
+              <a:rPr lang="en-US" altLang="ja-JP" dirty="0"/>
+              <a:t>Reduces the p</a:t>
+            </a:r>
+            <a:r>
+              <a:rPr kumimoji="1" lang="en-US" altLang="ja-JP" dirty="0"/>
+              <a:t>ower supplied via I2C bus</a:t>
+            </a:r>
+          </a:p>
+          <a:p>
+            <a:endParaRPr kumimoji="1" lang="en-US" altLang="ja-JP" dirty="0"/>
+          </a:p>
+          <a:p>
+            <a:endParaRPr kumimoji="1" lang="ja-JP" altLang="en-US" dirty="0"/>
+          </a:p>
+        </p:txBody>
+      </p:sp>
+    </p:spTree>
+    <p:extLst>
+      <p:ext uri="{BB962C8B-B14F-4D97-AF65-F5344CB8AC3E}">
+        <p14:creationId xmlns:p14="http://schemas.microsoft.com/office/powerpoint/2010/main" val="3431797438"/>
+      </p:ext>
+    </p:extLst>
+  </p:cSld>
+  <p:clrMapOvr>
+    <a:masterClrMapping/>
+  </p:clrMapOvr>
+</p:sld>
+</file>
+
+<file path=ppt/slides/slide5.xml><?xml version="1.0" encoding="utf-8"?>
+<p:sld xmlns:a="http://schemas.openxmlformats.org/drawingml/2006/main" xmlns:r="http://schemas.openxmlformats.org/officeDocument/2006/relationships" xmlns:p="http://schemas.openxmlformats.org/presentationml/2006/main">
+  <p:cSld>
+    <p:spTree>
+      <p:nvGrpSpPr>
+        <p:cNvPr id="1" name=""/>
+        <p:cNvGrpSpPr/>
+        <p:nvPr/>
+      </p:nvGrpSpPr>
+      <p:grpSpPr>
+        <a:xfrm>
+          <a:off x="0" y="0"/>
+          <a:ext cx="0" cy="0"/>
+          <a:chOff x="0" y="0"/>
+          <a:chExt cx="0" cy="0"/>
+        </a:xfrm>
+      </p:grpSpPr>
+      <p:sp>
+        <p:nvSpPr>
+          <p:cNvPr id="2" name="タイトル 1"/>
+          <p:cNvSpPr>
+            <a:spLocks noGrp="1"/>
+          </p:cNvSpPr>
+          <p:nvPr>
+            <p:ph type="title"/>
+          </p:nvPr>
+        </p:nvSpPr>
         <p:spPr>
           <a:xfrm>
             <a:off x="838200" y="365125"/>
@@ -4851,7 +4943,7 @@
           <p:nvPr>
             <p:extLst>
               <p:ext uri="{D42A27DB-BD31-4B8C-83A1-F6EECF244321}">
-                <p14:modId xmlns:p14="http://schemas.microsoft.com/office/powerpoint/2010/main" val="2932535357"/>
+                <p14:modId xmlns:p14="http://schemas.microsoft.com/office/powerpoint/2010/main" val="1399055689"/>
               </p:ext>
             </p:extLst>
           </p:nvPr>
@@ -5055,7 +5147,7 @@
                     <a:p>
                       <a:r>
                         <a:rPr kumimoji="1" lang="en-US" altLang="ja-JP" sz="1100" dirty="0"/>
-                        <a:t>#3b</a:t>
+                        <a:t>#8b</a:t>
                       </a:r>
                       <a:endParaRPr kumimoji="1" lang="ja-JP" altLang="en-US" sz="1100" dirty="0"/>
                     </a:p>
@@ -5139,7 +5231,7 @@
                     <a:p>
                       <a:r>
                         <a:rPr kumimoji="1" lang="en-US" altLang="ja-JP" sz="1100" dirty="0"/>
-                        <a:t>#4b</a:t>
+                        <a:t>#9b</a:t>
                       </a:r>
                       <a:endParaRPr kumimoji="1" lang="ja-JP" altLang="en-US" sz="1100" dirty="0"/>
                     </a:p>
@@ -5223,7 +5315,7 @@
                     <a:p>
                       <a:r>
                         <a:rPr kumimoji="1" lang="en-US" altLang="ja-JP" sz="1100" dirty="0"/>
-                        <a:t>#5b</a:t>
+                        <a:t>#10b</a:t>
                       </a:r>
                       <a:endParaRPr kumimoji="1" lang="ja-JP" altLang="en-US" sz="1100" dirty="0"/>
                     </a:p>
@@ -5307,7 +5399,7 @@
                     <a:p>
                       <a:r>
                         <a:rPr kumimoji="1" lang="en-US" altLang="ja-JP" sz="1100" dirty="0"/>
-                        <a:t>#6b</a:t>
+                        <a:t>#11b</a:t>
                       </a:r>
                       <a:endParaRPr kumimoji="1" lang="ja-JP" altLang="en-US" sz="1100" dirty="0"/>
                     </a:p>
@@ -5433,7 +5525,7 @@
                     <a:p>
                       <a:r>
                         <a:rPr kumimoji="1" lang="en-US" altLang="ja-JP" sz="1100" dirty="0"/>
-                        <a:t>#8b</a:t>
+                        <a:t>#3b</a:t>
                       </a:r>
                       <a:endParaRPr kumimoji="1" lang="ja-JP" altLang="en-US" sz="1100" dirty="0"/>
                     </a:p>
@@ -5517,7 +5609,7 @@
                     <a:p>
                       <a:r>
                         <a:rPr kumimoji="1" lang="en-US" altLang="ja-JP" sz="1100" dirty="0"/>
-                        <a:t>#9b</a:t>
+                        <a:t>#4b</a:t>
                       </a:r>
                       <a:endParaRPr kumimoji="1" lang="ja-JP" altLang="en-US" sz="1100" dirty="0"/>
                     </a:p>
@@ -5601,7 +5693,7 @@
                     <a:p>
                       <a:r>
                         <a:rPr kumimoji="1" lang="en-US" altLang="ja-JP" sz="1100" dirty="0"/>
-                        <a:t>#10b</a:t>
+                        <a:t>#5b</a:t>
                       </a:r>
                       <a:endParaRPr kumimoji="1" lang="ja-JP" altLang="en-US" sz="1100" dirty="0"/>
                     </a:p>
@@ -5685,7 +5777,7 @@
                     <a:p>
                       <a:r>
                         <a:rPr kumimoji="1" lang="en-US" altLang="ja-JP" sz="1100" dirty="0"/>
-                        <a:t>#11b</a:t>
+                        <a:t>#6b</a:t>
                       </a:r>
                       <a:endParaRPr kumimoji="1" lang="ja-JP" altLang="en-US" sz="1100" dirty="0"/>
                     </a:p>
@@ -6607,71 +6699,48 @@
           </a:p>
         </p:txBody>
       </p:sp>
-    </p:spTree>
-    <p:extLst>
-      <p:ext uri="{BB962C8B-B14F-4D97-AF65-F5344CB8AC3E}">
-        <p14:creationId xmlns:p14="http://schemas.microsoft.com/office/powerpoint/2010/main" val="1926473127"/>
-      </p:ext>
-    </p:extLst>
-  </p:cSld>
-  <p:clrMapOvr>
-    <a:masterClrMapping/>
-  </p:clrMapOvr>
-</p:sld>
-</file>
-
-<file path=ppt/slides/slide5.xml><?xml version="1.0" encoding="utf-8"?>
-<p:sld xmlns:a="http://schemas.openxmlformats.org/drawingml/2006/main" xmlns:r="http://schemas.openxmlformats.org/officeDocument/2006/relationships" xmlns:p="http://schemas.openxmlformats.org/presentationml/2006/main">
-  <p:cSld>
-    <p:spTree>
-      <p:nvGrpSpPr>
-        <p:cNvPr id="1" name=""/>
-        <p:cNvGrpSpPr/>
-        <p:nvPr/>
-      </p:nvGrpSpPr>
-      <p:grpSpPr>
-        <a:xfrm>
-          <a:off x="0" y="0"/>
-          <a:ext cx="0" cy="0"/>
-          <a:chOff x="0" y="0"/>
-          <a:chExt cx="0" cy="0"/>
-        </a:xfrm>
-      </p:grpSpPr>
-      <p:sp>
-        <p:nvSpPr>
-          <p:cNvPr id="2" name="タイトル 1"/>
-          <p:cNvSpPr>
-            <a:spLocks noGrp="1"/>
-          </p:cNvSpPr>
-          <p:nvPr>
-            <p:ph type="title"/>
-          </p:nvPr>
-        </p:nvSpPr>
-        <p:spPr/>
-        <p:txBody>
-          <a:bodyPr/>
+      <p:sp>
+        <p:nvSpPr>
+          <p:cNvPr id="6" name="テキスト ボックス 5"/>
+          <p:cNvSpPr txBox="1"/>
+          <p:nvPr/>
+        </p:nvSpPr>
+        <p:spPr>
+          <a:xfrm>
+            <a:off x="11028769" y="3877361"/>
+            <a:ext cx="874206" cy="369332"/>
+          </a:xfrm>
+          <a:prstGeom prst="rect">
+            <a:avLst/>
+          </a:prstGeom>
+          <a:noFill/>
+        </p:spPr>
+        <p:txBody>
+          <a:bodyPr wrap="square" rtlCol="0">
+            <a:spAutoFit/>
+          </a:bodyPr>
           <a:lstStyle/>
           <a:p>
             <a:r>
               <a:rPr kumimoji="1" lang="en-US" altLang="ja-JP" dirty="0"/>
-              <a:t>Slave with two MSSPs enabled</a:t>
+              <a:t>1sec</a:t>
             </a:r>
             <a:endParaRPr kumimoji="1" lang="ja-JP" altLang="en-US" dirty="0"/>
           </a:p>
         </p:txBody>
       </p:sp>
-      <p:cxnSp>
-        <p:nvCxnSpPr>
-          <p:cNvPr id="4" name="直線コネクタ 3"/>
-          <p:cNvCxnSpPr/>
-          <p:nvPr/>
-        </p:nvCxnSpPr>
+      <p:sp>
+        <p:nvSpPr>
+          <p:cNvPr id="41" name="右中かっこ 40"/>
+          <p:cNvSpPr/>
+          <p:nvPr/>
+        </p:nvSpPr>
         <p:spPr>
           <a:xfrm>
-            <a:off x="9502216" y="1866508"/>
-            <a:ext cx="0" cy="4644880"/>
-          </a:xfrm>
-          <a:prstGeom prst="line">
+            <a:off x="10705651" y="1461157"/>
+            <a:ext cx="205575" cy="5196840"/>
+          </a:xfrm>
+          <a:prstGeom prst="rightBrace">
             <a:avLst/>
           </a:prstGeom>
         </p:spPr>
@@ -6689,1128 +6758,19 @@
             <a:schemeClr val="tx1"/>
           </a:fontRef>
         </p:style>
-      </p:cxnSp>
-      <p:cxnSp>
-        <p:nvCxnSpPr>
-          <p:cNvPr id="7" name="直線コネクタ 6"/>
-          <p:cNvCxnSpPr/>
-          <p:nvPr/>
-        </p:nvCxnSpPr>
-        <p:spPr>
-          <a:xfrm>
-            <a:off x="5781771" y="1805964"/>
-            <a:ext cx="0" cy="4644880"/>
-          </a:xfrm>
-          <a:prstGeom prst="line">
-            <a:avLst/>
-          </a:prstGeom>
-        </p:spPr>
-        <p:style>
-          <a:lnRef idx="1">
-            <a:schemeClr val="accent1"/>
-          </a:lnRef>
-          <a:fillRef idx="0">
-            <a:schemeClr val="accent1"/>
-          </a:fillRef>
-          <a:effectRef idx="0">
-            <a:schemeClr val="accent1"/>
-          </a:effectRef>
-          <a:fontRef idx="minor">
-            <a:schemeClr val="tx1"/>
-          </a:fontRef>
-        </p:style>
-      </p:cxnSp>
-      <p:sp>
-        <p:nvSpPr>
-          <p:cNvPr id="11" name="テキスト ボックス 10"/>
-          <p:cNvSpPr txBox="1"/>
-          <p:nvPr/>
-        </p:nvSpPr>
-        <p:spPr>
-          <a:xfrm>
-            <a:off x="5462440" y="1462917"/>
-            <a:ext cx="633507" cy="307777"/>
-          </a:xfrm>
-          <a:prstGeom prst="rect">
-            <a:avLst/>
-          </a:prstGeom>
-          <a:noFill/>
-        </p:spPr>
-        <p:txBody>
-          <a:bodyPr wrap="none" rtlCol="0">
-            <a:spAutoFit/>
-          </a:bodyPr>
-          <a:lstStyle/>
-          <a:p>
-            <a:r>
-              <a:rPr kumimoji="1" lang="en-US" altLang="ja-JP" sz="1400" dirty="0"/>
-              <a:t>Slave</a:t>
-            </a:r>
-            <a:endParaRPr kumimoji="1" lang="ja-JP" altLang="en-US" sz="1400" dirty="0"/>
-          </a:p>
-        </p:txBody>
-      </p:sp>
-      <p:cxnSp>
-        <p:nvCxnSpPr>
-          <p:cNvPr id="14" name="直線矢印コネクタ 13"/>
-          <p:cNvCxnSpPr>
-            <a:cxnSpLocks/>
-          </p:cNvCxnSpPr>
-          <p:nvPr/>
-        </p:nvCxnSpPr>
-        <p:spPr>
-          <a:xfrm flipH="1">
-            <a:off x="5781771" y="2923884"/>
-            <a:ext cx="3722016" cy="0"/>
-          </a:xfrm>
-          <a:prstGeom prst="straightConnector1">
-            <a:avLst/>
-          </a:prstGeom>
-          <a:ln>
-            <a:tailEnd type="triangle"/>
-          </a:ln>
-        </p:spPr>
-        <p:style>
-          <a:lnRef idx="1">
-            <a:schemeClr val="accent1"/>
-          </a:lnRef>
-          <a:fillRef idx="0">
-            <a:schemeClr val="accent1"/>
-          </a:fillRef>
-          <a:effectRef idx="0">
-            <a:schemeClr val="accent1"/>
-          </a:effectRef>
-          <a:fontRef idx="minor">
-            <a:schemeClr val="tx1"/>
-          </a:fontRef>
-        </p:style>
-      </p:cxnSp>
-      <p:sp>
-        <p:nvSpPr>
-          <p:cNvPr id="20" name="テキスト ボックス 19"/>
-          <p:cNvSpPr txBox="1"/>
-          <p:nvPr/>
-        </p:nvSpPr>
-        <p:spPr>
-          <a:xfrm>
-            <a:off x="6716581" y="2553777"/>
-            <a:ext cx="1787669" cy="369332"/>
-          </a:xfrm>
-          <a:prstGeom prst="rect">
-            <a:avLst/>
-          </a:prstGeom>
-          <a:noFill/>
-        </p:spPr>
-        <p:txBody>
-          <a:bodyPr wrap="none" rtlCol="0">
-            <a:spAutoFit/>
-          </a:bodyPr>
-          <a:lstStyle/>
-          <a:p>
-            <a:r>
-              <a:rPr kumimoji="1" lang="en-US" altLang="ja-JP" dirty="0"/>
-              <a:t>I2C write “</a:t>
-            </a:r>
-            <a:r>
-              <a:rPr lang="en-US" altLang="ja-JP" dirty="0"/>
-              <a:t>INV</a:t>
-            </a:r>
-            <a:r>
-              <a:rPr kumimoji="1" lang="en-US" altLang="ja-JP" dirty="0"/>
-              <a:t>”</a:t>
-            </a:r>
-            <a:endParaRPr kumimoji="1" lang="ja-JP" altLang="en-US" dirty="0"/>
-          </a:p>
-        </p:txBody>
-      </p:sp>
-      <p:sp>
-        <p:nvSpPr>
-          <p:cNvPr id="21" name="テキスト ボックス 20"/>
-          <p:cNvSpPr txBox="1"/>
-          <p:nvPr/>
-        </p:nvSpPr>
-        <p:spPr>
-          <a:xfrm>
-            <a:off x="9130816" y="1498187"/>
-            <a:ext cx="771365" cy="307777"/>
-          </a:xfrm>
-          <a:prstGeom prst="rect">
-            <a:avLst/>
-          </a:prstGeom>
-          <a:noFill/>
-        </p:spPr>
-        <p:txBody>
-          <a:bodyPr wrap="none" rtlCol="0">
-            <a:spAutoFit/>
-          </a:bodyPr>
-          <a:lstStyle/>
-          <a:p>
-            <a:r>
-              <a:rPr lang="en-US" altLang="ja-JP" sz="1400" dirty="0"/>
-              <a:t>Master</a:t>
-            </a:r>
-            <a:endParaRPr kumimoji="1" lang="ja-JP" altLang="en-US" sz="1400" dirty="0"/>
-          </a:p>
-        </p:txBody>
-      </p:sp>
-      <p:cxnSp>
-        <p:nvCxnSpPr>
-          <p:cNvPr id="22" name="直線コネクタ 21"/>
-          <p:cNvCxnSpPr/>
-          <p:nvPr/>
-        </p:nvCxnSpPr>
-        <p:spPr>
-          <a:xfrm>
-            <a:off x="3426642" y="1788678"/>
-            <a:ext cx="0" cy="4644880"/>
-          </a:xfrm>
-          <a:prstGeom prst="line">
-            <a:avLst/>
-          </a:prstGeom>
-        </p:spPr>
-        <p:style>
-          <a:lnRef idx="1">
-            <a:schemeClr val="accent1"/>
-          </a:lnRef>
-          <a:fillRef idx="0">
-            <a:schemeClr val="accent1"/>
-          </a:fillRef>
-          <a:effectRef idx="0">
-            <a:schemeClr val="accent1"/>
-          </a:effectRef>
-          <a:fontRef idx="minor">
-            <a:schemeClr val="tx1"/>
-          </a:fontRef>
-        </p:style>
-      </p:cxnSp>
-      <p:cxnSp>
-        <p:nvCxnSpPr>
-          <p:cNvPr id="23" name="直線矢印コネクタ 22"/>
-          <p:cNvCxnSpPr>
-            <a:cxnSpLocks/>
-          </p:cNvCxnSpPr>
-          <p:nvPr/>
-        </p:nvCxnSpPr>
-        <p:spPr>
-          <a:xfrm flipH="1">
-            <a:off x="3426642" y="3071720"/>
-            <a:ext cx="2347272" cy="0"/>
-          </a:xfrm>
-          <a:prstGeom prst="straightConnector1">
-            <a:avLst/>
-          </a:prstGeom>
-          <a:ln>
-            <a:tailEnd type="triangle"/>
-          </a:ln>
-        </p:spPr>
-        <p:style>
-          <a:lnRef idx="1">
-            <a:schemeClr val="accent1"/>
-          </a:lnRef>
-          <a:fillRef idx="0">
-            <a:schemeClr val="accent1"/>
-          </a:fillRef>
-          <a:effectRef idx="0">
-            <a:schemeClr val="accent1"/>
-          </a:effectRef>
-          <a:fontRef idx="minor">
-            <a:schemeClr val="tx1"/>
-          </a:fontRef>
-        </p:style>
-      </p:cxnSp>
-      <p:cxnSp>
-        <p:nvCxnSpPr>
-          <p:cNvPr id="25" name="直線矢印コネクタ 24"/>
-          <p:cNvCxnSpPr>
-            <a:cxnSpLocks/>
-          </p:cNvCxnSpPr>
-          <p:nvPr/>
-        </p:nvCxnSpPr>
-        <p:spPr>
-          <a:xfrm flipH="1">
-            <a:off x="3428210" y="3224120"/>
-            <a:ext cx="2347272" cy="0"/>
-          </a:xfrm>
-          <a:prstGeom prst="straightConnector1">
-            <a:avLst/>
-          </a:prstGeom>
-          <a:ln>
-            <a:headEnd type="triangle" w="med" len="med"/>
-            <a:tailEnd type="none" w="med" len="med"/>
-          </a:ln>
-        </p:spPr>
-        <p:style>
-          <a:lnRef idx="1">
-            <a:schemeClr val="accent1"/>
-          </a:lnRef>
-          <a:fillRef idx="0">
-            <a:schemeClr val="accent1"/>
-          </a:fillRef>
-          <a:effectRef idx="0">
-            <a:schemeClr val="accent1"/>
-          </a:effectRef>
-          <a:fontRef idx="minor">
-            <a:schemeClr val="tx1"/>
-          </a:fontRef>
-        </p:style>
-      </p:cxnSp>
-      <p:cxnSp>
-        <p:nvCxnSpPr>
-          <p:cNvPr id="26" name="直線矢印コネクタ 25"/>
-          <p:cNvCxnSpPr>
-            <a:cxnSpLocks/>
-          </p:cNvCxnSpPr>
-          <p:nvPr/>
-        </p:nvCxnSpPr>
-        <p:spPr>
-          <a:xfrm flipH="1">
-            <a:off x="3418787" y="3403227"/>
-            <a:ext cx="2347272" cy="0"/>
-          </a:xfrm>
-          <a:prstGeom prst="straightConnector1">
-            <a:avLst/>
-          </a:prstGeom>
-          <a:ln>
-            <a:tailEnd type="triangle"/>
-          </a:ln>
-        </p:spPr>
-        <p:style>
-          <a:lnRef idx="1">
-            <a:schemeClr val="accent1"/>
-          </a:lnRef>
-          <a:fillRef idx="0">
-            <a:schemeClr val="accent1"/>
-          </a:fillRef>
-          <a:effectRef idx="0">
-            <a:schemeClr val="accent1"/>
-          </a:effectRef>
-          <a:fontRef idx="minor">
-            <a:schemeClr val="tx1"/>
-          </a:fontRef>
-        </p:style>
-      </p:cxnSp>
-      <p:cxnSp>
-        <p:nvCxnSpPr>
-          <p:cNvPr id="27" name="直線矢印コネクタ 26"/>
-          <p:cNvCxnSpPr>
-            <a:cxnSpLocks/>
-          </p:cNvCxnSpPr>
-          <p:nvPr/>
-        </p:nvCxnSpPr>
-        <p:spPr>
-          <a:xfrm flipH="1">
-            <a:off x="3429782" y="3555627"/>
-            <a:ext cx="2347272" cy="0"/>
-          </a:xfrm>
-          <a:prstGeom prst="straightConnector1">
-            <a:avLst/>
-          </a:prstGeom>
-          <a:ln>
-            <a:headEnd type="triangle" w="med" len="med"/>
-            <a:tailEnd type="none" w="med" len="med"/>
-          </a:ln>
-        </p:spPr>
-        <p:style>
-          <a:lnRef idx="1">
-            <a:schemeClr val="accent1"/>
-          </a:lnRef>
-          <a:fillRef idx="0">
-            <a:schemeClr val="accent1"/>
-          </a:fillRef>
-          <a:effectRef idx="0">
-            <a:schemeClr val="accent1"/>
-          </a:effectRef>
-          <a:fontRef idx="minor">
-            <a:schemeClr val="tx1"/>
-          </a:fontRef>
-        </p:style>
-      </p:cxnSp>
-      <p:cxnSp>
-        <p:nvCxnSpPr>
-          <p:cNvPr id="28" name="直線矢印コネクタ 27"/>
-          <p:cNvCxnSpPr>
-            <a:cxnSpLocks/>
-          </p:cNvCxnSpPr>
-          <p:nvPr/>
-        </p:nvCxnSpPr>
-        <p:spPr>
-          <a:xfrm flipH="1">
-            <a:off x="3420359" y="3715884"/>
-            <a:ext cx="2347272" cy="0"/>
-          </a:xfrm>
-          <a:prstGeom prst="straightConnector1">
-            <a:avLst/>
-          </a:prstGeom>
-          <a:ln>
-            <a:tailEnd type="triangle"/>
-          </a:ln>
-        </p:spPr>
-        <p:style>
-          <a:lnRef idx="1">
-            <a:schemeClr val="accent1"/>
-          </a:lnRef>
-          <a:fillRef idx="0">
-            <a:schemeClr val="accent1"/>
-          </a:fillRef>
-          <a:effectRef idx="0">
-            <a:schemeClr val="accent1"/>
-          </a:effectRef>
-          <a:fontRef idx="minor">
-            <a:schemeClr val="tx1"/>
-          </a:fontRef>
-        </p:style>
-      </p:cxnSp>
-      <p:cxnSp>
-        <p:nvCxnSpPr>
-          <p:cNvPr id="29" name="直線矢印コネクタ 28"/>
-          <p:cNvCxnSpPr>
-            <a:cxnSpLocks/>
-          </p:cNvCxnSpPr>
-          <p:nvPr/>
-        </p:nvCxnSpPr>
-        <p:spPr>
-          <a:xfrm flipH="1">
-            <a:off x="3431354" y="3868284"/>
-            <a:ext cx="2347272" cy="0"/>
-          </a:xfrm>
-          <a:prstGeom prst="straightConnector1">
-            <a:avLst/>
-          </a:prstGeom>
-          <a:ln>
-            <a:headEnd type="triangle" w="med" len="med"/>
-            <a:tailEnd type="none" w="med" len="med"/>
-          </a:ln>
-        </p:spPr>
-        <p:style>
-          <a:lnRef idx="1">
-            <a:schemeClr val="accent1"/>
-          </a:lnRef>
-          <a:fillRef idx="0">
-            <a:schemeClr val="accent1"/>
-          </a:fillRef>
-          <a:effectRef idx="0">
-            <a:schemeClr val="accent1"/>
-          </a:effectRef>
-          <a:fontRef idx="minor">
-            <a:schemeClr val="tx1"/>
-          </a:fontRef>
-        </p:style>
-      </p:cxnSp>
-      <p:sp>
-        <p:nvSpPr>
-          <p:cNvPr id="31" name="テキスト ボックス 30"/>
-          <p:cNvSpPr txBox="1"/>
-          <p:nvPr/>
-        </p:nvSpPr>
-        <p:spPr>
-          <a:xfrm>
-            <a:off x="2672353" y="1498186"/>
-            <a:ext cx="1750800" cy="307777"/>
-          </a:xfrm>
-          <a:prstGeom prst="rect">
-            <a:avLst/>
-          </a:prstGeom>
-          <a:noFill/>
-        </p:spPr>
-        <p:txBody>
-          <a:bodyPr wrap="none" rtlCol="0">
-            <a:spAutoFit/>
-          </a:bodyPr>
-          <a:lstStyle/>
-          <a:p>
-            <a:r>
-              <a:rPr lang="en-US" altLang="ja-JP" sz="1400" dirty="0"/>
-              <a:t>Another I2C device</a:t>
-            </a:r>
-            <a:endParaRPr kumimoji="1" lang="ja-JP" altLang="en-US" sz="1400" dirty="0"/>
-          </a:p>
-        </p:txBody>
-      </p:sp>
-      <p:sp>
-        <p:nvSpPr>
-          <p:cNvPr id="32" name="テキスト ボックス 31"/>
-          <p:cNvSpPr txBox="1"/>
-          <p:nvPr/>
-        </p:nvSpPr>
-        <p:spPr>
-          <a:xfrm>
-            <a:off x="4328883" y="2762055"/>
-            <a:ext cx="537327" cy="369332"/>
-          </a:xfrm>
-          <a:prstGeom prst="rect">
-            <a:avLst/>
-          </a:prstGeom>
-          <a:noFill/>
-        </p:spPr>
-        <p:txBody>
-          <a:bodyPr wrap="none" rtlCol="0">
-            <a:spAutoFit/>
-          </a:bodyPr>
-          <a:lstStyle/>
-          <a:p>
-            <a:r>
-              <a:rPr lang="en-US" altLang="ja-JP"/>
-              <a:t>I2C</a:t>
-            </a:r>
-            <a:endParaRPr kumimoji="1" lang="ja-JP" altLang="en-US" dirty="0"/>
-          </a:p>
-        </p:txBody>
-      </p:sp>
-      <p:sp>
-        <p:nvSpPr>
-          <p:cNvPr id="33" name="テキスト ボックス 32"/>
-          <p:cNvSpPr txBox="1"/>
-          <p:nvPr/>
-        </p:nvSpPr>
-        <p:spPr>
-          <a:xfrm>
-            <a:off x="4596723" y="1818678"/>
-            <a:ext cx="1223412" cy="523220"/>
-          </a:xfrm>
-          <a:prstGeom prst="rect">
-            <a:avLst/>
-          </a:prstGeom>
-          <a:noFill/>
-        </p:spPr>
-        <p:txBody>
-          <a:bodyPr wrap="none" rtlCol="0">
-            <a:spAutoFit/>
-          </a:bodyPr>
-          <a:lstStyle/>
-          <a:p>
-            <a:r>
-              <a:rPr kumimoji="1" lang="en-US" altLang="ja-JP" sz="1400" dirty="0"/>
-              <a:t>MSSP2</a:t>
-            </a:r>
-          </a:p>
-          <a:p>
-            <a:r>
-              <a:rPr lang="en-US" altLang="ja-JP" sz="1400" dirty="0"/>
-              <a:t>(I2C master)</a:t>
-            </a:r>
-            <a:endParaRPr kumimoji="1" lang="ja-JP" altLang="en-US" sz="1400" dirty="0"/>
-          </a:p>
-        </p:txBody>
-      </p:sp>
-      <p:sp>
-        <p:nvSpPr>
-          <p:cNvPr id="35" name="テキスト ボックス 34"/>
-          <p:cNvSpPr txBox="1"/>
-          <p:nvPr/>
-        </p:nvSpPr>
-        <p:spPr>
-          <a:xfrm>
-            <a:off x="5784845" y="1809504"/>
-            <a:ext cx="1075936" cy="523220"/>
-          </a:xfrm>
-          <a:prstGeom prst="rect">
-            <a:avLst/>
-          </a:prstGeom>
-          <a:noFill/>
-        </p:spPr>
-        <p:txBody>
-          <a:bodyPr wrap="none" rtlCol="0">
-            <a:spAutoFit/>
-          </a:bodyPr>
-          <a:lstStyle/>
-          <a:p>
-            <a:r>
-              <a:rPr kumimoji="1" lang="en-US" altLang="ja-JP" sz="1400" dirty="0"/>
-              <a:t>MSSP1</a:t>
-            </a:r>
-          </a:p>
-          <a:p>
-            <a:r>
-              <a:rPr lang="en-US" altLang="ja-JP" sz="1400" dirty="0"/>
-              <a:t>(I2C slave)</a:t>
-            </a:r>
-            <a:endParaRPr kumimoji="1" lang="ja-JP" altLang="en-US" sz="1400" dirty="0"/>
-          </a:p>
-        </p:txBody>
-      </p:sp>
-      <p:cxnSp>
-        <p:nvCxnSpPr>
-          <p:cNvPr id="24" name="直線矢印コネクタ 23"/>
-          <p:cNvCxnSpPr>
-            <a:cxnSpLocks/>
-          </p:cNvCxnSpPr>
-          <p:nvPr/>
-        </p:nvCxnSpPr>
-        <p:spPr>
-          <a:xfrm flipH="1">
-            <a:off x="5781771" y="4348904"/>
-            <a:ext cx="3722016" cy="0"/>
-          </a:xfrm>
-          <a:prstGeom prst="straightConnector1">
-            <a:avLst/>
-          </a:prstGeom>
-          <a:ln>
-            <a:tailEnd type="triangle"/>
-          </a:ln>
-        </p:spPr>
-        <p:style>
-          <a:lnRef idx="1">
-            <a:schemeClr val="accent1"/>
-          </a:lnRef>
-          <a:fillRef idx="0">
-            <a:schemeClr val="accent1"/>
-          </a:fillRef>
-          <a:effectRef idx="0">
-            <a:schemeClr val="accent1"/>
-          </a:effectRef>
-          <a:fontRef idx="minor">
-            <a:schemeClr val="tx1"/>
-          </a:fontRef>
-        </p:style>
-      </p:cxnSp>
-      <p:sp>
-        <p:nvSpPr>
-          <p:cNvPr id="34" name="テキスト ボックス 33"/>
-          <p:cNvSpPr txBox="1"/>
-          <p:nvPr/>
-        </p:nvSpPr>
-        <p:spPr>
-          <a:xfrm>
-            <a:off x="6697333" y="3983449"/>
-            <a:ext cx="1858201" cy="369332"/>
-          </a:xfrm>
-          <a:prstGeom prst="rect">
-            <a:avLst/>
-          </a:prstGeom>
-          <a:noFill/>
-        </p:spPr>
-        <p:txBody>
-          <a:bodyPr wrap="none" rtlCol="0">
-            <a:spAutoFit/>
-          </a:bodyPr>
-          <a:lstStyle/>
-          <a:p>
-            <a:r>
-              <a:rPr kumimoji="1" lang="en-US" altLang="ja-JP" dirty="0"/>
-              <a:t>I2C write “SEN”</a:t>
-            </a:r>
-            <a:endParaRPr kumimoji="1" lang="ja-JP" altLang="en-US" dirty="0"/>
-          </a:p>
-        </p:txBody>
-      </p:sp>
-      <p:cxnSp>
-        <p:nvCxnSpPr>
-          <p:cNvPr id="36" name="直線矢印コネクタ 35"/>
-          <p:cNvCxnSpPr>
-            <a:cxnSpLocks/>
-          </p:cNvCxnSpPr>
-          <p:nvPr/>
-        </p:nvCxnSpPr>
-        <p:spPr>
-          <a:xfrm flipH="1">
-            <a:off x="5792766" y="4708696"/>
-            <a:ext cx="3722016" cy="0"/>
-          </a:xfrm>
-          <a:prstGeom prst="straightConnector1">
-            <a:avLst/>
-          </a:prstGeom>
-          <a:ln>
-            <a:headEnd type="triangle" w="med" len="med"/>
-            <a:tailEnd type="triangle" w="med" len="med"/>
-          </a:ln>
-        </p:spPr>
-        <p:style>
-          <a:lnRef idx="1">
-            <a:schemeClr val="accent1"/>
-          </a:lnRef>
-          <a:fillRef idx="0">
-            <a:schemeClr val="accent1"/>
-          </a:fillRef>
-          <a:effectRef idx="0">
-            <a:schemeClr val="accent1"/>
-          </a:effectRef>
-          <a:fontRef idx="minor">
-            <a:schemeClr val="tx1"/>
-          </a:fontRef>
-        </p:style>
-      </p:cxnSp>
-      <p:sp>
-        <p:nvSpPr>
-          <p:cNvPr id="37" name="テキスト ボックス 36"/>
-          <p:cNvSpPr txBox="1"/>
-          <p:nvPr/>
-        </p:nvSpPr>
-        <p:spPr>
-          <a:xfrm>
-            <a:off x="6700168" y="4383309"/>
-            <a:ext cx="1843774" cy="369332"/>
-          </a:xfrm>
-          <a:prstGeom prst="rect">
-            <a:avLst/>
-          </a:prstGeom>
-          <a:noFill/>
-        </p:spPr>
-        <p:txBody>
-          <a:bodyPr wrap="none" rtlCol="0">
-            <a:spAutoFit/>
-          </a:bodyPr>
-          <a:lstStyle/>
-          <a:p>
-            <a:r>
-              <a:rPr kumimoji="1" lang="en-US" altLang="ja-JP" dirty="0"/>
-              <a:t>I2C </a:t>
-            </a:r>
-            <a:r>
-              <a:rPr lang="en-US" altLang="ja-JP" dirty="0"/>
-              <a:t>read (Type)</a:t>
-            </a:r>
-            <a:endParaRPr kumimoji="1" lang="ja-JP" altLang="en-US" dirty="0"/>
-          </a:p>
-        </p:txBody>
-      </p:sp>
-      <p:cxnSp>
-        <p:nvCxnSpPr>
-          <p:cNvPr id="38" name="直線矢印コネクタ 37"/>
-          <p:cNvCxnSpPr>
-            <a:cxnSpLocks/>
-          </p:cNvCxnSpPr>
-          <p:nvPr/>
-        </p:nvCxnSpPr>
-        <p:spPr>
-          <a:xfrm flipH="1">
-            <a:off x="5784907" y="5049634"/>
-            <a:ext cx="3722016" cy="0"/>
-          </a:xfrm>
-          <a:prstGeom prst="straightConnector1">
-            <a:avLst/>
-          </a:prstGeom>
-          <a:ln>
-            <a:headEnd type="triangle" w="med" len="med"/>
-            <a:tailEnd type="triangle" w="med" len="med"/>
-          </a:ln>
-        </p:spPr>
-        <p:style>
-          <a:lnRef idx="1">
-            <a:schemeClr val="accent1"/>
-          </a:lnRef>
-          <a:fillRef idx="0">
-            <a:schemeClr val="accent1"/>
-          </a:fillRef>
-          <a:effectRef idx="0">
-            <a:schemeClr val="accent1"/>
-          </a:effectRef>
-          <a:fontRef idx="minor">
-            <a:schemeClr val="tx1"/>
-          </a:fontRef>
-        </p:style>
-      </p:cxnSp>
-      <p:sp>
-        <p:nvSpPr>
-          <p:cNvPr id="39" name="テキスト ボックス 38"/>
-          <p:cNvSpPr txBox="1"/>
-          <p:nvPr/>
-        </p:nvSpPr>
-        <p:spPr>
-          <a:xfrm>
-            <a:off x="6701736" y="4724247"/>
-            <a:ext cx="2064989" cy="369332"/>
-          </a:xfrm>
-          <a:prstGeom prst="rect">
-            <a:avLst/>
-          </a:prstGeom>
-          <a:noFill/>
-        </p:spPr>
-        <p:txBody>
-          <a:bodyPr wrap="none" rtlCol="0">
-            <a:spAutoFit/>
-          </a:bodyPr>
-          <a:lstStyle/>
-          <a:p>
-            <a:r>
-              <a:rPr kumimoji="1" lang="en-US" altLang="ja-JP" dirty="0"/>
-              <a:t>I2C </a:t>
-            </a:r>
-            <a:r>
-              <a:rPr lang="en-US" altLang="ja-JP" dirty="0"/>
-              <a:t>read (Length)</a:t>
-            </a:r>
-            <a:endParaRPr kumimoji="1" lang="ja-JP" altLang="en-US" dirty="0"/>
-          </a:p>
-        </p:txBody>
-      </p:sp>
-      <p:cxnSp>
-        <p:nvCxnSpPr>
-          <p:cNvPr id="40" name="直線矢印コネクタ 39"/>
-          <p:cNvCxnSpPr>
-            <a:cxnSpLocks/>
-          </p:cNvCxnSpPr>
-          <p:nvPr/>
-        </p:nvCxnSpPr>
-        <p:spPr>
-          <a:xfrm flipH="1">
-            <a:off x="5795902" y="5418851"/>
-            <a:ext cx="3722016" cy="0"/>
-          </a:xfrm>
-          <a:prstGeom prst="straightConnector1">
-            <a:avLst/>
-          </a:prstGeom>
-          <a:ln>
-            <a:headEnd type="triangle" w="med" len="med"/>
-            <a:tailEnd type="triangle" w="med" len="med"/>
-          </a:ln>
-        </p:spPr>
-        <p:style>
-          <a:lnRef idx="1">
-            <a:schemeClr val="accent1"/>
-          </a:lnRef>
-          <a:fillRef idx="0">
-            <a:schemeClr val="accent1"/>
-          </a:fillRef>
-          <a:effectRef idx="0">
-            <a:schemeClr val="accent1"/>
-          </a:effectRef>
-          <a:fontRef idx="minor">
-            <a:schemeClr val="tx1"/>
-          </a:fontRef>
-        </p:style>
-      </p:cxnSp>
-      <p:sp>
-        <p:nvSpPr>
-          <p:cNvPr id="41" name="テキスト ボックス 40"/>
-          <p:cNvSpPr txBox="1"/>
-          <p:nvPr/>
-        </p:nvSpPr>
-        <p:spPr>
-          <a:xfrm>
-            <a:off x="6697333" y="5121671"/>
-            <a:ext cx="2250937" cy="369332"/>
-          </a:xfrm>
-          <a:prstGeom prst="rect">
-            <a:avLst/>
-          </a:prstGeom>
-          <a:noFill/>
-        </p:spPr>
-        <p:txBody>
-          <a:bodyPr wrap="none" rtlCol="0">
-            <a:spAutoFit/>
-          </a:bodyPr>
-          <a:lstStyle/>
-          <a:p>
-            <a:r>
-              <a:rPr kumimoji="1" lang="en-US" altLang="ja-JP" dirty="0"/>
-              <a:t>I2C </a:t>
-            </a:r>
-            <a:r>
-              <a:rPr lang="en-US" altLang="ja-JP" dirty="0"/>
-              <a:t>read (Value #0)</a:t>
-            </a:r>
-            <a:endParaRPr kumimoji="1" lang="ja-JP" altLang="en-US" dirty="0"/>
-          </a:p>
-        </p:txBody>
-      </p:sp>
-      <p:cxnSp>
-        <p:nvCxnSpPr>
-          <p:cNvPr id="42" name="直線矢印コネクタ 41"/>
-          <p:cNvCxnSpPr>
-            <a:cxnSpLocks/>
-          </p:cNvCxnSpPr>
-          <p:nvPr/>
-        </p:nvCxnSpPr>
-        <p:spPr>
-          <a:xfrm flipH="1">
-            <a:off x="5783339" y="6353676"/>
-            <a:ext cx="3722016" cy="0"/>
-          </a:xfrm>
-          <a:prstGeom prst="straightConnector1">
-            <a:avLst/>
-          </a:prstGeom>
-          <a:ln>
-            <a:headEnd type="triangle" w="med" len="med"/>
-            <a:tailEnd type="triangle" w="med" len="med"/>
-          </a:ln>
-        </p:spPr>
-        <p:style>
-          <a:lnRef idx="1">
-            <a:schemeClr val="accent1"/>
-          </a:lnRef>
-          <a:fillRef idx="0">
-            <a:schemeClr val="accent1"/>
-          </a:fillRef>
-          <a:effectRef idx="0">
-            <a:schemeClr val="accent1"/>
-          </a:effectRef>
-          <a:fontRef idx="minor">
-            <a:schemeClr val="tx1"/>
-          </a:fontRef>
-        </p:style>
-      </p:cxnSp>
-      <p:sp>
-        <p:nvSpPr>
-          <p:cNvPr id="43" name="テキスト ボックス 42"/>
-          <p:cNvSpPr txBox="1"/>
-          <p:nvPr/>
-        </p:nvSpPr>
-        <p:spPr>
-          <a:xfrm>
-            <a:off x="6697332" y="6016491"/>
-            <a:ext cx="2257349" cy="369332"/>
-          </a:xfrm>
-          <a:prstGeom prst="rect">
-            <a:avLst/>
-          </a:prstGeom>
-          <a:noFill/>
-        </p:spPr>
-        <p:txBody>
-          <a:bodyPr wrap="none" rtlCol="0">
-            <a:spAutoFit/>
-          </a:bodyPr>
-          <a:lstStyle/>
-          <a:p>
-            <a:r>
-              <a:rPr kumimoji="1" lang="en-US" altLang="ja-JP" dirty="0"/>
-              <a:t>I2C </a:t>
-            </a:r>
-            <a:r>
-              <a:rPr lang="en-US" altLang="ja-JP" dirty="0"/>
-              <a:t>read (Value #n)</a:t>
-            </a:r>
-            <a:endParaRPr kumimoji="1" lang="ja-JP" altLang="en-US" dirty="0"/>
-          </a:p>
-        </p:txBody>
-      </p:sp>
-      <p:sp>
-        <p:nvSpPr>
-          <p:cNvPr id="3" name="テキスト ボックス 2"/>
-          <p:cNvSpPr txBox="1"/>
-          <p:nvPr/>
-        </p:nvSpPr>
-        <p:spPr>
-          <a:xfrm>
-            <a:off x="7484881" y="5552390"/>
-            <a:ext cx="250390" cy="369332"/>
-          </a:xfrm>
-          <a:prstGeom prst="rect">
-            <a:avLst/>
-          </a:prstGeom>
-          <a:noFill/>
-        </p:spPr>
-        <p:txBody>
-          <a:bodyPr wrap="none" rtlCol="0">
-            <a:spAutoFit/>
-          </a:bodyPr>
-          <a:lstStyle/>
-          <a:p>
-            <a:r>
-              <a:rPr kumimoji="1" lang="en-US" altLang="ja-JP" dirty="0"/>
-              <a:t>:</a:t>
-            </a:r>
-            <a:endParaRPr kumimoji="1" lang="ja-JP" altLang="en-US" dirty="0"/>
-          </a:p>
-        </p:txBody>
-      </p:sp>
-      <p:sp>
-        <p:nvSpPr>
-          <p:cNvPr id="5" name="右中かっこ 4"/>
-          <p:cNvSpPr/>
-          <p:nvPr/>
-        </p:nvSpPr>
-        <p:spPr>
-          <a:xfrm>
-            <a:off x="9553500" y="2923108"/>
-            <a:ext cx="523752" cy="1158697"/>
-          </a:xfrm>
-          <a:prstGeom prst="rightBrace">
-            <a:avLst/>
-          </a:prstGeom>
-        </p:spPr>
-        <p:style>
-          <a:lnRef idx="1">
-            <a:schemeClr val="accent1"/>
-          </a:lnRef>
-          <a:fillRef idx="0">
-            <a:schemeClr val="accent1"/>
-          </a:fillRef>
-          <a:effectRef idx="0">
-            <a:schemeClr val="accent1"/>
-          </a:effectRef>
-          <a:fontRef idx="minor">
-            <a:schemeClr val="tx1"/>
-          </a:fontRef>
-        </p:style>
-        <p:txBody>
-          <a:bodyPr rtlCol="0" anchor="ctr"/>
-          <a:lstStyle/>
-          <a:p>
-            <a:pPr algn="ctr"/>
-            <a:endParaRPr kumimoji="1" lang="ja-JP" altLang="en-US" dirty="0"/>
-          </a:p>
-        </p:txBody>
-      </p:sp>
-      <p:sp>
-        <p:nvSpPr>
-          <p:cNvPr id="45" name="右中かっこ 44"/>
-          <p:cNvSpPr/>
-          <p:nvPr/>
-        </p:nvSpPr>
-        <p:spPr>
-          <a:xfrm>
-            <a:off x="9555073" y="4348124"/>
-            <a:ext cx="523752" cy="2316627"/>
-          </a:xfrm>
-          <a:prstGeom prst="rightBrace">
-            <a:avLst/>
-          </a:prstGeom>
-        </p:spPr>
-        <p:style>
-          <a:lnRef idx="1">
-            <a:schemeClr val="accent1"/>
-          </a:lnRef>
-          <a:fillRef idx="0">
-            <a:schemeClr val="accent1"/>
-          </a:fillRef>
-          <a:effectRef idx="0">
-            <a:schemeClr val="accent1"/>
-          </a:effectRef>
-          <a:fontRef idx="minor">
-            <a:schemeClr val="tx1"/>
-          </a:fontRef>
-        </p:style>
         <p:txBody>
           <a:bodyPr rtlCol="0" anchor="ctr"/>
           <a:lstStyle/>
           <a:p>
             <a:pPr algn="ctr"/>
             <a:endParaRPr kumimoji="1" lang="ja-JP" altLang="en-US"/>
-          </a:p>
-        </p:txBody>
-      </p:sp>
-      <p:sp>
-        <p:nvSpPr>
-          <p:cNvPr id="6" name="テキスト ボックス 5"/>
-          <p:cNvSpPr txBox="1"/>
-          <p:nvPr/>
-        </p:nvSpPr>
-        <p:spPr>
-          <a:xfrm>
-            <a:off x="10126965" y="3348567"/>
-            <a:ext cx="1590500" cy="307777"/>
-          </a:xfrm>
-          <a:prstGeom prst="rect">
-            <a:avLst/>
-          </a:prstGeom>
-          <a:noFill/>
-        </p:spPr>
-        <p:txBody>
-          <a:bodyPr wrap="none" rtlCol="0">
-            <a:spAutoFit/>
-          </a:bodyPr>
-          <a:lstStyle/>
-          <a:p>
-            <a:r>
-              <a:rPr kumimoji="1" lang="en-US" altLang="ja-JP" sz="1400" dirty="0"/>
-              <a:t>50msec time slot</a:t>
-            </a:r>
-            <a:endParaRPr kumimoji="1" lang="ja-JP" altLang="en-US" sz="1400" dirty="0"/>
-          </a:p>
-        </p:txBody>
-      </p:sp>
-      <p:sp>
-        <p:nvSpPr>
-          <p:cNvPr id="46" name="テキスト ボックス 45"/>
-          <p:cNvSpPr txBox="1"/>
-          <p:nvPr/>
-        </p:nvSpPr>
-        <p:spPr>
-          <a:xfrm>
-            <a:off x="10159408" y="5352548"/>
-            <a:ext cx="1590500" cy="307777"/>
-          </a:xfrm>
-          <a:prstGeom prst="rect">
-            <a:avLst/>
-          </a:prstGeom>
-          <a:noFill/>
-        </p:spPr>
-        <p:txBody>
-          <a:bodyPr wrap="none" rtlCol="0">
-            <a:spAutoFit/>
-          </a:bodyPr>
-          <a:lstStyle/>
-          <a:p>
-            <a:r>
-              <a:rPr kumimoji="1" lang="en-US" altLang="ja-JP" sz="1400" dirty="0"/>
-              <a:t>50msec time slot</a:t>
-            </a:r>
-            <a:endParaRPr kumimoji="1" lang="ja-JP" altLang="en-US" sz="1400" dirty="0"/>
-          </a:p>
-        </p:txBody>
-      </p:sp>
-      <p:sp>
-        <p:nvSpPr>
-          <p:cNvPr id="8" name="テキスト ボックス 7"/>
-          <p:cNvSpPr txBox="1"/>
-          <p:nvPr/>
-        </p:nvSpPr>
-        <p:spPr>
-          <a:xfrm>
-            <a:off x="479336" y="3300955"/>
-            <a:ext cx="2358338" cy="307777"/>
-          </a:xfrm>
-          <a:prstGeom prst="rect">
-            <a:avLst/>
-          </a:prstGeom>
-          <a:noFill/>
-        </p:spPr>
-        <p:txBody>
-          <a:bodyPr wrap="none" rtlCol="0">
-            <a:spAutoFit/>
-          </a:bodyPr>
-          <a:lstStyle/>
-          <a:p>
-            <a:r>
-              <a:rPr kumimoji="1" lang="en-US" altLang="ja-JP" sz="1400" dirty="0"/>
-              <a:t>Must be less than 50msec</a:t>
-            </a:r>
-            <a:endParaRPr kumimoji="1" lang="ja-JP" altLang="en-US" sz="1400" dirty="0"/>
-          </a:p>
-        </p:txBody>
-      </p:sp>
-      <p:sp>
-        <p:nvSpPr>
-          <p:cNvPr id="47" name="右中かっこ 46"/>
-          <p:cNvSpPr/>
-          <p:nvPr/>
-        </p:nvSpPr>
-        <p:spPr>
-          <a:xfrm flipH="1">
-            <a:off x="2842391" y="3013122"/>
-            <a:ext cx="523752" cy="883444"/>
-          </a:xfrm>
-          <a:prstGeom prst="rightBrace">
-            <a:avLst/>
-          </a:prstGeom>
-        </p:spPr>
-        <p:style>
-          <a:lnRef idx="1">
-            <a:schemeClr val="accent1"/>
-          </a:lnRef>
-          <a:fillRef idx="0">
-            <a:schemeClr val="accent1"/>
-          </a:fillRef>
-          <a:effectRef idx="0">
-            <a:schemeClr val="accent1"/>
-          </a:effectRef>
-          <a:fontRef idx="minor">
-            <a:schemeClr val="tx1"/>
-          </a:fontRef>
-        </p:style>
-        <p:txBody>
-          <a:bodyPr rtlCol="0" anchor="ctr"/>
-          <a:lstStyle/>
-          <a:p>
-            <a:pPr algn="ctr"/>
-            <a:endParaRPr kumimoji="1" lang="ja-JP" altLang="en-US" dirty="0"/>
           </a:p>
         </p:txBody>
       </p:sp>
     </p:spTree>
     <p:extLst>
       <p:ext uri="{BB962C8B-B14F-4D97-AF65-F5344CB8AC3E}">
-        <p14:creationId xmlns:p14="http://schemas.microsoft.com/office/powerpoint/2010/main" val="4107583080"/>
+        <p14:creationId xmlns:p14="http://schemas.microsoft.com/office/powerpoint/2010/main" val="1926473127"/>
       </p:ext>
     </p:extLst>
   </p:cSld>
@@ -7847,6 +6807,1206 @@
             <p:ph type="title"/>
           </p:nvPr>
         </p:nvSpPr>
+        <p:spPr/>
+        <p:txBody>
+          <a:bodyPr/>
+          <a:lstStyle/>
+          <a:p>
+            <a:r>
+              <a:rPr kumimoji="1" lang="en-US" altLang="ja-JP" dirty="0"/>
+              <a:t>Slave with two MSSPs enabled</a:t>
+            </a:r>
+            <a:endParaRPr kumimoji="1" lang="ja-JP" altLang="en-US" dirty="0"/>
+          </a:p>
+        </p:txBody>
+      </p:sp>
+      <p:cxnSp>
+        <p:nvCxnSpPr>
+          <p:cNvPr id="4" name="直線コネクタ 3"/>
+          <p:cNvCxnSpPr/>
+          <p:nvPr/>
+        </p:nvCxnSpPr>
+        <p:spPr>
+          <a:xfrm>
+            <a:off x="9502216" y="1866508"/>
+            <a:ext cx="0" cy="4644880"/>
+          </a:xfrm>
+          <a:prstGeom prst="line">
+            <a:avLst/>
+          </a:prstGeom>
+        </p:spPr>
+        <p:style>
+          <a:lnRef idx="1">
+            <a:schemeClr val="accent1"/>
+          </a:lnRef>
+          <a:fillRef idx="0">
+            <a:schemeClr val="accent1"/>
+          </a:fillRef>
+          <a:effectRef idx="0">
+            <a:schemeClr val="accent1"/>
+          </a:effectRef>
+          <a:fontRef idx="minor">
+            <a:schemeClr val="tx1"/>
+          </a:fontRef>
+        </p:style>
+      </p:cxnSp>
+      <p:cxnSp>
+        <p:nvCxnSpPr>
+          <p:cNvPr id="7" name="直線コネクタ 6"/>
+          <p:cNvCxnSpPr/>
+          <p:nvPr/>
+        </p:nvCxnSpPr>
+        <p:spPr>
+          <a:xfrm>
+            <a:off x="5781771" y="1805964"/>
+            <a:ext cx="0" cy="4644880"/>
+          </a:xfrm>
+          <a:prstGeom prst="line">
+            <a:avLst/>
+          </a:prstGeom>
+        </p:spPr>
+        <p:style>
+          <a:lnRef idx="1">
+            <a:schemeClr val="accent1"/>
+          </a:lnRef>
+          <a:fillRef idx="0">
+            <a:schemeClr val="accent1"/>
+          </a:fillRef>
+          <a:effectRef idx="0">
+            <a:schemeClr val="accent1"/>
+          </a:effectRef>
+          <a:fontRef idx="minor">
+            <a:schemeClr val="tx1"/>
+          </a:fontRef>
+        </p:style>
+      </p:cxnSp>
+      <p:sp>
+        <p:nvSpPr>
+          <p:cNvPr id="11" name="テキスト ボックス 10"/>
+          <p:cNvSpPr txBox="1"/>
+          <p:nvPr/>
+        </p:nvSpPr>
+        <p:spPr>
+          <a:xfrm>
+            <a:off x="5462440" y="1462917"/>
+            <a:ext cx="633507" cy="307777"/>
+          </a:xfrm>
+          <a:prstGeom prst="rect">
+            <a:avLst/>
+          </a:prstGeom>
+          <a:noFill/>
+        </p:spPr>
+        <p:txBody>
+          <a:bodyPr wrap="none" rtlCol="0">
+            <a:spAutoFit/>
+          </a:bodyPr>
+          <a:lstStyle/>
+          <a:p>
+            <a:r>
+              <a:rPr kumimoji="1" lang="en-US" altLang="ja-JP" sz="1400" dirty="0"/>
+              <a:t>Slave</a:t>
+            </a:r>
+            <a:endParaRPr kumimoji="1" lang="ja-JP" altLang="en-US" sz="1400" dirty="0"/>
+          </a:p>
+        </p:txBody>
+      </p:sp>
+      <p:cxnSp>
+        <p:nvCxnSpPr>
+          <p:cNvPr id="14" name="直線矢印コネクタ 13"/>
+          <p:cNvCxnSpPr>
+            <a:cxnSpLocks/>
+          </p:cNvCxnSpPr>
+          <p:nvPr/>
+        </p:nvCxnSpPr>
+        <p:spPr>
+          <a:xfrm flipH="1">
+            <a:off x="5781771" y="2575092"/>
+            <a:ext cx="3722016" cy="0"/>
+          </a:xfrm>
+          <a:prstGeom prst="straightConnector1">
+            <a:avLst/>
+          </a:prstGeom>
+          <a:ln>
+            <a:tailEnd type="triangle"/>
+          </a:ln>
+        </p:spPr>
+        <p:style>
+          <a:lnRef idx="1">
+            <a:schemeClr val="accent1"/>
+          </a:lnRef>
+          <a:fillRef idx="0">
+            <a:schemeClr val="accent1"/>
+          </a:fillRef>
+          <a:effectRef idx="0">
+            <a:schemeClr val="accent1"/>
+          </a:effectRef>
+          <a:fontRef idx="minor">
+            <a:schemeClr val="tx1"/>
+          </a:fontRef>
+        </p:style>
+      </p:cxnSp>
+      <p:sp>
+        <p:nvSpPr>
+          <p:cNvPr id="20" name="テキスト ボックス 19"/>
+          <p:cNvSpPr txBox="1"/>
+          <p:nvPr/>
+        </p:nvSpPr>
+        <p:spPr>
+          <a:xfrm>
+            <a:off x="6716581" y="2204985"/>
+            <a:ext cx="1787669" cy="369332"/>
+          </a:xfrm>
+          <a:prstGeom prst="rect">
+            <a:avLst/>
+          </a:prstGeom>
+          <a:noFill/>
+        </p:spPr>
+        <p:txBody>
+          <a:bodyPr wrap="none" rtlCol="0">
+            <a:spAutoFit/>
+          </a:bodyPr>
+          <a:lstStyle/>
+          <a:p>
+            <a:r>
+              <a:rPr kumimoji="1" lang="en-US" altLang="ja-JP" dirty="0"/>
+              <a:t>I2C write “</a:t>
+            </a:r>
+            <a:r>
+              <a:rPr lang="en-US" altLang="ja-JP" dirty="0"/>
+              <a:t>INV</a:t>
+            </a:r>
+            <a:r>
+              <a:rPr kumimoji="1" lang="en-US" altLang="ja-JP" dirty="0"/>
+              <a:t>”</a:t>
+            </a:r>
+            <a:endParaRPr kumimoji="1" lang="ja-JP" altLang="en-US" dirty="0"/>
+          </a:p>
+        </p:txBody>
+      </p:sp>
+      <p:sp>
+        <p:nvSpPr>
+          <p:cNvPr id="21" name="テキスト ボックス 20"/>
+          <p:cNvSpPr txBox="1"/>
+          <p:nvPr/>
+        </p:nvSpPr>
+        <p:spPr>
+          <a:xfrm>
+            <a:off x="9130816" y="1498187"/>
+            <a:ext cx="771365" cy="307777"/>
+          </a:xfrm>
+          <a:prstGeom prst="rect">
+            <a:avLst/>
+          </a:prstGeom>
+          <a:noFill/>
+        </p:spPr>
+        <p:txBody>
+          <a:bodyPr wrap="none" rtlCol="0">
+            <a:spAutoFit/>
+          </a:bodyPr>
+          <a:lstStyle/>
+          <a:p>
+            <a:r>
+              <a:rPr lang="en-US" altLang="ja-JP" sz="1400" dirty="0"/>
+              <a:t>Master</a:t>
+            </a:r>
+            <a:endParaRPr kumimoji="1" lang="ja-JP" altLang="en-US" sz="1400" dirty="0"/>
+          </a:p>
+        </p:txBody>
+      </p:sp>
+      <p:cxnSp>
+        <p:nvCxnSpPr>
+          <p:cNvPr id="22" name="直線コネクタ 21"/>
+          <p:cNvCxnSpPr/>
+          <p:nvPr/>
+        </p:nvCxnSpPr>
+        <p:spPr>
+          <a:xfrm>
+            <a:off x="3426642" y="1788678"/>
+            <a:ext cx="0" cy="4644880"/>
+          </a:xfrm>
+          <a:prstGeom prst="line">
+            <a:avLst/>
+          </a:prstGeom>
+        </p:spPr>
+        <p:style>
+          <a:lnRef idx="1">
+            <a:schemeClr val="accent1"/>
+          </a:lnRef>
+          <a:fillRef idx="0">
+            <a:schemeClr val="accent1"/>
+          </a:fillRef>
+          <a:effectRef idx="0">
+            <a:schemeClr val="accent1"/>
+          </a:effectRef>
+          <a:fontRef idx="minor">
+            <a:schemeClr val="tx1"/>
+          </a:fontRef>
+        </p:style>
+      </p:cxnSp>
+      <p:cxnSp>
+        <p:nvCxnSpPr>
+          <p:cNvPr id="23" name="直線矢印コネクタ 22"/>
+          <p:cNvCxnSpPr>
+            <a:cxnSpLocks/>
+          </p:cNvCxnSpPr>
+          <p:nvPr/>
+        </p:nvCxnSpPr>
+        <p:spPr>
+          <a:xfrm flipH="1">
+            <a:off x="3426642" y="2722928"/>
+            <a:ext cx="2347272" cy="0"/>
+          </a:xfrm>
+          <a:prstGeom prst="straightConnector1">
+            <a:avLst/>
+          </a:prstGeom>
+          <a:ln>
+            <a:tailEnd type="triangle"/>
+          </a:ln>
+        </p:spPr>
+        <p:style>
+          <a:lnRef idx="1">
+            <a:schemeClr val="accent1"/>
+          </a:lnRef>
+          <a:fillRef idx="0">
+            <a:schemeClr val="accent1"/>
+          </a:fillRef>
+          <a:effectRef idx="0">
+            <a:schemeClr val="accent1"/>
+          </a:effectRef>
+          <a:fontRef idx="minor">
+            <a:schemeClr val="tx1"/>
+          </a:fontRef>
+        </p:style>
+      </p:cxnSp>
+      <p:cxnSp>
+        <p:nvCxnSpPr>
+          <p:cNvPr id="25" name="直線矢印コネクタ 24"/>
+          <p:cNvCxnSpPr>
+            <a:cxnSpLocks/>
+          </p:cNvCxnSpPr>
+          <p:nvPr/>
+        </p:nvCxnSpPr>
+        <p:spPr>
+          <a:xfrm flipH="1">
+            <a:off x="3428210" y="2875328"/>
+            <a:ext cx="2347272" cy="0"/>
+          </a:xfrm>
+          <a:prstGeom prst="straightConnector1">
+            <a:avLst/>
+          </a:prstGeom>
+          <a:ln>
+            <a:headEnd type="triangle" w="med" len="med"/>
+            <a:tailEnd type="none" w="med" len="med"/>
+          </a:ln>
+        </p:spPr>
+        <p:style>
+          <a:lnRef idx="1">
+            <a:schemeClr val="accent1"/>
+          </a:lnRef>
+          <a:fillRef idx="0">
+            <a:schemeClr val="accent1"/>
+          </a:fillRef>
+          <a:effectRef idx="0">
+            <a:schemeClr val="accent1"/>
+          </a:effectRef>
+          <a:fontRef idx="minor">
+            <a:schemeClr val="tx1"/>
+          </a:fontRef>
+        </p:style>
+      </p:cxnSp>
+      <p:cxnSp>
+        <p:nvCxnSpPr>
+          <p:cNvPr id="26" name="直線矢印コネクタ 25"/>
+          <p:cNvCxnSpPr>
+            <a:cxnSpLocks/>
+          </p:cNvCxnSpPr>
+          <p:nvPr/>
+        </p:nvCxnSpPr>
+        <p:spPr>
+          <a:xfrm flipH="1">
+            <a:off x="3418787" y="3054435"/>
+            <a:ext cx="2347272" cy="0"/>
+          </a:xfrm>
+          <a:prstGeom prst="straightConnector1">
+            <a:avLst/>
+          </a:prstGeom>
+          <a:ln>
+            <a:tailEnd type="triangle"/>
+          </a:ln>
+        </p:spPr>
+        <p:style>
+          <a:lnRef idx="1">
+            <a:schemeClr val="accent1"/>
+          </a:lnRef>
+          <a:fillRef idx="0">
+            <a:schemeClr val="accent1"/>
+          </a:fillRef>
+          <a:effectRef idx="0">
+            <a:schemeClr val="accent1"/>
+          </a:effectRef>
+          <a:fontRef idx="minor">
+            <a:schemeClr val="tx1"/>
+          </a:fontRef>
+        </p:style>
+      </p:cxnSp>
+      <p:cxnSp>
+        <p:nvCxnSpPr>
+          <p:cNvPr id="27" name="直線矢印コネクタ 26"/>
+          <p:cNvCxnSpPr>
+            <a:cxnSpLocks/>
+          </p:cNvCxnSpPr>
+          <p:nvPr/>
+        </p:nvCxnSpPr>
+        <p:spPr>
+          <a:xfrm flipH="1">
+            <a:off x="3429782" y="3206835"/>
+            <a:ext cx="2347272" cy="0"/>
+          </a:xfrm>
+          <a:prstGeom prst="straightConnector1">
+            <a:avLst/>
+          </a:prstGeom>
+          <a:ln>
+            <a:headEnd type="triangle" w="med" len="med"/>
+            <a:tailEnd type="none" w="med" len="med"/>
+          </a:ln>
+        </p:spPr>
+        <p:style>
+          <a:lnRef idx="1">
+            <a:schemeClr val="accent1"/>
+          </a:lnRef>
+          <a:fillRef idx="0">
+            <a:schemeClr val="accent1"/>
+          </a:fillRef>
+          <a:effectRef idx="0">
+            <a:schemeClr val="accent1"/>
+          </a:effectRef>
+          <a:fontRef idx="minor">
+            <a:schemeClr val="tx1"/>
+          </a:fontRef>
+        </p:style>
+      </p:cxnSp>
+      <p:cxnSp>
+        <p:nvCxnSpPr>
+          <p:cNvPr id="28" name="直線矢印コネクタ 27"/>
+          <p:cNvCxnSpPr>
+            <a:cxnSpLocks/>
+          </p:cNvCxnSpPr>
+          <p:nvPr/>
+        </p:nvCxnSpPr>
+        <p:spPr>
+          <a:xfrm flipH="1">
+            <a:off x="3420359" y="3367092"/>
+            <a:ext cx="2347272" cy="0"/>
+          </a:xfrm>
+          <a:prstGeom prst="straightConnector1">
+            <a:avLst/>
+          </a:prstGeom>
+          <a:ln>
+            <a:tailEnd type="triangle"/>
+          </a:ln>
+        </p:spPr>
+        <p:style>
+          <a:lnRef idx="1">
+            <a:schemeClr val="accent1"/>
+          </a:lnRef>
+          <a:fillRef idx="0">
+            <a:schemeClr val="accent1"/>
+          </a:fillRef>
+          <a:effectRef idx="0">
+            <a:schemeClr val="accent1"/>
+          </a:effectRef>
+          <a:fontRef idx="minor">
+            <a:schemeClr val="tx1"/>
+          </a:fontRef>
+        </p:style>
+      </p:cxnSp>
+      <p:cxnSp>
+        <p:nvCxnSpPr>
+          <p:cNvPr id="29" name="直線矢印コネクタ 28"/>
+          <p:cNvCxnSpPr>
+            <a:cxnSpLocks/>
+          </p:cNvCxnSpPr>
+          <p:nvPr/>
+        </p:nvCxnSpPr>
+        <p:spPr>
+          <a:xfrm flipH="1">
+            <a:off x="3431354" y="3519492"/>
+            <a:ext cx="2347272" cy="0"/>
+          </a:xfrm>
+          <a:prstGeom prst="straightConnector1">
+            <a:avLst/>
+          </a:prstGeom>
+          <a:ln>
+            <a:headEnd type="triangle" w="med" len="med"/>
+            <a:tailEnd type="none" w="med" len="med"/>
+          </a:ln>
+        </p:spPr>
+        <p:style>
+          <a:lnRef idx="1">
+            <a:schemeClr val="accent1"/>
+          </a:lnRef>
+          <a:fillRef idx="0">
+            <a:schemeClr val="accent1"/>
+          </a:fillRef>
+          <a:effectRef idx="0">
+            <a:schemeClr val="accent1"/>
+          </a:effectRef>
+          <a:fontRef idx="minor">
+            <a:schemeClr val="tx1"/>
+          </a:fontRef>
+        </p:style>
+      </p:cxnSp>
+      <p:sp>
+        <p:nvSpPr>
+          <p:cNvPr id="31" name="テキスト ボックス 30"/>
+          <p:cNvSpPr txBox="1"/>
+          <p:nvPr/>
+        </p:nvSpPr>
+        <p:spPr>
+          <a:xfrm>
+            <a:off x="2672353" y="1498186"/>
+            <a:ext cx="1750800" cy="307777"/>
+          </a:xfrm>
+          <a:prstGeom prst="rect">
+            <a:avLst/>
+          </a:prstGeom>
+          <a:noFill/>
+        </p:spPr>
+        <p:txBody>
+          <a:bodyPr wrap="none" rtlCol="0">
+            <a:spAutoFit/>
+          </a:bodyPr>
+          <a:lstStyle/>
+          <a:p>
+            <a:r>
+              <a:rPr lang="en-US" altLang="ja-JP" sz="1400" dirty="0"/>
+              <a:t>Another I2C device</a:t>
+            </a:r>
+            <a:endParaRPr kumimoji="1" lang="ja-JP" altLang="en-US" sz="1400" dirty="0"/>
+          </a:p>
+        </p:txBody>
+      </p:sp>
+      <p:sp>
+        <p:nvSpPr>
+          <p:cNvPr id="32" name="テキスト ボックス 31"/>
+          <p:cNvSpPr txBox="1"/>
+          <p:nvPr/>
+        </p:nvSpPr>
+        <p:spPr>
+          <a:xfrm>
+            <a:off x="4328883" y="2413263"/>
+            <a:ext cx="537327" cy="369332"/>
+          </a:xfrm>
+          <a:prstGeom prst="rect">
+            <a:avLst/>
+          </a:prstGeom>
+          <a:noFill/>
+        </p:spPr>
+        <p:txBody>
+          <a:bodyPr wrap="none" rtlCol="0">
+            <a:spAutoFit/>
+          </a:bodyPr>
+          <a:lstStyle/>
+          <a:p>
+            <a:r>
+              <a:rPr lang="en-US" altLang="ja-JP"/>
+              <a:t>I2C</a:t>
+            </a:r>
+            <a:endParaRPr kumimoji="1" lang="ja-JP" altLang="en-US" dirty="0"/>
+          </a:p>
+        </p:txBody>
+      </p:sp>
+      <p:sp>
+        <p:nvSpPr>
+          <p:cNvPr id="33" name="テキスト ボックス 32"/>
+          <p:cNvSpPr txBox="1"/>
+          <p:nvPr/>
+        </p:nvSpPr>
+        <p:spPr>
+          <a:xfrm>
+            <a:off x="4596723" y="1818678"/>
+            <a:ext cx="1223412" cy="523220"/>
+          </a:xfrm>
+          <a:prstGeom prst="rect">
+            <a:avLst/>
+          </a:prstGeom>
+          <a:noFill/>
+        </p:spPr>
+        <p:txBody>
+          <a:bodyPr wrap="none" rtlCol="0">
+            <a:spAutoFit/>
+          </a:bodyPr>
+          <a:lstStyle/>
+          <a:p>
+            <a:r>
+              <a:rPr kumimoji="1" lang="en-US" altLang="ja-JP" sz="1400" dirty="0"/>
+              <a:t>MSSP2</a:t>
+            </a:r>
+          </a:p>
+          <a:p>
+            <a:r>
+              <a:rPr lang="en-US" altLang="ja-JP" sz="1400" dirty="0"/>
+              <a:t>(I2C master)</a:t>
+            </a:r>
+            <a:endParaRPr kumimoji="1" lang="ja-JP" altLang="en-US" sz="1400" dirty="0"/>
+          </a:p>
+        </p:txBody>
+      </p:sp>
+      <p:sp>
+        <p:nvSpPr>
+          <p:cNvPr id="35" name="テキスト ボックス 34"/>
+          <p:cNvSpPr txBox="1"/>
+          <p:nvPr/>
+        </p:nvSpPr>
+        <p:spPr>
+          <a:xfrm>
+            <a:off x="5784845" y="1809504"/>
+            <a:ext cx="1075936" cy="523220"/>
+          </a:xfrm>
+          <a:prstGeom prst="rect">
+            <a:avLst/>
+          </a:prstGeom>
+          <a:noFill/>
+        </p:spPr>
+        <p:txBody>
+          <a:bodyPr wrap="none" rtlCol="0">
+            <a:spAutoFit/>
+          </a:bodyPr>
+          <a:lstStyle/>
+          <a:p>
+            <a:r>
+              <a:rPr kumimoji="1" lang="en-US" altLang="ja-JP" sz="1400" dirty="0"/>
+              <a:t>MSSP1</a:t>
+            </a:r>
+          </a:p>
+          <a:p>
+            <a:r>
+              <a:rPr lang="en-US" altLang="ja-JP" sz="1400" dirty="0"/>
+              <a:t>(I2C slave)</a:t>
+            </a:r>
+            <a:endParaRPr kumimoji="1" lang="ja-JP" altLang="en-US" sz="1400" dirty="0"/>
+          </a:p>
+        </p:txBody>
+      </p:sp>
+      <p:cxnSp>
+        <p:nvCxnSpPr>
+          <p:cNvPr id="24" name="直線矢印コネクタ 23"/>
+          <p:cNvCxnSpPr>
+            <a:cxnSpLocks/>
+          </p:cNvCxnSpPr>
+          <p:nvPr/>
+        </p:nvCxnSpPr>
+        <p:spPr>
+          <a:xfrm flipH="1">
+            <a:off x="5781771" y="4414893"/>
+            <a:ext cx="3722016" cy="0"/>
+          </a:xfrm>
+          <a:prstGeom prst="straightConnector1">
+            <a:avLst/>
+          </a:prstGeom>
+          <a:ln>
+            <a:tailEnd type="triangle"/>
+          </a:ln>
+        </p:spPr>
+        <p:style>
+          <a:lnRef idx="1">
+            <a:schemeClr val="accent1"/>
+          </a:lnRef>
+          <a:fillRef idx="0">
+            <a:schemeClr val="accent1"/>
+          </a:fillRef>
+          <a:effectRef idx="0">
+            <a:schemeClr val="accent1"/>
+          </a:effectRef>
+          <a:fontRef idx="minor">
+            <a:schemeClr val="tx1"/>
+          </a:fontRef>
+        </p:style>
+      </p:cxnSp>
+      <p:sp>
+        <p:nvSpPr>
+          <p:cNvPr id="34" name="テキスト ボックス 33"/>
+          <p:cNvSpPr txBox="1"/>
+          <p:nvPr/>
+        </p:nvSpPr>
+        <p:spPr>
+          <a:xfrm>
+            <a:off x="6697333" y="4049438"/>
+            <a:ext cx="1858201" cy="369332"/>
+          </a:xfrm>
+          <a:prstGeom prst="rect">
+            <a:avLst/>
+          </a:prstGeom>
+          <a:noFill/>
+        </p:spPr>
+        <p:txBody>
+          <a:bodyPr wrap="none" rtlCol="0">
+            <a:spAutoFit/>
+          </a:bodyPr>
+          <a:lstStyle/>
+          <a:p>
+            <a:r>
+              <a:rPr kumimoji="1" lang="en-US" altLang="ja-JP" dirty="0"/>
+              <a:t>I2C write “SEN”</a:t>
+            </a:r>
+            <a:endParaRPr kumimoji="1" lang="ja-JP" altLang="en-US" dirty="0"/>
+          </a:p>
+        </p:txBody>
+      </p:sp>
+      <p:cxnSp>
+        <p:nvCxnSpPr>
+          <p:cNvPr id="36" name="直線矢印コネクタ 35"/>
+          <p:cNvCxnSpPr>
+            <a:cxnSpLocks/>
+          </p:cNvCxnSpPr>
+          <p:nvPr/>
+        </p:nvCxnSpPr>
+        <p:spPr>
+          <a:xfrm flipH="1">
+            <a:off x="5792766" y="4774685"/>
+            <a:ext cx="3722016" cy="0"/>
+          </a:xfrm>
+          <a:prstGeom prst="straightConnector1">
+            <a:avLst/>
+          </a:prstGeom>
+          <a:ln>
+            <a:headEnd type="triangle" w="med" len="med"/>
+            <a:tailEnd type="triangle" w="med" len="med"/>
+          </a:ln>
+        </p:spPr>
+        <p:style>
+          <a:lnRef idx="1">
+            <a:schemeClr val="accent1"/>
+          </a:lnRef>
+          <a:fillRef idx="0">
+            <a:schemeClr val="accent1"/>
+          </a:fillRef>
+          <a:effectRef idx="0">
+            <a:schemeClr val="accent1"/>
+          </a:effectRef>
+          <a:fontRef idx="minor">
+            <a:schemeClr val="tx1"/>
+          </a:fontRef>
+        </p:style>
+      </p:cxnSp>
+      <p:sp>
+        <p:nvSpPr>
+          <p:cNvPr id="37" name="テキスト ボックス 36"/>
+          <p:cNvSpPr txBox="1"/>
+          <p:nvPr/>
+        </p:nvSpPr>
+        <p:spPr>
+          <a:xfrm>
+            <a:off x="6700168" y="4449298"/>
+            <a:ext cx="1843774" cy="369332"/>
+          </a:xfrm>
+          <a:prstGeom prst="rect">
+            <a:avLst/>
+          </a:prstGeom>
+          <a:noFill/>
+        </p:spPr>
+        <p:txBody>
+          <a:bodyPr wrap="none" rtlCol="0">
+            <a:spAutoFit/>
+          </a:bodyPr>
+          <a:lstStyle/>
+          <a:p>
+            <a:r>
+              <a:rPr kumimoji="1" lang="en-US" altLang="ja-JP" dirty="0"/>
+              <a:t>I2C </a:t>
+            </a:r>
+            <a:r>
+              <a:rPr lang="en-US" altLang="ja-JP" dirty="0"/>
+              <a:t>read (Type)</a:t>
+            </a:r>
+            <a:endParaRPr kumimoji="1" lang="ja-JP" altLang="en-US" dirty="0"/>
+          </a:p>
+        </p:txBody>
+      </p:sp>
+      <p:cxnSp>
+        <p:nvCxnSpPr>
+          <p:cNvPr id="38" name="直線矢印コネクタ 37"/>
+          <p:cNvCxnSpPr>
+            <a:cxnSpLocks/>
+          </p:cNvCxnSpPr>
+          <p:nvPr/>
+        </p:nvCxnSpPr>
+        <p:spPr>
+          <a:xfrm flipH="1">
+            <a:off x="5784907" y="5115623"/>
+            <a:ext cx="3722016" cy="0"/>
+          </a:xfrm>
+          <a:prstGeom prst="straightConnector1">
+            <a:avLst/>
+          </a:prstGeom>
+          <a:ln>
+            <a:headEnd type="triangle" w="med" len="med"/>
+            <a:tailEnd type="triangle" w="med" len="med"/>
+          </a:ln>
+        </p:spPr>
+        <p:style>
+          <a:lnRef idx="1">
+            <a:schemeClr val="accent1"/>
+          </a:lnRef>
+          <a:fillRef idx="0">
+            <a:schemeClr val="accent1"/>
+          </a:fillRef>
+          <a:effectRef idx="0">
+            <a:schemeClr val="accent1"/>
+          </a:effectRef>
+          <a:fontRef idx="minor">
+            <a:schemeClr val="tx1"/>
+          </a:fontRef>
+        </p:style>
+      </p:cxnSp>
+      <p:sp>
+        <p:nvSpPr>
+          <p:cNvPr id="39" name="テキスト ボックス 38"/>
+          <p:cNvSpPr txBox="1"/>
+          <p:nvPr/>
+        </p:nvSpPr>
+        <p:spPr>
+          <a:xfrm>
+            <a:off x="6701736" y="4790236"/>
+            <a:ext cx="2064989" cy="369332"/>
+          </a:xfrm>
+          <a:prstGeom prst="rect">
+            <a:avLst/>
+          </a:prstGeom>
+          <a:noFill/>
+        </p:spPr>
+        <p:txBody>
+          <a:bodyPr wrap="none" rtlCol="0">
+            <a:spAutoFit/>
+          </a:bodyPr>
+          <a:lstStyle/>
+          <a:p>
+            <a:r>
+              <a:rPr kumimoji="1" lang="en-US" altLang="ja-JP" dirty="0"/>
+              <a:t>I2C </a:t>
+            </a:r>
+            <a:r>
+              <a:rPr lang="en-US" altLang="ja-JP" dirty="0"/>
+              <a:t>read (Length)</a:t>
+            </a:r>
+            <a:endParaRPr kumimoji="1" lang="ja-JP" altLang="en-US" dirty="0"/>
+          </a:p>
+        </p:txBody>
+      </p:sp>
+      <p:cxnSp>
+        <p:nvCxnSpPr>
+          <p:cNvPr id="40" name="直線矢印コネクタ 39"/>
+          <p:cNvCxnSpPr>
+            <a:cxnSpLocks/>
+          </p:cNvCxnSpPr>
+          <p:nvPr/>
+        </p:nvCxnSpPr>
+        <p:spPr>
+          <a:xfrm flipH="1">
+            <a:off x="5795902" y="5484840"/>
+            <a:ext cx="3722016" cy="0"/>
+          </a:xfrm>
+          <a:prstGeom prst="straightConnector1">
+            <a:avLst/>
+          </a:prstGeom>
+          <a:ln>
+            <a:headEnd type="triangle" w="med" len="med"/>
+            <a:tailEnd type="triangle" w="med" len="med"/>
+          </a:ln>
+        </p:spPr>
+        <p:style>
+          <a:lnRef idx="1">
+            <a:schemeClr val="accent1"/>
+          </a:lnRef>
+          <a:fillRef idx="0">
+            <a:schemeClr val="accent1"/>
+          </a:fillRef>
+          <a:effectRef idx="0">
+            <a:schemeClr val="accent1"/>
+          </a:effectRef>
+          <a:fontRef idx="minor">
+            <a:schemeClr val="tx1"/>
+          </a:fontRef>
+        </p:style>
+      </p:cxnSp>
+      <p:sp>
+        <p:nvSpPr>
+          <p:cNvPr id="41" name="テキスト ボックス 40"/>
+          <p:cNvSpPr txBox="1"/>
+          <p:nvPr/>
+        </p:nvSpPr>
+        <p:spPr>
+          <a:xfrm>
+            <a:off x="6697333" y="5187660"/>
+            <a:ext cx="2250937" cy="369332"/>
+          </a:xfrm>
+          <a:prstGeom prst="rect">
+            <a:avLst/>
+          </a:prstGeom>
+          <a:noFill/>
+        </p:spPr>
+        <p:txBody>
+          <a:bodyPr wrap="none" rtlCol="0">
+            <a:spAutoFit/>
+          </a:bodyPr>
+          <a:lstStyle/>
+          <a:p>
+            <a:r>
+              <a:rPr kumimoji="1" lang="en-US" altLang="ja-JP" dirty="0"/>
+              <a:t>I2C </a:t>
+            </a:r>
+            <a:r>
+              <a:rPr lang="en-US" altLang="ja-JP" dirty="0"/>
+              <a:t>read (Value #0)</a:t>
+            </a:r>
+            <a:endParaRPr kumimoji="1" lang="ja-JP" altLang="en-US" dirty="0"/>
+          </a:p>
+        </p:txBody>
+      </p:sp>
+      <p:cxnSp>
+        <p:nvCxnSpPr>
+          <p:cNvPr id="42" name="直線矢印コネクタ 41"/>
+          <p:cNvCxnSpPr>
+            <a:cxnSpLocks/>
+          </p:cNvCxnSpPr>
+          <p:nvPr/>
+        </p:nvCxnSpPr>
+        <p:spPr>
+          <a:xfrm flipH="1">
+            <a:off x="5783339" y="6419665"/>
+            <a:ext cx="3722016" cy="0"/>
+          </a:xfrm>
+          <a:prstGeom prst="straightConnector1">
+            <a:avLst/>
+          </a:prstGeom>
+          <a:ln>
+            <a:headEnd type="triangle" w="med" len="med"/>
+            <a:tailEnd type="triangle" w="med" len="med"/>
+          </a:ln>
+        </p:spPr>
+        <p:style>
+          <a:lnRef idx="1">
+            <a:schemeClr val="accent1"/>
+          </a:lnRef>
+          <a:fillRef idx="0">
+            <a:schemeClr val="accent1"/>
+          </a:fillRef>
+          <a:effectRef idx="0">
+            <a:schemeClr val="accent1"/>
+          </a:effectRef>
+          <a:fontRef idx="minor">
+            <a:schemeClr val="tx1"/>
+          </a:fontRef>
+        </p:style>
+      </p:cxnSp>
+      <p:sp>
+        <p:nvSpPr>
+          <p:cNvPr id="43" name="テキスト ボックス 42"/>
+          <p:cNvSpPr txBox="1"/>
+          <p:nvPr/>
+        </p:nvSpPr>
+        <p:spPr>
+          <a:xfrm>
+            <a:off x="6697332" y="6082480"/>
+            <a:ext cx="2257349" cy="369332"/>
+          </a:xfrm>
+          <a:prstGeom prst="rect">
+            <a:avLst/>
+          </a:prstGeom>
+          <a:noFill/>
+        </p:spPr>
+        <p:txBody>
+          <a:bodyPr wrap="none" rtlCol="0">
+            <a:spAutoFit/>
+          </a:bodyPr>
+          <a:lstStyle/>
+          <a:p>
+            <a:r>
+              <a:rPr kumimoji="1" lang="en-US" altLang="ja-JP" dirty="0"/>
+              <a:t>I2C </a:t>
+            </a:r>
+            <a:r>
+              <a:rPr lang="en-US" altLang="ja-JP" dirty="0"/>
+              <a:t>read (Value #n)</a:t>
+            </a:r>
+            <a:endParaRPr kumimoji="1" lang="ja-JP" altLang="en-US" dirty="0"/>
+          </a:p>
+        </p:txBody>
+      </p:sp>
+      <p:sp>
+        <p:nvSpPr>
+          <p:cNvPr id="3" name="テキスト ボックス 2"/>
+          <p:cNvSpPr txBox="1"/>
+          <p:nvPr/>
+        </p:nvSpPr>
+        <p:spPr>
+          <a:xfrm>
+            <a:off x="7484881" y="5618379"/>
+            <a:ext cx="250390" cy="369332"/>
+          </a:xfrm>
+          <a:prstGeom prst="rect">
+            <a:avLst/>
+          </a:prstGeom>
+          <a:noFill/>
+        </p:spPr>
+        <p:txBody>
+          <a:bodyPr wrap="none" rtlCol="0">
+            <a:spAutoFit/>
+          </a:bodyPr>
+          <a:lstStyle/>
+          <a:p>
+            <a:r>
+              <a:rPr kumimoji="1" lang="en-US" altLang="ja-JP" dirty="0"/>
+              <a:t>:</a:t>
+            </a:r>
+            <a:endParaRPr kumimoji="1" lang="ja-JP" altLang="en-US" dirty="0"/>
+          </a:p>
+        </p:txBody>
+      </p:sp>
+      <p:sp>
+        <p:nvSpPr>
+          <p:cNvPr id="5" name="右中かっこ 4"/>
+          <p:cNvSpPr/>
+          <p:nvPr/>
+        </p:nvSpPr>
+        <p:spPr>
+          <a:xfrm>
+            <a:off x="9553500" y="2574316"/>
+            <a:ext cx="523752" cy="480119"/>
+          </a:xfrm>
+          <a:prstGeom prst="rightBrace">
+            <a:avLst/>
+          </a:prstGeom>
+        </p:spPr>
+        <p:style>
+          <a:lnRef idx="1">
+            <a:schemeClr val="accent1"/>
+          </a:lnRef>
+          <a:fillRef idx="0">
+            <a:schemeClr val="accent1"/>
+          </a:fillRef>
+          <a:effectRef idx="0">
+            <a:schemeClr val="accent1"/>
+          </a:effectRef>
+          <a:fontRef idx="minor">
+            <a:schemeClr val="tx1"/>
+          </a:fontRef>
+        </p:style>
+        <p:txBody>
+          <a:bodyPr rtlCol="0" anchor="ctr"/>
+          <a:lstStyle/>
+          <a:p>
+            <a:pPr algn="ctr"/>
+            <a:endParaRPr kumimoji="1" lang="ja-JP" altLang="en-US" dirty="0"/>
+          </a:p>
+        </p:txBody>
+      </p:sp>
+      <p:sp>
+        <p:nvSpPr>
+          <p:cNvPr id="45" name="右中かっこ 44"/>
+          <p:cNvSpPr/>
+          <p:nvPr/>
+        </p:nvSpPr>
+        <p:spPr>
+          <a:xfrm>
+            <a:off x="9555073" y="4414113"/>
+            <a:ext cx="523752" cy="2316627"/>
+          </a:xfrm>
+          <a:prstGeom prst="rightBrace">
+            <a:avLst/>
+          </a:prstGeom>
+        </p:spPr>
+        <p:style>
+          <a:lnRef idx="1">
+            <a:schemeClr val="accent1"/>
+          </a:lnRef>
+          <a:fillRef idx="0">
+            <a:schemeClr val="accent1"/>
+          </a:fillRef>
+          <a:effectRef idx="0">
+            <a:schemeClr val="accent1"/>
+          </a:effectRef>
+          <a:fontRef idx="minor">
+            <a:schemeClr val="tx1"/>
+          </a:fontRef>
+        </p:style>
+        <p:txBody>
+          <a:bodyPr rtlCol="0" anchor="ctr"/>
+          <a:lstStyle/>
+          <a:p>
+            <a:pPr algn="ctr"/>
+            <a:endParaRPr kumimoji="1" lang="ja-JP" altLang="en-US"/>
+          </a:p>
+        </p:txBody>
+      </p:sp>
+      <p:sp>
+        <p:nvSpPr>
+          <p:cNvPr id="6" name="テキスト ボックス 5"/>
+          <p:cNvSpPr txBox="1"/>
+          <p:nvPr/>
+        </p:nvSpPr>
+        <p:spPr>
+          <a:xfrm>
+            <a:off x="10126965" y="2679262"/>
+            <a:ext cx="1842171" cy="307777"/>
+          </a:xfrm>
+          <a:prstGeom prst="rect">
+            <a:avLst/>
+          </a:prstGeom>
+          <a:noFill/>
+        </p:spPr>
+        <p:txBody>
+          <a:bodyPr wrap="none" rtlCol="0">
+            <a:spAutoFit/>
+          </a:bodyPr>
+          <a:lstStyle/>
+          <a:p>
+            <a:r>
+              <a:rPr kumimoji="1" lang="en-US" altLang="ja-JP" sz="1400" dirty="0"/>
+              <a:t>50msec time slot 3a</a:t>
+            </a:r>
+            <a:endParaRPr kumimoji="1" lang="ja-JP" altLang="en-US" sz="1400" dirty="0"/>
+          </a:p>
+        </p:txBody>
+      </p:sp>
+      <p:sp>
+        <p:nvSpPr>
+          <p:cNvPr id="46" name="テキスト ボックス 45"/>
+          <p:cNvSpPr txBox="1"/>
+          <p:nvPr/>
+        </p:nvSpPr>
+        <p:spPr>
+          <a:xfrm>
+            <a:off x="10159408" y="5418537"/>
+            <a:ext cx="1845377" cy="307777"/>
+          </a:xfrm>
+          <a:prstGeom prst="rect">
+            <a:avLst/>
+          </a:prstGeom>
+          <a:noFill/>
+        </p:spPr>
+        <p:txBody>
+          <a:bodyPr wrap="none" rtlCol="0">
+            <a:spAutoFit/>
+          </a:bodyPr>
+          <a:lstStyle/>
+          <a:p>
+            <a:r>
+              <a:rPr kumimoji="1" lang="en-US" altLang="ja-JP" sz="1400" dirty="0"/>
+              <a:t>50msec time slot 3b</a:t>
+            </a:r>
+            <a:endParaRPr kumimoji="1" lang="ja-JP" altLang="en-US" sz="1400" dirty="0"/>
+          </a:p>
+        </p:txBody>
+      </p:sp>
+      <p:sp>
+        <p:nvSpPr>
+          <p:cNvPr id="47" name="右中かっこ 46"/>
+          <p:cNvSpPr/>
+          <p:nvPr/>
+        </p:nvSpPr>
+        <p:spPr>
+          <a:xfrm flipH="1">
+            <a:off x="2842391" y="2664330"/>
+            <a:ext cx="523752" cy="883444"/>
+          </a:xfrm>
+          <a:prstGeom prst="rightBrace">
+            <a:avLst/>
+          </a:prstGeom>
+        </p:spPr>
+        <p:style>
+          <a:lnRef idx="1">
+            <a:schemeClr val="accent1"/>
+          </a:lnRef>
+          <a:fillRef idx="0">
+            <a:schemeClr val="accent1"/>
+          </a:fillRef>
+          <a:effectRef idx="0">
+            <a:schemeClr val="accent1"/>
+          </a:effectRef>
+          <a:fontRef idx="minor">
+            <a:schemeClr val="tx1"/>
+          </a:fontRef>
+        </p:style>
+        <p:txBody>
+          <a:bodyPr rtlCol="0" anchor="ctr"/>
+          <a:lstStyle/>
+          <a:p>
+            <a:pPr algn="ctr"/>
+            <a:endParaRPr kumimoji="1" lang="ja-JP" altLang="en-US" dirty="0"/>
+          </a:p>
+        </p:txBody>
+      </p:sp>
+      <p:sp>
+        <p:nvSpPr>
+          <p:cNvPr id="12" name="テキスト ボックス 11"/>
+          <p:cNvSpPr txBox="1"/>
+          <p:nvPr/>
+        </p:nvSpPr>
+        <p:spPr>
+          <a:xfrm>
+            <a:off x="9619330" y="3469062"/>
+            <a:ext cx="45719" cy="369332"/>
+          </a:xfrm>
+          <a:prstGeom prst="rect">
+            <a:avLst/>
+          </a:prstGeom>
+          <a:noFill/>
+        </p:spPr>
+        <p:txBody>
+          <a:bodyPr wrap="square" rtlCol="0">
+            <a:spAutoFit/>
+          </a:bodyPr>
+          <a:lstStyle/>
+          <a:p>
+            <a:r>
+              <a:rPr kumimoji="1" lang="en-US" altLang="ja-JP" dirty="0"/>
+              <a:t>:</a:t>
+            </a:r>
+            <a:endParaRPr kumimoji="1" lang="ja-JP" altLang="en-US" dirty="0"/>
+          </a:p>
+        </p:txBody>
+      </p:sp>
+    </p:spTree>
+    <p:extLst>
+      <p:ext uri="{BB962C8B-B14F-4D97-AF65-F5344CB8AC3E}">
+        <p14:creationId xmlns:p14="http://schemas.microsoft.com/office/powerpoint/2010/main" val="4107583080"/>
+      </p:ext>
+    </p:extLst>
+  </p:cSld>
+  <p:clrMapOvr>
+    <a:masterClrMapping/>
+  </p:clrMapOvr>
+</p:sld>
+</file>
+
+<file path=ppt/slides/slide7.xml><?xml version="1.0" encoding="utf-8"?>
+<p:sld xmlns:a="http://schemas.openxmlformats.org/drawingml/2006/main" xmlns:r="http://schemas.openxmlformats.org/officeDocument/2006/relationships" xmlns:p="http://schemas.openxmlformats.org/presentationml/2006/main">
+  <p:cSld>
+    <p:spTree>
+      <p:nvGrpSpPr>
+        <p:cNvPr id="1" name=""/>
+        <p:cNvGrpSpPr/>
+        <p:nvPr/>
+      </p:nvGrpSpPr>
+      <p:grpSpPr>
+        <a:xfrm>
+          <a:off x="0" y="0"/>
+          <a:ext cx="0" cy="0"/>
+          <a:chOff x="0" y="0"/>
+          <a:chExt cx="0" cy="0"/>
+        </a:xfrm>
+      </p:grpSpPr>
+      <p:sp>
+        <p:nvSpPr>
+          <p:cNvPr id="2" name="タイトル 1"/>
+          <p:cNvSpPr>
+            <a:spLocks noGrp="1"/>
+          </p:cNvSpPr>
+          <p:nvPr>
+            <p:ph type="title"/>
+          </p:nvPr>
+        </p:nvSpPr>
         <p:spPr>
           <a:xfrm>
             <a:off x="841342" y="355698"/>
@@ -8314,20 +8474,20 @@
       </p:cxnSp>
       <p:graphicFrame>
         <p:nvGraphicFramePr>
-          <p:cNvPr id="30" name="表 29"/>
+          <p:cNvPr id="20" name="表 19"/>
           <p:cNvGraphicFramePr>
             <a:graphicFrameLocks noGrp="1"/>
           </p:cNvGraphicFramePr>
           <p:nvPr>
             <p:extLst>
               <p:ext uri="{D42A27DB-BD31-4B8C-83A1-F6EECF244321}">
-                <p14:modId xmlns:p14="http://schemas.microsoft.com/office/powerpoint/2010/main" val="205637426"/>
+                <p14:modId xmlns:p14="http://schemas.microsoft.com/office/powerpoint/2010/main" val="3270859472"/>
               </p:ext>
             </p:extLst>
           </p:nvPr>
         </p:nvGraphicFramePr>
         <p:xfrm>
-          <a:off x="841342" y="1461158"/>
+          <a:off x="839869" y="1442303"/>
           <a:ext cx="2002450" cy="5196840"/>
         </p:xfrm>
         <a:graphic>
@@ -8525,7 +8685,7 @@
                     <a:p>
                       <a:r>
                         <a:rPr kumimoji="1" lang="en-US" altLang="ja-JP" sz="1100" dirty="0"/>
-                        <a:t>#3b</a:t>
+                        <a:t>#8b</a:t>
                       </a:r>
                       <a:endParaRPr kumimoji="1" lang="ja-JP" altLang="en-US" sz="1100" dirty="0"/>
                     </a:p>
@@ -8609,7 +8769,7 @@
                     <a:p>
                       <a:r>
                         <a:rPr kumimoji="1" lang="en-US" altLang="ja-JP" sz="1100" dirty="0"/>
-                        <a:t>#4b</a:t>
+                        <a:t>#9b</a:t>
                       </a:r>
                       <a:endParaRPr kumimoji="1" lang="ja-JP" altLang="en-US" sz="1100" dirty="0"/>
                     </a:p>
@@ -8685,7 +8845,7 @@
                   </a:ext>
                 </a:extLst>
               </a:tr>
-              <a:tr h="230014">
+              <a:tr h="259080">
                 <a:tc>
                   <a:txBody>
                     <a:bodyPr/>
@@ -8693,7 +8853,7 @@
                     <a:p>
                       <a:r>
                         <a:rPr kumimoji="1" lang="en-US" altLang="ja-JP" sz="1100" dirty="0"/>
-                        <a:t>#5b</a:t>
+                        <a:t>#10b</a:t>
                       </a:r>
                       <a:endParaRPr kumimoji="1" lang="ja-JP" altLang="en-US" sz="1100" dirty="0"/>
                     </a:p>
@@ -8777,7 +8937,7 @@
                     <a:p>
                       <a:r>
                         <a:rPr kumimoji="1" lang="en-US" altLang="ja-JP" sz="1100" dirty="0"/>
-                        <a:t>#6b</a:t>
+                        <a:t>#11b</a:t>
                       </a:r>
                       <a:endParaRPr kumimoji="1" lang="ja-JP" altLang="en-US" sz="1100" dirty="0"/>
                     </a:p>
@@ -8903,7 +9063,7 @@
                     <a:p>
                       <a:r>
                         <a:rPr kumimoji="1" lang="en-US" altLang="ja-JP" sz="1100" dirty="0"/>
-                        <a:t>#8b</a:t>
+                        <a:t>#3b</a:t>
                       </a:r>
                       <a:endParaRPr kumimoji="1" lang="ja-JP" altLang="en-US" sz="1100" dirty="0"/>
                     </a:p>
@@ -8987,7 +9147,7 @@
                     <a:p>
                       <a:r>
                         <a:rPr kumimoji="1" lang="en-US" altLang="ja-JP" sz="1100" dirty="0"/>
-                        <a:t>#9b</a:t>
+                        <a:t>#4b</a:t>
                       </a:r>
                       <a:endParaRPr kumimoji="1" lang="ja-JP" altLang="en-US" sz="1100" dirty="0"/>
                     </a:p>
@@ -9071,7 +9231,7 @@
                     <a:p>
                       <a:r>
                         <a:rPr kumimoji="1" lang="en-US" altLang="ja-JP" sz="1100" dirty="0"/>
-                        <a:t>#10b</a:t>
+                        <a:t>#5b</a:t>
                       </a:r>
                       <a:endParaRPr kumimoji="1" lang="ja-JP" altLang="en-US" sz="1100" dirty="0"/>
                     </a:p>
@@ -9155,7 +9315,7 @@
                     <a:p>
                       <a:r>
                         <a:rPr kumimoji="1" lang="en-US" altLang="ja-JP" sz="1100" dirty="0"/>
-                        <a:t>#11b</a:t>
+                        <a:t>#6b</a:t>
                       </a:r>
                       <a:endParaRPr kumimoji="1" lang="ja-JP" altLang="en-US" sz="1100" dirty="0"/>
                     </a:p>
@@ -9206,7 +9366,7 @@
 </p:sld>
 </file>
 
-<file path=ppt/slides/slide7.xml><?xml version="1.0" encoding="utf-8"?>
+<file path=ppt/slides/slide8.xml><?xml version="1.0" encoding="utf-8"?>
 <p:sld xmlns:a="http://schemas.openxmlformats.org/drawingml/2006/main" xmlns:r="http://schemas.openxmlformats.org/officeDocument/2006/relationships" xmlns:p="http://schemas.openxmlformats.org/presentationml/2006/main">
   <p:cSld>
     <p:spTree>

--- a/doc/I2C_BACKPLANE_SPEC.pptx
+++ b/doc/I2C_BACKPLANE_SPEC.pptx
@@ -252,7 +252,7 @@
           <a:p>
             <a:fld id="{89DDC5F7-2580-4636-96AE-BDAAE81E0478}" type="datetimeFigureOut">
               <a:rPr kumimoji="1" lang="ja-JP" altLang="en-US" smtClean="0"/>
-              <a:t>2017/5/14</a:t>
+              <a:t>2017/5/22</a:t>
             </a:fld>
             <a:endParaRPr kumimoji="1" lang="ja-JP" altLang="en-US"/>
           </a:p>
@@ -452,7 +452,7 @@
           <a:p>
             <a:fld id="{89DDC5F7-2580-4636-96AE-BDAAE81E0478}" type="datetimeFigureOut">
               <a:rPr kumimoji="1" lang="ja-JP" altLang="en-US" smtClean="0"/>
-              <a:t>2017/5/14</a:t>
+              <a:t>2017/5/22</a:t>
             </a:fld>
             <a:endParaRPr kumimoji="1" lang="ja-JP" altLang="en-US"/>
           </a:p>
@@ -662,7 +662,7 @@
           <a:p>
             <a:fld id="{89DDC5F7-2580-4636-96AE-BDAAE81E0478}" type="datetimeFigureOut">
               <a:rPr kumimoji="1" lang="ja-JP" altLang="en-US" smtClean="0"/>
-              <a:t>2017/5/14</a:t>
+              <a:t>2017/5/22</a:t>
             </a:fld>
             <a:endParaRPr kumimoji="1" lang="ja-JP" altLang="en-US"/>
           </a:p>
@@ -862,7 +862,7 @@
           <a:p>
             <a:fld id="{89DDC5F7-2580-4636-96AE-BDAAE81E0478}" type="datetimeFigureOut">
               <a:rPr kumimoji="1" lang="ja-JP" altLang="en-US" smtClean="0"/>
-              <a:t>2017/5/14</a:t>
+              <a:t>2017/5/22</a:t>
             </a:fld>
             <a:endParaRPr kumimoji="1" lang="ja-JP" altLang="en-US"/>
           </a:p>
@@ -1107,7 +1107,7 @@
           <a:p>
             <a:fld id="{89DDC5F7-2580-4636-96AE-BDAAE81E0478}" type="datetimeFigureOut">
               <a:rPr kumimoji="1" lang="ja-JP" altLang="en-US" smtClean="0"/>
-              <a:t>2017/5/14</a:t>
+              <a:t>2017/5/22</a:t>
             </a:fld>
             <a:endParaRPr kumimoji="1" lang="ja-JP" altLang="en-US"/>
           </a:p>
@@ -1400,7 +1400,7 @@
           <a:p>
             <a:fld id="{89DDC5F7-2580-4636-96AE-BDAAE81E0478}" type="datetimeFigureOut">
               <a:rPr kumimoji="1" lang="ja-JP" altLang="en-US" smtClean="0"/>
-              <a:t>2017/5/14</a:t>
+              <a:t>2017/5/22</a:t>
             </a:fld>
             <a:endParaRPr kumimoji="1" lang="ja-JP" altLang="en-US"/>
           </a:p>
@@ -1828,7 +1828,7 @@
           <a:p>
             <a:fld id="{89DDC5F7-2580-4636-96AE-BDAAE81E0478}" type="datetimeFigureOut">
               <a:rPr kumimoji="1" lang="ja-JP" altLang="en-US" smtClean="0"/>
-              <a:t>2017/5/14</a:t>
+              <a:t>2017/5/22</a:t>
             </a:fld>
             <a:endParaRPr kumimoji="1" lang="ja-JP" altLang="en-US"/>
           </a:p>
@@ -1945,7 +1945,7 @@
           <a:p>
             <a:fld id="{89DDC5F7-2580-4636-96AE-BDAAE81E0478}" type="datetimeFigureOut">
               <a:rPr kumimoji="1" lang="ja-JP" altLang="en-US" smtClean="0"/>
-              <a:t>2017/5/14</a:t>
+              <a:t>2017/5/22</a:t>
             </a:fld>
             <a:endParaRPr kumimoji="1" lang="ja-JP" altLang="en-US"/>
           </a:p>
@@ -2040,7 +2040,7 @@
           <a:p>
             <a:fld id="{89DDC5F7-2580-4636-96AE-BDAAE81E0478}" type="datetimeFigureOut">
               <a:rPr kumimoji="1" lang="ja-JP" altLang="en-US" smtClean="0"/>
-              <a:t>2017/5/14</a:t>
+              <a:t>2017/5/22</a:t>
             </a:fld>
             <a:endParaRPr kumimoji="1" lang="ja-JP" altLang="en-US"/>
           </a:p>
@@ -2347,7 +2347,7 @@
           <a:p>
             <a:fld id="{89DDC5F7-2580-4636-96AE-BDAAE81E0478}" type="datetimeFigureOut">
               <a:rPr kumimoji="1" lang="ja-JP" altLang="en-US" smtClean="0"/>
-              <a:t>2017/5/14</a:t>
+              <a:t>2017/5/22</a:t>
             </a:fld>
             <a:endParaRPr kumimoji="1" lang="ja-JP" altLang="en-US"/>
           </a:p>
@@ -2599,7 +2599,7 @@
           <a:p>
             <a:fld id="{89DDC5F7-2580-4636-96AE-BDAAE81E0478}" type="datetimeFigureOut">
               <a:rPr kumimoji="1" lang="ja-JP" altLang="en-US" smtClean="0"/>
-              <a:t>2017/5/14</a:t>
+              <a:t>2017/5/22</a:t>
             </a:fld>
             <a:endParaRPr kumimoji="1" lang="ja-JP" altLang="en-US"/>
           </a:p>
@@ -2842,7 +2842,7 @@
           <a:p>
             <a:fld id="{89DDC5F7-2580-4636-96AE-BDAAE81E0478}" type="datetimeFigureOut">
               <a:rPr kumimoji="1" lang="ja-JP" altLang="en-US" smtClean="0"/>
-              <a:t>2017/5/14</a:t>
+              <a:t>2017/5/22</a:t>
             </a:fld>
             <a:endParaRPr kumimoji="1" lang="ja-JP" altLang="en-US"/>
           </a:p>
@@ -4943,13 +4943,13 @@
           <p:nvPr>
             <p:extLst>
               <p:ext uri="{D42A27DB-BD31-4B8C-83A1-F6EECF244321}">
-                <p14:modId xmlns:p14="http://schemas.microsoft.com/office/powerpoint/2010/main" val="1399055689"/>
+                <p14:modId xmlns:p14="http://schemas.microsoft.com/office/powerpoint/2010/main" val="303137231"/>
               </p:ext>
             </p:extLst>
           </p:nvPr>
         </p:nvGraphicFramePr>
         <p:xfrm>
-          <a:off x="7080409" y="1461157"/>
+          <a:off x="8089078" y="1461157"/>
           <a:ext cx="2002450" cy="5196840"/>
         </p:xfrm>
         <a:graphic>
@@ -4982,7 +4982,7 @@
                     <a:p>
                       <a:r>
                         <a:rPr kumimoji="1" lang="en-US" altLang="ja-JP" sz="1100" dirty="0"/>
-                        <a:t>#0</a:t>
+                        <a:t>0</a:t>
                       </a:r>
                       <a:endParaRPr kumimoji="1" lang="ja-JP" altLang="en-US" sz="1100" dirty="0"/>
                     </a:p>
@@ -5021,7 +5021,7 @@
                     <a:p>
                       <a:r>
                         <a:rPr kumimoji="1" lang="en-US" altLang="ja-JP" sz="1100" dirty="0"/>
-                        <a:t>#1</a:t>
+                        <a:t>1</a:t>
                       </a:r>
                       <a:endParaRPr kumimoji="1" lang="ja-JP" altLang="en-US" sz="1100" dirty="0"/>
                     </a:p>
@@ -5035,16 +5035,16 @@
                     <a:p>
                       <a:r>
                         <a:rPr kumimoji="1" lang="en-US" altLang="ja-JP" sz="1100" dirty="0"/>
-                        <a:t>ADT</a:t>
+                        <a:t>ACP</a:t>
                       </a:r>
                       <a:endParaRPr kumimoji="1" lang="ja-JP" altLang="en-US" sz="1100" dirty="0"/>
                     </a:p>
                   </a:txBody>
                   <a:tcPr>
                     <a:solidFill>
-                      <a:schemeClr val="tx2">
-                        <a:lumMod val="40000"/>
-                        <a:lumOff val="60000"/>
+                      <a:schemeClr val="accent6">
+                        <a:lumMod val="60000"/>
+                        <a:lumOff val="40000"/>
                       </a:schemeClr>
                     </a:solidFill>
                   </a:tcPr>
@@ -5063,7 +5063,7 @@
                     <a:p>
                       <a:r>
                         <a:rPr kumimoji="1" lang="en-US" altLang="ja-JP" sz="1100" dirty="0"/>
-                        <a:t>#2</a:t>
+                        <a:t>2</a:t>
                       </a:r>
                       <a:endParaRPr kumimoji="1" lang="ja-JP" altLang="en-US" sz="1100" dirty="0"/>
                     </a:p>
@@ -5105,7 +5105,7 @@
                     <a:p>
                       <a:r>
                         <a:rPr kumimoji="1" lang="en-US" altLang="ja-JP" sz="1100" dirty="0"/>
-                        <a:t>#3a</a:t>
+                        <a:t>3</a:t>
                       </a:r>
                       <a:endParaRPr kumimoji="1" lang="ja-JP" altLang="en-US" sz="1100" dirty="0"/>
                     </a:p>
@@ -5147,7 +5147,7 @@
                     <a:p>
                       <a:r>
                         <a:rPr kumimoji="1" lang="en-US" altLang="ja-JP" sz="1100" dirty="0"/>
-                        <a:t>#8b</a:t>
+                        <a:t>4</a:t>
                       </a:r>
                       <a:endParaRPr kumimoji="1" lang="ja-JP" altLang="en-US" sz="1100" dirty="0"/>
                     </a:p>
@@ -5189,7 +5189,7 @@
                     <a:p>
                       <a:r>
                         <a:rPr kumimoji="1" lang="en-US" altLang="ja-JP" sz="1100" dirty="0"/>
-                        <a:t>#4a</a:t>
+                        <a:t>5</a:t>
                       </a:r>
                       <a:endParaRPr kumimoji="1" lang="ja-JP" altLang="en-US" sz="1100" dirty="0"/>
                     </a:p>
@@ -5231,7 +5231,7 @@
                     <a:p>
                       <a:r>
                         <a:rPr kumimoji="1" lang="en-US" altLang="ja-JP" sz="1100" dirty="0"/>
-                        <a:t>#9b</a:t>
+                        <a:t>6</a:t>
                       </a:r>
                       <a:endParaRPr kumimoji="1" lang="ja-JP" altLang="en-US" sz="1100" dirty="0"/>
                     </a:p>
@@ -5273,7 +5273,7 @@
                     <a:p>
                       <a:r>
                         <a:rPr kumimoji="1" lang="en-US" altLang="ja-JP" sz="1100" dirty="0"/>
-                        <a:t>#5a</a:t>
+                        <a:t>7</a:t>
                       </a:r>
                       <a:endParaRPr kumimoji="1" lang="ja-JP" altLang="en-US" sz="1100" dirty="0"/>
                     </a:p>
@@ -5315,7 +5315,7 @@
                     <a:p>
                       <a:r>
                         <a:rPr kumimoji="1" lang="en-US" altLang="ja-JP" sz="1100" dirty="0"/>
-                        <a:t>#10b</a:t>
+                        <a:t>8</a:t>
                       </a:r>
                       <a:endParaRPr kumimoji="1" lang="ja-JP" altLang="en-US" sz="1100" dirty="0"/>
                     </a:p>
@@ -5357,7 +5357,7 @@
                     <a:p>
                       <a:r>
                         <a:rPr kumimoji="1" lang="en-US" altLang="ja-JP" sz="1100" dirty="0"/>
-                        <a:t>#6a</a:t>
+                        <a:t>9</a:t>
                       </a:r>
                       <a:endParaRPr kumimoji="1" lang="ja-JP" altLang="en-US" sz="1100" dirty="0"/>
                     </a:p>
@@ -5371,7 +5371,7 @@
                     <a:p>
                       <a:r>
                         <a:rPr kumimoji="1" lang="en-US" altLang="ja-JP" sz="1100" dirty="0"/>
-                        <a:t>INV</a:t>
+                        <a:t>ADT</a:t>
                       </a:r>
                       <a:endParaRPr kumimoji="1" lang="ja-JP" altLang="en-US" sz="1100" dirty="0"/>
                     </a:p>
@@ -5399,7 +5399,7 @@
                     <a:p>
                       <a:r>
                         <a:rPr kumimoji="1" lang="en-US" altLang="ja-JP" sz="1100" dirty="0"/>
-                        <a:t>#11b</a:t>
+                        <a:t>10</a:t>
                       </a:r>
                       <a:endParaRPr kumimoji="1" lang="ja-JP" altLang="en-US" sz="1100" dirty="0"/>
                     </a:p>
@@ -5413,16 +5413,16 @@
                     <a:p>
                       <a:r>
                         <a:rPr kumimoji="1" lang="en-US" altLang="ja-JP" sz="1100" dirty="0"/>
-                        <a:t>SEN</a:t>
+                        <a:t>ACP</a:t>
                       </a:r>
                       <a:endParaRPr kumimoji="1" lang="ja-JP" altLang="en-US" sz="1100" dirty="0"/>
                     </a:p>
                   </a:txBody>
                   <a:tcPr>
                     <a:solidFill>
-                      <a:schemeClr val="accent4">
-                        <a:lumMod val="40000"/>
-                        <a:lumOff val="60000"/>
+                      <a:schemeClr val="accent6">
+                        <a:lumMod val="60000"/>
+                        <a:lumOff val="40000"/>
                       </a:schemeClr>
                     </a:solidFill>
                   </a:tcPr>
@@ -5441,7 +5441,7 @@
                     <a:p>
                       <a:r>
                         <a:rPr kumimoji="1" lang="en-US" altLang="ja-JP" sz="1100" dirty="0"/>
-                        <a:t>#7</a:t>
+                        <a:t>11</a:t>
                       </a:r>
                       <a:endParaRPr kumimoji="1" lang="ja-JP" altLang="en-US" sz="1100" dirty="0"/>
                     </a:p>
@@ -5483,7 +5483,7 @@
                     <a:p>
                       <a:r>
                         <a:rPr kumimoji="1" lang="en-US" altLang="ja-JP" sz="1100" dirty="0"/>
-                        <a:t>#8a</a:t>
+                        <a:t>12</a:t>
                       </a:r>
                       <a:endParaRPr kumimoji="1" lang="ja-JP" altLang="en-US" sz="1100" dirty="0"/>
                     </a:p>
@@ -5525,7 +5525,7 @@
                     <a:p>
                       <a:r>
                         <a:rPr kumimoji="1" lang="en-US" altLang="ja-JP" sz="1100" dirty="0"/>
-                        <a:t>#3b</a:t>
+                        <a:t>13</a:t>
                       </a:r>
                       <a:endParaRPr kumimoji="1" lang="ja-JP" altLang="en-US" sz="1100" dirty="0"/>
                     </a:p>
@@ -5567,7 +5567,7 @@
                     <a:p>
                       <a:r>
                         <a:rPr kumimoji="1" lang="en-US" altLang="ja-JP" sz="1100" dirty="0"/>
-                        <a:t>#9a</a:t>
+                        <a:t>14</a:t>
                       </a:r>
                       <a:endParaRPr kumimoji="1" lang="ja-JP" altLang="en-US" sz="1100" dirty="0"/>
                     </a:p>
@@ -5609,7 +5609,7 @@
                     <a:p>
                       <a:r>
                         <a:rPr kumimoji="1" lang="en-US" altLang="ja-JP" sz="1100" dirty="0"/>
-                        <a:t>#4b</a:t>
+                        <a:t>15</a:t>
                       </a:r>
                       <a:endParaRPr kumimoji="1" lang="ja-JP" altLang="en-US" sz="1100" dirty="0"/>
                     </a:p>
@@ -5651,7 +5651,7 @@
                     <a:p>
                       <a:r>
                         <a:rPr kumimoji="1" lang="en-US" altLang="ja-JP" sz="1100" dirty="0"/>
-                        <a:t>#10a</a:t>
+                        <a:t>16</a:t>
                       </a:r>
                       <a:endParaRPr kumimoji="1" lang="ja-JP" altLang="en-US" sz="1100" dirty="0"/>
                     </a:p>
@@ -5693,7 +5693,7 @@
                     <a:p>
                       <a:r>
                         <a:rPr kumimoji="1" lang="en-US" altLang="ja-JP" sz="1100" dirty="0"/>
-                        <a:t>#5b</a:t>
+                        <a:t>17</a:t>
                       </a:r>
                       <a:endParaRPr kumimoji="1" lang="ja-JP" altLang="en-US" sz="1100" dirty="0"/>
                     </a:p>
@@ -5735,7 +5735,7 @@
                     <a:p>
                       <a:r>
                         <a:rPr kumimoji="1" lang="en-US" altLang="ja-JP" sz="1100" dirty="0"/>
-                        <a:t>#11a</a:t>
+                        <a:t>18</a:t>
                       </a:r>
                       <a:endParaRPr kumimoji="1" lang="ja-JP" altLang="en-US" sz="1100" dirty="0"/>
                     </a:p>
@@ -5777,7 +5777,7 @@
                     <a:p>
                       <a:r>
                         <a:rPr kumimoji="1" lang="en-US" altLang="ja-JP" sz="1100" dirty="0"/>
-                        <a:t>#6b</a:t>
+                        <a:t>19</a:t>
                       </a:r>
                       <a:endParaRPr kumimoji="1" lang="ja-JP" altLang="en-US" sz="1100" dirty="0"/>
                     </a:p>
@@ -5823,7 +5823,7 @@
         </p:nvCxnSpPr>
         <p:spPr>
           <a:xfrm>
-            <a:off x="6004874" y="1866508"/>
+            <a:off x="5703215" y="1866508"/>
             <a:ext cx="0" cy="4644880"/>
           </a:xfrm>
           <a:prstGeom prst="line">
@@ -5853,7 +5853,7 @@
         </p:nvCxnSpPr>
         <p:spPr>
           <a:xfrm>
-            <a:off x="1104507" y="1813820"/>
+            <a:off x="802848" y="1813820"/>
             <a:ext cx="0" cy="4644880"/>
           </a:xfrm>
           <a:prstGeom prst="line">
@@ -5885,7 +5885,7 @@
         </p:nvCxnSpPr>
         <p:spPr>
           <a:xfrm flipH="1">
-            <a:off x="1104507" y="2432116"/>
+            <a:off x="802848" y="2432116"/>
             <a:ext cx="4900367" cy="0"/>
           </a:xfrm>
           <a:prstGeom prst="straightConnector1">
@@ -5918,7 +5918,7 @@
         </p:nvCxnSpPr>
         <p:spPr>
           <a:xfrm>
-            <a:off x="2284429" y="1805964"/>
+            <a:off x="1982770" y="1805964"/>
             <a:ext cx="0" cy="4644880"/>
           </a:xfrm>
           <a:prstGeom prst="line">
@@ -5948,7 +5948,7 @@
         </p:nvCxnSpPr>
         <p:spPr>
           <a:xfrm>
-            <a:off x="3351231" y="1835814"/>
+            <a:off x="3049572" y="1835814"/>
             <a:ext cx="0" cy="4644880"/>
           </a:xfrm>
           <a:prstGeom prst="line">
@@ -5980,7 +5980,7 @@
         </p:nvCxnSpPr>
         <p:spPr>
           <a:xfrm flipH="1">
-            <a:off x="1096651" y="2509100"/>
+            <a:off x="794992" y="2509100"/>
             <a:ext cx="4900367" cy="0"/>
           </a:xfrm>
           <a:prstGeom prst="straightConnector1">
@@ -6015,7 +6015,7 @@
         </p:nvSpPr>
         <p:spPr>
           <a:xfrm>
-            <a:off x="458116" y="1466482"/>
+            <a:off x="156457" y="1466482"/>
             <a:ext cx="1071127" cy="307777"/>
           </a:xfrm>
           <a:prstGeom prst="rect">
@@ -6045,7 +6045,7 @@
         </p:nvSpPr>
         <p:spPr>
           <a:xfrm>
-            <a:off x="1644586" y="1462917"/>
+            <a:off x="1342927" y="1462917"/>
             <a:ext cx="1071127" cy="307777"/>
           </a:xfrm>
           <a:prstGeom prst="rect">
@@ -6075,7 +6075,7 @@
         </p:nvSpPr>
         <p:spPr>
           <a:xfrm>
-            <a:off x="2881068" y="1464485"/>
+            <a:off x="2579409" y="1464485"/>
             <a:ext cx="1071127" cy="307777"/>
           </a:xfrm>
           <a:prstGeom prst="rect">
@@ -6107,7 +6107,7 @@
         </p:nvCxnSpPr>
         <p:spPr>
           <a:xfrm flipH="1">
-            <a:off x="3351231" y="3110844"/>
+            <a:off x="3049572" y="3544478"/>
             <a:ext cx="2653643" cy="0"/>
           </a:xfrm>
           <a:prstGeom prst="straightConnector1">
@@ -6142,7 +6142,7 @@
         </p:nvCxnSpPr>
         <p:spPr>
           <a:xfrm flipH="1">
-            <a:off x="2284429" y="3668603"/>
+            <a:off x="1982770" y="4102237"/>
             <a:ext cx="3722016" cy="0"/>
           </a:xfrm>
           <a:prstGeom prst="straightConnector1">
@@ -6177,7 +6177,7 @@
         </p:nvCxnSpPr>
         <p:spPr>
           <a:xfrm flipH="1">
-            <a:off x="2276572" y="3839857"/>
+            <a:off x="1974913" y="4273491"/>
             <a:ext cx="3722016" cy="0"/>
           </a:xfrm>
           <a:prstGeom prst="straightConnector1">
@@ -6213,7 +6213,7 @@
         </p:nvCxnSpPr>
         <p:spPr>
           <a:xfrm flipH="1">
-            <a:off x="2284429" y="5459688"/>
+            <a:off x="1982770" y="5893322"/>
             <a:ext cx="3722016" cy="0"/>
           </a:xfrm>
           <a:prstGeom prst="straightConnector1">
@@ -6248,7 +6248,7 @@
         </p:nvCxnSpPr>
         <p:spPr>
           <a:xfrm flipH="1">
-            <a:off x="3351231" y="4169795"/>
+            <a:off x="3049572" y="4603429"/>
             <a:ext cx="2666210" cy="0"/>
           </a:xfrm>
           <a:prstGeom prst="straightConnector1">
@@ -6283,7 +6283,7 @@
         </p:nvCxnSpPr>
         <p:spPr>
           <a:xfrm flipH="1">
-            <a:off x="3351231" y="4341049"/>
+            <a:off x="3049572" y="4774683"/>
             <a:ext cx="2658353" cy="0"/>
           </a:xfrm>
           <a:prstGeom prst="straightConnector1">
@@ -6319,7 +6319,7 @@
         </p:nvCxnSpPr>
         <p:spPr>
           <a:xfrm flipH="1">
-            <a:off x="2278151" y="5643518"/>
+            <a:off x="1976492" y="6077152"/>
             <a:ext cx="3726723" cy="0"/>
           </a:xfrm>
           <a:prstGeom prst="straightConnector1">
@@ -6353,7 +6353,7 @@
         </p:nvSpPr>
         <p:spPr>
           <a:xfrm>
-            <a:off x="9175150" y="1461157"/>
+            <a:off x="10183819" y="1461157"/>
             <a:ext cx="172472" cy="197962"/>
           </a:xfrm>
           <a:prstGeom prst="rightBrace">
@@ -6391,8 +6391,8 @@
         </p:nvSpPr>
         <p:spPr>
           <a:xfrm>
-            <a:off x="9439913" y="1373464"/>
-            <a:ext cx="1069524" cy="369332"/>
+            <a:off x="10448582" y="1373464"/>
+            <a:ext cx="726481" cy="261610"/>
           </a:xfrm>
           <a:prstGeom prst="rect">
             <a:avLst/>
@@ -6406,18 +6406,18 @@
           <a:lstStyle/>
           <a:p>
             <a:r>
-              <a:rPr lang="en-US" altLang="ja-JP" dirty="0"/>
+              <a:rPr lang="en-US" altLang="ja-JP" sz="1100" dirty="0"/>
               <a:t>50</a:t>
             </a:r>
             <a:r>
-              <a:rPr kumimoji="1" lang="en-US" altLang="ja-JP" dirty="0"/>
+              <a:rPr kumimoji="1" lang="en-US" altLang="ja-JP" sz="1100" dirty="0"/>
               <a:t> </a:t>
             </a:r>
             <a:r>
-              <a:rPr kumimoji="1" lang="en-US" altLang="ja-JP" dirty="0" err="1"/>
+              <a:rPr kumimoji="1" lang="en-US" altLang="ja-JP" sz="1100" dirty="0" err="1"/>
               <a:t>msec</a:t>
             </a:r>
-            <a:endParaRPr kumimoji="1" lang="ja-JP" altLang="en-US" dirty="0"/>
+            <a:endParaRPr kumimoji="1" lang="ja-JP" altLang="en-US" sz="1100" dirty="0"/>
           </a:p>
         </p:txBody>
       </p:sp>
@@ -6429,7 +6429,7 @@
         </p:nvSpPr>
         <p:spPr>
           <a:xfrm>
-            <a:off x="3806429" y="2228599"/>
+            <a:off x="3504770" y="2228599"/>
             <a:ext cx="1380506" cy="276999"/>
           </a:xfrm>
           <a:prstGeom prst="rect">
@@ -6467,7 +6467,7 @@
         </p:nvSpPr>
         <p:spPr>
           <a:xfrm>
-            <a:off x="5599093" y="1492141"/>
+            <a:off x="5297434" y="1492141"/>
             <a:ext cx="771365" cy="307777"/>
           </a:xfrm>
           <a:prstGeom prst="rect">
@@ -6497,7 +6497,7 @@
         </p:nvSpPr>
         <p:spPr>
           <a:xfrm>
-            <a:off x="4232207" y="2894030"/>
+            <a:off x="3930548" y="3327664"/>
             <a:ext cx="764000" cy="276999"/>
           </a:xfrm>
           <a:prstGeom prst="rect">
@@ -6527,7 +6527,7 @@
         </p:nvSpPr>
         <p:spPr>
           <a:xfrm>
-            <a:off x="4318618" y="3461209"/>
+            <a:off x="4016959" y="3894843"/>
             <a:ext cx="764000" cy="276999"/>
           </a:xfrm>
           <a:prstGeom prst="rect">
@@ -6557,7 +6557,7 @@
         </p:nvSpPr>
         <p:spPr>
           <a:xfrm>
-            <a:off x="4291907" y="3632463"/>
+            <a:off x="3990248" y="4066097"/>
             <a:ext cx="764000" cy="276999"/>
           </a:xfrm>
           <a:prstGeom prst="rect">
@@ -6587,7 +6587,7 @@
         </p:nvSpPr>
         <p:spPr>
           <a:xfrm>
-            <a:off x="4320188" y="3971828"/>
+            <a:off x="4018529" y="4405462"/>
             <a:ext cx="764000" cy="276999"/>
           </a:xfrm>
           <a:prstGeom prst="rect">
@@ -6617,7 +6617,7 @@
         </p:nvSpPr>
         <p:spPr>
           <a:xfrm>
-            <a:off x="4293477" y="4143082"/>
+            <a:off x="3991818" y="4576716"/>
             <a:ext cx="764000" cy="276999"/>
           </a:xfrm>
           <a:prstGeom prst="rect">
@@ -6647,7 +6647,7 @@
         </p:nvSpPr>
         <p:spPr>
           <a:xfrm>
-            <a:off x="4340615" y="5264871"/>
+            <a:off x="4038956" y="5698505"/>
             <a:ext cx="764000" cy="276999"/>
           </a:xfrm>
           <a:prstGeom prst="rect">
@@ -6677,7 +6677,7 @@
         </p:nvSpPr>
         <p:spPr>
           <a:xfrm>
-            <a:off x="4313904" y="5436125"/>
+            <a:off x="4012245" y="5869759"/>
             <a:ext cx="764000" cy="276999"/>
           </a:xfrm>
           <a:prstGeom prst="rect">
@@ -6707,8 +6707,8 @@
         </p:nvSpPr>
         <p:spPr>
           <a:xfrm>
-            <a:off x="11028769" y="3877361"/>
-            <a:ext cx="874206" cy="369332"/>
+            <a:off x="11434120" y="3933923"/>
+            <a:ext cx="874206" cy="261610"/>
           </a:xfrm>
           <a:prstGeom prst="rect">
             <a:avLst/>
@@ -6722,10 +6722,10 @@
           <a:lstStyle/>
           <a:p>
             <a:r>
-              <a:rPr kumimoji="1" lang="en-US" altLang="ja-JP" dirty="0"/>
+              <a:rPr kumimoji="1" lang="en-US" altLang="ja-JP" sz="1100" dirty="0"/>
               <a:t>1sec</a:t>
             </a:r>
-            <a:endParaRPr kumimoji="1" lang="ja-JP" altLang="en-US" dirty="0"/>
+            <a:endParaRPr kumimoji="1" lang="ja-JP" altLang="en-US" sz="1100" dirty="0"/>
           </a:p>
         </p:txBody>
       </p:sp>
@@ -6737,7 +6737,7 @@
         </p:nvSpPr>
         <p:spPr>
           <a:xfrm>
-            <a:off x="10705651" y="1461157"/>
+            <a:off x="11158138" y="1461157"/>
             <a:ext cx="205575" cy="5196840"/>
           </a:xfrm>
           <a:prstGeom prst="rightBrace">
@@ -6764,6 +6764,168 @@
           <a:p>
             <a:pPr algn="ctr"/>
             <a:endParaRPr kumimoji="1" lang="ja-JP" altLang="en-US"/>
+          </a:p>
+        </p:txBody>
+      </p:sp>
+      <p:cxnSp>
+        <p:nvCxnSpPr>
+          <p:cNvPr id="49" name="直線コネクタ 48"/>
+          <p:cNvCxnSpPr/>
+          <p:nvPr/>
+        </p:nvCxnSpPr>
+        <p:spPr>
+          <a:xfrm>
+            <a:off x="7538301" y="1866508"/>
+            <a:ext cx="0" cy="4644880"/>
+          </a:xfrm>
+          <a:prstGeom prst="line">
+            <a:avLst/>
+          </a:prstGeom>
+        </p:spPr>
+        <p:style>
+          <a:lnRef idx="1">
+            <a:schemeClr val="accent1"/>
+          </a:lnRef>
+          <a:fillRef idx="0">
+            <a:schemeClr val="accent1"/>
+          </a:fillRef>
+          <a:effectRef idx="0">
+            <a:schemeClr val="accent1"/>
+          </a:effectRef>
+          <a:fontRef idx="minor">
+            <a:schemeClr val="tx1"/>
+          </a:fontRef>
+        </p:style>
+      </p:cxnSp>
+      <p:cxnSp>
+        <p:nvCxnSpPr>
+          <p:cNvPr id="50" name="直線矢印コネクタ 49"/>
+          <p:cNvCxnSpPr>
+            <a:cxnSpLocks/>
+          </p:cNvCxnSpPr>
+          <p:nvPr/>
+        </p:nvCxnSpPr>
+        <p:spPr>
+          <a:xfrm flipH="1">
+            <a:off x="5701970" y="2961583"/>
+            <a:ext cx="1841046" cy="0"/>
+          </a:xfrm>
+          <a:prstGeom prst="straightConnector1">
+            <a:avLst/>
+          </a:prstGeom>
+          <a:ln>
+            <a:headEnd type="triangle" w="med" len="med"/>
+            <a:tailEnd type="none" w="med" len="med"/>
+          </a:ln>
+        </p:spPr>
+        <p:style>
+          <a:lnRef idx="1">
+            <a:schemeClr val="accent1"/>
+          </a:lnRef>
+          <a:fillRef idx="0">
+            <a:schemeClr val="accent1"/>
+          </a:fillRef>
+          <a:effectRef idx="0">
+            <a:schemeClr val="accent1"/>
+          </a:effectRef>
+          <a:fontRef idx="minor">
+            <a:schemeClr val="tx1"/>
+          </a:fontRef>
+        </p:style>
+      </p:cxnSp>
+      <p:cxnSp>
+        <p:nvCxnSpPr>
+          <p:cNvPr id="52" name="直線矢印コネクタ 51"/>
+          <p:cNvCxnSpPr>
+            <a:cxnSpLocks/>
+          </p:cNvCxnSpPr>
+          <p:nvPr/>
+        </p:nvCxnSpPr>
+        <p:spPr>
+          <a:xfrm flipH="1">
+            <a:off x="5694114" y="3255388"/>
+            <a:ext cx="1841046" cy="0"/>
+          </a:xfrm>
+          <a:prstGeom prst="straightConnector1">
+            <a:avLst/>
+          </a:prstGeom>
+          <a:ln>
+            <a:headEnd type="none" w="med" len="med"/>
+            <a:tailEnd type="triangle" w="med" len="med"/>
+          </a:ln>
+        </p:spPr>
+        <p:style>
+          <a:lnRef idx="1">
+            <a:schemeClr val="accent1"/>
+          </a:lnRef>
+          <a:fillRef idx="0">
+            <a:schemeClr val="accent1"/>
+          </a:fillRef>
+          <a:effectRef idx="0">
+            <a:schemeClr val="accent1"/>
+          </a:effectRef>
+          <a:fontRef idx="minor">
+            <a:schemeClr val="tx1"/>
+          </a:fontRef>
+        </p:style>
+      </p:cxnSp>
+      <p:sp>
+        <p:nvSpPr>
+          <p:cNvPr id="53" name="テキスト ボックス 52"/>
+          <p:cNvSpPr txBox="1"/>
+          <p:nvPr/>
+        </p:nvSpPr>
+        <p:spPr>
+          <a:xfrm>
+            <a:off x="6253638" y="2735862"/>
+            <a:ext cx="1135178" cy="276999"/>
+          </a:xfrm>
+          <a:prstGeom prst="rect">
+            <a:avLst/>
+          </a:prstGeom>
+          <a:noFill/>
+        </p:spPr>
+        <p:txBody>
+          <a:bodyPr wrap="square" rtlCol="0">
+            <a:spAutoFit/>
+          </a:bodyPr>
+          <a:lstStyle/>
+          <a:p>
+            <a:r>
+              <a:rPr lang="en-US" altLang="ja-JP" sz="1200" dirty="0"/>
+              <a:t>“*” (ACP)</a:t>
+            </a:r>
+            <a:endParaRPr kumimoji="1" lang="ja-JP" altLang="en-US" sz="1200" dirty="0"/>
+          </a:p>
+        </p:txBody>
+      </p:sp>
+      <p:sp>
+        <p:nvSpPr>
+          <p:cNvPr id="54" name="テキスト ボックス 53"/>
+          <p:cNvSpPr txBox="1"/>
+          <p:nvPr/>
+        </p:nvSpPr>
+        <p:spPr>
+          <a:xfrm>
+            <a:off x="6088373" y="3014390"/>
+            <a:ext cx="1217171" cy="276999"/>
+          </a:xfrm>
+          <a:prstGeom prst="rect">
+            <a:avLst/>
+          </a:prstGeom>
+          <a:noFill/>
+        </p:spPr>
+        <p:txBody>
+          <a:bodyPr wrap="square" rtlCol="0">
+            <a:spAutoFit/>
+          </a:bodyPr>
+          <a:lstStyle/>
+          <a:p>
+            <a:r>
+              <a:rPr kumimoji="1" lang="en-US" altLang="ja-JP" sz="1200" dirty="0"/>
+              <a:t>&lt;command&gt;</a:t>
+            </a:r>
+            <a:endParaRPr kumimoji="1" lang="ja-JP" altLang="en-US" sz="1200" dirty="0"/>
           </a:p>
         </p:txBody>
       </p:sp>
@@ -8033,7 +8195,7 @@
         </p:nvCxnSpPr>
         <p:spPr>
           <a:xfrm>
-            <a:off x="7420226" y="2637017"/>
+            <a:off x="7929274" y="2363636"/>
             <a:ext cx="2243579" cy="0"/>
           </a:xfrm>
           <a:prstGeom prst="line">
@@ -8063,7 +8225,7 @@
         </p:nvCxnSpPr>
         <p:spPr>
           <a:xfrm>
-            <a:off x="7431218" y="3279611"/>
+            <a:off x="7940266" y="3006230"/>
             <a:ext cx="2243579" cy="0"/>
           </a:xfrm>
           <a:prstGeom prst="line">
@@ -8093,7 +8255,7 @@
         </p:nvSpPr>
         <p:spPr>
           <a:xfrm>
-            <a:off x="7439075" y="2637017"/>
+            <a:off x="7948123" y="2363636"/>
             <a:ext cx="707011" cy="642594"/>
           </a:xfrm>
           <a:prstGeom prst="ellipse">
@@ -8133,7 +8295,7 @@
         </p:nvSpPr>
         <p:spPr>
           <a:xfrm>
-            <a:off x="8223071" y="2657442"/>
+            <a:off x="8732119" y="2384061"/>
             <a:ext cx="707011" cy="642594"/>
           </a:xfrm>
           <a:prstGeom prst="ellipse">
@@ -8173,7 +8335,7 @@
         </p:nvSpPr>
         <p:spPr>
           <a:xfrm>
-            <a:off x="8994497" y="2637017"/>
+            <a:off x="9503545" y="2363636"/>
             <a:ext cx="707011" cy="642594"/>
           </a:xfrm>
           <a:prstGeom prst="ellipse">
@@ -8213,7 +8375,7 @@
         </p:nvSpPr>
         <p:spPr>
           <a:xfrm>
-            <a:off x="7547191" y="2161692"/>
+            <a:off x="8103373" y="2020288"/>
             <a:ext cx="1989647" cy="369332"/>
           </a:xfrm>
           <a:prstGeom prst="rect">
@@ -8243,7 +8405,7 @@
         </p:nvSpPr>
         <p:spPr>
           <a:xfrm>
-            <a:off x="10083313" y="2861394"/>
+            <a:off x="10498091" y="2588013"/>
             <a:ext cx="871960" cy="192683"/>
           </a:xfrm>
           <a:prstGeom prst="leftArrow">
@@ -8283,7 +8445,7 @@
         </p:nvSpPr>
         <p:spPr>
           <a:xfrm>
-            <a:off x="10955273" y="2773069"/>
+            <a:off x="11379478" y="2499688"/>
             <a:ext cx="803425" cy="369332"/>
           </a:xfrm>
           <a:prstGeom prst="rect">
@@ -8305,113 +8467,19 @@
           </a:p>
         </p:txBody>
       </p:sp>
-      <p:cxnSp>
-        <p:nvCxnSpPr>
-          <p:cNvPr id="15" name="直線矢印コネクタ 14"/>
-          <p:cNvCxnSpPr>
-            <a:cxnSpLocks/>
-          </p:cNvCxnSpPr>
-          <p:nvPr/>
-        </p:nvCxnSpPr>
-        <p:spPr>
-          <a:xfrm>
-            <a:off x="3465306" y="1436321"/>
-            <a:ext cx="0" cy="2925215"/>
-          </a:xfrm>
-          <a:prstGeom prst="straightConnector1">
-            <a:avLst/>
-          </a:prstGeom>
-          <a:ln>
-            <a:tailEnd type="triangle"/>
-          </a:ln>
-        </p:spPr>
-        <p:style>
-          <a:lnRef idx="1">
-            <a:schemeClr val="accent1"/>
-          </a:lnRef>
-          <a:fillRef idx="0">
-            <a:schemeClr val="accent1"/>
-          </a:fillRef>
-          <a:effectRef idx="0">
-            <a:schemeClr val="accent1"/>
-          </a:effectRef>
-          <a:fontRef idx="minor">
-            <a:schemeClr val="tx1"/>
-          </a:fontRef>
-        </p:style>
-      </p:cxnSp>
-      <p:sp>
-        <p:nvSpPr>
-          <p:cNvPr id="22" name="テキスト ボックス 21"/>
-          <p:cNvSpPr txBox="1"/>
-          <p:nvPr/>
-        </p:nvSpPr>
-        <p:spPr>
-          <a:xfrm>
-            <a:off x="3465306" y="2957735"/>
-            <a:ext cx="1443024" cy="369332"/>
-          </a:xfrm>
-          <a:prstGeom prst="rect">
-            <a:avLst/>
-          </a:prstGeom>
-          <a:noFill/>
-        </p:spPr>
-        <p:txBody>
-          <a:bodyPr wrap="none" rtlCol="0">
-            <a:spAutoFit/>
-          </a:bodyPr>
-          <a:lstStyle/>
-          <a:p>
-            <a:r>
-              <a:rPr kumimoji="1" lang="en-US" altLang="ja-JP" dirty="0"/>
-              <a:t>Current slot</a:t>
-            </a:r>
-            <a:endParaRPr kumimoji="1" lang="ja-JP" altLang="en-US" dirty="0"/>
-          </a:p>
-        </p:txBody>
-      </p:sp>
-      <p:cxnSp>
-        <p:nvCxnSpPr>
-          <p:cNvPr id="24" name="直線コネクタ 23"/>
-          <p:cNvCxnSpPr/>
-          <p:nvPr/>
-        </p:nvCxnSpPr>
-        <p:spPr>
-          <a:xfrm>
-            <a:off x="3065038" y="1436321"/>
-            <a:ext cx="1491433" cy="0"/>
-          </a:xfrm>
-          <a:prstGeom prst="line">
-            <a:avLst/>
-          </a:prstGeom>
-        </p:spPr>
-        <p:style>
-          <a:lnRef idx="1">
-            <a:schemeClr val="accent1"/>
-          </a:lnRef>
-          <a:fillRef idx="0">
-            <a:schemeClr val="accent1"/>
-          </a:fillRef>
-          <a:effectRef idx="0">
-            <a:schemeClr val="accent1"/>
-          </a:effectRef>
-          <a:fontRef idx="minor">
-            <a:schemeClr val="tx1"/>
-          </a:fontRef>
-        </p:style>
-      </p:cxnSp>
       <p:cxnSp>
         <p:nvCxnSpPr>
           <p:cNvPr id="26" name="コネクタ: カギ線 25"/>
           <p:cNvCxnSpPr>
+            <a:cxnSpLocks/>
             <a:stCxn id="12" idx="2"/>
           </p:cNvCxnSpPr>
           <p:nvPr/>
         </p:nvCxnSpPr>
         <p:spPr>
           <a:xfrm rot="10800000" flipV="1">
-            <a:off x="2933053" y="2958313"/>
-            <a:ext cx="4506022" cy="1509991"/>
+            <a:off x="5803231" y="2684933"/>
+            <a:ext cx="2144892" cy="1547700"/>
           </a:xfrm>
           <a:prstGeom prst="bentConnector3">
             <a:avLst/>
@@ -8446,8 +8514,8 @@
         </p:nvCxnSpPr>
         <p:spPr>
           <a:xfrm rot="10800000">
-            <a:off x="2951907" y="2097328"/>
-            <a:ext cx="4487169" cy="860987"/>
+            <a:off x="5803231" y="1888311"/>
+            <a:ext cx="2144893" cy="796622"/>
           </a:xfrm>
           <a:prstGeom prst="bentConnector3">
             <a:avLst/>
@@ -8474,20 +8542,20 @@
       </p:cxnSp>
       <p:graphicFrame>
         <p:nvGraphicFramePr>
-          <p:cNvPr id="20" name="表 19"/>
+          <p:cNvPr id="21" name="表 20"/>
           <p:cNvGraphicFramePr>
             <a:graphicFrameLocks noGrp="1"/>
           </p:cNvGraphicFramePr>
           <p:nvPr>
             <p:extLst>
               <p:ext uri="{D42A27DB-BD31-4B8C-83A1-F6EECF244321}">
-                <p14:modId xmlns:p14="http://schemas.microsoft.com/office/powerpoint/2010/main" val="3270859472"/>
+                <p14:modId xmlns:p14="http://schemas.microsoft.com/office/powerpoint/2010/main" val="3453871725"/>
               </p:ext>
             </p:extLst>
           </p:nvPr>
         </p:nvGraphicFramePr>
         <p:xfrm>
-          <a:off x="839869" y="1442303"/>
+          <a:off x="3652587" y="1505596"/>
           <a:ext cx="2002450" cy="5196840"/>
         </p:xfrm>
         <a:graphic>
@@ -8520,7 +8588,7 @@
                     <a:p>
                       <a:r>
                         <a:rPr kumimoji="1" lang="en-US" altLang="ja-JP" sz="1100" dirty="0"/>
-                        <a:t>#0</a:t>
+                        <a:t>0</a:t>
                       </a:r>
                       <a:endParaRPr kumimoji="1" lang="ja-JP" altLang="en-US" sz="1100" dirty="0"/>
                     </a:p>
@@ -8559,7 +8627,7 @@
                     <a:p>
                       <a:r>
                         <a:rPr kumimoji="1" lang="en-US" altLang="ja-JP" sz="1100" dirty="0"/>
-                        <a:t>#1</a:t>
+                        <a:t>1</a:t>
                       </a:r>
                       <a:endParaRPr kumimoji="1" lang="ja-JP" altLang="en-US" sz="1100" dirty="0"/>
                     </a:p>
@@ -8573,16 +8641,16 @@
                     <a:p>
                       <a:r>
                         <a:rPr kumimoji="1" lang="en-US" altLang="ja-JP" sz="1100" dirty="0"/>
-                        <a:t>ADT</a:t>
+                        <a:t>ACP</a:t>
                       </a:r>
                       <a:endParaRPr kumimoji="1" lang="ja-JP" altLang="en-US" sz="1100" dirty="0"/>
                     </a:p>
                   </a:txBody>
                   <a:tcPr>
                     <a:solidFill>
-                      <a:schemeClr val="tx2">
-                        <a:lumMod val="40000"/>
-                        <a:lumOff val="60000"/>
+                      <a:schemeClr val="accent6">
+                        <a:lumMod val="60000"/>
+                        <a:lumOff val="40000"/>
                       </a:schemeClr>
                     </a:solidFill>
                   </a:tcPr>
@@ -8601,7 +8669,7 @@
                     <a:p>
                       <a:r>
                         <a:rPr kumimoji="1" lang="en-US" altLang="ja-JP" sz="1100" dirty="0"/>
-                        <a:t>#2</a:t>
+                        <a:t>2</a:t>
                       </a:r>
                       <a:endParaRPr kumimoji="1" lang="ja-JP" altLang="en-US" sz="1100" dirty="0"/>
                     </a:p>
@@ -8643,7 +8711,7 @@
                     <a:p>
                       <a:r>
                         <a:rPr kumimoji="1" lang="en-US" altLang="ja-JP" sz="1100" dirty="0"/>
-                        <a:t>#3a</a:t>
+                        <a:t>3</a:t>
                       </a:r>
                       <a:endParaRPr kumimoji="1" lang="ja-JP" altLang="en-US" sz="1100" dirty="0"/>
                     </a:p>
@@ -8685,7 +8753,7 @@
                     <a:p>
                       <a:r>
                         <a:rPr kumimoji="1" lang="en-US" altLang="ja-JP" sz="1100" dirty="0"/>
-                        <a:t>#8b</a:t>
+                        <a:t>4</a:t>
                       </a:r>
                       <a:endParaRPr kumimoji="1" lang="ja-JP" altLang="en-US" sz="1100" dirty="0"/>
                     </a:p>
@@ -8727,7 +8795,7 @@
                     <a:p>
                       <a:r>
                         <a:rPr kumimoji="1" lang="en-US" altLang="ja-JP" sz="1100" dirty="0"/>
-                        <a:t>#4a</a:t>
+                        <a:t>5</a:t>
                       </a:r>
                       <a:endParaRPr kumimoji="1" lang="ja-JP" altLang="en-US" sz="1100" dirty="0"/>
                     </a:p>
@@ -8769,7 +8837,7 @@
                     <a:p>
                       <a:r>
                         <a:rPr kumimoji="1" lang="en-US" altLang="ja-JP" sz="1100" dirty="0"/>
-                        <a:t>#9b</a:t>
+                        <a:t>6</a:t>
                       </a:r>
                       <a:endParaRPr kumimoji="1" lang="ja-JP" altLang="en-US" sz="1100" dirty="0"/>
                     </a:p>
@@ -8811,7 +8879,7 @@
                     <a:p>
                       <a:r>
                         <a:rPr kumimoji="1" lang="en-US" altLang="ja-JP" sz="1100" dirty="0"/>
-                        <a:t>#5a</a:t>
+                        <a:t>7</a:t>
                       </a:r>
                       <a:endParaRPr kumimoji="1" lang="ja-JP" altLang="en-US" sz="1100" dirty="0"/>
                     </a:p>
@@ -8845,7 +8913,7 @@
                   </a:ext>
                 </a:extLst>
               </a:tr>
-              <a:tr h="259080">
+              <a:tr h="230014">
                 <a:tc>
                   <a:txBody>
                     <a:bodyPr/>
@@ -8853,7 +8921,7 @@
                     <a:p>
                       <a:r>
                         <a:rPr kumimoji="1" lang="en-US" altLang="ja-JP" sz="1100" dirty="0"/>
-                        <a:t>#10b</a:t>
+                        <a:t>8</a:t>
                       </a:r>
                       <a:endParaRPr kumimoji="1" lang="ja-JP" altLang="en-US" sz="1100" dirty="0"/>
                     </a:p>
@@ -8895,7 +8963,7 @@
                     <a:p>
                       <a:r>
                         <a:rPr kumimoji="1" lang="en-US" altLang="ja-JP" sz="1100" dirty="0"/>
-                        <a:t>#6a</a:t>
+                        <a:t>9</a:t>
                       </a:r>
                       <a:endParaRPr kumimoji="1" lang="ja-JP" altLang="en-US" sz="1100" dirty="0"/>
                     </a:p>
@@ -8909,7 +8977,7 @@
                     <a:p>
                       <a:r>
                         <a:rPr kumimoji="1" lang="en-US" altLang="ja-JP" sz="1100" dirty="0"/>
-                        <a:t>INV</a:t>
+                        <a:t>ADT</a:t>
                       </a:r>
                       <a:endParaRPr kumimoji="1" lang="ja-JP" altLang="en-US" sz="1100" dirty="0"/>
                     </a:p>
@@ -8937,7 +9005,7 @@
                     <a:p>
                       <a:r>
                         <a:rPr kumimoji="1" lang="en-US" altLang="ja-JP" sz="1100" dirty="0"/>
-                        <a:t>#11b</a:t>
+                        <a:t>10</a:t>
                       </a:r>
                       <a:endParaRPr kumimoji="1" lang="ja-JP" altLang="en-US" sz="1100" dirty="0"/>
                     </a:p>
@@ -8951,16 +9019,16 @@
                     <a:p>
                       <a:r>
                         <a:rPr kumimoji="1" lang="en-US" altLang="ja-JP" sz="1100" dirty="0"/>
-                        <a:t>SEN</a:t>
+                        <a:t>ACP</a:t>
                       </a:r>
                       <a:endParaRPr kumimoji="1" lang="ja-JP" altLang="en-US" sz="1100" dirty="0"/>
                     </a:p>
                   </a:txBody>
                   <a:tcPr>
                     <a:solidFill>
-                      <a:schemeClr val="accent4">
-                        <a:lumMod val="40000"/>
-                        <a:lumOff val="60000"/>
+                      <a:schemeClr val="accent6">
+                        <a:lumMod val="60000"/>
+                        <a:lumOff val="40000"/>
                       </a:schemeClr>
                     </a:solidFill>
                   </a:tcPr>
@@ -8979,7 +9047,7 @@
                     <a:p>
                       <a:r>
                         <a:rPr kumimoji="1" lang="en-US" altLang="ja-JP" sz="1100" dirty="0"/>
-                        <a:t>#7</a:t>
+                        <a:t>11</a:t>
                       </a:r>
                       <a:endParaRPr kumimoji="1" lang="ja-JP" altLang="en-US" sz="1100" dirty="0"/>
                     </a:p>
@@ -9021,7 +9089,7 @@
                     <a:p>
                       <a:r>
                         <a:rPr kumimoji="1" lang="en-US" altLang="ja-JP" sz="1100" dirty="0"/>
-                        <a:t>#8a</a:t>
+                        <a:t>12</a:t>
                       </a:r>
                       <a:endParaRPr kumimoji="1" lang="ja-JP" altLang="en-US" sz="1100" dirty="0"/>
                     </a:p>
@@ -9063,7 +9131,7 @@
                     <a:p>
                       <a:r>
                         <a:rPr kumimoji="1" lang="en-US" altLang="ja-JP" sz="1100" dirty="0"/>
-                        <a:t>#3b</a:t>
+                        <a:t>13</a:t>
                       </a:r>
                       <a:endParaRPr kumimoji="1" lang="ja-JP" altLang="en-US" sz="1100" dirty="0"/>
                     </a:p>
@@ -9105,7 +9173,7 @@
                     <a:p>
                       <a:r>
                         <a:rPr kumimoji="1" lang="en-US" altLang="ja-JP" sz="1100" dirty="0"/>
-                        <a:t>#9a</a:t>
+                        <a:t>14</a:t>
                       </a:r>
                       <a:endParaRPr kumimoji="1" lang="ja-JP" altLang="en-US" sz="1100" dirty="0"/>
                     </a:p>
@@ -9147,7 +9215,7 @@
                     <a:p>
                       <a:r>
                         <a:rPr kumimoji="1" lang="en-US" altLang="ja-JP" sz="1100" dirty="0"/>
-                        <a:t>#4b</a:t>
+                        <a:t>15</a:t>
                       </a:r>
                       <a:endParaRPr kumimoji="1" lang="ja-JP" altLang="en-US" sz="1100" dirty="0"/>
                     </a:p>
@@ -9189,7 +9257,7 @@
                     <a:p>
                       <a:r>
                         <a:rPr kumimoji="1" lang="en-US" altLang="ja-JP" sz="1100" dirty="0"/>
-                        <a:t>#10a</a:t>
+                        <a:t>16</a:t>
                       </a:r>
                       <a:endParaRPr kumimoji="1" lang="ja-JP" altLang="en-US" sz="1100" dirty="0"/>
                     </a:p>
@@ -9231,7 +9299,7 @@
                     <a:p>
                       <a:r>
                         <a:rPr kumimoji="1" lang="en-US" altLang="ja-JP" sz="1100" dirty="0"/>
-                        <a:t>#5b</a:t>
+                        <a:t>17</a:t>
                       </a:r>
                       <a:endParaRPr kumimoji="1" lang="ja-JP" altLang="en-US" sz="1100" dirty="0"/>
                     </a:p>
@@ -9273,7 +9341,7 @@
                     <a:p>
                       <a:r>
                         <a:rPr kumimoji="1" lang="en-US" altLang="ja-JP" sz="1100" dirty="0"/>
-                        <a:t>#11a</a:t>
+                        <a:t>18</a:t>
                       </a:r>
                       <a:endParaRPr kumimoji="1" lang="ja-JP" altLang="en-US" sz="1100" dirty="0"/>
                     </a:p>
@@ -9315,7 +9383,7 @@
                     <a:p>
                       <a:r>
                         <a:rPr kumimoji="1" lang="en-US" altLang="ja-JP" sz="1100" dirty="0"/>
-                        <a:t>#6b</a:t>
+                        <a:t>19</a:t>
                       </a:r>
                       <a:endParaRPr kumimoji="1" lang="ja-JP" altLang="en-US" sz="1100" dirty="0"/>
                     </a:p>
@@ -9353,6 +9421,354 @@
           </a:graphicData>
         </a:graphic>
       </p:graphicFrame>
+      <p:sp>
+        <p:nvSpPr>
+          <p:cNvPr id="23" name="楕円 22"/>
+          <p:cNvSpPr/>
+          <p:nvPr/>
+        </p:nvSpPr>
+        <p:spPr>
+          <a:xfrm>
+            <a:off x="1916539" y="4166644"/>
+            <a:ext cx="707011" cy="642594"/>
+          </a:xfrm>
+          <a:prstGeom prst="ellipse">
+            <a:avLst/>
+          </a:prstGeom>
+        </p:spPr>
+        <p:style>
+          <a:lnRef idx="2">
+            <a:schemeClr val="accent1">
+              <a:shade val="50000"/>
+            </a:schemeClr>
+          </a:lnRef>
+          <a:fillRef idx="1">
+            <a:schemeClr val="accent1"/>
+          </a:fillRef>
+          <a:effectRef idx="0">
+            <a:schemeClr val="accent1"/>
+          </a:effectRef>
+          <a:fontRef idx="minor">
+            <a:schemeClr val="lt1"/>
+          </a:fontRef>
+        </p:style>
+        <p:txBody>
+          <a:bodyPr rtlCol="0" anchor="ctr"/>
+          <a:lstStyle/>
+          <a:p>
+            <a:pPr algn="ctr"/>
+            <a:endParaRPr kumimoji="1" lang="ja-JP" altLang="en-US"/>
+          </a:p>
+        </p:txBody>
+      </p:sp>
+      <p:sp>
+        <p:nvSpPr>
+          <p:cNvPr id="25" name="楕円 24"/>
+          <p:cNvSpPr/>
+          <p:nvPr/>
+        </p:nvSpPr>
+        <p:spPr>
+          <a:xfrm>
+            <a:off x="1916539" y="1803467"/>
+            <a:ext cx="707011" cy="642594"/>
+          </a:xfrm>
+          <a:prstGeom prst="ellipse">
+            <a:avLst/>
+          </a:prstGeom>
+        </p:spPr>
+        <p:style>
+          <a:lnRef idx="2">
+            <a:schemeClr val="accent1">
+              <a:shade val="50000"/>
+            </a:schemeClr>
+          </a:lnRef>
+          <a:fillRef idx="1">
+            <a:schemeClr val="accent1"/>
+          </a:fillRef>
+          <a:effectRef idx="0">
+            <a:schemeClr val="accent1"/>
+          </a:effectRef>
+          <a:fontRef idx="minor">
+            <a:schemeClr val="lt1"/>
+          </a:fontRef>
+        </p:style>
+        <p:txBody>
+          <a:bodyPr rtlCol="0" anchor="ctr"/>
+          <a:lstStyle/>
+          <a:p>
+            <a:pPr algn="ctr"/>
+            <a:endParaRPr kumimoji="1" lang="ja-JP" altLang="en-US"/>
+          </a:p>
+        </p:txBody>
+      </p:sp>
+      <p:sp>
+        <p:nvSpPr>
+          <p:cNvPr id="28" name="矢印: 左 27"/>
+          <p:cNvSpPr/>
+          <p:nvPr/>
+        </p:nvSpPr>
+        <p:spPr>
+          <a:xfrm>
+            <a:off x="888286" y="2039049"/>
+            <a:ext cx="871960" cy="192683"/>
+          </a:xfrm>
+          <a:prstGeom prst="leftArrow">
+            <a:avLst/>
+          </a:prstGeom>
+        </p:spPr>
+        <p:style>
+          <a:lnRef idx="2">
+            <a:schemeClr val="accent1">
+              <a:shade val="50000"/>
+            </a:schemeClr>
+          </a:lnRef>
+          <a:fillRef idx="1">
+            <a:schemeClr val="accent1"/>
+          </a:fillRef>
+          <a:effectRef idx="0">
+            <a:schemeClr val="accent1"/>
+          </a:effectRef>
+          <a:fontRef idx="minor">
+            <a:schemeClr val="lt1"/>
+          </a:fontRef>
+        </p:style>
+        <p:txBody>
+          <a:bodyPr rtlCol="0" anchor="ctr"/>
+          <a:lstStyle/>
+          <a:p>
+            <a:pPr algn="ctr"/>
+            <a:endParaRPr kumimoji="1" lang="ja-JP" altLang="en-US"/>
+          </a:p>
+        </p:txBody>
+      </p:sp>
+      <p:sp>
+        <p:nvSpPr>
+          <p:cNvPr id="29" name="矢印: 左 28"/>
+          <p:cNvSpPr/>
+          <p:nvPr/>
+        </p:nvSpPr>
+        <p:spPr>
+          <a:xfrm>
+            <a:off x="889855" y="4387893"/>
+            <a:ext cx="871960" cy="192683"/>
+          </a:xfrm>
+          <a:prstGeom prst="leftArrow">
+            <a:avLst/>
+          </a:prstGeom>
+        </p:spPr>
+        <p:style>
+          <a:lnRef idx="2">
+            <a:schemeClr val="accent1">
+              <a:shade val="50000"/>
+            </a:schemeClr>
+          </a:lnRef>
+          <a:fillRef idx="1">
+            <a:schemeClr val="accent1"/>
+          </a:fillRef>
+          <a:effectRef idx="0">
+            <a:schemeClr val="accent1"/>
+          </a:effectRef>
+          <a:fontRef idx="minor">
+            <a:schemeClr val="lt1"/>
+          </a:fontRef>
+        </p:style>
+        <p:txBody>
+          <a:bodyPr rtlCol="0" anchor="ctr"/>
+          <a:lstStyle/>
+          <a:p>
+            <a:pPr algn="ctr"/>
+            <a:endParaRPr kumimoji="1" lang="ja-JP" altLang="en-US"/>
+          </a:p>
+        </p:txBody>
+      </p:sp>
+      <p:cxnSp>
+        <p:nvCxnSpPr>
+          <p:cNvPr id="6" name="直線矢印コネクタ 5"/>
+          <p:cNvCxnSpPr/>
+          <p:nvPr/>
+        </p:nvCxnSpPr>
+        <p:spPr>
+          <a:xfrm flipH="1">
+            <a:off x="2743201" y="2135390"/>
+            <a:ext cx="772998" cy="0"/>
+          </a:xfrm>
+          <a:prstGeom prst="straightConnector1">
+            <a:avLst/>
+          </a:prstGeom>
+          <a:ln>
+            <a:prstDash val="dash"/>
+            <a:tailEnd type="triangle"/>
+          </a:ln>
+        </p:spPr>
+        <p:style>
+          <a:lnRef idx="1">
+            <a:schemeClr val="accent1"/>
+          </a:lnRef>
+          <a:fillRef idx="0">
+            <a:schemeClr val="accent1"/>
+          </a:fillRef>
+          <a:effectRef idx="0">
+            <a:schemeClr val="accent1"/>
+          </a:effectRef>
+          <a:fontRef idx="minor">
+            <a:schemeClr val="tx1"/>
+          </a:fontRef>
+        </p:style>
+      </p:cxnSp>
+      <p:cxnSp>
+        <p:nvCxnSpPr>
+          <p:cNvPr id="31" name="直線矢印コネクタ 30"/>
+          <p:cNvCxnSpPr/>
+          <p:nvPr/>
+        </p:nvCxnSpPr>
+        <p:spPr>
+          <a:xfrm flipH="1">
+            <a:off x="2743201" y="4484234"/>
+            <a:ext cx="772998" cy="0"/>
+          </a:xfrm>
+          <a:prstGeom prst="straightConnector1">
+            <a:avLst/>
+          </a:prstGeom>
+          <a:ln>
+            <a:prstDash val="solid"/>
+            <a:tailEnd type="triangle"/>
+          </a:ln>
+        </p:spPr>
+        <p:style>
+          <a:lnRef idx="1">
+            <a:schemeClr val="accent1"/>
+          </a:lnRef>
+          <a:fillRef idx="0">
+            <a:schemeClr val="accent1"/>
+          </a:fillRef>
+          <a:effectRef idx="0">
+            <a:schemeClr val="accent1"/>
+          </a:effectRef>
+          <a:fontRef idx="minor">
+            <a:schemeClr val="tx1"/>
+          </a:fontRef>
+        </p:style>
+      </p:cxnSp>
+      <p:sp>
+        <p:nvSpPr>
+          <p:cNvPr id="32" name="テキスト ボックス 31"/>
+          <p:cNvSpPr txBox="1"/>
+          <p:nvPr/>
+        </p:nvSpPr>
+        <p:spPr>
+          <a:xfrm>
+            <a:off x="1637499" y="1490823"/>
+            <a:ext cx="1265090" cy="369332"/>
+          </a:xfrm>
+          <a:prstGeom prst="rect">
+            <a:avLst/>
+          </a:prstGeom>
+          <a:noFill/>
+        </p:spPr>
+        <p:txBody>
+          <a:bodyPr wrap="none" rtlCol="0">
+            <a:spAutoFit/>
+          </a:bodyPr>
+          <a:lstStyle/>
+          <a:p>
+            <a:r>
+              <a:rPr kumimoji="1" lang="en-US" altLang="ja-JP" dirty="0"/>
+              <a:t>Command</a:t>
+            </a:r>
+            <a:endParaRPr kumimoji="1" lang="ja-JP" altLang="en-US" dirty="0"/>
+          </a:p>
+        </p:txBody>
+      </p:sp>
+      <p:sp>
+        <p:nvSpPr>
+          <p:cNvPr id="33" name="テキスト ボックス 32"/>
+          <p:cNvSpPr txBox="1"/>
+          <p:nvPr/>
+        </p:nvSpPr>
+        <p:spPr>
+          <a:xfrm>
+            <a:off x="1629641" y="3867954"/>
+            <a:ext cx="1265090" cy="369332"/>
+          </a:xfrm>
+          <a:prstGeom prst="rect">
+            <a:avLst/>
+          </a:prstGeom>
+          <a:noFill/>
+        </p:spPr>
+        <p:txBody>
+          <a:bodyPr wrap="none" rtlCol="0">
+            <a:spAutoFit/>
+          </a:bodyPr>
+          <a:lstStyle/>
+          <a:p>
+            <a:r>
+              <a:rPr kumimoji="1" lang="en-US" altLang="ja-JP" dirty="0"/>
+              <a:t>Command</a:t>
+            </a:r>
+            <a:endParaRPr kumimoji="1" lang="ja-JP" altLang="en-US" dirty="0"/>
+          </a:p>
+        </p:txBody>
+      </p:sp>
+      <p:sp>
+        <p:nvSpPr>
+          <p:cNvPr id="34" name="テキスト ボックス 33"/>
+          <p:cNvSpPr txBox="1"/>
+          <p:nvPr/>
+        </p:nvSpPr>
+        <p:spPr>
+          <a:xfrm>
+            <a:off x="0" y="1948746"/>
+            <a:ext cx="904415" cy="369332"/>
+          </a:xfrm>
+          <a:prstGeom prst="rect">
+            <a:avLst/>
+          </a:prstGeom>
+          <a:noFill/>
+        </p:spPr>
+        <p:txBody>
+          <a:bodyPr wrap="none" rtlCol="0">
+            <a:spAutoFit/>
+          </a:bodyPr>
+          <a:lstStyle/>
+          <a:p>
+            <a:r>
+              <a:rPr kumimoji="1" lang="en-US" altLang="ja-JP" dirty="0"/>
+              <a:t>Device</a:t>
+            </a:r>
+            <a:endParaRPr kumimoji="1" lang="ja-JP" altLang="en-US" dirty="0"/>
+          </a:p>
+        </p:txBody>
+      </p:sp>
+      <p:sp>
+        <p:nvSpPr>
+          <p:cNvPr id="35" name="テキスト ボックス 34"/>
+          <p:cNvSpPr txBox="1"/>
+          <p:nvPr/>
+        </p:nvSpPr>
+        <p:spPr>
+          <a:xfrm>
+            <a:off x="1570" y="4288167"/>
+            <a:ext cx="904415" cy="369332"/>
+          </a:xfrm>
+          <a:prstGeom prst="rect">
+            <a:avLst/>
+          </a:prstGeom>
+          <a:noFill/>
+        </p:spPr>
+        <p:txBody>
+          <a:bodyPr wrap="none" rtlCol="0">
+            <a:spAutoFit/>
+          </a:bodyPr>
+          <a:lstStyle/>
+          <a:p>
+            <a:r>
+              <a:rPr kumimoji="1" lang="en-US" altLang="ja-JP" dirty="0"/>
+              <a:t>Device</a:t>
+            </a:r>
+            <a:endParaRPr kumimoji="1" lang="ja-JP" altLang="en-US" dirty="0"/>
+          </a:p>
+        </p:txBody>
+      </p:sp>
     </p:spTree>
     <p:extLst>
       <p:ext uri="{BB962C8B-B14F-4D97-AF65-F5344CB8AC3E}">

--- a/doc/I2C_BACKPLANE_SPEC.pptx
+++ b/doc/I2C_BACKPLANE_SPEC.pptx
@@ -252,7 +252,7 @@
           <a:p>
             <a:fld id="{89DDC5F7-2580-4636-96AE-BDAAE81E0478}" type="datetimeFigureOut">
               <a:rPr kumimoji="1" lang="ja-JP" altLang="en-US" smtClean="0"/>
-              <a:t>2017/5/22</a:t>
+              <a:t>2017/6/10</a:t>
             </a:fld>
             <a:endParaRPr kumimoji="1" lang="ja-JP" altLang="en-US"/>
           </a:p>
@@ -452,7 +452,7 @@
           <a:p>
             <a:fld id="{89DDC5F7-2580-4636-96AE-BDAAE81E0478}" type="datetimeFigureOut">
               <a:rPr kumimoji="1" lang="ja-JP" altLang="en-US" smtClean="0"/>
-              <a:t>2017/5/22</a:t>
+              <a:t>2017/6/10</a:t>
             </a:fld>
             <a:endParaRPr kumimoji="1" lang="ja-JP" altLang="en-US"/>
           </a:p>
@@ -662,7 +662,7 @@
           <a:p>
             <a:fld id="{89DDC5F7-2580-4636-96AE-BDAAE81E0478}" type="datetimeFigureOut">
               <a:rPr kumimoji="1" lang="ja-JP" altLang="en-US" smtClean="0"/>
-              <a:t>2017/5/22</a:t>
+              <a:t>2017/6/10</a:t>
             </a:fld>
             <a:endParaRPr kumimoji="1" lang="ja-JP" altLang="en-US"/>
           </a:p>
@@ -862,7 +862,7 @@
           <a:p>
             <a:fld id="{89DDC5F7-2580-4636-96AE-BDAAE81E0478}" type="datetimeFigureOut">
               <a:rPr kumimoji="1" lang="ja-JP" altLang="en-US" smtClean="0"/>
-              <a:t>2017/5/22</a:t>
+              <a:t>2017/6/10</a:t>
             </a:fld>
             <a:endParaRPr kumimoji="1" lang="ja-JP" altLang="en-US"/>
           </a:p>
@@ -1107,7 +1107,7 @@
           <a:p>
             <a:fld id="{89DDC5F7-2580-4636-96AE-BDAAE81E0478}" type="datetimeFigureOut">
               <a:rPr kumimoji="1" lang="ja-JP" altLang="en-US" smtClean="0"/>
-              <a:t>2017/5/22</a:t>
+              <a:t>2017/6/10</a:t>
             </a:fld>
             <a:endParaRPr kumimoji="1" lang="ja-JP" altLang="en-US"/>
           </a:p>
@@ -1400,7 +1400,7 @@
           <a:p>
             <a:fld id="{89DDC5F7-2580-4636-96AE-BDAAE81E0478}" type="datetimeFigureOut">
               <a:rPr kumimoji="1" lang="ja-JP" altLang="en-US" smtClean="0"/>
-              <a:t>2017/5/22</a:t>
+              <a:t>2017/6/10</a:t>
             </a:fld>
             <a:endParaRPr kumimoji="1" lang="ja-JP" altLang="en-US"/>
           </a:p>
@@ -1828,7 +1828,7 @@
           <a:p>
             <a:fld id="{89DDC5F7-2580-4636-96AE-BDAAE81E0478}" type="datetimeFigureOut">
               <a:rPr kumimoji="1" lang="ja-JP" altLang="en-US" smtClean="0"/>
-              <a:t>2017/5/22</a:t>
+              <a:t>2017/6/10</a:t>
             </a:fld>
             <a:endParaRPr kumimoji="1" lang="ja-JP" altLang="en-US"/>
           </a:p>
@@ -1945,7 +1945,7 @@
           <a:p>
             <a:fld id="{89DDC5F7-2580-4636-96AE-BDAAE81E0478}" type="datetimeFigureOut">
               <a:rPr kumimoji="1" lang="ja-JP" altLang="en-US" smtClean="0"/>
-              <a:t>2017/5/22</a:t>
+              <a:t>2017/6/10</a:t>
             </a:fld>
             <a:endParaRPr kumimoji="1" lang="ja-JP" altLang="en-US"/>
           </a:p>
@@ -2040,7 +2040,7 @@
           <a:p>
             <a:fld id="{89DDC5F7-2580-4636-96AE-BDAAE81E0478}" type="datetimeFigureOut">
               <a:rPr kumimoji="1" lang="ja-JP" altLang="en-US" smtClean="0"/>
-              <a:t>2017/5/22</a:t>
+              <a:t>2017/6/10</a:t>
             </a:fld>
             <a:endParaRPr kumimoji="1" lang="ja-JP" altLang="en-US"/>
           </a:p>
@@ -2347,7 +2347,7 @@
           <a:p>
             <a:fld id="{89DDC5F7-2580-4636-96AE-BDAAE81E0478}" type="datetimeFigureOut">
               <a:rPr kumimoji="1" lang="ja-JP" altLang="en-US" smtClean="0"/>
-              <a:t>2017/5/22</a:t>
+              <a:t>2017/6/10</a:t>
             </a:fld>
             <a:endParaRPr kumimoji="1" lang="ja-JP" altLang="en-US"/>
           </a:p>
@@ -2599,7 +2599,7 @@
           <a:p>
             <a:fld id="{89DDC5F7-2580-4636-96AE-BDAAE81E0478}" type="datetimeFigureOut">
               <a:rPr kumimoji="1" lang="ja-JP" altLang="en-US" smtClean="0"/>
-              <a:t>2017/5/22</a:t>
+              <a:t>2017/6/10</a:t>
             </a:fld>
             <a:endParaRPr kumimoji="1" lang="ja-JP" altLang="en-US"/>
           </a:p>
@@ -2842,7 +2842,7 @@
           <a:p>
             <a:fld id="{89DDC5F7-2580-4636-96AE-BDAAE81E0478}" type="datetimeFigureOut">
               <a:rPr kumimoji="1" lang="ja-JP" altLang="en-US" smtClean="0"/>
-              <a:t>2017/5/22</a:t>
+              <a:t>2017/6/10</a:t>
             </a:fld>
             <a:endParaRPr kumimoji="1" lang="ja-JP" altLang="en-US"/>
           </a:p>
@@ -4869,7 +4869,104 @@
             </a:r>
           </a:p>
           <a:p>
+            <a:pPr marL="0" indent="0">
+              <a:buNone/>
+            </a:pPr>
             <a:endParaRPr kumimoji="1" lang="en-US" altLang="ja-JP" dirty="0"/>
+          </a:p>
+          <a:p>
+            <a:endParaRPr kumimoji="1" lang="en-US" altLang="ja-JP" dirty="0"/>
+          </a:p>
+          <a:p>
+            <a:endParaRPr kumimoji="1" lang="ja-JP" altLang="en-US" dirty="0"/>
+          </a:p>
+        </p:txBody>
+      </p:sp>
+      <p:sp>
+        <p:nvSpPr>
+          <p:cNvPr id="4" name="正方形/長方形 3">
+            <a:extLst>
+              <a:ext uri="{FF2B5EF4-FFF2-40B4-BE49-F238E27FC236}">
+                <a16:creationId xmlns:a16="http://schemas.microsoft.com/office/drawing/2014/main" id="{A9409094-AF35-4C4A-937F-353763898F81}"/>
+              </a:ext>
+            </a:extLst>
+          </p:cNvPr>
+          <p:cNvSpPr/>
+          <p:nvPr/>
+        </p:nvSpPr>
+        <p:spPr>
+          <a:xfrm>
+            <a:off x="923109" y="3457303"/>
+            <a:ext cx="10430691" cy="2325188"/>
+          </a:xfrm>
+          <a:prstGeom prst="rect">
+            <a:avLst/>
+          </a:prstGeom>
+          <a:solidFill>
+            <a:schemeClr val="accent6">
+              <a:lumMod val="75000"/>
+            </a:schemeClr>
+          </a:solidFill>
+        </p:spPr>
+        <p:style>
+          <a:lnRef idx="2">
+            <a:schemeClr val="accent1">
+              <a:shade val="50000"/>
+            </a:schemeClr>
+          </a:lnRef>
+          <a:fillRef idx="1">
+            <a:schemeClr val="accent1"/>
+          </a:fillRef>
+          <a:effectRef idx="0">
+            <a:schemeClr val="accent1"/>
+          </a:effectRef>
+          <a:fontRef idx="minor">
+            <a:schemeClr val="lt1"/>
+          </a:fontRef>
+        </p:style>
+        <p:txBody>
+          <a:bodyPr rtlCol="0" anchor="ctr"/>
+          <a:lstStyle/>
+          <a:p>
+            <a:r>
+              <a:rPr kumimoji="1" lang="en-US" altLang="ja-JP" u="sng" dirty="0"/>
+              <a:t>Recommendation</a:t>
+            </a:r>
+          </a:p>
+          <a:p>
+            <a:endParaRPr lang="en-US" altLang="ja-JP" dirty="0"/>
+          </a:p>
+          <a:p>
+            <a:r>
+              <a:rPr lang="en-US" altLang="ja-JP" dirty="0"/>
+              <a:t>Use MCU (such as PIC16F1) or </a:t>
+            </a:r>
+            <a:r>
+              <a:rPr lang="en-US" altLang="ja-JP" dirty="0" err="1"/>
+              <a:t>mbed</a:t>
+            </a:r>
+            <a:r>
+              <a:rPr lang="en-US" altLang="ja-JP" dirty="0"/>
+              <a:t> as a basis of mini PLC.</a:t>
+            </a:r>
+          </a:p>
+          <a:p>
+            <a:endParaRPr kumimoji="1" lang="en-US" altLang="ja-JP" dirty="0"/>
+          </a:p>
+          <a:p>
+            <a:r>
+              <a:rPr lang="en-US" altLang="ja-JP" dirty="0"/>
+              <a:t>Linux is not good at real-time processing, so this I2C backplane does not work well.</a:t>
+            </a:r>
+          </a:p>
+          <a:p>
+            <a:endParaRPr kumimoji="1" lang="en-US" altLang="ja-JP" dirty="0"/>
+          </a:p>
+          <a:p>
+            <a:r>
+              <a:rPr lang="en-US" altLang="ja-JP" dirty="0"/>
+              <a:t>Do not use Linux-based PCs such as Raspberry Pi. </a:t>
+            </a:r>
           </a:p>
           <a:p>
             <a:endParaRPr kumimoji="1" lang="ja-JP" altLang="en-US" dirty="0"/>
@@ -8363,7 +8460,7 @@
           <a:lstStyle/>
           <a:p>
             <a:pPr algn="ctr"/>
-            <a:endParaRPr kumimoji="1" lang="ja-JP" altLang="en-US"/>
+            <a:endParaRPr kumimoji="1" lang="ja-JP" altLang="en-US" dirty="0"/>
           </a:p>
         </p:txBody>
       </p:sp>
@@ -8376,7 +8473,7 @@
         <p:spPr>
           <a:xfrm>
             <a:off x="8103373" y="2020288"/>
-            <a:ext cx="1989647" cy="369332"/>
+            <a:ext cx="848309" cy="369332"/>
           </a:xfrm>
           <a:prstGeom prst="rect">
             <a:avLst/>
@@ -8391,7 +8488,7 @@
           <a:p>
             <a:r>
               <a:rPr kumimoji="1" lang="en-US" altLang="ja-JP" dirty="0"/>
-              <a:t>Command queue</a:t>
+              <a:t>Buffer</a:t>
             </a:r>
             <a:endParaRPr kumimoji="1" lang="ja-JP" altLang="en-US" dirty="0"/>
           </a:p>
@@ -8405,8 +8502,8 @@
         </p:nvSpPr>
         <p:spPr>
           <a:xfrm>
-            <a:off x="10498091" y="2588013"/>
-            <a:ext cx="871960" cy="192683"/>
+            <a:off x="10332626" y="2588013"/>
+            <a:ext cx="301936" cy="227380"/>
           </a:xfrm>
           <a:prstGeom prst="leftArrow">
             <a:avLst/>
@@ -8445,8 +8542,8 @@
         </p:nvSpPr>
         <p:spPr>
           <a:xfrm>
-            <a:off x="11379478" y="2499688"/>
-            <a:ext cx="803425" cy="369332"/>
+            <a:off x="10763781" y="2498315"/>
+            <a:ext cx="1265090" cy="369332"/>
           </a:xfrm>
           <a:prstGeom prst="rect">
             <a:avLst/>
@@ -8460,8 +8557,8 @@
           <a:lstStyle/>
           <a:p>
             <a:r>
-              <a:rPr lang="en-US" altLang="ja-JP" dirty="0"/>
-              <a:t>UART</a:t>
+              <a:rPr kumimoji="1" lang="en-US" altLang="ja-JP" dirty="0"/>
+              <a:t>Command</a:t>
             </a:r>
             <a:endParaRPr kumimoji="1" lang="ja-JP" altLang="en-US" dirty="0"/>
           </a:p>

--- a/doc/I2C_BACKPLANE_SPEC.pptx
+++ b/doc/I2C_BACKPLANE_SPEC.pptx
@@ -12,7 +12,6 @@
     <p:sldId id="258" r:id="rId6"/>
     <p:sldId id="261" r:id="rId7"/>
     <p:sldId id="263" r:id="rId8"/>
-    <p:sldId id="262" r:id="rId9"/>
   </p:sldIdLst>
   <p:sldSz cx="12192000" cy="6858000"/>
   <p:notesSz cx="6858000" cy="9144000"/>
@@ -252,7 +251,7 @@
           <a:p>
             <a:fld id="{89DDC5F7-2580-4636-96AE-BDAAE81E0478}" type="datetimeFigureOut">
               <a:rPr kumimoji="1" lang="ja-JP" altLang="en-US" smtClean="0"/>
-              <a:t>2017/6/10</a:t>
+              <a:t>2017/6/14</a:t>
             </a:fld>
             <a:endParaRPr kumimoji="1" lang="ja-JP" altLang="en-US"/>
           </a:p>
@@ -452,7 +451,7 @@
           <a:p>
             <a:fld id="{89DDC5F7-2580-4636-96AE-BDAAE81E0478}" type="datetimeFigureOut">
               <a:rPr kumimoji="1" lang="ja-JP" altLang="en-US" smtClean="0"/>
-              <a:t>2017/6/10</a:t>
+              <a:t>2017/6/14</a:t>
             </a:fld>
             <a:endParaRPr kumimoji="1" lang="ja-JP" altLang="en-US"/>
           </a:p>
@@ -662,7 +661,7 @@
           <a:p>
             <a:fld id="{89DDC5F7-2580-4636-96AE-BDAAE81E0478}" type="datetimeFigureOut">
               <a:rPr kumimoji="1" lang="ja-JP" altLang="en-US" smtClean="0"/>
-              <a:t>2017/6/10</a:t>
+              <a:t>2017/6/14</a:t>
             </a:fld>
             <a:endParaRPr kumimoji="1" lang="ja-JP" altLang="en-US"/>
           </a:p>
@@ -862,7 +861,7 @@
           <a:p>
             <a:fld id="{89DDC5F7-2580-4636-96AE-BDAAE81E0478}" type="datetimeFigureOut">
               <a:rPr kumimoji="1" lang="ja-JP" altLang="en-US" smtClean="0"/>
-              <a:t>2017/6/10</a:t>
+              <a:t>2017/6/14</a:t>
             </a:fld>
             <a:endParaRPr kumimoji="1" lang="ja-JP" altLang="en-US"/>
           </a:p>
@@ -1107,7 +1106,7 @@
           <a:p>
             <a:fld id="{89DDC5F7-2580-4636-96AE-BDAAE81E0478}" type="datetimeFigureOut">
               <a:rPr kumimoji="1" lang="ja-JP" altLang="en-US" smtClean="0"/>
-              <a:t>2017/6/10</a:t>
+              <a:t>2017/6/14</a:t>
             </a:fld>
             <a:endParaRPr kumimoji="1" lang="ja-JP" altLang="en-US"/>
           </a:p>
@@ -1400,7 +1399,7 @@
           <a:p>
             <a:fld id="{89DDC5F7-2580-4636-96AE-BDAAE81E0478}" type="datetimeFigureOut">
               <a:rPr kumimoji="1" lang="ja-JP" altLang="en-US" smtClean="0"/>
-              <a:t>2017/6/10</a:t>
+              <a:t>2017/6/14</a:t>
             </a:fld>
             <a:endParaRPr kumimoji="1" lang="ja-JP" altLang="en-US"/>
           </a:p>
@@ -1828,7 +1827,7 @@
           <a:p>
             <a:fld id="{89DDC5F7-2580-4636-96AE-BDAAE81E0478}" type="datetimeFigureOut">
               <a:rPr kumimoji="1" lang="ja-JP" altLang="en-US" smtClean="0"/>
-              <a:t>2017/6/10</a:t>
+              <a:t>2017/6/14</a:t>
             </a:fld>
             <a:endParaRPr kumimoji="1" lang="ja-JP" altLang="en-US"/>
           </a:p>
@@ -1945,7 +1944,7 @@
           <a:p>
             <a:fld id="{89DDC5F7-2580-4636-96AE-BDAAE81E0478}" type="datetimeFigureOut">
               <a:rPr kumimoji="1" lang="ja-JP" altLang="en-US" smtClean="0"/>
-              <a:t>2017/6/10</a:t>
+              <a:t>2017/6/14</a:t>
             </a:fld>
             <a:endParaRPr kumimoji="1" lang="ja-JP" altLang="en-US"/>
           </a:p>
@@ -2040,7 +2039,7 @@
           <a:p>
             <a:fld id="{89DDC5F7-2580-4636-96AE-BDAAE81E0478}" type="datetimeFigureOut">
               <a:rPr kumimoji="1" lang="ja-JP" altLang="en-US" smtClean="0"/>
-              <a:t>2017/6/10</a:t>
+              <a:t>2017/6/14</a:t>
             </a:fld>
             <a:endParaRPr kumimoji="1" lang="ja-JP" altLang="en-US"/>
           </a:p>
@@ -2347,7 +2346,7 @@
           <a:p>
             <a:fld id="{89DDC5F7-2580-4636-96AE-BDAAE81E0478}" type="datetimeFigureOut">
               <a:rPr kumimoji="1" lang="ja-JP" altLang="en-US" smtClean="0"/>
-              <a:t>2017/6/10</a:t>
+              <a:t>2017/6/14</a:t>
             </a:fld>
             <a:endParaRPr kumimoji="1" lang="ja-JP" altLang="en-US"/>
           </a:p>
@@ -2599,7 +2598,7 @@
           <a:p>
             <a:fld id="{89DDC5F7-2580-4636-96AE-BDAAE81E0478}" type="datetimeFigureOut">
               <a:rPr kumimoji="1" lang="ja-JP" altLang="en-US" smtClean="0"/>
-              <a:t>2017/6/10</a:t>
+              <a:t>2017/6/14</a:t>
             </a:fld>
             <a:endParaRPr kumimoji="1" lang="ja-JP" altLang="en-US"/>
           </a:p>
@@ -2842,7 +2841,7 @@
           <a:p>
             <a:fld id="{89DDC5F7-2580-4636-96AE-BDAAE81E0478}" type="datetimeFigureOut">
               <a:rPr kumimoji="1" lang="ja-JP" altLang="en-US" smtClean="0"/>
-              <a:t>2017/6/10</a:t>
+              <a:t>2017/6/14</a:t>
             </a:fld>
             <a:endParaRPr kumimoji="1" lang="ja-JP" altLang="en-US"/>
           </a:p>
@@ -4400,7 +4399,7 @@
         <p:spPr>
           <a:xfrm>
             <a:off x="1619217" y="3353863"/>
-            <a:ext cx="963725" cy="369332"/>
+            <a:ext cx="1015021" cy="307777"/>
           </a:xfrm>
           <a:prstGeom prst="rect">
             <a:avLst/>
@@ -4414,10 +4413,10 @@
           <a:lstStyle/>
           <a:p>
             <a:r>
-              <a:rPr kumimoji="1" lang="en-US" altLang="ja-JP" dirty="0"/>
-              <a:t>3k ohm</a:t>
-            </a:r>
-            <a:endParaRPr kumimoji="1" lang="ja-JP" altLang="en-US" dirty="0"/>
+              <a:rPr kumimoji="1" lang="en-US" altLang="ja-JP" sz="1400" dirty="0"/>
+              <a:t>1~5k ohm</a:t>
+            </a:r>
+            <a:endParaRPr kumimoji="1" lang="ja-JP" altLang="en-US" sz="1400" dirty="0"/>
           </a:p>
         </p:txBody>
       </p:sp>
@@ -4429,8 +4428,8 @@
         </p:nvSpPr>
         <p:spPr>
           <a:xfrm>
-            <a:off x="172476" y="3501988"/>
-            <a:ext cx="963725" cy="369332"/>
+            <a:off x="85386" y="3554241"/>
+            <a:ext cx="1015021" cy="307777"/>
           </a:xfrm>
           <a:prstGeom prst="rect">
             <a:avLst/>
@@ -4444,10 +4443,10 @@
           <a:lstStyle/>
           <a:p>
             <a:r>
-              <a:rPr kumimoji="1" lang="en-US" altLang="ja-JP" dirty="0"/>
-              <a:t>3k ohm</a:t>
-            </a:r>
-            <a:endParaRPr kumimoji="1" lang="ja-JP" altLang="en-US" dirty="0"/>
+              <a:rPr kumimoji="1" lang="en-US" altLang="ja-JP" sz="1400" dirty="0"/>
+              <a:t>1~5k ohm</a:t>
+            </a:r>
+            <a:endParaRPr kumimoji="1" lang="ja-JP" altLang="en-US" sz="1400" dirty="0"/>
           </a:p>
         </p:txBody>
       </p:sp>
@@ -4956,16 +4955,7 @@
           <a:p>
             <a:r>
               <a:rPr lang="en-US" altLang="ja-JP" dirty="0"/>
-              <a:t>Linux is not good at real-time processing, so this I2C backplane does not work well.</a:t>
-            </a:r>
-          </a:p>
-          <a:p>
-            <a:endParaRPr kumimoji="1" lang="en-US" altLang="ja-JP" dirty="0"/>
-          </a:p>
-          <a:p>
-            <a:r>
-              <a:rPr lang="en-US" altLang="ja-JP" dirty="0"/>
-              <a:t>Do not use Linux-based PCs such as Raspberry Pi. </a:t>
+              <a:t>Linux is not good at real-time processing, so this I2C backplane may not work well.</a:t>
             </a:r>
           </a:p>
           <a:p>
@@ -5040,13 +5030,13 @@
           <p:nvPr>
             <p:extLst>
               <p:ext uri="{D42A27DB-BD31-4B8C-83A1-F6EECF244321}">
-                <p14:modId xmlns:p14="http://schemas.microsoft.com/office/powerpoint/2010/main" val="303137231"/>
+                <p14:modId xmlns:p14="http://schemas.microsoft.com/office/powerpoint/2010/main" val="1113001179"/>
               </p:ext>
             </p:extLst>
           </p:nvPr>
         </p:nvGraphicFramePr>
         <p:xfrm>
-          <a:off x="8089078" y="1461157"/>
+          <a:off x="8350348" y="1461157"/>
           <a:ext cx="2002450" cy="5196840"/>
         </p:xfrm>
         <a:graphic>
@@ -6450,7 +6440,7 @@
         </p:nvSpPr>
         <p:spPr>
           <a:xfrm>
-            <a:off x="10183819" y="1461157"/>
+            <a:off x="10445089" y="1461157"/>
             <a:ext cx="172472" cy="197962"/>
           </a:xfrm>
           <a:prstGeom prst="rightBrace">
@@ -6488,7 +6478,7 @@
         </p:nvSpPr>
         <p:spPr>
           <a:xfrm>
-            <a:off x="10448582" y="1373464"/>
+            <a:off x="10709852" y="1373464"/>
             <a:ext cx="726481" cy="261610"/>
           </a:xfrm>
           <a:prstGeom prst="rect">
@@ -6804,7 +6794,7 @@
         </p:nvSpPr>
         <p:spPr>
           <a:xfrm>
-            <a:off x="11434120" y="3933923"/>
+            <a:off x="11660554" y="3933923"/>
             <a:ext cx="874206" cy="261610"/>
           </a:xfrm>
           <a:prstGeom prst="rect">
@@ -6834,7 +6824,7 @@
         </p:nvSpPr>
         <p:spPr>
           <a:xfrm>
-            <a:off x="11158138" y="1461157"/>
+            <a:off x="11419408" y="1461157"/>
             <a:ext cx="205575" cy="5196840"/>
           </a:xfrm>
           <a:prstGeom prst="rightBrace">
@@ -7023,6 +7013,46 @@
               <a:t>&lt;command&gt;</a:t>
             </a:r>
             <a:endParaRPr kumimoji="1" lang="ja-JP" altLang="en-US" sz="1200" dirty="0"/>
+          </a:p>
+        </p:txBody>
+      </p:sp>
+      <p:sp>
+        <p:nvSpPr>
+          <p:cNvPr id="42" name="テキスト ボックス 41">
+            <a:extLst>
+              <a:ext uri="{FF2B5EF4-FFF2-40B4-BE49-F238E27FC236}">
+                <a16:creationId xmlns:a16="http://schemas.microsoft.com/office/drawing/2014/main" id="{C3110825-FE36-40ED-BAE3-EFE46326BA12}"/>
+              </a:ext>
+            </a:extLst>
+          </p:cNvPr>
+          <p:cNvSpPr txBox="1"/>
+          <p:nvPr/>
+        </p:nvSpPr>
+        <p:spPr>
+          <a:xfrm>
+            <a:off x="6861998" y="1492352"/>
+            <a:ext cx="1192955" cy="307777"/>
+          </a:xfrm>
+          <a:prstGeom prst="rect">
+            <a:avLst/>
+          </a:prstGeom>
+          <a:noFill/>
+        </p:spPr>
+        <p:txBody>
+          <a:bodyPr wrap="none" rtlCol="0">
+            <a:spAutoFit/>
+          </a:bodyPr>
+          <a:lstStyle/>
+          <a:p>
+            <a:r>
+              <a:rPr kumimoji="1" lang="en-US" altLang="ja-JP" sz="1400" dirty="0" err="1"/>
+              <a:t>IoT</a:t>
+            </a:r>
+            <a:r>
+              <a:rPr kumimoji="1" lang="en-US" altLang="ja-JP" sz="1400" dirty="0"/>
+              <a:t> gateway</a:t>
+            </a:r>
+            <a:endParaRPr kumimoji="1" lang="ja-JP" altLang="en-US" sz="1400" dirty="0"/>
           </a:p>
         </p:txBody>
       </p:sp>
@@ -7722,7 +7752,7 @@
         </p:nvCxnSpPr>
         <p:spPr>
           <a:xfrm flipH="1">
-            <a:off x="5792766" y="4774685"/>
+            <a:off x="5792766" y="4940151"/>
             <a:ext cx="3722016" cy="0"/>
           </a:xfrm>
           <a:prstGeom prst="straightConnector1">
@@ -7730,7 +7760,7 @@
           </a:prstGeom>
           <a:ln>
             <a:headEnd type="triangle" w="med" len="med"/>
-            <a:tailEnd type="triangle" w="med" len="med"/>
+            <a:tailEnd type="none" w="med" len="med"/>
           </a:ln>
         </p:spPr>
         <p:style>
@@ -7756,7 +7786,7 @@
         </p:nvSpPr>
         <p:spPr>
           <a:xfrm>
-            <a:off x="6700168" y="4449298"/>
+            <a:off x="6700168" y="4571224"/>
             <a:ext cx="1843774" cy="369332"/>
           </a:xfrm>
           <a:prstGeom prst="rect">
@@ -7792,7 +7822,7 @@
         </p:nvCxnSpPr>
         <p:spPr>
           <a:xfrm flipH="1">
-            <a:off x="5784907" y="5115623"/>
+            <a:off x="5784907" y="5281089"/>
             <a:ext cx="3722016" cy="0"/>
           </a:xfrm>
           <a:prstGeom prst="straightConnector1">
@@ -7800,7 +7830,7 @@
           </a:prstGeom>
           <a:ln>
             <a:headEnd type="triangle" w="med" len="med"/>
-            <a:tailEnd type="triangle" w="med" len="med"/>
+            <a:tailEnd type="none" w="med" len="med"/>
           </a:ln>
         </p:spPr>
         <p:style>
@@ -7826,7 +7856,7 @@
         </p:nvSpPr>
         <p:spPr>
           <a:xfrm>
-            <a:off x="6701736" y="4790236"/>
+            <a:off x="6701736" y="4955702"/>
             <a:ext cx="2064989" cy="369332"/>
           </a:xfrm>
           <a:prstGeom prst="rect">
@@ -7862,7 +7892,7 @@
         </p:nvCxnSpPr>
         <p:spPr>
           <a:xfrm flipH="1">
-            <a:off x="5795902" y="5484840"/>
+            <a:off x="5795902" y="5650306"/>
             <a:ext cx="3722016" cy="0"/>
           </a:xfrm>
           <a:prstGeom prst="straightConnector1">
@@ -7870,7 +7900,7 @@
           </a:prstGeom>
           <a:ln>
             <a:headEnd type="triangle" w="med" len="med"/>
-            <a:tailEnd type="triangle" w="med" len="med"/>
+            <a:tailEnd type="none" w="med" len="med"/>
           </a:ln>
         </p:spPr>
         <p:style>
@@ -7896,8 +7926,8 @@
         </p:nvSpPr>
         <p:spPr>
           <a:xfrm>
-            <a:off x="6697333" y="5187660"/>
-            <a:ext cx="2250937" cy="369332"/>
+            <a:off x="6697333" y="5353126"/>
+            <a:ext cx="2683748" cy="369332"/>
           </a:xfrm>
           <a:prstGeom prst="rect">
             <a:avLst/>
@@ -7916,107 +7946,7 @@
             </a:r>
             <a:r>
               <a:rPr lang="en-US" altLang="ja-JP" dirty="0"/>
-              <a:t>read (Value #0)</a:t>
-            </a:r>
-            <a:endParaRPr kumimoji="1" lang="ja-JP" altLang="en-US" dirty="0"/>
-          </a:p>
-        </p:txBody>
-      </p:sp>
-      <p:cxnSp>
-        <p:nvCxnSpPr>
-          <p:cNvPr id="42" name="直線矢印コネクタ 41"/>
-          <p:cNvCxnSpPr>
-            <a:cxnSpLocks/>
-          </p:cNvCxnSpPr>
-          <p:nvPr/>
-        </p:nvCxnSpPr>
-        <p:spPr>
-          <a:xfrm flipH="1">
-            <a:off x="5783339" y="6419665"/>
-            <a:ext cx="3722016" cy="0"/>
-          </a:xfrm>
-          <a:prstGeom prst="straightConnector1">
-            <a:avLst/>
-          </a:prstGeom>
-          <a:ln>
-            <a:headEnd type="triangle" w="med" len="med"/>
-            <a:tailEnd type="triangle" w="med" len="med"/>
-          </a:ln>
-        </p:spPr>
-        <p:style>
-          <a:lnRef idx="1">
-            <a:schemeClr val="accent1"/>
-          </a:lnRef>
-          <a:fillRef idx="0">
-            <a:schemeClr val="accent1"/>
-          </a:fillRef>
-          <a:effectRef idx="0">
-            <a:schemeClr val="accent1"/>
-          </a:effectRef>
-          <a:fontRef idx="minor">
-            <a:schemeClr val="tx1"/>
-          </a:fontRef>
-        </p:style>
-      </p:cxnSp>
-      <p:sp>
-        <p:nvSpPr>
-          <p:cNvPr id="43" name="テキスト ボックス 42"/>
-          <p:cNvSpPr txBox="1"/>
-          <p:nvPr/>
-        </p:nvSpPr>
-        <p:spPr>
-          <a:xfrm>
-            <a:off x="6697332" y="6082480"/>
-            <a:ext cx="2257349" cy="369332"/>
-          </a:xfrm>
-          <a:prstGeom prst="rect">
-            <a:avLst/>
-          </a:prstGeom>
-          <a:noFill/>
-        </p:spPr>
-        <p:txBody>
-          <a:bodyPr wrap="none" rtlCol="0">
-            <a:spAutoFit/>
-          </a:bodyPr>
-          <a:lstStyle/>
-          <a:p>
-            <a:r>
-              <a:rPr kumimoji="1" lang="en-US" altLang="ja-JP" dirty="0"/>
-              <a:t>I2C </a:t>
-            </a:r>
-            <a:r>
-              <a:rPr lang="en-US" altLang="ja-JP" dirty="0"/>
-              <a:t>read (Value #n)</a:t>
-            </a:r>
-            <a:endParaRPr kumimoji="1" lang="ja-JP" altLang="en-US" dirty="0"/>
-          </a:p>
-        </p:txBody>
-      </p:sp>
-      <p:sp>
-        <p:nvSpPr>
-          <p:cNvPr id="3" name="テキスト ボックス 2"/>
-          <p:cNvSpPr txBox="1"/>
-          <p:nvPr/>
-        </p:nvSpPr>
-        <p:spPr>
-          <a:xfrm>
-            <a:off x="7484881" y="5618379"/>
-            <a:ext cx="250390" cy="369332"/>
-          </a:xfrm>
-          <a:prstGeom prst="rect">
-            <a:avLst/>
-          </a:prstGeom>
-          <a:noFill/>
-        </p:spPr>
-        <p:txBody>
-          <a:bodyPr wrap="none" rtlCol="0">
-            <a:spAutoFit/>
-          </a:bodyPr>
-          <a:lstStyle/>
-          <a:p>
-            <a:r>
-              <a:rPr kumimoji="1" lang="en-US" altLang="ja-JP" dirty="0"/>
-              <a:t>:</a:t>
+              <a:t>read (Value #0~#n)</a:t>
             </a:r>
             <a:endParaRPr kumimoji="1" lang="ja-JP" altLang="en-US" dirty="0"/>
           </a:p>
@@ -9879,88 +9809,6 @@
 </p:sld>
 </file>
 
-<file path=ppt/slides/slide8.xml><?xml version="1.0" encoding="utf-8"?>
-<p:sld xmlns:a="http://schemas.openxmlformats.org/drawingml/2006/main" xmlns:r="http://schemas.openxmlformats.org/officeDocument/2006/relationships" xmlns:p="http://schemas.openxmlformats.org/presentationml/2006/main">
-  <p:cSld>
-    <p:spTree>
-      <p:nvGrpSpPr>
-        <p:cNvPr id="1" name=""/>
-        <p:cNvGrpSpPr/>
-        <p:nvPr/>
-      </p:nvGrpSpPr>
-      <p:grpSpPr>
-        <a:xfrm>
-          <a:off x="0" y="0"/>
-          <a:ext cx="0" cy="0"/>
-          <a:chOff x="0" y="0"/>
-          <a:chExt cx="0" cy="0"/>
-        </a:xfrm>
-      </p:grpSpPr>
-      <p:sp>
-        <p:nvSpPr>
-          <p:cNvPr id="2" name="タイトル 1"/>
-          <p:cNvSpPr>
-            <a:spLocks noGrp="1"/>
-          </p:cNvSpPr>
-          <p:nvPr>
-            <p:ph type="title"/>
-          </p:nvPr>
-        </p:nvSpPr>
-        <p:spPr/>
-        <p:txBody>
-          <a:bodyPr/>
-          <a:lstStyle/>
-          <a:p>
-            <a:r>
-              <a:rPr kumimoji="1" lang="en-US" altLang="ja-JP" dirty="0"/>
-              <a:t>Caveats</a:t>
-            </a:r>
-            <a:endParaRPr kumimoji="1" lang="ja-JP" altLang="en-US" dirty="0"/>
-          </a:p>
-        </p:txBody>
-      </p:sp>
-      <p:sp>
-        <p:nvSpPr>
-          <p:cNvPr id="3" name="コンテンツ プレースホルダー 2"/>
-          <p:cNvSpPr>
-            <a:spLocks noGrp="1"/>
-          </p:cNvSpPr>
-          <p:nvPr>
-            <p:ph idx="1"/>
-          </p:nvPr>
-        </p:nvSpPr>
-        <p:spPr/>
-        <p:txBody>
-          <a:bodyPr/>
-          <a:lstStyle/>
-          <a:p>
-            <a:r>
-              <a:rPr kumimoji="1" lang="en-US" altLang="ja-JP" dirty="0"/>
-              <a:t>I2C communications limited to one byte data at each time  </a:t>
-            </a:r>
-            <a:r>
-              <a:rPr kumimoji="1" lang="en-US" altLang="ja-JP" dirty="0">
-                <a:sym typeface="Wingdings" panose="05000000000000000000" pitchFamily="2" charset="2"/>
-              </a:rPr>
-              <a:t> to be improved</a:t>
-            </a:r>
-            <a:endParaRPr kumimoji="1" lang="ja-JP" altLang="en-US" dirty="0"/>
-          </a:p>
-        </p:txBody>
-      </p:sp>
-    </p:spTree>
-    <p:extLst>
-      <p:ext uri="{BB962C8B-B14F-4D97-AF65-F5344CB8AC3E}">
-        <p14:creationId xmlns:p14="http://schemas.microsoft.com/office/powerpoint/2010/main" val="3879385785"/>
-      </p:ext>
-    </p:extLst>
-  </p:cSld>
-  <p:clrMapOvr>
-    <a:masterClrMapping/>
-  </p:clrMapOvr>
-</p:sld>
-</file>
-
 <file path=ppt/theme/theme1.xml><?xml version="1.0" encoding="utf-8"?>
 <a:theme xmlns:a="http://schemas.openxmlformats.org/drawingml/2006/main" name="Office テーマ">
   <a:themeElements>

--- a/doc/I2C_BACKPLANE_SPEC.pptx
+++ b/doc/I2C_BACKPLANE_SPEC.pptx
@@ -12,6 +12,7 @@
     <p:sldId id="258" r:id="rId6"/>
     <p:sldId id="261" r:id="rId7"/>
     <p:sldId id="263" r:id="rId8"/>
+    <p:sldId id="265" r:id="rId9"/>
   </p:sldIdLst>
   <p:sldSz cx="12192000" cy="6858000"/>
   <p:notesSz cx="6858000" cy="9144000"/>
@@ -9809,6 +9810,581 @@
 </p:sld>
 </file>
 
+<file path=ppt/slides/slide8.xml><?xml version="1.0" encoding="utf-8"?>
+<p:sld xmlns:a="http://schemas.openxmlformats.org/drawingml/2006/main" xmlns:r="http://schemas.openxmlformats.org/officeDocument/2006/relationships" xmlns:p="http://schemas.openxmlformats.org/presentationml/2006/main">
+  <p:cSld>
+    <p:spTree>
+      <p:nvGrpSpPr>
+        <p:cNvPr id="1" name=""/>
+        <p:cNvGrpSpPr/>
+        <p:nvPr/>
+      </p:nvGrpSpPr>
+      <p:grpSpPr>
+        <a:xfrm>
+          <a:off x="0" y="0"/>
+          <a:ext cx="0" cy="0"/>
+          <a:chOff x="0" y="0"/>
+          <a:chExt cx="0" cy="0"/>
+        </a:xfrm>
+      </p:grpSpPr>
+      <p:sp>
+        <p:nvSpPr>
+          <p:cNvPr id="2" name="タイトル 1"/>
+          <p:cNvSpPr>
+            <a:spLocks noGrp="1"/>
+          </p:cNvSpPr>
+          <p:nvPr>
+            <p:ph type="title"/>
+          </p:nvPr>
+        </p:nvSpPr>
+        <p:spPr/>
+        <p:txBody>
+          <a:bodyPr>
+            <a:normAutofit/>
+          </a:bodyPr>
+          <a:lstStyle/>
+          <a:p>
+            <a:r>
+              <a:rPr lang="en-US" altLang="ja-JP" sz="3600" dirty="0"/>
+              <a:t>Extended-command redirection to I2C backplane</a:t>
+            </a:r>
+            <a:endParaRPr kumimoji="1" lang="ja-JP" altLang="en-US" sz="3600" dirty="0"/>
+          </a:p>
+        </p:txBody>
+      </p:sp>
+      <p:cxnSp>
+        <p:nvCxnSpPr>
+          <p:cNvPr id="4" name="直線コネクタ 3"/>
+          <p:cNvCxnSpPr/>
+          <p:nvPr/>
+        </p:nvCxnSpPr>
+        <p:spPr>
+          <a:xfrm>
+            <a:off x="6053613" y="1866508"/>
+            <a:ext cx="0" cy="4644880"/>
+          </a:xfrm>
+          <a:prstGeom prst="line">
+            <a:avLst/>
+          </a:prstGeom>
+        </p:spPr>
+        <p:style>
+          <a:lnRef idx="1">
+            <a:schemeClr val="accent1"/>
+          </a:lnRef>
+          <a:fillRef idx="0">
+            <a:schemeClr val="accent1"/>
+          </a:fillRef>
+          <a:effectRef idx="0">
+            <a:schemeClr val="accent1"/>
+          </a:effectRef>
+          <a:fontRef idx="minor">
+            <a:schemeClr val="tx1"/>
+          </a:fontRef>
+        </p:style>
+      </p:cxnSp>
+      <p:cxnSp>
+        <p:nvCxnSpPr>
+          <p:cNvPr id="7" name="直線コネクタ 6"/>
+          <p:cNvCxnSpPr/>
+          <p:nvPr/>
+        </p:nvCxnSpPr>
+        <p:spPr>
+          <a:xfrm>
+            <a:off x="2333168" y="1805964"/>
+            <a:ext cx="0" cy="4644880"/>
+          </a:xfrm>
+          <a:prstGeom prst="line">
+            <a:avLst/>
+          </a:prstGeom>
+        </p:spPr>
+        <p:style>
+          <a:lnRef idx="1">
+            <a:schemeClr val="accent1"/>
+          </a:lnRef>
+          <a:fillRef idx="0">
+            <a:schemeClr val="accent1"/>
+          </a:fillRef>
+          <a:effectRef idx="0">
+            <a:schemeClr val="accent1"/>
+          </a:effectRef>
+          <a:fontRef idx="minor">
+            <a:schemeClr val="tx1"/>
+          </a:fontRef>
+        </p:style>
+      </p:cxnSp>
+      <p:sp>
+        <p:nvSpPr>
+          <p:cNvPr id="11" name="テキスト ボックス 10"/>
+          <p:cNvSpPr txBox="1"/>
+          <p:nvPr/>
+        </p:nvSpPr>
+        <p:spPr>
+          <a:xfrm>
+            <a:off x="2013837" y="1462917"/>
+            <a:ext cx="633507" cy="307777"/>
+          </a:xfrm>
+          <a:prstGeom prst="rect">
+            <a:avLst/>
+          </a:prstGeom>
+          <a:noFill/>
+        </p:spPr>
+        <p:txBody>
+          <a:bodyPr wrap="none" rtlCol="0">
+            <a:spAutoFit/>
+          </a:bodyPr>
+          <a:lstStyle/>
+          <a:p>
+            <a:r>
+              <a:rPr kumimoji="1" lang="en-US" altLang="ja-JP" sz="1400" dirty="0"/>
+              <a:t>Slave</a:t>
+            </a:r>
+            <a:endParaRPr kumimoji="1" lang="ja-JP" altLang="en-US" sz="1400" dirty="0"/>
+          </a:p>
+        </p:txBody>
+      </p:sp>
+      <p:sp>
+        <p:nvSpPr>
+          <p:cNvPr id="21" name="テキスト ボックス 20"/>
+          <p:cNvSpPr txBox="1"/>
+          <p:nvPr/>
+        </p:nvSpPr>
+        <p:spPr>
+          <a:xfrm>
+            <a:off x="5682213" y="1498187"/>
+            <a:ext cx="771365" cy="307777"/>
+          </a:xfrm>
+          <a:prstGeom prst="rect">
+            <a:avLst/>
+          </a:prstGeom>
+          <a:noFill/>
+        </p:spPr>
+        <p:txBody>
+          <a:bodyPr wrap="none" rtlCol="0">
+            <a:spAutoFit/>
+          </a:bodyPr>
+          <a:lstStyle/>
+          <a:p>
+            <a:r>
+              <a:rPr lang="en-US" altLang="ja-JP" sz="1400" dirty="0"/>
+              <a:t>Master</a:t>
+            </a:r>
+            <a:endParaRPr kumimoji="1" lang="ja-JP" altLang="en-US" sz="1400" dirty="0"/>
+          </a:p>
+        </p:txBody>
+      </p:sp>
+      <p:cxnSp>
+        <p:nvCxnSpPr>
+          <p:cNvPr id="24" name="直線矢印コネクタ 23"/>
+          <p:cNvCxnSpPr>
+            <a:cxnSpLocks/>
+          </p:cNvCxnSpPr>
+          <p:nvPr/>
+        </p:nvCxnSpPr>
+        <p:spPr>
+          <a:xfrm flipH="1">
+            <a:off x="2333168" y="2446752"/>
+            <a:ext cx="3722016" cy="0"/>
+          </a:xfrm>
+          <a:prstGeom prst="straightConnector1">
+            <a:avLst/>
+          </a:prstGeom>
+          <a:ln>
+            <a:tailEnd type="triangle"/>
+          </a:ln>
+        </p:spPr>
+        <p:style>
+          <a:lnRef idx="1">
+            <a:schemeClr val="accent1"/>
+          </a:lnRef>
+          <a:fillRef idx="0">
+            <a:schemeClr val="accent1"/>
+          </a:fillRef>
+          <a:effectRef idx="0">
+            <a:schemeClr val="accent1"/>
+          </a:effectRef>
+          <a:fontRef idx="minor">
+            <a:schemeClr val="tx1"/>
+          </a:fontRef>
+        </p:style>
+      </p:cxnSp>
+      <p:sp>
+        <p:nvSpPr>
+          <p:cNvPr id="34" name="テキスト ボックス 33"/>
+          <p:cNvSpPr txBox="1"/>
+          <p:nvPr/>
+        </p:nvSpPr>
+        <p:spPr>
+          <a:xfrm>
+            <a:off x="3248730" y="2081297"/>
+            <a:ext cx="1835759" cy="369332"/>
+          </a:xfrm>
+          <a:prstGeom prst="rect">
+            <a:avLst/>
+          </a:prstGeom>
+          <a:noFill/>
+        </p:spPr>
+        <p:txBody>
+          <a:bodyPr wrap="none" rtlCol="0">
+            <a:spAutoFit/>
+          </a:bodyPr>
+          <a:lstStyle/>
+          <a:p>
+            <a:r>
+              <a:rPr kumimoji="1" lang="en-US" altLang="ja-JP" dirty="0"/>
+              <a:t>I2C write “EXT”</a:t>
+            </a:r>
+            <a:endParaRPr kumimoji="1" lang="ja-JP" altLang="en-US" dirty="0"/>
+          </a:p>
+        </p:txBody>
+      </p:sp>
+      <p:cxnSp>
+        <p:nvCxnSpPr>
+          <p:cNvPr id="36" name="直線矢印コネクタ 35"/>
+          <p:cNvCxnSpPr>
+            <a:cxnSpLocks/>
+          </p:cNvCxnSpPr>
+          <p:nvPr/>
+        </p:nvCxnSpPr>
+        <p:spPr>
+          <a:xfrm flipH="1">
+            <a:off x="2344163" y="2972010"/>
+            <a:ext cx="3722016" cy="0"/>
+          </a:xfrm>
+          <a:prstGeom prst="straightConnector1">
+            <a:avLst/>
+          </a:prstGeom>
+          <a:ln>
+            <a:headEnd type="none" w="med" len="med"/>
+            <a:tailEnd type="triangle" w="med" len="med"/>
+          </a:ln>
+        </p:spPr>
+        <p:style>
+          <a:lnRef idx="1">
+            <a:schemeClr val="accent1"/>
+          </a:lnRef>
+          <a:fillRef idx="0">
+            <a:schemeClr val="accent1"/>
+          </a:fillRef>
+          <a:effectRef idx="0">
+            <a:schemeClr val="accent1"/>
+          </a:effectRef>
+          <a:fontRef idx="minor">
+            <a:schemeClr val="tx1"/>
+          </a:fontRef>
+        </p:style>
+      </p:cxnSp>
+      <p:sp>
+        <p:nvSpPr>
+          <p:cNvPr id="37" name="テキスト ボックス 36"/>
+          <p:cNvSpPr txBox="1"/>
+          <p:nvPr/>
+        </p:nvSpPr>
+        <p:spPr>
+          <a:xfrm>
+            <a:off x="3251565" y="2603083"/>
+            <a:ext cx="2125903" cy="369332"/>
+          </a:xfrm>
+          <a:prstGeom prst="rect">
+            <a:avLst/>
+          </a:prstGeom>
+          <a:noFill/>
+        </p:spPr>
+        <p:txBody>
+          <a:bodyPr wrap="none" rtlCol="0">
+            <a:spAutoFit/>
+          </a:bodyPr>
+          <a:lstStyle/>
+          <a:p>
+            <a:r>
+              <a:rPr kumimoji="1" lang="en-US" altLang="ja-JP" dirty="0"/>
+              <a:t>I2C write</a:t>
+            </a:r>
+            <a:r>
+              <a:rPr lang="en-US" altLang="ja-JP" dirty="0"/>
+              <a:t> (Length)</a:t>
+            </a:r>
+            <a:endParaRPr kumimoji="1" lang="ja-JP" altLang="en-US" dirty="0"/>
+          </a:p>
+        </p:txBody>
+      </p:sp>
+      <p:cxnSp>
+        <p:nvCxnSpPr>
+          <p:cNvPr id="40" name="直線矢印コネクタ 39"/>
+          <p:cNvCxnSpPr>
+            <a:cxnSpLocks/>
+          </p:cNvCxnSpPr>
+          <p:nvPr/>
+        </p:nvCxnSpPr>
+        <p:spPr>
+          <a:xfrm flipH="1">
+            <a:off x="2347299" y="3429610"/>
+            <a:ext cx="3722016" cy="0"/>
+          </a:xfrm>
+          <a:prstGeom prst="straightConnector1">
+            <a:avLst/>
+          </a:prstGeom>
+          <a:ln>
+            <a:headEnd type="none" w="med" len="med"/>
+            <a:tailEnd type="triangle" w="med" len="med"/>
+          </a:ln>
+        </p:spPr>
+        <p:style>
+          <a:lnRef idx="1">
+            <a:schemeClr val="accent1"/>
+          </a:lnRef>
+          <a:fillRef idx="0">
+            <a:schemeClr val="accent1"/>
+          </a:fillRef>
+          <a:effectRef idx="0">
+            <a:schemeClr val="accent1"/>
+          </a:effectRef>
+          <a:fontRef idx="minor">
+            <a:schemeClr val="tx1"/>
+          </a:fontRef>
+        </p:style>
+      </p:cxnSp>
+      <p:sp>
+        <p:nvSpPr>
+          <p:cNvPr id="41" name="テキスト ボックス 40"/>
+          <p:cNvSpPr txBox="1"/>
+          <p:nvPr/>
+        </p:nvSpPr>
+        <p:spPr>
+          <a:xfrm>
+            <a:off x="3248730" y="3062764"/>
+            <a:ext cx="2744662" cy="369332"/>
+          </a:xfrm>
+          <a:prstGeom prst="rect">
+            <a:avLst/>
+          </a:prstGeom>
+          <a:noFill/>
+        </p:spPr>
+        <p:txBody>
+          <a:bodyPr wrap="none" rtlCol="0">
+            <a:spAutoFit/>
+          </a:bodyPr>
+          <a:lstStyle/>
+          <a:p>
+            <a:r>
+              <a:rPr kumimoji="1" lang="en-US" altLang="ja-JP" dirty="0"/>
+              <a:t>I2C write</a:t>
+            </a:r>
+            <a:r>
+              <a:rPr lang="en-US" altLang="ja-JP" dirty="0"/>
+              <a:t> (Value #0~#n)</a:t>
+            </a:r>
+            <a:endParaRPr kumimoji="1" lang="ja-JP" altLang="en-US" dirty="0"/>
+          </a:p>
+        </p:txBody>
+      </p:sp>
+      <p:sp>
+        <p:nvSpPr>
+          <p:cNvPr id="45" name="右中かっこ 44"/>
+          <p:cNvSpPr/>
+          <p:nvPr/>
+        </p:nvSpPr>
+        <p:spPr>
+          <a:xfrm>
+            <a:off x="6106470" y="2445966"/>
+            <a:ext cx="523752" cy="2316627"/>
+          </a:xfrm>
+          <a:prstGeom prst="rightBrace">
+            <a:avLst/>
+          </a:prstGeom>
+        </p:spPr>
+        <p:style>
+          <a:lnRef idx="1">
+            <a:schemeClr val="accent1"/>
+          </a:lnRef>
+          <a:fillRef idx="0">
+            <a:schemeClr val="accent1"/>
+          </a:fillRef>
+          <a:effectRef idx="0">
+            <a:schemeClr val="accent1"/>
+          </a:effectRef>
+          <a:fontRef idx="minor">
+            <a:schemeClr val="tx1"/>
+          </a:fontRef>
+        </p:style>
+        <p:txBody>
+          <a:bodyPr rtlCol="0" anchor="ctr"/>
+          <a:lstStyle/>
+          <a:p>
+            <a:pPr algn="ctr"/>
+            <a:endParaRPr kumimoji="1" lang="ja-JP" altLang="en-US"/>
+          </a:p>
+        </p:txBody>
+      </p:sp>
+      <p:sp>
+        <p:nvSpPr>
+          <p:cNvPr id="46" name="テキスト ボックス 45"/>
+          <p:cNvSpPr txBox="1"/>
+          <p:nvPr/>
+        </p:nvSpPr>
+        <p:spPr>
+          <a:xfrm>
+            <a:off x="6710805" y="3450396"/>
+            <a:ext cx="1845377" cy="307777"/>
+          </a:xfrm>
+          <a:prstGeom prst="rect">
+            <a:avLst/>
+          </a:prstGeom>
+          <a:noFill/>
+        </p:spPr>
+        <p:txBody>
+          <a:bodyPr wrap="none" rtlCol="0">
+            <a:spAutoFit/>
+          </a:bodyPr>
+          <a:lstStyle/>
+          <a:p>
+            <a:r>
+              <a:rPr kumimoji="1" lang="en-US" altLang="ja-JP" sz="1400" dirty="0"/>
+              <a:t>50msec time slot 3b</a:t>
+            </a:r>
+            <a:endParaRPr kumimoji="1" lang="ja-JP" altLang="en-US" sz="1400" dirty="0"/>
+          </a:p>
+        </p:txBody>
+      </p:sp>
+      <p:sp>
+        <p:nvSpPr>
+          <p:cNvPr id="42" name="楕円 41">
+            <a:extLst>
+              <a:ext uri="{FF2B5EF4-FFF2-40B4-BE49-F238E27FC236}">
+                <a16:creationId xmlns:a16="http://schemas.microsoft.com/office/drawing/2014/main" id="{08064433-FEA5-4556-9B39-989FCE658B59}"/>
+              </a:ext>
+            </a:extLst>
+          </p:cNvPr>
+          <p:cNvSpPr/>
+          <p:nvPr/>
+        </p:nvSpPr>
+        <p:spPr>
+          <a:xfrm>
+            <a:off x="8004321" y="1943071"/>
+            <a:ext cx="707011" cy="642594"/>
+          </a:xfrm>
+          <a:prstGeom prst="ellipse">
+            <a:avLst/>
+          </a:prstGeom>
+        </p:spPr>
+        <p:style>
+          <a:lnRef idx="2">
+            <a:schemeClr val="accent1">
+              <a:shade val="50000"/>
+            </a:schemeClr>
+          </a:lnRef>
+          <a:fillRef idx="1">
+            <a:schemeClr val="accent1"/>
+          </a:fillRef>
+          <a:effectRef idx="0">
+            <a:schemeClr val="accent1"/>
+          </a:effectRef>
+          <a:fontRef idx="minor">
+            <a:schemeClr val="lt1"/>
+          </a:fontRef>
+        </p:style>
+        <p:txBody>
+          <a:bodyPr rtlCol="0" anchor="ctr"/>
+          <a:lstStyle/>
+          <a:p>
+            <a:pPr algn="ctr"/>
+            <a:endParaRPr kumimoji="1" lang="ja-JP" altLang="en-US"/>
+          </a:p>
+        </p:txBody>
+      </p:sp>
+      <p:sp>
+        <p:nvSpPr>
+          <p:cNvPr id="43" name="矢印: 左 42">
+            <a:extLst>
+              <a:ext uri="{FF2B5EF4-FFF2-40B4-BE49-F238E27FC236}">
+                <a16:creationId xmlns:a16="http://schemas.microsoft.com/office/drawing/2014/main" id="{E35DF4B8-9CCB-4F41-BEED-51C2B1208B5B}"/>
+              </a:ext>
+            </a:extLst>
+          </p:cNvPr>
+          <p:cNvSpPr/>
+          <p:nvPr/>
+        </p:nvSpPr>
+        <p:spPr>
+          <a:xfrm>
+            <a:off x="6791513" y="2169621"/>
+            <a:ext cx="871960" cy="192683"/>
+          </a:xfrm>
+          <a:prstGeom prst="leftArrow">
+            <a:avLst/>
+          </a:prstGeom>
+        </p:spPr>
+        <p:style>
+          <a:lnRef idx="2">
+            <a:schemeClr val="accent1">
+              <a:shade val="50000"/>
+            </a:schemeClr>
+          </a:lnRef>
+          <a:fillRef idx="1">
+            <a:schemeClr val="accent1"/>
+          </a:fillRef>
+          <a:effectRef idx="0">
+            <a:schemeClr val="accent1"/>
+          </a:effectRef>
+          <a:fontRef idx="minor">
+            <a:schemeClr val="lt1"/>
+          </a:fontRef>
+        </p:style>
+        <p:txBody>
+          <a:bodyPr rtlCol="0" anchor="ctr"/>
+          <a:lstStyle/>
+          <a:p>
+            <a:pPr algn="ctr"/>
+            <a:endParaRPr kumimoji="1" lang="ja-JP" altLang="en-US"/>
+          </a:p>
+        </p:txBody>
+      </p:sp>
+      <p:sp>
+        <p:nvSpPr>
+          <p:cNvPr id="3" name="テキスト ボックス 2">
+            <a:extLst>
+              <a:ext uri="{FF2B5EF4-FFF2-40B4-BE49-F238E27FC236}">
+                <a16:creationId xmlns:a16="http://schemas.microsoft.com/office/drawing/2014/main" id="{54751B92-14EA-4456-8A3F-0FAC20104E0D}"/>
+              </a:ext>
+            </a:extLst>
+          </p:cNvPr>
+          <p:cNvSpPr txBox="1"/>
+          <p:nvPr/>
+        </p:nvSpPr>
+        <p:spPr>
+          <a:xfrm>
+            <a:off x="8874037" y="2084212"/>
+            <a:ext cx="2526668" cy="369332"/>
+          </a:xfrm>
+          <a:prstGeom prst="rect">
+            <a:avLst/>
+          </a:prstGeom>
+          <a:noFill/>
+        </p:spPr>
+        <p:txBody>
+          <a:bodyPr wrap="square" rtlCol="0">
+            <a:spAutoFit/>
+          </a:bodyPr>
+          <a:lstStyle/>
+          <a:p>
+            <a:r>
+              <a:rPr lang="en-US" dirty="0"/>
+              <a:t>Extended command</a:t>
+            </a:r>
+          </a:p>
+        </p:txBody>
+      </p:sp>
+    </p:spTree>
+    <p:extLst>
+      <p:ext uri="{BB962C8B-B14F-4D97-AF65-F5344CB8AC3E}">
+        <p14:creationId xmlns:p14="http://schemas.microsoft.com/office/powerpoint/2010/main" val="3088134245"/>
+      </p:ext>
+    </p:extLst>
+  </p:cSld>
+  <p:clrMapOvr>
+    <a:masterClrMapping/>
+  </p:clrMapOvr>
+</p:sld>
+</file>
+
 <file path=ppt/theme/theme1.xml><?xml version="1.0" encoding="utf-8"?>
 <a:theme xmlns:a="http://schemas.openxmlformats.org/drawingml/2006/main" name="Office テーマ">
   <a:themeElements>

--- a/doc/I2C_BACKPLANE_SPEC.pptx
+++ b/doc/I2C_BACKPLANE_SPEC.pptx
@@ -252,7 +252,7 @@
           <a:p>
             <a:fld id="{89DDC5F7-2580-4636-96AE-BDAAE81E0478}" type="datetimeFigureOut">
               <a:rPr kumimoji="1" lang="ja-JP" altLang="en-US" smtClean="0"/>
-              <a:t>2017/6/14</a:t>
+              <a:t>2017/6/24</a:t>
             </a:fld>
             <a:endParaRPr kumimoji="1" lang="ja-JP" altLang="en-US"/>
           </a:p>
@@ -452,7 +452,7 @@
           <a:p>
             <a:fld id="{89DDC5F7-2580-4636-96AE-BDAAE81E0478}" type="datetimeFigureOut">
               <a:rPr kumimoji="1" lang="ja-JP" altLang="en-US" smtClean="0"/>
-              <a:t>2017/6/14</a:t>
+              <a:t>2017/6/24</a:t>
             </a:fld>
             <a:endParaRPr kumimoji="1" lang="ja-JP" altLang="en-US"/>
           </a:p>
@@ -662,7 +662,7 @@
           <a:p>
             <a:fld id="{89DDC5F7-2580-4636-96AE-BDAAE81E0478}" type="datetimeFigureOut">
               <a:rPr kumimoji="1" lang="ja-JP" altLang="en-US" smtClean="0"/>
-              <a:t>2017/6/14</a:t>
+              <a:t>2017/6/24</a:t>
             </a:fld>
             <a:endParaRPr kumimoji="1" lang="ja-JP" altLang="en-US"/>
           </a:p>
@@ -862,7 +862,7 @@
           <a:p>
             <a:fld id="{89DDC5F7-2580-4636-96AE-BDAAE81E0478}" type="datetimeFigureOut">
               <a:rPr kumimoji="1" lang="ja-JP" altLang="en-US" smtClean="0"/>
-              <a:t>2017/6/14</a:t>
+              <a:t>2017/6/24</a:t>
             </a:fld>
             <a:endParaRPr kumimoji="1" lang="ja-JP" altLang="en-US"/>
           </a:p>
@@ -1107,7 +1107,7 @@
           <a:p>
             <a:fld id="{89DDC5F7-2580-4636-96AE-BDAAE81E0478}" type="datetimeFigureOut">
               <a:rPr kumimoji="1" lang="ja-JP" altLang="en-US" smtClean="0"/>
-              <a:t>2017/6/14</a:t>
+              <a:t>2017/6/24</a:t>
             </a:fld>
             <a:endParaRPr kumimoji="1" lang="ja-JP" altLang="en-US"/>
           </a:p>
@@ -1400,7 +1400,7 @@
           <a:p>
             <a:fld id="{89DDC5F7-2580-4636-96AE-BDAAE81E0478}" type="datetimeFigureOut">
               <a:rPr kumimoji="1" lang="ja-JP" altLang="en-US" smtClean="0"/>
-              <a:t>2017/6/14</a:t>
+              <a:t>2017/6/24</a:t>
             </a:fld>
             <a:endParaRPr kumimoji="1" lang="ja-JP" altLang="en-US"/>
           </a:p>
@@ -1828,7 +1828,7 @@
           <a:p>
             <a:fld id="{89DDC5F7-2580-4636-96AE-BDAAE81E0478}" type="datetimeFigureOut">
               <a:rPr kumimoji="1" lang="ja-JP" altLang="en-US" smtClean="0"/>
-              <a:t>2017/6/14</a:t>
+              <a:t>2017/6/24</a:t>
             </a:fld>
             <a:endParaRPr kumimoji="1" lang="ja-JP" altLang="en-US"/>
           </a:p>
@@ -1945,7 +1945,7 @@
           <a:p>
             <a:fld id="{89DDC5F7-2580-4636-96AE-BDAAE81E0478}" type="datetimeFigureOut">
               <a:rPr kumimoji="1" lang="ja-JP" altLang="en-US" smtClean="0"/>
-              <a:t>2017/6/14</a:t>
+              <a:t>2017/6/24</a:t>
             </a:fld>
             <a:endParaRPr kumimoji="1" lang="ja-JP" altLang="en-US"/>
           </a:p>
@@ -2040,7 +2040,7 @@
           <a:p>
             <a:fld id="{89DDC5F7-2580-4636-96AE-BDAAE81E0478}" type="datetimeFigureOut">
               <a:rPr kumimoji="1" lang="ja-JP" altLang="en-US" smtClean="0"/>
-              <a:t>2017/6/14</a:t>
+              <a:t>2017/6/24</a:t>
             </a:fld>
             <a:endParaRPr kumimoji="1" lang="ja-JP" altLang="en-US"/>
           </a:p>
@@ -2347,7 +2347,7 @@
           <a:p>
             <a:fld id="{89DDC5F7-2580-4636-96AE-BDAAE81E0478}" type="datetimeFigureOut">
               <a:rPr kumimoji="1" lang="ja-JP" altLang="en-US" smtClean="0"/>
-              <a:t>2017/6/14</a:t>
+              <a:t>2017/6/24</a:t>
             </a:fld>
             <a:endParaRPr kumimoji="1" lang="ja-JP" altLang="en-US"/>
           </a:p>
@@ -2599,7 +2599,7 @@
           <a:p>
             <a:fld id="{89DDC5F7-2580-4636-96AE-BDAAE81E0478}" type="datetimeFigureOut">
               <a:rPr kumimoji="1" lang="ja-JP" altLang="en-US" smtClean="0"/>
-              <a:t>2017/6/14</a:t>
+              <a:t>2017/6/24</a:t>
             </a:fld>
             <a:endParaRPr kumimoji="1" lang="ja-JP" altLang="en-US"/>
           </a:p>
@@ -2842,7 +2842,7 @@
           <a:p>
             <a:fld id="{89DDC5F7-2580-4636-96AE-BDAAE81E0478}" type="datetimeFigureOut">
               <a:rPr kumimoji="1" lang="ja-JP" altLang="en-US" smtClean="0"/>
-              <a:t>2017/6/14</a:t>
+              <a:t>2017/6/24</a:t>
             </a:fld>
             <a:endParaRPr kumimoji="1" lang="ja-JP" altLang="en-US"/>
           </a:p>
@@ -10372,6 +10372,51 @@
           </a:p>
         </p:txBody>
       </p:sp>
+      <p:sp>
+        <p:nvSpPr>
+          <p:cNvPr id="5" name="テキスト ボックス 4">
+            <a:extLst>
+              <a:ext uri="{FF2B5EF4-FFF2-40B4-BE49-F238E27FC236}">
+                <a16:creationId xmlns:a16="http://schemas.microsoft.com/office/drawing/2014/main" id="{C245316B-335C-4ED0-832C-BA2AEF7843A3}"/>
+              </a:ext>
+            </a:extLst>
+          </p:cNvPr>
+          <p:cNvSpPr txBox="1"/>
+          <p:nvPr/>
+        </p:nvSpPr>
+        <p:spPr>
+          <a:xfrm>
+            <a:off x="610010" y="3925578"/>
+            <a:ext cx="3704506" cy="523220"/>
+          </a:xfrm>
+          <a:prstGeom prst="rect">
+            <a:avLst/>
+          </a:prstGeom>
+          <a:solidFill>
+            <a:schemeClr val="bg1"/>
+          </a:solidFill>
+          <a:ln>
+            <a:solidFill>
+              <a:schemeClr val="accent2">
+                <a:lumMod val="60000"/>
+                <a:lumOff val="40000"/>
+              </a:schemeClr>
+            </a:solidFill>
+          </a:ln>
+        </p:spPr>
+        <p:txBody>
+          <a:bodyPr wrap="square" rtlCol="0">
+            <a:spAutoFit/>
+          </a:bodyPr>
+          <a:lstStyle/>
+          <a:p>
+            <a:r>
+              <a:rPr lang="en-US" sz="1400" dirty="0"/>
+              <a:t>Note: SSP1CON2 bit 0 (SEN) is set to 1 to enable clock stretching.</a:t>
+            </a:r>
+          </a:p>
+        </p:txBody>
+      </p:sp>
     </p:spTree>
     <p:extLst>
       <p:ext uri="{BB962C8B-B14F-4D97-AF65-F5344CB8AC3E}">

--- a/doc/I2C_BACKPLANE_SPEC.pptx
+++ b/doc/I2C_BACKPLANE_SPEC.pptx
@@ -8,11 +8,10 @@
     <p:sldId id="256" r:id="rId2"/>
     <p:sldId id="259" r:id="rId3"/>
     <p:sldId id="260" r:id="rId4"/>
-    <p:sldId id="264" r:id="rId5"/>
-    <p:sldId id="258" r:id="rId6"/>
-    <p:sldId id="261" r:id="rId7"/>
-    <p:sldId id="263" r:id="rId8"/>
-    <p:sldId id="265" r:id="rId9"/>
+    <p:sldId id="258" r:id="rId5"/>
+    <p:sldId id="261" r:id="rId6"/>
+    <p:sldId id="263" r:id="rId7"/>
+    <p:sldId id="265" r:id="rId8"/>
   </p:sldIdLst>
   <p:sldSz cx="12192000" cy="6858000"/>
   <p:notesSz cx="6858000" cy="9144000"/>
@@ -252,7 +251,7 @@
           <a:p>
             <a:fld id="{89DDC5F7-2580-4636-96AE-BDAAE81E0478}" type="datetimeFigureOut">
               <a:rPr kumimoji="1" lang="ja-JP" altLang="en-US" smtClean="0"/>
-              <a:t>2017/6/24</a:t>
+              <a:t>2017/7/3</a:t>
             </a:fld>
             <a:endParaRPr kumimoji="1" lang="ja-JP" altLang="en-US"/>
           </a:p>
@@ -452,7 +451,7 @@
           <a:p>
             <a:fld id="{89DDC5F7-2580-4636-96AE-BDAAE81E0478}" type="datetimeFigureOut">
               <a:rPr kumimoji="1" lang="ja-JP" altLang="en-US" smtClean="0"/>
-              <a:t>2017/6/24</a:t>
+              <a:t>2017/7/3</a:t>
             </a:fld>
             <a:endParaRPr kumimoji="1" lang="ja-JP" altLang="en-US"/>
           </a:p>
@@ -662,7 +661,7 @@
           <a:p>
             <a:fld id="{89DDC5F7-2580-4636-96AE-BDAAE81E0478}" type="datetimeFigureOut">
               <a:rPr kumimoji="1" lang="ja-JP" altLang="en-US" smtClean="0"/>
-              <a:t>2017/6/24</a:t>
+              <a:t>2017/7/3</a:t>
             </a:fld>
             <a:endParaRPr kumimoji="1" lang="ja-JP" altLang="en-US"/>
           </a:p>
@@ -862,7 +861,7 @@
           <a:p>
             <a:fld id="{89DDC5F7-2580-4636-96AE-BDAAE81E0478}" type="datetimeFigureOut">
               <a:rPr kumimoji="1" lang="ja-JP" altLang="en-US" smtClean="0"/>
-              <a:t>2017/6/24</a:t>
+              <a:t>2017/7/3</a:t>
             </a:fld>
             <a:endParaRPr kumimoji="1" lang="ja-JP" altLang="en-US"/>
           </a:p>
@@ -1107,7 +1106,7 @@
           <a:p>
             <a:fld id="{89DDC5F7-2580-4636-96AE-BDAAE81E0478}" type="datetimeFigureOut">
               <a:rPr kumimoji="1" lang="ja-JP" altLang="en-US" smtClean="0"/>
-              <a:t>2017/6/24</a:t>
+              <a:t>2017/7/3</a:t>
             </a:fld>
             <a:endParaRPr kumimoji="1" lang="ja-JP" altLang="en-US"/>
           </a:p>
@@ -1400,7 +1399,7 @@
           <a:p>
             <a:fld id="{89DDC5F7-2580-4636-96AE-BDAAE81E0478}" type="datetimeFigureOut">
               <a:rPr kumimoji="1" lang="ja-JP" altLang="en-US" smtClean="0"/>
-              <a:t>2017/6/24</a:t>
+              <a:t>2017/7/3</a:t>
             </a:fld>
             <a:endParaRPr kumimoji="1" lang="ja-JP" altLang="en-US"/>
           </a:p>
@@ -1828,7 +1827,7 @@
           <a:p>
             <a:fld id="{89DDC5F7-2580-4636-96AE-BDAAE81E0478}" type="datetimeFigureOut">
               <a:rPr kumimoji="1" lang="ja-JP" altLang="en-US" smtClean="0"/>
-              <a:t>2017/6/24</a:t>
+              <a:t>2017/7/3</a:t>
             </a:fld>
             <a:endParaRPr kumimoji="1" lang="ja-JP" altLang="en-US"/>
           </a:p>
@@ -1945,7 +1944,7 @@
           <a:p>
             <a:fld id="{89DDC5F7-2580-4636-96AE-BDAAE81E0478}" type="datetimeFigureOut">
               <a:rPr kumimoji="1" lang="ja-JP" altLang="en-US" smtClean="0"/>
-              <a:t>2017/6/24</a:t>
+              <a:t>2017/7/3</a:t>
             </a:fld>
             <a:endParaRPr kumimoji="1" lang="ja-JP" altLang="en-US"/>
           </a:p>
@@ -2040,7 +2039,7 @@
           <a:p>
             <a:fld id="{89DDC5F7-2580-4636-96AE-BDAAE81E0478}" type="datetimeFigureOut">
               <a:rPr kumimoji="1" lang="ja-JP" altLang="en-US" smtClean="0"/>
-              <a:t>2017/6/24</a:t>
+              <a:t>2017/7/3</a:t>
             </a:fld>
             <a:endParaRPr kumimoji="1" lang="ja-JP" altLang="en-US"/>
           </a:p>
@@ -2347,7 +2346,7 @@
           <a:p>
             <a:fld id="{89DDC5F7-2580-4636-96AE-BDAAE81E0478}" type="datetimeFigureOut">
               <a:rPr kumimoji="1" lang="ja-JP" altLang="en-US" smtClean="0"/>
-              <a:t>2017/6/24</a:t>
+              <a:t>2017/7/3</a:t>
             </a:fld>
             <a:endParaRPr kumimoji="1" lang="ja-JP" altLang="en-US"/>
           </a:p>
@@ -2599,7 +2598,7 @@
           <a:p>
             <a:fld id="{89DDC5F7-2580-4636-96AE-BDAAE81E0478}" type="datetimeFigureOut">
               <a:rPr kumimoji="1" lang="ja-JP" altLang="en-US" smtClean="0"/>
-              <a:t>2017/6/24</a:t>
+              <a:t>2017/7/3</a:t>
             </a:fld>
             <a:endParaRPr kumimoji="1" lang="ja-JP" altLang="en-US"/>
           </a:p>
@@ -2842,7 +2841,7 @@
           <a:p>
             <a:fld id="{89DDC5F7-2580-4636-96AE-BDAAE81E0478}" type="datetimeFigureOut">
               <a:rPr kumimoji="1" lang="ja-JP" altLang="en-US" smtClean="0"/>
-              <a:t>2017/6/24</a:t>
+              <a:t>2017/7/3</a:t>
             </a:fld>
             <a:endParaRPr kumimoji="1" lang="ja-JP" altLang="en-US"/>
           </a:p>
@@ -3367,12 +3366,21 @@
             </a:r>
           </a:p>
           <a:p>
+            <a:pPr lvl="1"/>
+            <a:r>
+              <a:rPr lang="en-US" altLang="ja-JP" dirty="0"/>
+              <a:t>Bus speed: 100kbps</a:t>
+            </a:r>
+          </a:p>
+          <a:p>
+            <a:pPr lvl="1"/>
             <a:r>
               <a:rPr kumimoji="1" lang="en-US" altLang="ja-JP" dirty="0"/>
-              <a:t>Max seven I2C slaves supported</a:t>
-            </a:r>
-          </a:p>
-          <a:p>
+              <a:t>Scheduler: time-slot-based</a:t>
+            </a:r>
+          </a:p>
+          <a:p>
+            <a:pPr lvl="1"/>
             <a:r>
               <a:rPr lang="en-US" altLang="ja-JP" dirty="0" err="1"/>
               <a:t>Plug&amp;play</a:t>
@@ -3381,7 +3389,9 @@
               <a:rPr lang="en-US" altLang="ja-JP" dirty="0"/>
               <a:t> with I2C general call</a:t>
             </a:r>
-            <a:endParaRPr kumimoji="1" lang="ja-JP" altLang="en-US" dirty="0"/>
+          </a:p>
+          <a:p>
+            <a:endParaRPr lang="en-US" altLang="ja-JP" dirty="0"/>
           </a:p>
         </p:txBody>
       </p:sp>
@@ -4628,7 +4638,7 @@
         <p:spPr>
           <a:xfrm>
             <a:off x="8051777" y="3768133"/>
-            <a:ext cx="1790875" cy="430887"/>
+            <a:ext cx="1721946" cy="430887"/>
           </a:xfrm>
           <a:prstGeom prst="rect">
             <a:avLst/>
@@ -4643,7 +4653,7 @@
           <a:p>
             <a:r>
               <a:rPr lang="en-US" altLang="ja-JP" sz="1100" dirty="0"/>
-              <a:t>Interval: 50msec * scaler</a:t>
+              <a:t>Interval: 8msec * scaler</a:t>
             </a:r>
           </a:p>
           <a:p>
@@ -4825,185 +4835,6 @@
             <p:ph type="title"/>
           </p:nvPr>
         </p:nvSpPr>
-        <p:spPr/>
-        <p:txBody>
-          <a:bodyPr/>
-          <a:lstStyle/>
-          <a:p>
-            <a:r>
-              <a:rPr kumimoji="1" lang="en-US" altLang="ja-JP" dirty="0"/>
-              <a:t>Scheduler</a:t>
-            </a:r>
-            <a:endParaRPr kumimoji="1" lang="ja-JP" altLang="en-US" dirty="0"/>
-          </a:p>
-        </p:txBody>
-      </p:sp>
-      <p:sp>
-        <p:nvSpPr>
-          <p:cNvPr id="3" name="コンテンツ プレースホルダー 2"/>
-          <p:cNvSpPr>
-            <a:spLocks noGrp="1"/>
-          </p:cNvSpPr>
-          <p:nvPr>
-            <p:ph idx="1"/>
-          </p:nvPr>
-        </p:nvSpPr>
-        <p:spPr/>
-        <p:txBody>
-          <a:bodyPr/>
-          <a:lstStyle/>
-          <a:p>
-            <a:r>
-              <a:rPr kumimoji="1" lang="en-US" altLang="ja-JP" dirty="0"/>
-              <a:t>Time-slot-based</a:t>
-            </a:r>
-          </a:p>
-          <a:p>
-            <a:r>
-              <a:rPr lang="en-US" altLang="ja-JP" dirty="0"/>
-              <a:t>Reduces the p</a:t>
-            </a:r>
-            <a:r>
-              <a:rPr kumimoji="1" lang="en-US" altLang="ja-JP" dirty="0"/>
-              <a:t>ower supplied via I2C bus</a:t>
-            </a:r>
-          </a:p>
-          <a:p>
-            <a:pPr marL="0" indent="0">
-              <a:buNone/>
-            </a:pPr>
-            <a:endParaRPr kumimoji="1" lang="en-US" altLang="ja-JP" dirty="0"/>
-          </a:p>
-          <a:p>
-            <a:endParaRPr kumimoji="1" lang="en-US" altLang="ja-JP" dirty="0"/>
-          </a:p>
-          <a:p>
-            <a:endParaRPr kumimoji="1" lang="ja-JP" altLang="en-US" dirty="0"/>
-          </a:p>
-        </p:txBody>
-      </p:sp>
-      <p:sp>
-        <p:nvSpPr>
-          <p:cNvPr id="4" name="正方形/長方形 3">
-            <a:extLst>
-              <a:ext uri="{FF2B5EF4-FFF2-40B4-BE49-F238E27FC236}">
-                <a16:creationId xmlns:a16="http://schemas.microsoft.com/office/drawing/2014/main" id="{A9409094-AF35-4C4A-937F-353763898F81}"/>
-              </a:ext>
-            </a:extLst>
-          </p:cNvPr>
-          <p:cNvSpPr/>
-          <p:nvPr/>
-        </p:nvSpPr>
-        <p:spPr>
-          <a:xfrm>
-            <a:off x="923109" y="3457303"/>
-            <a:ext cx="10430691" cy="2325188"/>
-          </a:xfrm>
-          <a:prstGeom prst="rect">
-            <a:avLst/>
-          </a:prstGeom>
-          <a:solidFill>
-            <a:schemeClr val="accent6">
-              <a:lumMod val="75000"/>
-            </a:schemeClr>
-          </a:solidFill>
-        </p:spPr>
-        <p:style>
-          <a:lnRef idx="2">
-            <a:schemeClr val="accent1">
-              <a:shade val="50000"/>
-            </a:schemeClr>
-          </a:lnRef>
-          <a:fillRef idx="1">
-            <a:schemeClr val="accent1"/>
-          </a:fillRef>
-          <a:effectRef idx="0">
-            <a:schemeClr val="accent1"/>
-          </a:effectRef>
-          <a:fontRef idx="minor">
-            <a:schemeClr val="lt1"/>
-          </a:fontRef>
-        </p:style>
-        <p:txBody>
-          <a:bodyPr rtlCol="0" anchor="ctr"/>
-          <a:lstStyle/>
-          <a:p>
-            <a:r>
-              <a:rPr kumimoji="1" lang="en-US" altLang="ja-JP" u="sng" dirty="0"/>
-              <a:t>Recommendation</a:t>
-            </a:r>
-          </a:p>
-          <a:p>
-            <a:endParaRPr lang="en-US" altLang="ja-JP" dirty="0"/>
-          </a:p>
-          <a:p>
-            <a:r>
-              <a:rPr lang="en-US" altLang="ja-JP" dirty="0"/>
-              <a:t>Use MCU (such as PIC16F1) or </a:t>
-            </a:r>
-            <a:r>
-              <a:rPr lang="en-US" altLang="ja-JP" dirty="0" err="1"/>
-              <a:t>mbed</a:t>
-            </a:r>
-            <a:r>
-              <a:rPr lang="en-US" altLang="ja-JP" dirty="0"/>
-              <a:t> as a basis of mini PLC.</a:t>
-            </a:r>
-          </a:p>
-          <a:p>
-            <a:endParaRPr kumimoji="1" lang="en-US" altLang="ja-JP" dirty="0"/>
-          </a:p>
-          <a:p>
-            <a:r>
-              <a:rPr lang="en-US" altLang="ja-JP" dirty="0"/>
-              <a:t>Linux is not good at real-time processing, so this I2C backplane may not work well.</a:t>
-            </a:r>
-          </a:p>
-          <a:p>
-            <a:endParaRPr kumimoji="1" lang="ja-JP" altLang="en-US" dirty="0"/>
-          </a:p>
-        </p:txBody>
-      </p:sp>
-    </p:spTree>
-    <p:extLst>
-      <p:ext uri="{BB962C8B-B14F-4D97-AF65-F5344CB8AC3E}">
-        <p14:creationId xmlns:p14="http://schemas.microsoft.com/office/powerpoint/2010/main" val="3431797438"/>
-      </p:ext>
-    </p:extLst>
-  </p:cSld>
-  <p:clrMapOvr>
-    <a:masterClrMapping/>
-  </p:clrMapOvr>
-</p:sld>
-</file>
-
-<file path=ppt/slides/slide5.xml><?xml version="1.0" encoding="utf-8"?>
-<p:sld xmlns:a="http://schemas.openxmlformats.org/drawingml/2006/main" xmlns:r="http://schemas.openxmlformats.org/officeDocument/2006/relationships" xmlns:p="http://schemas.openxmlformats.org/presentationml/2006/main">
-  <p:cSld>
-    <p:spTree>
-      <p:nvGrpSpPr>
-        <p:cNvPr id="1" name=""/>
-        <p:cNvGrpSpPr/>
-        <p:nvPr/>
-      </p:nvGrpSpPr>
-      <p:grpSpPr>
-        <a:xfrm>
-          <a:off x="0" y="0"/>
-          <a:ext cx="0" cy="0"/>
-          <a:chOff x="0" y="0"/>
-          <a:chExt cx="0" cy="0"/>
-        </a:xfrm>
-      </p:grpSpPr>
-      <p:sp>
-        <p:nvSpPr>
-          <p:cNvPr id="2" name="タイトル 1"/>
-          <p:cNvSpPr>
-            <a:spLocks noGrp="1"/>
-          </p:cNvSpPr>
-          <p:nvPr>
-            <p:ph type="title"/>
-          </p:nvPr>
-        </p:nvSpPr>
         <p:spPr>
           <a:xfrm>
             <a:off x="838200" y="365125"/>
@@ -5016,7 +4847,15 @@
           <a:p>
             <a:r>
               <a:rPr kumimoji="1" lang="en-US" altLang="ja-JP" dirty="0"/>
-              <a:t>Scheduler and 50msec time slot</a:t>
+              <a:t>Scheduler and </a:t>
+            </a:r>
+            <a:r>
+              <a:rPr lang="en-US" altLang="ja-JP" dirty="0"/>
+              <a:t>8</a:t>
+            </a:r>
+            <a:r>
+              <a:rPr kumimoji="1" lang="en-US" altLang="ja-JP" dirty="0"/>
+              <a:t>msec time slot</a:t>
             </a:r>
             <a:endParaRPr kumimoji="1" lang="ja-JP" altLang="en-US" dirty="0"/>
           </a:p>
@@ -5031,7 +4870,7 @@
           <p:nvPr>
             <p:extLst>
               <p:ext uri="{D42A27DB-BD31-4B8C-83A1-F6EECF244321}">
-                <p14:modId xmlns:p14="http://schemas.microsoft.com/office/powerpoint/2010/main" val="1113001179"/>
+                <p14:modId xmlns:p14="http://schemas.microsoft.com/office/powerpoint/2010/main" val="1254460711"/>
               </p:ext>
             </p:extLst>
           </p:nvPr>
@@ -5207,7 +5046,7 @@
                     <a:p>
                       <a:r>
                         <a:rPr kumimoji="1" lang="en-US" altLang="ja-JP" sz="1100" dirty="0"/>
-                        <a:t>INV</a:t>
+                        <a:t>NOP</a:t>
                       </a:r>
                       <a:endParaRPr kumimoji="1" lang="ja-JP" altLang="en-US" sz="1100" dirty="0"/>
                     </a:p>
@@ -5249,7 +5088,7 @@
                     <a:p>
                       <a:r>
                         <a:rPr kumimoji="1" lang="en-US" altLang="ja-JP" sz="1100" dirty="0"/>
-                        <a:t>SEN</a:t>
+                        <a:t>NOP</a:t>
                       </a:r>
                       <a:endParaRPr kumimoji="1" lang="ja-JP" altLang="en-US" sz="1100" dirty="0"/>
                     </a:p>
@@ -5291,7 +5130,7 @@
                     <a:p>
                       <a:r>
                         <a:rPr kumimoji="1" lang="en-US" altLang="ja-JP" sz="1100" dirty="0"/>
-                        <a:t>INV</a:t>
+                        <a:t>NOP</a:t>
                       </a:r>
                       <a:endParaRPr kumimoji="1" lang="ja-JP" altLang="en-US" sz="1100" dirty="0"/>
                     </a:p>
@@ -5333,7 +5172,7 @@
                     <a:p>
                       <a:r>
                         <a:rPr kumimoji="1" lang="en-US" altLang="ja-JP" sz="1100" dirty="0"/>
-                        <a:t>SEN</a:t>
+                        <a:t>NOP</a:t>
                       </a:r>
                       <a:endParaRPr kumimoji="1" lang="ja-JP" altLang="en-US" sz="1100" dirty="0"/>
                     </a:p>
@@ -5375,7 +5214,7 @@
                     <a:p>
                       <a:r>
                         <a:rPr kumimoji="1" lang="en-US" altLang="ja-JP" sz="1100" dirty="0"/>
-                        <a:t>INV</a:t>
+                        <a:t>NOP</a:t>
                       </a:r>
                       <a:endParaRPr kumimoji="1" lang="ja-JP" altLang="en-US" sz="1100" dirty="0"/>
                     </a:p>
@@ -5417,7 +5256,7 @@
                     <a:p>
                       <a:r>
                         <a:rPr kumimoji="1" lang="en-US" altLang="ja-JP" sz="1100" dirty="0"/>
-                        <a:t>SEN</a:t>
+                        <a:t>NOP</a:t>
                       </a:r>
                       <a:endParaRPr kumimoji="1" lang="ja-JP" altLang="en-US" sz="1100" dirty="0"/>
                     </a:p>
@@ -5459,7 +5298,7 @@
                     <a:p>
                       <a:r>
                         <a:rPr kumimoji="1" lang="en-US" altLang="ja-JP" sz="1100" dirty="0"/>
-                        <a:t>ADT</a:t>
+                        <a:t>NOP</a:t>
                       </a:r>
                       <a:endParaRPr kumimoji="1" lang="ja-JP" altLang="en-US" sz="1100" dirty="0"/>
                     </a:p>
@@ -5627,7 +5466,7 @@
                     <a:p>
                       <a:r>
                         <a:rPr kumimoji="1" lang="en-US" altLang="ja-JP" sz="1100" dirty="0"/>
-                        <a:t>SEN</a:t>
+                        <a:t>NOP</a:t>
                       </a:r>
                       <a:endParaRPr kumimoji="1" lang="ja-JP" altLang="en-US" sz="1100" dirty="0"/>
                     </a:p>
@@ -5669,7 +5508,7 @@
                     <a:p>
                       <a:r>
                         <a:rPr kumimoji="1" lang="en-US" altLang="ja-JP" sz="1100" dirty="0"/>
-                        <a:t>INV</a:t>
+                        <a:t>NOP</a:t>
                       </a:r>
                       <a:endParaRPr kumimoji="1" lang="ja-JP" altLang="en-US" sz="1100" dirty="0"/>
                     </a:p>
@@ -5711,7 +5550,7 @@
                     <a:p>
                       <a:r>
                         <a:rPr kumimoji="1" lang="en-US" altLang="ja-JP" sz="1100" dirty="0"/>
-                        <a:t>SEN</a:t>
+                        <a:t>NOP</a:t>
                       </a:r>
                       <a:endParaRPr kumimoji="1" lang="ja-JP" altLang="en-US" sz="1100" dirty="0"/>
                     </a:p>
@@ -5753,7 +5592,7 @@
                     <a:p>
                       <a:r>
                         <a:rPr kumimoji="1" lang="en-US" altLang="ja-JP" sz="1100" dirty="0"/>
-                        <a:t>INV</a:t>
+                        <a:t>NOP</a:t>
                       </a:r>
                       <a:endParaRPr kumimoji="1" lang="ja-JP" altLang="en-US" sz="1100" dirty="0"/>
                     </a:p>
@@ -5795,7 +5634,7 @@
                     <a:p>
                       <a:r>
                         <a:rPr kumimoji="1" lang="en-US" altLang="ja-JP" sz="1100" dirty="0"/>
-                        <a:t>SEN</a:t>
+                        <a:t>INV</a:t>
                       </a:r>
                       <a:endParaRPr kumimoji="1" lang="ja-JP" altLang="en-US" sz="1100" dirty="0"/>
                     </a:p>
@@ -5837,7 +5676,7 @@
                     <a:p>
                       <a:r>
                         <a:rPr kumimoji="1" lang="en-US" altLang="ja-JP" sz="1100" dirty="0"/>
-                        <a:t>INV</a:t>
+                        <a:t>NOP</a:t>
                       </a:r>
                       <a:endParaRPr kumimoji="1" lang="ja-JP" altLang="en-US" sz="1100" dirty="0"/>
                     </a:p>
@@ -5879,7 +5718,7 @@
                     <a:p>
                       <a:r>
                         <a:rPr kumimoji="1" lang="en-US" altLang="ja-JP" sz="1100" dirty="0"/>
-                        <a:t>SEN</a:t>
+                        <a:t>NOP</a:t>
                       </a:r>
                       <a:endParaRPr kumimoji="1" lang="ja-JP" altLang="en-US" sz="1100" dirty="0"/>
                     </a:p>
@@ -6480,7 +6319,7 @@
         <p:spPr>
           <a:xfrm>
             <a:off x="10709852" y="1373464"/>
-            <a:ext cx="726481" cy="261610"/>
+            <a:ext cx="344966" cy="261610"/>
           </a:xfrm>
           <a:prstGeom prst="rect">
             <a:avLst/>
@@ -6494,16 +6333,8 @@
           <a:lstStyle/>
           <a:p>
             <a:r>
-              <a:rPr lang="en-US" altLang="ja-JP" sz="1100" dirty="0"/>
-              <a:t>50</a:t>
-            </a:r>
-            <a:r>
-              <a:rPr kumimoji="1" lang="en-US" altLang="ja-JP" sz="1100" dirty="0"/>
-              <a:t> </a:t>
-            </a:r>
-            <a:r>
-              <a:rPr kumimoji="1" lang="en-US" altLang="ja-JP" sz="1100" dirty="0" err="1"/>
-              <a:t>msec</a:t>
+              <a:rPr lang="en-US" altLang="ja-JP" sz="1100" dirty="0" err="1"/>
+              <a:t>Ts</a:t>
             </a:r>
             <a:endParaRPr kumimoji="1" lang="ja-JP" altLang="en-US" sz="1100" dirty="0"/>
           </a:p>
@@ -6795,7 +6626,7 @@
         </p:nvSpPr>
         <p:spPr>
           <a:xfrm>
-            <a:off x="11660554" y="3933923"/>
+            <a:off x="11338335" y="3925214"/>
             <a:ext cx="874206" cy="261610"/>
           </a:xfrm>
           <a:prstGeom prst="rect">
@@ -6810,8 +6641,12 @@
           <a:lstStyle/>
           <a:p>
             <a:r>
+              <a:rPr kumimoji="1" lang="en-US" altLang="ja-JP" sz="1100" dirty="0" err="1"/>
+              <a:t>Ts</a:t>
+            </a:r>
+            <a:r>
               <a:rPr kumimoji="1" lang="en-US" altLang="ja-JP" sz="1100" dirty="0"/>
-              <a:t>1sec</a:t>
+              <a:t> * 20</a:t>
             </a:r>
             <a:endParaRPr kumimoji="1" lang="ja-JP" altLang="en-US" sz="1100" dirty="0"/>
           </a:p>
@@ -6825,7 +6660,7 @@
         </p:nvSpPr>
         <p:spPr>
           <a:xfrm>
-            <a:off x="11419408" y="1461157"/>
+            <a:off x="11097187" y="1461157"/>
             <a:ext cx="205575" cy="5196840"/>
           </a:xfrm>
           <a:prstGeom prst="rightBrace">
@@ -7070,7 +6905,7 @@
 </p:sld>
 </file>
 
-<file path=ppt/slides/slide6.xml><?xml version="1.0" encoding="utf-8"?>
+<file path=ppt/slides/slide5.xml><?xml version="1.0" encoding="utf-8"?>
 <p:sld xmlns:a="http://schemas.openxmlformats.org/drawingml/2006/main" xmlns:r="http://schemas.openxmlformats.org/officeDocument/2006/relationships" xmlns:p="http://schemas.openxmlformats.org/presentationml/2006/main">
   <p:cSld>
     <p:spTree>
@@ -8170,7 +8005,7 @@
 </p:sld>
 </file>
 
-<file path=ppt/slides/slide7.xml><?xml version="1.0" encoding="utf-8"?>
+<file path=ppt/slides/slide6.xml><?xml version="1.0" encoding="utf-8"?>
 <p:sld xmlns:a="http://schemas.openxmlformats.org/drawingml/2006/main" xmlns:r="http://schemas.openxmlformats.org/officeDocument/2006/relationships" xmlns:p="http://schemas.openxmlformats.org/presentationml/2006/main">
   <p:cSld>
     <p:spTree>
@@ -9810,7 +9645,7 @@
 </p:sld>
 </file>
 
-<file path=ppt/slides/slide8.xml><?xml version="1.0" encoding="utf-8"?>
+<file path=ppt/slides/slide7.xml><?xml version="1.0" encoding="utf-8"?>
 <p:sld xmlns:a="http://schemas.openxmlformats.org/drawingml/2006/main" xmlns:r="http://schemas.openxmlformats.org/officeDocument/2006/relationships" xmlns:p="http://schemas.openxmlformats.org/presentationml/2006/main">
   <p:cSld>
     <p:spTree>
